--- a/Prometheus.pptx
+++ b/Prometheus.pptx
@@ -8,6 +8,12 @@
     <p:sldId id="256" r:id="rId2"/>
     <p:sldId id="257" r:id="rId3"/>
     <p:sldId id="258" r:id="rId4"/>
+    <p:sldId id="260" r:id="rId5"/>
+    <p:sldId id="259" r:id="rId6"/>
+    <p:sldId id="261" r:id="rId7"/>
+    <p:sldId id="262" r:id="rId8"/>
+    <p:sldId id="263" r:id="rId9"/>
+    <p:sldId id="264" r:id="rId10"/>
   </p:sldIdLst>
   <p:sldSz cx="12192000" cy="6858000"/>
   <p:notesSz cx="6858000" cy="9144000"/>
@@ -106,6 +112,11 @@
       </a:defRPr>
     </a:lvl9pPr>
   </p:defaultTextStyle>
+  <p:extLst>
+    <p:ext uri="{EFAFB233-063F-42B5-8137-9DF3F51BA10A}">
+      <p15:sldGuideLst xmlns:p15="http://schemas.microsoft.com/office/powerpoint/2012/main"/>
+    </p:ext>
+  </p:extLst>
 </p:presentation>
 </file>
 
@@ -166,7 +177,7 @@
           <a:noFill/>
           <a:extLst>
             <a:ext uri="{909E8E84-426E-40dd-AFC4-6F175D3DCCD1}">
-              <a14:hiddenFill xmlns:a14="http://schemas.microsoft.com/office/drawing/2010/main" xmlns="">
+              <a14:hiddenFill xmlns="" xmlns:a14="http://schemas.microsoft.com/office/drawing/2010/main">
                 <a:solidFill>
                   <a:srgbClr val="FFFFFF"/>
                 </a:solidFill>
@@ -225,7 +236,7 @@
             </a:ln>
             <a:extLst>
               <a:ext uri="{91240B29-F687-4f45-9708-019B960494DF}">
-                <a14:hiddenLine xmlns:a14="http://schemas.microsoft.com/office/drawing/2010/main" xmlns="" w="9525">
+                <a14:hiddenLine xmlns="" xmlns:a14="http://schemas.microsoft.com/office/drawing/2010/main" w="9525">
                   <a:solidFill>
                     <a:srgbClr val="000000"/>
                   </a:solidFill>
@@ -315,7 +326,7 @@
             </a:ln>
             <a:extLst>
               <a:ext uri="{91240B29-F687-4f45-9708-019B960494DF}">
-                <a14:hiddenLine xmlns:a14="http://schemas.microsoft.com/office/drawing/2010/main" xmlns="" w="9525">
+                <a14:hiddenLine xmlns="" xmlns:a14="http://schemas.microsoft.com/office/drawing/2010/main" w="9525">
                   <a:solidFill>
                     <a:srgbClr val="000000"/>
                   </a:solidFill>
@@ -405,7 +416,7 @@
             </a:ln>
             <a:extLst>
               <a:ext uri="{91240B29-F687-4f45-9708-019B960494DF}">
-                <a14:hiddenLine xmlns:a14="http://schemas.microsoft.com/office/drawing/2010/main" xmlns="" w="9525">
+                <a14:hiddenLine xmlns="" xmlns:a14="http://schemas.microsoft.com/office/drawing/2010/main" w="9525">
                   <a:solidFill>
                     <a:srgbClr val="000000"/>
                   </a:solidFill>
@@ -439,7 +450,7 @@
             </a:ln>
             <a:extLst>
               <a:ext uri="{91240B29-F687-4f45-9708-019B960494DF}">
-                <a14:hiddenLine xmlns:a14="http://schemas.microsoft.com/office/drawing/2010/main" xmlns="" w="9525">
+                <a14:hiddenLine xmlns="" xmlns:a14="http://schemas.microsoft.com/office/drawing/2010/main" w="9525">
                   <a:solidFill>
                     <a:srgbClr val="000000"/>
                   </a:solidFill>
@@ -529,7 +540,7 @@
             </a:ln>
             <a:extLst>
               <a:ext uri="{91240B29-F687-4f45-9708-019B960494DF}">
-                <a14:hiddenLine xmlns:a14="http://schemas.microsoft.com/office/drawing/2010/main" xmlns="" w="9525">
+                <a14:hiddenLine xmlns="" xmlns:a14="http://schemas.microsoft.com/office/drawing/2010/main" w="9525">
                   <a:solidFill>
                     <a:srgbClr val="000000"/>
                   </a:solidFill>
@@ -591,7 +602,7 @@
             </a:ln>
             <a:extLst>
               <a:ext uri="{91240B29-F687-4f45-9708-019B960494DF}">
-                <a14:hiddenLine xmlns:a14="http://schemas.microsoft.com/office/drawing/2010/main" xmlns="" w="9525">
+                <a14:hiddenLine xmlns="" xmlns:a14="http://schemas.microsoft.com/office/drawing/2010/main" w="9525">
                   <a:solidFill>
                     <a:srgbClr val="000000"/>
                   </a:solidFill>
@@ -653,7 +664,7 @@
             </a:ln>
             <a:extLst>
               <a:ext uri="{91240B29-F687-4f45-9708-019B960494DF}">
-                <a14:hiddenLine xmlns:a14="http://schemas.microsoft.com/office/drawing/2010/main" xmlns="" w="9525">
+                <a14:hiddenLine xmlns="" xmlns:a14="http://schemas.microsoft.com/office/drawing/2010/main" w="9525">
                   <a:solidFill>
                     <a:srgbClr val="000000"/>
                   </a:solidFill>
@@ -743,7 +754,7 @@
             </a:ln>
             <a:extLst>
               <a:ext uri="{91240B29-F687-4f45-9708-019B960494DF}">
-                <a14:hiddenLine xmlns:a14="http://schemas.microsoft.com/office/drawing/2010/main" xmlns="" w="9525">
+                <a14:hiddenLine xmlns="" xmlns:a14="http://schemas.microsoft.com/office/drawing/2010/main" w="9525">
                   <a:solidFill>
                     <a:srgbClr val="000000"/>
                   </a:solidFill>
@@ -805,7 +816,7 @@
             </a:ln>
             <a:extLst>
               <a:ext uri="{91240B29-F687-4f45-9708-019B960494DF}">
-                <a14:hiddenLine xmlns:a14="http://schemas.microsoft.com/office/drawing/2010/main" xmlns="" w="9525">
+                <a14:hiddenLine xmlns="" xmlns:a14="http://schemas.microsoft.com/office/drawing/2010/main" w="9525">
                   <a:solidFill>
                     <a:srgbClr val="000000"/>
                   </a:solidFill>
@@ -867,7 +878,7 @@
             </a:ln>
             <a:extLst>
               <a:ext uri="{91240B29-F687-4f45-9708-019B960494DF}">
-                <a14:hiddenLine xmlns:a14="http://schemas.microsoft.com/office/drawing/2010/main" xmlns="" w="9525">
+                <a14:hiddenLine xmlns="" xmlns:a14="http://schemas.microsoft.com/office/drawing/2010/main" w="9525">
                   <a:solidFill>
                     <a:srgbClr val="000000"/>
                   </a:solidFill>
@@ -957,7 +968,7 @@
             </a:ln>
             <a:extLst>
               <a:ext uri="{91240B29-F687-4f45-9708-019B960494DF}">
-                <a14:hiddenLine xmlns:a14="http://schemas.microsoft.com/office/drawing/2010/main" xmlns="" w="9525">
+                <a14:hiddenLine xmlns="" xmlns:a14="http://schemas.microsoft.com/office/drawing/2010/main" w="9525">
                   <a:solidFill>
                     <a:srgbClr val="000000"/>
                   </a:solidFill>
@@ -1047,7 +1058,7 @@
             </a:ln>
             <a:extLst>
               <a:ext uri="{91240B29-F687-4f45-9708-019B960494DF}">
-                <a14:hiddenLine xmlns:a14="http://schemas.microsoft.com/office/drawing/2010/main" xmlns="" w="9525">
+                <a14:hiddenLine xmlns="" xmlns:a14="http://schemas.microsoft.com/office/drawing/2010/main" w="9525">
                   <a:solidFill>
                     <a:srgbClr val="000000"/>
                   </a:solidFill>
@@ -1109,7 +1120,7 @@
             </a:ln>
             <a:extLst>
               <a:ext uri="{91240B29-F687-4f45-9708-019B960494DF}">
-                <a14:hiddenLine xmlns:a14="http://schemas.microsoft.com/office/drawing/2010/main" xmlns="" w="9525">
+                <a14:hiddenLine xmlns="" xmlns:a14="http://schemas.microsoft.com/office/drawing/2010/main" w="9525">
                   <a:solidFill>
                     <a:srgbClr val="000000"/>
                   </a:solidFill>
@@ -1219,7 +1230,7 @@
             </a:ln>
             <a:extLst>
               <a:ext uri="{91240B29-F687-4f45-9708-019B960494DF}">
-                <a14:hiddenLine xmlns:a14="http://schemas.microsoft.com/office/drawing/2010/main" xmlns="" w="9525">
+                <a14:hiddenLine xmlns="" xmlns:a14="http://schemas.microsoft.com/office/drawing/2010/main" w="9525">
                   <a:solidFill>
                     <a:srgbClr val="000000"/>
                   </a:solidFill>
@@ -1281,7 +1292,7 @@
             </a:ln>
             <a:extLst>
               <a:ext uri="{91240B29-F687-4f45-9708-019B960494DF}">
-                <a14:hiddenLine xmlns:a14="http://schemas.microsoft.com/office/drawing/2010/main" xmlns="" w="9525">
+                <a14:hiddenLine xmlns="" xmlns:a14="http://schemas.microsoft.com/office/drawing/2010/main" w="9525">
                   <a:solidFill>
                     <a:srgbClr val="000000"/>
                   </a:solidFill>
@@ -1371,7 +1382,7 @@
             </a:ln>
             <a:extLst>
               <a:ext uri="{91240B29-F687-4f45-9708-019B960494DF}">
-                <a14:hiddenLine xmlns:a14="http://schemas.microsoft.com/office/drawing/2010/main" xmlns="" w="9525">
+                <a14:hiddenLine xmlns="" xmlns:a14="http://schemas.microsoft.com/office/drawing/2010/main" w="9525">
                   <a:solidFill>
                     <a:srgbClr val="000000"/>
                   </a:solidFill>
@@ -1461,7 +1472,7 @@
             </a:ln>
             <a:extLst>
               <a:ext uri="{91240B29-F687-4f45-9708-019B960494DF}">
-                <a14:hiddenLine xmlns:a14="http://schemas.microsoft.com/office/drawing/2010/main" xmlns="" w="9525">
+                <a14:hiddenLine xmlns="" xmlns:a14="http://schemas.microsoft.com/office/drawing/2010/main" w="9525">
                   <a:solidFill>
                     <a:srgbClr val="000000"/>
                   </a:solidFill>
@@ -1523,7 +1534,7 @@
             </a:ln>
             <a:extLst>
               <a:ext uri="{91240B29-F687-4f45-9708-019B960494DF}">
-                <a14:hiddenLine xmlns:a14="http://schemas.microsoft.com/office/drawing/2010/main" xmlns="" w="9525">
+                <a14:hiddenLine xmlns="" xmlns:a14="http://schemas.microsoft.com/office/drawing/2010/main" w="9525">
                   <a:solidFill>
                     <a:srgbClr val="000000"/>
                   </a:solidFill>
@@ -1613,7 +1624,7 @@
             </a:ln>
             <a:extLst>
               <a:ext uri="{91240B29-F687-4f45-9708-019B960494DF}">
-                <a14:hiddenLine xmlns:a14="http://schemas.microsoft.com/office/drawing/2010/main" xmlns="" w="9525">
+                <a14:hiddenLine xmlns="" xmlns:a14="http://schemas.microsoft.com/office/drawing/2010/main" w="9525">
                   <a:solidFill>
                     <a:srgbClr val="000000"/>
                   </a:solidFill>
@@ -1703,7 +1714,7 @@
             </a:ln>
             <a:extLst>
               <a:ext uri="{91240B29-F687-4f45-9708-019B960494DF}">
-                <a14:hiddenLine xmlns:a14="http://schemas.microsoft.com/office/drawing/2010/main" xmlns="" w="9525">
+                <a14:hiddenLine xmlns="" xmlns:a14="http://schemas.microsoft.com/office/drawing/2010/main" w="9525">
                   <a:solidFill>
                     <a:srgbClr val="000000"/>
                   </a:solidFill>
@@ -1759,7 +1770,7 @@
             </a:ln>
             <a:extLst>
               <a:ext uri="{91240B29-F687-4f45-9708-019B960494DF}">
-                <a14:hiddenLine xmlns:a14="http://schemas.microsoft.com/office/drawing/2010/main" xmlns="" w="9525">
+                <a14:hiddenLine xmlns="" xmlns:a14="http://schemas.microsoft.com/office/drawing/2010/main" w="9525">
                   <a:solidFill>
                     <a:srgbClr val="000000"/>
                   </a:solidFill>
@@ -1849,7 +1860,7 @@
             </a:ln>
             <a:extLst>
               <a:ext uri="{91240B29-F687-4f45-9708-019B960494DF}">
-                <a14:hiddenLine xmlns:a14="http://schemas.microsoft.com/office/drawing/2010/main" xmlns="" w="9525">
+                <a14:hiddenLine xmlns="" xmlns:a14="http://schemas.microsoft.com/office/drawing/2010/main" w="9525">
                   <a:solidFill>
                     <a:srgbClr val="000000"/>
                   </a:solidFill>
@@ -1905,7 +1916,7 @@
             </a:ln>
             <a:extLst>
               <a:ext uri="{91240B29-F687-4f45-9708-019B960494DF}">
-                <a14:hiddenLine xmlns:a14="http://schemas.microsoft.com/office/drawing/2010/main" xmlns="" w="9525">
+                <a14:hiddenLine xmlns="" xmlns:a14="http://schemas.microsoft.com/office/drawing/2010/main" w="9525">
                   <a:solidFill>
                     <a:srgbClr val="000000"/>
                   </a:solidFill>
@@ -1995,7 +2006,7 @@
             </a:ln>
             <a:extLst>
               <a:ext uri="{91240B29-F687-4f45-9708-019B960494DF}">
-                <a14:hiddenLine xmlns:a14="http://schemas.microsoft.com/office/drawing/2010/main" xmlns="" w="9525">
+                <a14:hiddenLine xmlns="" xmlns:a14="http://schemas.microsoft.com/office/drawing/2010/main" w="9525">
                   <a:solidFill>
                     <a:srgbClr val="000000"/>
                   </a:solidFill>
@@ -2063,7 +2074,7 @@
             </a:ln>
             <a:extLst>
               <a:ext uri="{91240B29-F687-4f45-9708-019B960494DF}">
-                <a14:hiddenLine xmlns:a14="http://schemas.microsoft.com/office/drawing/2010/main" xmlns="" w="9525">
+                <a14:hiddenLine xmlns="" xmlns:a14="http://schemas.microsoft.com/office/drawing/2010/main" w="9525">
                   <a:solidFill>
                     <a:srgbClr val="000000"/>
                   </a:solidFill>
@@ -2153,7 +2164,7 @@
             </a:ln>
             <a:extLst>
               <a:ext uri="{91240B29-F687-4f45-9708-019B960494DF}">
-                <a14:hiddenLine xmlns:a14="http://schemas.microsoft.com/office/drawing/2010/main" xmlns="" w="9525">
+                <a14:hiddenLine xmlns="" xmlns:a14="http://schemas.microsoft.com/office/drawing/2010/main" w="9525">
                   <a:solidFill>
                     <a:srgbClr val="000000"/>
                   </a:solidFill>
@@ -2221,7 +2232,7 @@
             </a:ln>
             <a:extLst>
               <a:ext uri="{91240B29-F687-4f45-9708-019B960494DF}">
-                <a14:hiddenLine xmlns:a14="http://schemas.microsoft.com/office/drawing/2010/main" xmlns="" w="9525">
+                <a14:hiddenLine xmlns="" xmlns:a14="http://schemas.microsoft.com/office/drawing/2010/main" w="9525">
                   <a:solidFill>
                     <a:srgbClr val="000000"/>
                   </a:solidFill>
@@ -2311,7 +2322,7 @@
             </a:ln>
             <a:extLst>
               <a:ext uri="{91240B29-F687-4f45-9708-019B960494DF}">
-                <a14:hiddenLine xmlns:a14="http://schemas.microsoft.com/office/drawing/2010/main" xmlns="" w="9525">
+                <a14:hiddenLine xmlns="" xmlns:a14="http://schemas.microsoft.com/office/drawing/2010/main" w="9525">
                   <a:solidFill>
                     <a:srgbClr val="000000"/>
                   </a:solidFill>
@@ -2345,7 +2356,7 @@
             </a:ln>
             <a:extLst>
               <a:ext uri="{91240B29-F687-4f45-9708-019B960494DF}">
-                <a14:hiddenLine xmlns:a14="http://schemas.microsoft.com/office/drawing/2010/main" xmlns="" w="9525">
+                <a14:hiddenLine xmlns="" xmlns:a14="http://schemas.microsoft.com/office/drawing/2010/main" w="9525">
                   <a:solidFill>
                     <a:srgbClr val="000000"/>
                   </a:solidFill>
@@ -2435,7 +2446,7 @@
             </a:ln>
             <a:extLst>
               <a:ext uri="{91240B29-F687-4f45-9708-019B960494DF}">
-                <a14:hiddenLine xmlns:a14="http://schemas.microsoft.com/office/drawing/2010/main" xmlns="" w="9525">
+                <a14:hiddenLine xmlns="" xmlns:a14="http://schemas.microsoft.com/office/drawing/2010/main" w="9525">
                   <a:solidFill>
                     <a:srgbClr val="000000"/>
                   </a:solidFill>
@@ -2497,7 +2508,7 @@
             </a:ln>
             <a:extLst>
               <a:ext uri="{91240B29-F687-4f45-9708-019B960494DF}">
-                <a14:hiddenLine xmlns:a14="http://schemas.microsoft.com/office/drawing/2010/main" xmlns="" w="9525">
+                <a14:hiddenLine xmlns="" xmlns:a14="http://schemas.microsoft.com/office/drawing/2010/main" w="9525">
                   <a:solidFill>
                     <a:srgbClr val="000000"/>
                   </a:solidFill>
@@ -2559,7 +2570,7 @@
             </a:ln>
             <a:extLst>
               <a:ext uri="{91240B29-F687-4f45-9708-019B960494DF}">
-                <a14:hiddenLine xmlns:a14="http://schemas.microsoft.com/office/drawing/2010/main" xmlns="" w="9525">
+                <a14:hiddenLine xmlns="" xmlns:a14="http://schemas.microsoft.com/office/drawing/2010/main" w="9525">
                   <a:solidFill>
                     <a:srgbClr val="000000"/>
                   </a:solidFill>
@@ -2649,7 +2660,7 @@
             </a:ln>
             <a:extLst>
               <a:ext uri="{91240B29-F687-4f45-9708-019B960494DF}">
-                <a14:hiddenLine xmlns:a14="http://schemas.microsoft.com/office/drawing/2010/main" xmlns="" w="9525">
+                <a14:hiddenLine xmlns="" xmlns:a14="http://schemas.microsoft.com/office/drawing/2010/main" w="9525">
                   <a:solidFill>
                     <a:srgbClr val="000000"/>
                   </a:solidFill>
@@ -2717,7 +2728,7 @@
             </a:ln>
             <a:extLst>
               <a:ext uri="{91240B29-F687-4f45-9708-019B960494DF}">
-                <a14:hiddenLine xmlns:a14="http://schemas.microsoft.com/office/drawing/2010/main" xmlns="" w="9525">
+                <a14:hiddenLine xmlns="" xmlns:a14="http://schemas.microsoft.com/office/drawing/2010/main" w="9525">
                   <a:solidFill>
                     <a:srgbClr val="000000"/>
                   </a:solidFill>
@@ -2779,7 +2790,7 @@
             </a:ln>
             <a:extLst>
               <a:ext uri="{91240B29-F687-4f45-9708-019B960494DF}">
-                <a14:hiddenLine xmlns:a14="http://schemas.microsoft.com/office/drawing/2010/main" xmlns="" w="9525">
+                <a14:hiddenLine xmlns="" xmlns:a14="http://schemas.microsoft.com/office/drawing/2010/main" w="9525">
                   <a:solidFill>
                     <a:srgbClr val="000000"/>
                   </a:solidFill>
@@ -2869,7 +2880,7 @@
             </a:ln>
             <a:extLst>
               <a:ext uri="{91240B29-F687-4f45-9708-019B960494DF}">
-                <a14:hiddenLine xmlns:a14="http://schemas.microsoft.com/office/drawing/2010/main" xmlns="" w="9525">
+                <a14:hiddenLine xmlns="" xmlns:a14="http://schemas.microsoft.com/office/drawing/2010/main" w="9525">
                   <a:solidFill>
                     <a:srgbClr val="000000"/>
                   </a:solidFill>
@@ -2931,7 +2942,7 @@
             </a:ln>
             <a:extLst>
               <a:ext uri="{91240B29-F687-4f45-9708-019B960494DF}">
-                <a14:hiddenLine xmlns:a14="http://schemas.microsoft.com/office/drawing/2010/main" xmlns="" w="9525">
+                <a14:hiddenLine xmlns="" xmlns:a14="http://schemas.microsoft.com/office/drawing/2010/main" w="9525">
                   <a:solidFill>
                     <a:srgbClr val="000000"/>
                   </a:solidFill>
@@ -3021,7 +3032,7 @@
             </a:ln>
             <a:extLst>
               <a:ext uri="{91240B29-F687-4f45-9708-019B960494DF}">
-                <a14:hiddenLine xmlns:a14="http://schemas.microsoft.com/office/drawing/2010/main" xmlns="" w="9525">
+                <a14:hiddenLine xmlns="" xmlns:a14="http://schemas.microsoft.com/office/drawing/2010/main" w="9525">
                   <a:solidFill>
                     <a:srgbClr val="000000"/>
                   </a:solidFill>
@@ -3083,7 +3094,7 @@
             </a:ln>
             <a:extLst>
               <a:ext uri="{91240B29-F687-4f45-9708-019B960494DF}">
-                <a14:hiddenLine xmlns:a14="http://schemas.microsoft.com/office/drawing/2010/main" xmlns="" w="9525">
+                <a14:hiddenLine xmlns="" xmlns:a14="http://schemas.microsoft.com/office/drawing/2010/main" w="9525">
                   <a:solidFill>
                     <a:srgbClr val="000000"/>
                   </a:solidFill>
@@ -3173,7 +3184,7 @@
             </a:ln>
             <a:extLst>
               <a:ext uri="{91240B29-F687-4f45-9708-019B960494DF}">
-                <a14:hiddenLine xmlns:a14="http://schemas.microsoft.com/office/drawing/2010/main" xmlns="" w="9525">
+                <a14:hiddenLine xmlns="" xmlns:a14="http://schemas.microsoft.com/office/drawing/2010/main" w="9525">
                   <a:solidFill>
                     <a:srgbClr val="000000"/>
                   </a:solidFill>
@@ -3207,7 +3218,7 @@
             </a:ln>
             <a:extLst>
               <a:ext uri="{91240B29-F687-4f45-9708-019B960494DF}">
-                <a14:hiddenLine xmlns:a14="http://schemas.microsoft.com/office/drawing/2010/main" xmlns="" w="9525">
+                <a14:hiddenLine xmlns="" xmlns:a14="http://schemas.microsoft.com/office/drawing/2010/main" w="9525">
                   <a:solidFill>
                     <a:srgbClr val="000000"/>
                   </a:solidFill>
@@ -3272,7 +3283,7 @@
             </a:ln>
             <a:extLst>
               <a:ext uri="{91240B29-F687-4f45-9708-019B960494DF}">
-                <a14:hiddenLine xmlns:a14="http://schemas.microsoft.com/office/drawing/2010/main" xmlns="" w="9525">
+                <a14:hiddenLine xmlns="" xmlns:a14="http://schemas.microsoft.com/office/drawing/2010/main" w="9525">
                   <a:solidFill>
                     <a:srgbClr val="000000"/>
                   </a:solidFill>
@@ -3362,7 +3373,7 @@
             </a:ln>
             <a:extLst>
               <a:ext uri="{91240B29-F687-4f45-9708-019B960494DF}">
-                <a14:hiddenLine xmlns:a14="http://schemas.microsoft.com/office/drawing/2010/main" xmlns="" w="9525">
+                <a14:hiddenLine xmlns="" xmlns:a14="http://schemas.microsoft.com/office/drawing/2010/main" w="9525">
                   <a:solidFill>
                     <a:srgbClr val="000000"/>
                   </a:solidFill>
@@ -3424,7 +3435,7 @@
             </a:ln>
             <a:extLst>
               <a:ext uri="{91240B29-F687-4f45-9708-019B960494DF}">
-                <a14:hiddenLine xmlns:a14="http://schemas.microsoft.com/office/drawing/2010/main" xmlns="" w="9525">
+                <a14:hiddenLine xmlns="" xmlns:a14="http://schemas.microsoft.com/office/drawing/2010/main" w="9525">
                   <a:solidFill>
                     <a:srgbClr val="000000"/>
                   </a:solidFill>
@@ -3514,7 +3525,7 @@
             </a:ln>
             <a:extLst>
               <a:ext uri="{91240B29-F687-4f45-9708-019B960494DF}">
-                <a14:hiddenLine xmlns:a14="http://schemas.microsoft.com/office/drawing/2010/main" xmlns="" w="9525">
+                <a14:hiddenLine xmlns="" xmlns:a14="http://schemas.microsoft.com/office/drawing/2010/main" w="9525">
                   <a:solidFill>
                     <a:srgbClr val="000000"/>
                   </a:solidFill>
@@ -3604,7 +3615,7 @@
             </a:ln>
             <a:extLst>
               <a:ext uri="{91240B29-F687-4f45-9708-019B960494DF}">
-                <a14:hiddenLine xmlns:a14="http://schemas.microsoft.com/office/drawing/2010/main" xmlns="" w="9525">
+                <a14:hiddenLine xmlns="" xmlns:a14="http://schemas.microsoft.com/office/drawing/2010/main" w="9525">
                   <a:solidFill>
                     <a:srgbClr val="000000"/>
                   </a:solidFill>
@@ -3669,7 +3680,7 @@
             </a:ln>
             <a:extLst>
               <a:ext uri="{91240B29-F687-4f45-9708-019B960494DF}">
-                <a14:hiddenLine xmlns:a14="http://schemas.microsoft.com/office/drawing/2010/main" xmlns="" w="9525">
+                <a14:hiddenLine xmlns="" xmlns:a14="http://schemas.microsoft.com/office/drawing/2010/main" w="9525">
                   <a:solidFill>
                     <a:srgbClr val="000000"/>
                   </a:solidFill>
@@ -3731,7 +3742,7 @@
             </a:ln>
             <a:extLst>
               <a:ext uri="{91240B29-F687-4f45-9708-019B960494DF}">
-                <a14:hiddenLine xmlns:a14="http://schemas.microsoft.com/office/drawing/2010/main" xmlns="" w="9525">
+                <a14:hiddenLine xmlns="" xmlns:a14="http://schemas.microsoft.com/office/drawing/2010/main" w="9525">
                   <a:solidFill>
                     <a:srgbClr val="000000"/>
                   </a:solidFill>
@@ -3821,7 +3832,7 @@
             </a:ln>
             <a:extLst>
               <a:ext uri="{91240B29-F687-4f45-9708-019B960494DF}">
-                <a14:hiddenLine xmlns:a14="http://schemas.microsoft.com/office/drawing/2010/main" xmlns="" w="9525">
+                <a14:hiddenLine xmlns="" xmlns:a14="http://schemas.microsoft.com/office/drawing/2010/main" w="9525">
                   <a:solidFill>
                     <a:srgbClr val="000000"/>
                   </a:solidFill>
@@ -3911,7 +3922,7 @@
             </a:ln>
             <a:extLst>
               <a:ext uri="{91240B29-F687-4f45-9708-019B960494DF}">
-                <a14:hiddenLine xmlns:a14="http://schemas.microsoft.com/office/drawing/2010/main" xmlns="" w="9525">
+                <a14:hiddenLine xmlns="" xmlns:a14="http://schemas.microsoft.com/office/drawing/2010/main" w="9525">
                   <a:solidFill>
                     <a:srgbClr val="000000"/>
                   </a:solidFill>
@@ -3973,7 +3984,7 @@
             </a:ln>
             <a:extLst>
               <a:ext uri="{91240B29-F687-4f45-9708-019B960494DF}">
-                <a14:hiddenLine xmlns:a14="http://schemas.microsoft.com/office/drawing/2010/main" xmlns="" w="9525">
+                <a14:hiddenLine xmlns="" xmlns:a14="http://schemas.microsoft.com/office/drawing/2010/main" w="9525">
                   <a:solidFill>
                     <a:srgbClr val="000000"/>
                   </a:solidFill>
@@ -4093,7 +4104,7 @@
             </a:ln>
             <a:extLst>
               <a:ext uri="{91240B29-F687-4f45-9708-019B960494DF}">
-                <a14:hiddenLine xmlns:a14="http://schemas.microsoft.com/office/drawing/2010/main" xmlns="" w="9525">
+                <a14:hiddenLine xmlns="" xmlns:a14="http://schemas.microsoft.com/office/drawing/2010/main" w="9525">
                   <a:solidFill>
                     <a:srgbClr val="000000"/>
                   </a:solidFill>
@@ -4161,7 +4172,7 @@
             </a:ln>
             <a:extLst>
               <a:ext uri="{91240B29-F687-4f45-9708-019B960494DF}">
-                <a14:hiddenLine xmlns:a14="http://schemas.microsoft.com/office/drawing/2010/main" xmlns="" w="9525">
+                <a14:hiddenLine xmlns="" xmlns:a14="http://schemas.microsoft.com/office/drawing/2010/main" w="9525">
                   <a:solidFill>
                     <a:srgbClr val="000000"/>
                   </a:solidFill>
@@ -4251,7 +4262,7 @@
             </a:ln>
             <a:extLst>
               <a:ext uri="{91240B29-F687-4f45-9708-019B960494DF}">
-                <a14:hiddenLine xmlns:a14="http://schemas.microsoft.com/office/drawing/2010/main" xmlns="" w="9525">
+                <a14:hiddenLine xmlns="" xmlns:a14="http://schemas.microsoft.com/office/drawing/2010/main" w="9525">
                   <a:solidFill>
                     <a:srgbClr val="000000"/>
                   </a:solidFill>
@@ -9065,7 +9076,7 @@
           <a:noFill/>
           <a:extLst>
             <a:ext uri="{909E8E84-426E-40dd-AFC4-6F175D3DCCD1}">
-              <a14:hiddenFill xmlns:a14="http://schemas.microsoft.com/office/drawing/2010/main" xmlns="">
+              <a14:hiddenFill xmlns="" xmlns:a14="http://schemas.microsoft.com/office/drawing/2010/main">
                 <a:solidFill>
                   <a:srgbClr val="FFFFFF"/>
                 </a:solidFill>
@@ -9139,7 +9150,7 @@
               </a:ln>
               <a:extLst>
                 <a:ext uri="{91240B29-F687-4f45-9708-019B960494DF}">
-                  <a14:hiddenLine xmlns:a14="http://schemas.microsoft.com/office/drawing/2010/main" xmlns="" w="9525">
+                  <a14:hiddenLine xmlns="" xmlns:a14="http://schemas.microsoft.com/office/drawing/2010/main" w="9525">
                     <a:solidFill>
                       <a:srgbClr val="000000"/>
                     </a:solidFill>
@@ -9229,7 +9240,7 @@
               </a:ln>
               <a:extLst>
                 <a:ext uri="{91240B29-F687-4f45-9708-019B960494DF}">
-                  <a14:hiddenLine xmlns:a14="http://schemas.microsoft.com/office/drawing/2010/main" xmlns="" w="9525">
+                  <a14:hiddenLine xmlns="" xmlns:a14="http://schemas.microsoft.com/office/drawing/2010/main" w="9525">
                     <a:solidFill>
                       <a:srgbClr val="000000"/>
                     </a:solidFill>
@@ -9319,7 +9330,7 @@
               </a:ln>
               <a:extLst>
                 <a:ext uri="{91240B29-F687-4f45-9708-019B960494DF}">
-                  <a14:hiddenLine xmlns:a14="http://schemas.microsoft.com/office/drawing/2010/main" xmlns="" w="9525">
+                  <a14:hiddenLine xmlns="" xmlns:a14="http://schemas.microsoft.com/office/drawing/2010/main" w="9525">
                     <a:solidFill>
                       <a:srgbClr val="000000"/>
                     </a:solidFill>
@@ -9381,7 +9392,7 @@
               </a:ln>
               <a:extLst>
                 <a:ext uri="{91240B29-F687-4f45-9708-019B960494DF}">
-                  <a14:hiddenLine xmlns:a14="http://schemas.microsoft.com/office/drawing/2010/main" xmlns="" w="9525">
+                  <a14:hiddenLine xmlns="" xmlns:a14="http://schemas.microsoft.com/office/drawing/2010/main" w="9525">
                     <a:solidFill>
                       <a:srgbClr val="000000"/>
                     </a:solidFill>
@@ -9471,7 +9482,7 @@
               </a:ln>
               <a:extLst>
                 <a:ext uri="{91240B29-F687-4f45-9708-019B960494DF}">
-                  <a14:hiddenLine xmlns:a14="http://schemas.microsoft.com/office/drawing/2010/main" xmlns="" w="9525">
+                  <a14:hiddenLine xmlns="" xmlns:a14="http://schemas.microsoft.com/office/drawing/2010/main" w="9525">
                     <a:solidFill>
                       <a:srgbClr val="000000"/>
                     </a:solidFill>
@@ -9533,7 +9544,7 @@
               </a:ln>
               <a:extLst>
                 <a:ext uri="{91240B29-F687-4f45-9708-019B960494DF}">
-                  <a14:hiddenLine xmlns:a14="http://schemas.microsoft.com/office/drawing/2010/main" xmlns="" w="9525">
+                  <a14:hiddenLine xmlns="" xmlns:a14="http://schemas.microsoft.com/office/drawing/2010/main" w="9525">
                     <a:solidFill>
                       <a:srgbClr val="000000"/>
                     </a:solidFill>
@@ -9595,7 +9606,7 @@
               </a:ln>
               <a:extLst>
                 <a:ext uri="{91240B29-F687-4f45-9708-019B960494DF}">
-                  <a14:hiddenLine xmlns:a14="http://schemas.microsoft.com/office/drawing/2010/main" xmlns="" w="9525">
+                  <a14:hiddenLine xmlns="" xmlns:a14="http://schemas.microsoft.com/office/drawing/2010/main" w="9525">
                     <a:solidFill>
                       <a:srgbClr val="000000"/>
                     </a:solidFill>
@@ -9685,7 +9696,7 @@
               </a:ln>
               <a:extLst>
                 <a:ext uri="{91240B29-F687-4f45-9708-019B960494DF}">
-                  <a14:hiddenLine xmlns:a14="http://schemas.microsoft.com/office/drawing/2010/main" xmlns="" w="9525">
+                  <a14:hiddenLine xmlns="" xmlns:a14="http://schemas.microsoft.com/office/drawing/2010/main" w="9525">
                     <a:solidFill>
                       <a:srgbClr val="000000"/>
                     </a:solidFill>
@@ -9775,7 +9786,7 @@
               </a:ln>
               <a:extLst>
                 <a:ext uri="{91240B29-F687-4f45-9708-019B960494DF}">
-                  <a14:hiddenLine xmlns:a14="http://schemas.microsoft.com/office/drawing/2010/main" xmlns="" w="9525">
+                  <a14:hiddenLine xmlns="" xmlns:a14="http://schemas.microsoft.com/office/drawing/2010/main" w="9525">
                     <a:solidFill>
                       <a:srgbClr val="000000"/>
                     </a:solidFill>
@@ -9837,7 +9848,7 @@
               </a:ln>
               <a:extLst>
                 <a:ext uri="{91240B29-F687-4f45-9708-019B960494DF}">
-                  <a14:hiddenLine xmlns:a14="http://schemas.microsoft.com/office/drawing/2010/main" xmlns="" w="9525">
+                  <a14:hiddenLine xmlns="" xmlns:a14="http://schemas.microsoft.com/office/drawing/2010/main" w="9525">
                     <a:solidFill>
                       <a:srgbClr val="000000"/>
                     </a:solidFill>
@@ -9947,7 +9958,7 @@
               </a:ln>
               <a:extLst>
                 <a:ext uri="{91240B29-F687-4f45-9708-019B960494DF}">
-                  <a14:hiddenLine xmlns:a14="http://schemas.microsoft.com/office/drawing/2010/main" xmlns="" w="9525">
+                  <a14:hiddenLine xmlns="" xmlns:a14="http://schemas.microsoft.com/office/drawing/2010/main" w="9525">
                     <a:solidFill>
                       <a:srgbClr val="000000"/>
                     </a:solidFill>
@@ -10031,7 +10042,7 @@
               </a:ln>
               <a:extLst>
                 <a:ext uri="{91240B29-F687-4f45-9708-019B960494DF}">
-                  <a14:hiddenLine xmlns:a14="http://schemas.microsoft.com/office/drawing/2010/main" xmlns="" w="9525">
+                  <a14:hiddenLine xmlns="" xmlns:a14="http://schemas.microsoft.com/office/drawing/2010/main" w="9525">
                     <a:solidFill>
                       <a:srgbClr val="000000"/>
                     </a:solidFill>
@@ -10093,7 +10104,7 @@
               </a:ln>
               <a:extLst>
                 <a:ext uri="{91240B29-F687-4f45-9708-019B960494DF}">
-                  <a14:hiddenLine xmlns:a14="http://schemas.microsoft.com/office/drawing/2010/main" xmlns="" w="9525">
+                  <a14:hiddenLine xmlns="" xmlns:a14="http://schemas.microsoft.com/office/drawing/2010/main" w="9525">
                     <a:solidFill>
                       <a:srgbClr val="000000"/>
                     </a:solidFill>
@@ -10155,7 +10166,7 @@
               </a:ln>
               <a:extLst>
                 <a:ext uri="{91240B29-F687-4f45-9708-019B960494DF}">
-                  <a14:hiddenLine xmlns:a14="http://schemas.microsoft.com/office/drawing/2010/main" xmlns="" w="9525">
+                  <a14:hiddenLine xmlns="" xmlns:a14="http://schemas.microsoft.com/office/drawing/2010/main" w="9525">
                     <a:solidFill>
                       <a:srgbClr val="000000"/>
                     </a:solidFill>
@@ -10245,7 +10256,7 @@
               </a:ln>
               <a:extLst>
                 <a:ext uri="{91240B29-F687-4f45-9708-019B960494DF}">
-                  <a14:hiddenLine xmlns:a14="http://schemas.microsoft.com/office/drawing/2010/main" xmlns="" w="9525">
+                  <a14:hiddenLine xmlns="" xmlns:a14="http://schemas.microsoft.com/office/drawing/2010/main" w="9525">
                     <a:solidFill>
                       <a:srgbClr val="000000"/>
                     </a:solidFill>
@@ -10279,7 +10290,7 @@
               </a:ln>
               <a:extLst>
                 <a:ext uri="{91240B29-F687-4f45-9708-019B960494DF}">
-                  <a14:hiddenLine xmlns:a14="http://schemas.microsoft.com/office/drawing/2010/main" xmlns="" w="9525">
+                  <a14:hiddenLine xmlns="" xmlns:a14="http://schemas.microsoft.com/office/drawing/2010/main" w="9525">
                     <a:solidFill>
                       <a:srgbClr val="000000"/>
                     </a:solidFill>
@@ -10344,7 +10355,7 @@
               </a:ln>
               <a:extLst>
                 <a:ext uri="{91240B29-F687-4f45-9708-019B960494DF}">
-                  <a14:hiddenLine xmlns:a14="http://schemas.microsoft.com/office/drawing/2010/main" xmlns="" w="9525">
+                  <a14:hiddenLine xmlns="" xmlns:a14="http://schemas.microsoft.com/office/drawing/2010/main" w="9525">
                     <a:solidFill>
                       <a:srgbClr val="000000"/>
                     </a:solidFill>
@@ -10434,7 +10445,7 @@
               </a:ln>
               <a:extLst>
                 <a:ext uri="{91240B29-F687-4f45-9708-019B960494DF}">
-                  <a14:hiddenLine xmlns:a14="http://schemas.microsoft.com/office/drawing/2010/main" xmlns="" w="9525">
+                  <a14:hiddenLine xmlns="" xmlns:a14="http://schemas.microsoft.com/office/drawing/2010/main" w="9525">
                     <a:solidFill>
                       <a:srgbClr val="000000"/>
                     </a:solidFill>
@@ -10496,7 +10507,7 @@
               </a:ln>
               <a:extLst>
                 <a:ext uri="{91240B29-F687-4f45-9708-019B960494DF}">
-                  <a14:hiddenLine xmlns:a14="http://schemas.microsoft.com/office/drawing/2010/main" xmlns="" w="9525">
+                  <a14:hiddenLine xmlns="" xmlns:a14="http://schemas.microsoft.com/office/drawing/2010/main" w="9525">
                     <a:solidFill>
                       <a:srgbClr val="000000"/>
                     </a:solidFill>
@@ -10586,7 +10597,7 @@
               </a:ln>
               <a:extLst>
                 <a:ext uri="{91240B29-F687-4f45-9708-019B960494DF}">
-                  <a14:hiddenLine xmlns:a14="http://schemas.microsoft.com/office/drawing/2010/main" xmlns="" w="9525">
+                  <a14:hiddenLine xmlns="" xmlns:a14="http://schemas.microsoft.com/office/drawing/2010/main" w="9525">
                     <a:solidFill>
                       <a:srgbClr val="000000"/>
                     </a:solidFill>
@@ -10651,7 +10662,7 @@
               </a:ln>
               <a:extLst>
                 <a:ext uri="{91240B29-F687-4f45-9708-019B960494DF}">
-                  <a14:hiddenLine xmlns:a14="http://schemas.microsoft.com/office/drawing/2010/main" xmlns="" w="9525">
+                  <a14:hiddenLine xmlns="" xmlns:a14="http://schemas.microsoft.com/office/drawing/2010/main" w="9525">
                     <a:solidFill>
                       <a:srgbClr val="000000"/>
                     </a:solidFill>
@@ -10713,7 +10724,7 @@
               </a:ln>
               <a:extLst>
                 <a:ext uri="{91240B29-F687-4f45-9708-019B960494DF}">
-                  <a14:hiddenLine xmlns:a14="http://schemas.microsoft.com/office/drawing/2010/main" xmlns="" w="9525">
+                  <a14:hiddenLine xmlns="" xmlns:a14="http://schemas.microsoft.com/office/drawing/2010/main" w="9525">
                     <a:solidFill>
                       <a:srgbClr val="000000"/>
                     </a:solidFill>
@@ -10803,7 +10814,7 @@
               </a:ln>
               <a:extLst>
                 <a:ext uri="{91240B29-F687-4f45-9708-019B960494DF}">
-                  <a14:hiddenLine xmlns:a14="http://schemas.microsoft.com/office/drawing/2010/main" xmlns="" w="9525">
+                  <a14:hiddenLine xmlns="" xmlns:a14="http://schemas.microsoft.com/office/drawing/2010/main" w="9525">
                     <a:solidFill>
                       <a:srgbClr val="000000"/>
                     </a:solidFill>
@@ -10893,7 +10904,7 @@
               </a:ln>
               <a:extLst>
                 <a:ext uri="{91240B29-F687-4f45-9708-019B960494DF}">
-                  <a14:hiddenLine xmlns:a14="http://schemas.microsoft.com/office/drawing/2010/main" xmlns="" w="9525">
+                  <a14:hiddenLine xmlns="" xmlns:a14="http://schemas.microsoft.com/office/drawing/2010/main" w="9525">
                     <a:solidFill>
                       <a:srgbClr val="000000"/>
                     </a:solidFill>
@@ -10958,7 +10969,7 @@
               </a:ln>
               <a:extLst>
                 <a:ext uri="{91240B29-F687-4f45-9708-019B960494DF}">
-                  <a14:hiddenLine xmlns:a14="http://schemas.microsoft.com/office/drawing/2010/main" xmlns="" w="9525">
+                  <a14:hiddenLine xmlns="" xmlns:a14="http://schemas.microsoft.com/office/drawing/2010/main" w="9525">
                     <a:solidFill>
                       <a:srgbClr val="000000"/>
                     </a:solidFill>
@@ -11078,7 +11089,7 @@
               </a:ln>
               <a:extLst>
                 <a:ext uri="{91240B29-F687-4f45-9708-019B960494DF}">
-                  <a14:hiddenLine xmlns:a14="http://schemas.microsoft.com/office/drawing/2010/main" xmlns="" w="9525">
+                  <a14:hiddenLine xmlns="" xmlns:a14="http://schemas.microsoft.com/office/drawing/2010/main" w="9525">
                     <a:solidFill>
                       <a:srgbClr val="000000"/>
                     </a:solidFill>
@@ -11159,7 +11170,7 @@
               </a:ln>
               <a:extLst>
                 <a:ext uri="{91240B29-F687-4f45-9708-019B960494DF}">
-                  <a14:hiddenLine xmlns:a14="http://schemas.microsoft.com/office/drawing/2010/main" xmlns="" w="9525">
+                  <a14:hiddenLine xmlns="" xmlns:a14="http://schemas.microsoft.com/office/drawing/2010/main" w="9525">
                     <a:solidFill>
                       <a:srgbClr val="000000"/>
                     </a:solidFill>
@@ -11274,7 +11285,7 @@
               </a:ln>
               <a:extLst>
                 <a:ext uri="{91240B29-F687-4f45-9708-019B960494DF}">
-                  <a14:hiddenLine xmlns:a14="http://schemas.microsoft.com/office/drawing/2010/main" xmlns="" w="9525">
+                  <a14:hiddenLine xmlns="" xmlns:a14="http://schemas.microsoft.com/office/drawing/2010/main" w="9525">
                     <a:solidFill>
                       <a:srgbClr val="000000"/>
                     </a:solidFill>
@@ -11364,7 +11375,7 @@
               </a:ln>
               <a:extLst>
                 <a:ext uri="{91240B29-F687-4f45-9708-019B960494DF}">
-                  <a14:hiddenLine xmlns:a14="http://schemas.microsoft.com/office/drawing/2010/main" xmlns="" w="9525">
+                  <a14:hiddenLine xmlns="" xmlns:a14="http://schemas.microsoft.com/office/drawing/2010/main" w="9525">
                     <a:solidFill>
                       <a:srgbClr val="000000"/>
                     </a:solidFill>
@@ -11429,7 +11440,7 @@
               </a:ln>
               <a:extLst>
                 <a:ext uri="{91240B29-F687-4f45-9708-019B960494DF}">
-                  <a14:hiddenLine xmlns:a14="http://schemas.microsoft.com/office/drawing/2010/main" xmlns="" w="9525">
+                  <a14:hiddenLine xmlns="" xmlns:a14="http://schemas.microsoft.com/office/drawing/2010/main" w="9525">
                     <a:solidFill>
                       <a:srgbClr val="000000"/>
                     </a:solidFill>
@@ -11519,7 +11530,7 @@
               </a:ln>
               <a:extLst>
                 <a:ext uri="{91240B29-F687-4f45-9708-019B960494DF}">
-                  <a14:hiddenLine xmlns:a14="http://schemas.microsoft.com/office/drawing/2010/main" xmlns="" w="9525">
+                  <a14:hiddenLine xmlns="" xmlns:a14="http://schemas.microsoft.com/office/drawing/2010/main" w="9525">
                     <a:solidFill>
                       <a:srgbClr val="000000"/>
                     </a:solidFill>
@@ -11587,7 +11598,7 @@
               </a:ln>
               <a:extLst>
                 <a:ext uri="{91240B29-F687-4f45-9708-019B960494DF}">
-                  <a14:hiddenLine xmlns:a14="http://schemas.microsoft.com/office/drawing/2010/main" xmlns="" w="9525">
+                  <a14:hiddenLine xmlns="" xmlns:a14="http://schemas.microsoft.com/office/drawing/2010/main" w="9525">
                     <a:solidFill>
                       <a:srgbClr val="000000"/>
                     </a:solidFill>
@@ -11677,7 +11688,7 @@
               </a:ln>
               <a:extLst>
                 <a:ext uri="{91240B29-F687-4f45-9708-019B960494DF}">
-                  <a14:hiddenLine xmlns:a14="http://schemas.microsoft.com/office/drawing/2010/main" xmlns="" w="9525">
+                  <a14:hiddenLine xmlns="" xmlns:a14="http://schemas.microsoft.com/office/drawing/2010/main" w="9525">
                     <a:solidFill>
                       <a:srgbClr val="000000"/>
                     </a:solidFill>
@@ -11745,7 +11756,7 @@
               </a:ln>
               <a:extLst>
                 <a:ext uri="{91240B29-F687-4f45-9708-019B960494DF}">
-                  <a14:hiddenLine xmlns:a14="http://schemas.microsoft.com/office/drawing/2010/main" xmlns="" w="9525">
+                  <a14:hiddenLine xmlns="" xmlns:a14="http://schemas.microsoft.com/office/drawing/2010/main" w="9525">
                     <a:solidFill>
                       <a:srgbClr val="000000"/>
                     </a:solidFill>
@@ -11835,7 +11846,7 @@
               </a:ln>
               <a:extLst>
                 <a:ext uri="{91240B29-F687-4f45-9708-019B960494DF}">
-                  <a14:hiddenLine xmlns:a14="http://schemas.microsoft.com/office/drawing/2010/main" xmlns="" w="9525">
+                  <a14:hiddenLine xmlns="" xmlns:a14="http://schemas.microsoft.com/office/drawing/2010/main" w="9525">
                     <a:solidFill>
                       <a:srgbClr val="000000"/>
                     </a:solidFill>
@@ -11869,7 +11880,7 @@
               </a:ln>
               <a:extLst>
                 <a:ext uri="{91240B29-F687-4f45-9708-019B960494DF}">
-                  <a14:hiddenLine xmlns:a14="http://schemas.microsoft.com/office/drawing/2010/main" xmlns="" w="9525">
+                  <a14:hiddenLine xmlns="" xmlns:a14="http://schemas.microsoft.com/office/drawing/2010/main" w="9525">
                     <a:solidFill>
                       <a:srgbClr val="000000"/>
                     </a:solidFill>
@@ -12589,7 +12600,7 @@
             </a:ln>
             <a:extLst>
               <a:ext uri="{91240B29-F687-4f45-9708-019B960494DF}">
-                <a14:hiddenLine xmlns="" xmlns:a16="http://schemas.microsoft.com/office/drawing/2014/main" xmlns:p14="http://schemas.microsoft.com/office/powerpoint/2010/main" xmlns:a14="http://schemas.microsoft.com/office/drawing/2010/main" w="9525">
+                <a14:hiddenLine xmlns:a14="http://schemas.microsoft.com/office/drawing/2010/main" xmlns:p14="http://schemas.microsoft.com/office/powerpoint/2010/main" xmlns:a16="http://schemas.microsoft.com/office/drawing/2014/main" xmlns="" w="9525">
                   <a:solidFill>
                     <a:srgbClr val="000000"/>
                   </a:solidFill>
@@ -12701,7 +12712,7 @@
             </a:ln>
             <a:extLst>
               <a:ext uri="{91240B29-F687-4f45-9708-019B960494DF}">
-                <a14:hiddenLine xmlns="" xmlns:a16="http://schemas.microsoft.com/office/drawing/2014/main" xmlns:p14="http://schemas.microsoft.com/office/powerpoint/2010/main" xmlns:a14="http://schemas.microsoft.com/office/drawing/2010/main" w="9525">
+                <a14:hiddenLine xmlns:a14="http://schemas.microsoft.com/office/drawing/2010/main" xmlns:p14="http://schemas.microsoft.com/office/powerpoint/2010/main" xmlns:a16="http://schemas.microsoft.com/office/drawing/2014/main" xmlns="" w="9525">
                   <a:solidFill>
                     <a:srgbClr val="000000"/>
                   </a:solidFill>
@@ -12813,7 +12824,7 @@
             </a:ln>
             <a:extLst>
               <a:ext uri="{91240B29-F687-4f45-9708-019B960494DF}">
-                <a14:hiddenLine xmlns="" xmlns:a16="http://schemas.microsoft.com/office/drawing/2014/main" xmlns:p14="http://schemas.microsoft.com/office/powerpoint/2010/main" xmlns:a14="http://schemas.microsoft.com/office/drawing/2010/main" w="9525">
+                <a14:hiddenLine xmlns:a14="http://schemas.microsoft.com/office/drawing/2010/main" xmlns:p14="http://schemas.microsoft.com/office/powerpoint/2010/main" xmlns:a16="http://schemas.microsoft.com/office/drawing/2014/main" xmlns="" w="9525">
                   <a:solidFill>
                     <a:srgbClr val="000000"/>
                   </a:solidFill>
@@ -12869,7 +12880,7 @@
             </a:ln>
             <a:extLst>
               <a:ext uri="{91240B29-F687-4f45-9708-019B960494DF}">
-                <a14:hiddenLine xmlns="" xmlns:a16="http://schemas.microsoft.com/office/drawing/2014/main" xmlns:p14="http://schemas.microsoft.com/office/powerpoint/2010/main" xmlns:a14="http://schemas.microsoft.com/office/drawing/2010/main" w="9525">
+                <a14:hiddenLine xmlns:a14="http://schemas.microsoft.com/office/drawing/2010/main" xmlns:p14="http://schemas.microsoft.com/office/powerpoint/2010/main" xmlns:a16="http://schemas.microsoft.com/office/drawing/2014/main" xmlns="" w="9525">
                   <a:solidFill>
                     <a:srgbClr val="000000"/>
                   </a:solidFill>
@@ -12981,7 +12992,7 @@
             </a:ln>
             <a:extLst>
               <a:ext uri="{91240B29-F687-4f45-9708-019B960494DF}">
-                <a14:hiddenLine xmlns="" xmlns:a16="http://schemas.microsoft.com/office/drawing/2014/main" xmlns:p14="http://schemas.microsoft.com/office/powerpoint/2010/main" xmlns:a14="http://schemas.microsoft.com/office/drawing/2010/main" w="9525">
+                <a14:hiddenLine xmlns:a14="http://schemas.microsoft.com/office/drawing/2010/main" xmlns:p14="http://schemas.microsoft.com/office/powerpoint/2010/main" xmlns:a16="http://schemas.microsoft.com/office/drawing/2014/main" xmlns="" w="9525">
                   <a:solidFill>
                     <a:srgbClr val="000000"/>
                   </a:solidFill>
@@ -13065,7 +13076,7 @@
             </a:ln>
             <a:extLst>
               <a:ext uri="{91240B29-F687-4f45-9708-019B960494DF}">
-                <a14:hiddenLine xmlns="" xmlns:a16="http://schemas.microsoft.com/office/drawing/2014/main" xmlns:p14="http://schemas.microsoft.com/office/powerpoint/2010/main" xmlns:a14="http://schemas.microsoft.com/office/drawing/2010/main" w="9525">
+                <a14:hiddenLine xmlns:a14="http://schemas.microsoft.com/office/drawing/2010/main" xmlns:p14="http://schemas.microsoft.com/office/powerpoint/2010/main" xmlns:a16="http://schemas.microsoft.com/office/drawing/2014/main" xmlns="" w="9525">
                   <a:solidFill>
                     <a:srgbClr val="000000"/>
                   </a:solidFill>
@@ -13149,7 +13160,7 @@
             </a:ln>
             <a:extLst>
               <a:ext uri="{91240B29-F687-4f45-9708-019B960494DF}">
-                <a14:hiddenLine xmlns="" xmlns:a16="http://schemas.microsoft.com/office/drawing/2014/main" xmlns:p14="http://schemas.microsoft.com/office/powerpoint/2010/main" xmlns:a14="http://schemas.microsoft.com/office/drawing/2010/main" w="9525">
+                <a14:hiddenLine xmlns:a14="http://schemas.microsoft.com/office/drawing/2010/main" xmlns:p14="http://schemas.microsoft.com/office/powerpoint/2010/main" xmlns:a16="http://schemas.microsoft.com/office/drawing/2014/main" xmlns="" w="9525">
                   <a:solidFill>
                     <a:srgbClr val="000000"/>
                   </a:solidFill>
@@ -13261,7 +13272,7 @@
             </a:ln>
             <a:extLst>
               <a:ext uri="{91240B29-F687-4f45-9708-019B960494DF}">
-                <a14:hiddenLine xmlns="" xmlns:a16="http://schemas.microsoft.com/office/drawing/2014/main" xmlns:p14="http://schemas.microsoft.com/office/powerpoint/2010/main" xmlns:a14="http://schemas.microsoft.com/office/drawing/2010/main" w="9525">
+                <a14:hiddenLine xmlns:a14="http://schemas.microsoft.com/office/drawing/2010/main" xmlns:p14="http://schemas.microsoft.com/office/powerpoint/2010/main" xmlns:a16="http://schemas.microsoft.com/office/drawing/2014/main" xmlns="" w="9525">
                   <a:solidFill>
                     <a:srgbClr val="000000"/>
                   </a:solidFill>
@@ -13345,7 +13356,7 @@
             </a:ln>
             <a:extLst>
               <a:ext uri="{91240B29-F687-4f45-9708-019B960494DF}">
-                <a14:hiddenLine xmlns="" xmlns:a16="http://schemas.microsoft.com/office/drawing/2014/main" xmlns:p14="http://schemas.microsoft.com/office/powerpoint/2010/main" xmlns:a14="http://schemas.microsoft.com/office/drawing/2010/main" w="9525">
+                <a14:hiddenLine xmlns:a14="http://schemas.microsoft.com/office/drawing/2010/main" xmlns:p14="http://schemas.microsoft.com/office/powerpoint/2010/main" xmlns:a16="http://schemas.microsoft.com/office/drawing/2014/main" xmlns="" w="9525">
                   <a:solidFill>
                     <a:srgbClr val="000000"/>
                   </a:solidFill>
@@ -13429,7 +13440,7 @@
             </a:ln>
             <a:extLst>
               <a:ext uri="{91240B29-F687-4f45-9708-019B960494DF}">
-                <a14:hiddenLine xmlns="" xmlns:a16="http://schemas.microsoft.com/office/drawing/2014/main" xmlns:p14="http://schemas.microsoft.com/office/powerpoint/2010/main" xmlns:a14="http://schemas.microsoft.com/office/drawing/2010/main" w="9525">
+                <a14:hiddenLine xmlns:a14="http://schemas.microsoft.com/office/drawing/2010/main" xmlns:p14="http://schemas.microsoft.com/office/powerpoint/2010/main" xmlns:a16="http://schemas.microsoft.com/office/drawing/2014/main" xmlns="" w="9525">
                   <a:solidFill>
                     <a:srgbClr val="000000"/>
                   </a:solidFill>
@@ -13541,7 +13552,7 @@
             </a:ln>
             <a:extLst>
               <a:ext uri="{91240B29-F687-4f45-9708-019B960494DF}">
-                <a14:hiddenLine xmlns="" xmlns:a16="http://schemas.microsoft.com/office/drawing/2014/main" xmlns:p14="http://schemas.microsoft.com/office/powerpoint/2010/main" xmlns:a14="http://schemas.microsoft.com/office/drawing/2010/main" w="9525">
+                <a14:hiddenLine xmlns:a14="http://schemas.microsoft.com/office/drawing/2010/main" xmlns:p14="http://schemas.microsoft.com/office/powerpoint/2010/main" xmlns:a16="http://schemas.microsoft.com/office/drawing/2014/main" xmlns="" w="9525">
                   <a:solidFill>
                     <a:srgbClr val="000000"/>
                   </a:solidFill>
@@ -13653,7 +13664,7 @@
             </a:ln>
             <a:extLst>
               <a:ext uri="{91240B29-F687-4f45-9708-019B960494DF}">
-                <a14:hiddenLine xmlns="" xmlns:a16="http://schemas.microsoft.com/office/drawing/2014/main" xmlns:p14="http://schemas.microsoft.com/office/powerpoint/2010/main" xmlns:a14="http://schemas.microsoft.com/office/drawing/2010/main" w="9525">
+                <a14:hiddenLine xmlns:a14="http://schemas.microsoft.com/office/drawing/2010/main" xmlns:p14="http://schemas.microsoft.com/office/powerpoint/2010/main" xmlns:a16="http://schemas.microsoft.com/office/drawing/2014/main" xmlns="" w="9525">
                   <a:solidFill>
                     <a:srgbClr val="000000"/>
                   </a:solidFill>
@@ -13737,7 +13748,7 @@
             </a:ln>
             <a:extLst>
               <a:ext uri="{91240B29-F687-4f45-9708-019B960494DF}">
-                <a14:hiddenLine xmlns="" xmlns:a16="http://schemas.microsoft.com/office/drawing/2014/main" xmlns:p14="http://schemas.microsoft.com/office/powerpoint/2010/main" xmlns:a14="http://schemas.microsoft.com/office/drawing/2010/main" w="9525">
+                <a14:hiddenLine xmlns:a14="http://schemas.microsoft.com/office/drawing/2010/main" xmlns:p14="http://schemas.microsoft.com/office/powerpoint/2010/main" xmlns:a16="http://schemas.microsoft.com/office/drawing/2014/main" xmlns="" w="9525">
                   <a:solidFill>
                     <a:srgbClr val="000000"/>
                   </a:solidFill>
@@ -13869,7 +13880,7 @@
             </a:ln>
             <a:extLst>
               <a:ext uri="{91240B29-F687-4f45-9708-019B960494DF}">
-                <a14:hiddenLine xmlns="" xmlns:a16="http://schemas.microsoft.com/office/drawing/2014/main" xmlns:p14="http://schemas.microsoft.com/office/powerpoint/2010/main" xmlns:a14="http://schemas.microsoft.com/office/drawing/2010/main" w="9525">
+                <a14:hiddenLine xmlns:a14="http://schemas.microsoft.com/office/drawing/2010/main" xmlns:p14="http://schemas.microsoft.com/office/powerpoint/2010/main" xmlns:a16="http://schemas.microsoft.com/office/drawing/2014/main" xmlns="" w="9525">
                   <a:solidFill>
                     <a:srgbClr val="000000"/>
                   </a:solidFill>
@@ -13953,7 +13964,7 @@
             </a:ln>
             <a:extLst>
               <a:ext uri="{91240B29-F687-4f45-9708-019B960494DF}">
-                <a14:hiddenLine xmlns="" xmlns:a16="http://schemas.microsoft.com/office/drawing/2014/main" xmlns:p14="http://schemas.microsoft.com/office/powerpoint/2010/main" xmlns:a14="http://schemas.microsoft.com/office/drawing/2010/main" w="9525">
+                <a14:hiddenLine xmlns:a14="http://schemas.microsoft.com/office/drawing/2010/main" xmlns:p14="http://schemas.microsoft.com/office/powerpoint/2010/main" xmlns:a16="http://schemas.microsoft.com/office/drawing/2014/main" xmlns="" w="9525">
                   <a:solidFill>
                     <a:srgbClr val="000000"/>
                   </a:solidFill>
@@ -14065,7 +14076,7 @@
             </a:ln>
             <a:extLst>
               <a:ext uri="{91240B29-F687-4f45-9708-019B960494DF}">
-                <a14:hiddenLine xmlns="" xmlns:a16="http://schemas.microsoft.com/office/drawing/2014/main" xmlns:p14="http://schemas.microsoft.com/office/powerpoint/2010/main" xmlns:a14="http://schemas.microsoft.com/office/drawing/2010/main" w="9525">
+                <a14:hiddenLine xmlns:a14="http://schemas.microsoft.com/office/drawing/2010/main" xmlns:p14="http://schemas.microsoft.com/office/powerpoint/2010/main" xmlns:a16="http://schemas.microsoft.com/office/drawing/2014/main" xmlns="" w="9525">
                   <a:solidFill>
                     <a:srgbClr val="000000"/>
                   </a:solidFill>
@@ -14177,7 +14188,7 @@
             </a:ln>
             <a:extLst>
               <a:ext uri="{91240B29-F687-4f45-9708-019B960494DF}">
-                <a14:hiddenLine xmlns="" xmlns:a16="http://schemas.microsoft.com/office/drawing/2014/main" xmlns:p14="http://schemas.microsoft.com/office/powerpoint/2010/main" xmlns:a14="http://schemas.microsoft.com/office/drawing/2010/main" w="9525">
+                <a14:hiddenLine xmlns:a14="http://schemas.microsoft.com/office/drawing/2010/main" xmlns:p14="http://schemas.microsoft.com/office/powerpoint/2010/main" xmlns:a16="http://schemas.microsoft.com/office/drawing/2014/main" xmlns="" w="9525">
                   <a:solidFill>
                     <a:srgbClr val="000000"/>
                   </a:solidFill>
@@ -14261,7 +14272,7 @@
             </a:ln>
             <a:extLst>
               <a:ext uri="{91240B29-F687-4f45-9708-019B960494DF}">
-                <a14:hiddenLine xmlns="" xmlns:a16="http://schemas.microsoft.com/office/drawing/2014/main" xmlns:p14="http://schemas.microsoft.com/office/powerpoint/2010/main" xmlns:a14="http://schemas.microsoft.com/office/drawing/2010/main" w="9525">
+                <a14:hiddenLine xmlns:a14="http://schemas.microsoft.com/office/drawing/2010/main" xmlns:p14="http://schemas.microsoft.com/office/powerpoint/2010/main" xmlns:a16="http://schemas.microsoft.com/office/drawing/2014/main" xmlns="" w="9525">
                   <a:solidFill>
                     <a:srgbClr val="000000"/>
                   </a:solidFill>
@@ -14373,7 +14384,7 @@
             </a:ln>
             <a:extLst>
               <a:ext uri="{91240B29-F687-4f45-9708-019B960494DF}">
-                <a14:hiddenLine xmlns="" xmlns:a16="http://schemas.microsoft.com/office/drawing/2014/main" xmlns:p14="http://schemas.microsoft.com/office/powerpoint/2010/main" xmlns:a14="http://schemas.microsoft.com/office/drawing/2010/main" w="9525">
+                <a14:hiddenLine xmlns:a14="http://schemas.microsoft.com/office/drawing/2010/main" xmlns:p14="http://schemas.microsoft.com/office/powerpoint/2010/main" xmlns:a16="http://schemas.microsoft.com/office/drawing/2014/main" xmlns="" w="9525">
                   <a:solidFill>
                     <a:srgbClr val="000000"/>
                   </a:solidFill>
@@ -14485,7 +14496,7 @@
             </a:ln>
             <a:extLst>
               <a:ext uri="{91240B29-F687-4f45-9708-019B960494DF}">
-                <a14:hiddenLine xmlns="" xmlns:a16="http://schemas.microsoft.com/office/drawing/2014/main" xmlns:p14="http://schemas.microsoft.com/office/powerpoint/2010/main" xmlns:a14="http://schemas.microsoft.com/office/drawing/2010/main" w="9525">
+                <a14:hiddenLine xmlns:a14="http://schemas.microsoft.com/office/drawing/2010/main" xmlns:p14="http://schemas.microsoft.com/office/powerpoint/2010/main" xmlns:a16="http://schemas.microsoft.com/office/drawing/2014/main" xmlns="" w="9525">
                   <a:solidFill>
                     <a:srgbClr val="000000"/>
                   </a:solidFill>
@@ -14563,7 +14574,7 @@
             </a:ln>
             <a:extLst>
               <a:ext uri="{91240B29-F687-4f45-9708-019B960494DF}">
-                <a14:hiddenLine xmlns="" xmlns:a16="http://schemas.microsoft.com/office/drawing/2014/main" xmlns:p14="http://schemas.microsoft.com/office/powerpoint/2010/main" xmlns:a14="http://schemas.microsoft.com/office/drawing/2010/main" w="9525">
+                <a14:hiddenLine xmlns:a14="http://schemas.microsoft.com/office/drawing/2010/main" xmlns:p14="http://schemas.microsoft.com/office/powerpoint/2010/main" xmlns:a16="http://schemas.microsoft.com/office/drawing/2014/main" xmlns="" w="9525">
                   <a:solidFill>
                     <a:srgbClr val="000000"/>
                   </a:solidFill>
@@ -14675,7 +14686,7 @@
             </a:ln>
             <a:extLst>
               <a:ext uri="{91240B29-F687-4f45-9708-019B960494DF}">
-                <a14:hiddenLine xmlns="" xmlns:a16="http://schemas.microsoft.com/office/drawing/2014/main" xmlns:p14="http://schemas.microsoft.com/office/powerpoint/2010/main" xmlns:a14="http://schemas.microsoft.com/office/drawing/2010/main" w="9525">
+                <a14:hiddenLine xmlns:a14="http://schemas.microsoft.com/office/drawing/2010/main" xmlns:p14="http://schemas.microsoft.com/office/powerpoint/2010/main" xmlns:a16="http://schemas.microsoft.com/office/drawing/2014/main" xmlns="" w="9525">
                   <a:solidFill>
                     <a:srgbClr val="000000"/>
                   </a:solidFill>
@@ -14753,7 +14764,7 @@
             </a:ln>
             <a:extLst>
               <a:ext uri="{91240B29-F687-4f45-9708-019B960494DF}">
-                <a14:hiddenLine xmlns="" xmlns:a16="http://schemas.microsoft.com/office/drawing/2014/main" xmlns:p14="http://schemas.microsoft.com/office/powerpoint/2010/main" xmlns:a14="http://schemas.microsoft.com/office/drawing/2010/main" w="9525">
+                <a14:hiddenLine xmlns:a14="http://schemas.microsoft.com/office/drawing/2010/main" xmlns:p14="http://schemas.microsoft.com/office/powerpoint/2010/main" xmlns:a16="http://schemas.microsoft.com/office/drawing/2014/main" xmlns="" w="9525">
                   <a:solidFill>
                     <a:srgbClr val="000000"/>
                   </a:solidFill>
@@ -14865,7 +14876,7 @@
             </a:ln>
             <a:extLst>
               <a:ext uri="{91240B29-F687-4f45-9708-019B960494DF}">
-                <a14:hiddenLine xmlns="" xmlns:a16="http://schemas.microsoft.com/office/drawing/2014/main" xmlns:p14="http://schemas.microsoft.com/office/powerpoint/2010/main" xmlns:a14="http://schemas.microsoft.com/office/drawing/2010/main" w="9525">
+                <a14:hiddenLine xmlns:a14="http://schemas.microsoft.com/office/drawing/2010/main" xmlns:p14="http://schemas.microsoft.com/office/powerpoint/2010/main" xmlns:a16="http://schemas.microsoft.com/office/drawing/2014/main" xmlns="" w="9525">
                   <a:solidFill>
                     <a:srgbClr val="000000"/>
                   </a:solidFill>
@@ -14955,7 +14966,7 @@
             </a:ln>
             <a:extLst>
               <a:ext uri="{91240B29-F687-4f45-9708-019B960494DF}">
-                <a14:hiddenLine xmlns="" xmlns:a16="http://schemas.microsoft.com/office/drawing/2014/main" xmlns:p14="http://schemas.microsoft.com/office/powerpoint/2010/main" xmlns:a14="http://schemas.microsoft.com/office/drawing/2010/main" w="9525">
+                <a14:hiddenLine xmlns:a14="http://schemas.microsoft.com/office/drawing/2010/main" xmlns:p14="http://schemas.microsoft.com/office/powerpoint/2010/main" xmlns:a16="http://schemas.microsoft.com/office/drawing/2014/main" xmlns="" w="9525">
                   <a:solidFill>
                     <a:srgbClr val="000000"/>
                   </a:solidFill>
@@ -15067,7 +15078,7 @@
             </a:ln>
             <a:extLst>
               <a:ext uri="{91240B29-F687-4f45-9708-019B960494DF}">
-                <a14:hiddenLine xmlns="" xmlns:a16="http://schemas.microsoft.com/office/drawing/2014/main" xmlns:p14="http://schemas.microsoft.com/office/powerpoint/2010/main" xmlns:a14="http://schemas.microsoft.com/office/drawing/2010/main" w="9525">
+                <a14:hiddenLine xmlns:a14="http://schemas.microsoft.com/office/drawing/2010/main" xmlns:p14="http://schemas.microsoft.com/office/powerpoint/2010/main" xmlns:a16="http://schemas.microsoft.com/office/drawing/2014/main" xmlns="" w="9525">
                   <a:solidFill>
                     <a:srgbClr val="000000"/>
                   </a:solidFill>
@@ -15157,7 +15168,7 @@
             </a:ln>
             <a:extLst>
               <a:ext uri="{91240B29-F687-4f45-9708-019B960494DF}">
-                <a14:hiddenLine xmlns="" xmlns:a16="http://schemas.microsoft.com/office/drawing/2014/main" xmlns:p14="http://schemas.microsoft.com/office/powerpoint/2010/main" xmlns:a14="http://schemas.microsoft.com/office/drawing/2010/main" w="9525">
+                <a14:hiddenLine xmlns:a14="http://schemas.microsoft.com/office/drawing/2010/main" xmlns:p14="http://schemas.microsoft.com/office/powerpoint/2010/main" xmlns:a16="http://schemas.microsoft.com/office/drawing/2014/main" xmlns="" w="9525">
                   <a:solidFill>
                     <a:srgbClr val="000000"/>
                   </a:solidFill>
@@ -15269,7 +15280,7 @@
             </a:ln>
             <a:extLst>
               <a:ext uri="{91240B29-F687-4f45-9708-019B960494DF}">
-                <a14:hiddenLine xmlns="" xmlns:a16="http://schemas.microsoft.com/office/drawing/2014/main" xmlns:p14="http://schemas.microsoft.com/office/powerpoint/2010/main" xmlns:a14="http://schemas.microsoft.com/office/drawing/2010/main" w="9525">
+                <a14:hiddenLine xmlns:a14="http://schemas.microsoft.com/office/drawing/2010/main" xmlns:p14="http://schemas.microsoft.com/office/powerpoint/2010/main" xmlns:a16="http://schemas.microsoft.com/office/drawing/2014/main" xmlns="" w="9525">
                   <a:solidFill>
                     <a:srgbClr val="000000"/>
                   </a:solidFill>
@@ -15325,7 +15336,7 @@
             </a:ln>
             <a:extLst>
               <a:ext uri="{91240B29-F687-4f45-9708-019B960494DF}">
-                <a14:hiddenLine xmlns="" xmlns:a16="http://schemas.microsoft.com/office/drawing/2014/main" xmlns:p14="http://schemas.microsoft.com/office/powerpoint/2010/main" xmlns:a14="http://schemas.microsoft.com/office/drawing/2010/main" w="9525">
+                <a14:hiddenLine xmlns:a14="http://schemas.microsoft.com/office/drawing/2010/main" xmlns:p14="http://schemas.microsoft.com/office/powerpoint/2010/main" xmlns:a16="http://schemas.microsoft.com/office/drawing/2014/main" xmlns="" w="9525">
                   <a:solidFill>
                     <a:srgbClr val="000000"/>
                   </a:solidFill>
@@ -15437,7 +15448,7 @@
             </a:ln>
             <a:extLst>
               <a:ext uri="{91240B29-F687-4f45-9708-019B960494DF}">
-                <a14:hiddenLine xmlns="" xmlns:a16="http://schemas.microsoft.com/office/drawing/2014/main" xmlns:p14="http://schemas.microsoft.com/office/powerpoint/2010/main" xmlns:a14="http://schemas.microsoft.com/office/drawing/2010/main" w="9525">
+                <a14:hiddenLine xmlns:a14="http://schemas.microsoft.com/office/drawing/2010/main" xmlns:p14="http://schemas.microsoft.com/office/powerpoint/2010/main" xmlns:a16="http://schemas.microsoft.com/office/drawing/2014/main" xmlns="" w="9525">
                   <a:solidFill>
                     <a:srgbClr val="000000"/>
                   </a:solidFill>
@@ -15521,7 +15532,7 @@
             </a:ln>
             <a:extLst>
               <a:ext uri="{91240B29-F687-4f45-9708-019B960494DF}">
-                <a14:hiddenLine xmlns="" xmlns:a16="http://schemas.microsoft.com/office/drawing/2014/main" xmlns:p14="http://schemas.microsoft.com/office/powerpoint/2010/main" xmlns:a14="http://schemas.microsoft.com/office/drawing/2010/main" w="9525">
+                <a14:hiddenLine xmlns:a14="http://schemas.microsoft.com/office/drawing/2010/main" xmlns:p14="http://schemas.microsoft.com/office/powerpoint/2010/main" xmlns:a16="http://schemas.microsoft.com/office/drawing/2014/main" xmlns="" w="9525">
                   <a:solidFill>
                     <a:srgbClr val="000000"/>
                   </a:solidFill>
@@ -15605,7 +15616,7 @@
             </a:ln>
             <a:extLst>
               <a:ext uri="{91240B29-F687-4f45-9708-019B960494DF}">
-                <a14:hiddenLine xmlns="" xmlns:a16="http://schemas.microsoft.com/office/drawing/2014/main" xmlns:p14="http://schemas.microsoft.com/office/powerpoint/2010/main" xmlns:a14="http://schemas.microsoft.com/office/drawing/2010/main" w="9525">
+                <a14:hiddenLine xmlns:a14="http://schemas.microsoft.com/office/drawing/2010/main" xmlns:p14="http://schemas.microsoft.com/office/powerpoint/2010/main" xmlns:a16="http://schemas.microsoft.com/office/drawing/2014/main" xmlns="" w="9525">
                   <a:solidFill>
                     <a:srgbClr val="000000"/>
                   </a:solidFill>
@@ -15717,7 +15728,7 @@
             </a:ln>
             <a:extLst>
               <a:ext uri="{91240B29-F687-4f45-9708-019B960494DF}">
-                <a14:hiddenLine xmlns="" xmlns:a16="http://schemas.microsoft.com/office/drawing/2014/main" xmlns:p14="http://schemas.microsoft.com/office/powerpoint/2010/main" xmlns:a14="http://schemas.microsoft.com/office/drawing/2010/main" w="9525">
+                <a14:hiddenLine xmlns:a14="http://schemas.microsoft.com/office/drawing/2010/main" xmlns:p14="http://schemas.microsoft.com/office/powerpoint/2010/main" xmlns:a16="http://schemas.microsoft.com/office/drawing/2014/main" xmlns="" w="9525">
                   <a:solidFill>
                     <a:srgbClr val="000000"/>
                   </a:solidFill>
@@ -15807,7 +15818,7 @@
             </a:ln>
             <a:extLst>
               <a:ext uri="{91240B29-F687-4f45-9708-019B960494DF}">
-                <a14:hiddenLine xmlns="" xmlns:a16="http://schemas.microsoft.com/office/drawing/2014/main" xmlns:p14="http://schemas.microsoft.com/office/powerpoint/2010/main" xmlns:a14="http://schemas.microsoft.com/office/drawing/2010/main" w="9525">
+                <a14:hiddenLine xmlns:a14="http://schemas.microsoft.com/office/drawing/2010/main" xmlns:p14="http://schemas.microsoft.com/office/powerpoint/2010/main" xmlns:a16="http://schemas.microsoft.com/office/drawing/2014/main" xmlns="" w="9525">
                   <a:solidFill>
                     <a:srgbClr val="000000"/>
                   </a:solidFill>
@@ -15891,7 +15902,7 @@
             </a:ln>
             <a:extLst>
               <a:ext uri="{91240B29-F687-4f45-9708-019B960494DF}">
-                <a14:hiddenLine xmlns="" xmlns:a16="http://schemas.microsoft.com/office/drawing/2014/main" xmlns:p14="http://schemas.microsoft.com/office/powerpoint/2010/main" xmlns:a14="http://schemas.microsoft.com/office/drawing/2010/main" w="9525">
+                <a14:hiddenLine xmlns:a14="http://schemas.microsoft.com/office/drawing/2010/main" xmlns:p14="http://schemas.microsoft.com/office/powerpoint/2010/main" xmlns:a16="http://schemas.microsoft.com/office/drawing/2014/main" xmlns="" w="9525">
                   <a:solidFill>
                     <a:srgbClr val="000000"/>
                   </a:solidFill>
@@ -16003,7 +16014,7 @@
             </a:ln>
             <a:extLst>
               <a:ext uri="{91240B29-F687-4f45-9708-019B960494DF}">
-                <a14:hiddenLine xmlns="" xmlns:a16="http://schemas.microsoft.com/office/drawing/2014/main" xmlns:p14="http://schemas.microsoft.com/office/powerpoint/2010/main" xmlns:a14="http://schemas.microsoft.com/office/drawing/2010/main" w="9525">
+                <a14:hiddenLine xmlns:a14="http://schemas.microsoft.com/office/drawing/2010/main" xmlns:p14="http://schemas.microsoft.com/office/powerpoint/2010/main" xmlns:a16="http://schemas.microsoft.com/office/drawing/2014/main" xmlns="" w="9525">
                   <a:solidFill>
                     <a:srgbClr val="000000"/>
                   </a:solidFill>
@@ -16087,7 +16098,7 @@
             </a:ln>
             <a:extLst>
               <a:ext uri="{91240B29-F687-4f45-9708-019B960494DF}">
-                <a14:hiddenLine xmlns="" xmlns:a16="http://schemas.microsoft.com/office/drawing/2014/main" xmlns:p14="http://schemas.microsoft.com/office/powerpoint/2010/main" xmlns:a14="http://schemas.microsoft.com/office/drawing/2010/main" w="9525">
+                <a14:hiddenLine xmlns:a14="http://schemas.microsoft.com/office/drawing/2010/main" xmlns:p14="http://schemas.microsoft.com/office/powerpoint/2010/main" xmlns:a16="http://schemas.microsoft.com/office/drawing/2014/main" xmlns="" w="9525">
                   <a:solidFill>
                     <a:srgbClr val="000000"/>
                   </a:solidFill>
@@ -16199,7 +16210,7 @@
             </a:ln>
             <a:extLst>
               <a:ext uri="{91240B29-F687-4f45-9708-019B960494DF}">
-                <a14:hiddenLine xmlns="" xmlns:a16="http://schemas.microsoft.com/office/drawing/2014/main" xmlns:p14="http://schemas.microsoft.com/office/powerpoint/2010/main" xmlns:a14="http://schemas.microsoft.com/office/drawing/2010/main" w="9525">
+                <a14:hiddenLine xmlns:a14="http://schemas.microsoft.com/office/drawing/2010/main" xmlns:p14="http://schemas.microsoft.com/office/powerpoint/2010/main" xmlns:a16="http://schemas.microsoft.com/office/drawing/2014/main" xmlns="" w="9525">
                   <a:solidFill>
                     <a:srgbClr val="000000"/>
                   </a:solidFill>
@@ -16283,7 +16294,7 @@
             </a:ln>
             <a:extLst>
               <a:ext uri="{91240B29-F687-4f45-9708-019B960494DF}">
-                <a14:hiddenLine xmlns="" xmlns:a16="http://schemas.microsoft.com/office/drawing/2014/main" xmlns:p14="http://schemas.microsoft.com/office/powerpoint/2010/main" xmlns:a14="http://schemas.microsoft.com/office/drawing/2010/main" w="9525">
+                <a14:hiddenLine xmlns:a14="http://schemas.microsoft.com/office/drawing/2010/main" xmlns:p14="http://schemas.microsoft.com/office/powerpoint/2010/main" xmlns:a16="http://schemas.microsoft.com/office/drawing/2014/main" xmlns="" w="9525">
                   <a:solidFill>
                     <a:srgbClr val="000000"/>
                   </a:solidFill>
@@ -16395,7 +16406,7 @@
             </a:ln>
             <a:extLst>
               <a:ext uri="{91240B29-F687-4f45-9708-019B960494DF}">
-                <a14:hiddenLine xmlns="" xmlns:a16="http://schemas.microsoft.com/office/drawing/2014/main" xmlns:p14="http://schemas.microsoft.com/office/powerpoint/2010/main" xmlns:a14="http://schemas.microsoft.com/office/drawing/2010/main" w="9525">
+                <a14:hiddenLine xmlns:a14="http://schemas.microsoft.com/office/drawing/2010/main" xmlns:p14="http://schemas.microsoft.com/office/powerpoint/2010/main" xmlns:a16="http://schemas.microsoft.com/office/drawing/2014/main" xmlns="" w="9525">
                   <a:solidFill>
                     <a:srgbClr val="000000"/>
                   </a:solidFill>
@@ -16451,7 +16462,7 @@
             </a:ln>
             <a:extLst>
               <a:ext uri="{91240B29-F687-4f45-9708-019B960494DF}">
-                <a14:hiddenLine xmlns="" xmlns:a16="http://schemas.microsoft.com/office/drawing/2014/main" xmlns:p14="http://schemas.microsoft.com/office/powerpoint/2010/main" xmlns:a14="http://schemas.microsoft.com/office/drawing/2010/main" w="9525">
+                <a14:hiddenLine xmlns:a14="http://schemas.microsoft.com/office/drawing/2010/main" xmlns:p14="http://schemas.microsoft.com/office/powerpoint/2010/main" xmlns:a16="http://schemas.microsoft.com/office/drawing/2014/main" xmlns="" w="9525">
                   <a:solidFill>
                     <a:srgbClr val="000000"/>
                   </a:solidFill>
@@ -16538,7 +16549,7 @@
             </a:ln>
             <a:extLst>
               <a:ext uri="{91240B29-F687-4f45-9708-019B960494DF}">
-                <a14:hiddenLine xmlns="" xmlns:a16="http://schemas.microsoft.com/office/drawing/2014/main" xmlns:p14="http://schemas.microsoft.com/office/powerpoint/2010/main" xmlns:a14="http://schemas.microsoft.com/office/drawing/2010/main" w="9525">
+                <a14:hiddenLine xmlns:a14="http://schemas.microsoft.com/office/drawing/2010/main" xmlns:p14="http://schemas.microsoft.com/office/powerpoint/2010/main" xmlns:a16="http://schemas.microsoft.com/office/drawing/2014/main" xmlns="" w="9525">
                   <a:solidFill>
                     <a:srgbClr val="000000"/>
                   </a:solidFill>
@@ -16650,7 +16661,7 @@
             </a:ln>
             <a:extLst>
               <a:ext uri="{91240B29-F687-4f45-9708-019B960494DF}">
-                <a14:hiddenLine xmlns="" xmlns:a16="http://schemas.microsoft.com/office/drawing/2014/main" xmlns:p14="http://schemas.microsoft.com/office/powerpoint/2010/main" xmlns:a14="http://schemas.microsoft.com/office/drawing/2010/main" w="9525">
+                <a14:hiddenLine xmlns:a14="http://schemas.microsoft.com/office/drawing/2010/main" xmlns:p14="http://schemas.microsoft.com/office/powerpoint/2010/main" xmlns:a16="http://schemas.microsoft.com/office/drawing/2014/main" xmlns="" w="9525">
                   <a:solidFill>
                     <a:srgbClr val="000000"/>
                   </a:solidFill>
@@ -16734,7 +16745,7 @@
             </a:ln>
             <a:extLst>
               <a:ext uri="{91240B29-F687-4f45-9708-019B960494DF}">
-                <a14:hiddenLine xmlns="" xmlns:a16="http://schemas.microsoft.com/office/drawing/2014/main" xmlns:p14="http://schemas.microsoft.com/office/powerpoint/2010/main" xmlns:a14="http://schemas.microsoft.com/office/drawing/2010/main" w="9525">
+                <a14:hiddenLine xmlns:a14="http://schemas.microsoft.com/office/drawing/2010/main" xmlns:p14="http://schemas.microsoft.com/office/powerpoint/2010/main" xmlns:a16="http://schemas.microsoft.com/office/drawing/2014/main" xmlns="" w="9525">
                   <a:solidFill>
                     <a:srgbClr val="000000"/>
                   </a:solidFill>
@@ -16846,7 +16857,7 @@
             </a:ln>
             <a:extLst>
               <a:ext uri="{91240B29-F687-4f45-9708-019B960494DF}">
-                <a14:hiddenLine xmlns="" xmlns:a16="http://schemas.microsoft.com/office/drawing/2014/main" xmlns:p14="http://schemas.microsoft.com/office/powerpoint/2010/main" xmlns:a14="http://schemas.microsoft.com/office/drawing/2010/main" w="9525">
+                <a14:hiddenLine xmlns:a14="http://schemas.microsoft.com/office/drawing/2010/main" xmlns:p14="http://schemas.microsoft.com/office/powerpoint/2010/main" xmlns:a16="http://schemas.microsoft.com/office/drawing/2014/main" xmlns="" w="9525">
                   <a:solidFill>
                     <a:srgbClr val="000000"/>
                   </a:solidFill>
@@ -16958,7 +16969,7 @@
             </a:ln>
             <a:extLst>
               <a:ext uri="{91240B29-F687-4f45-9708-019B960494DF}">
-                <a14:hiddenLine xmlns="" xmlns:a16="http://schemas.microsoft.com/office/drawing/2014/main" xmlns:p14="http://schemas.microsoft.com/office/powerpoint/2010/main" xmlns:a14="http://schemas.microsoft.com/office/drawing/2010/main" w="9525">
+                <a14:hiddenLine xmlns:a14="http://schemas.microsoft.com/office/drawing/2010/main" xmlns:p14="http://schemas.microsoft.com/office/powerpoint/2010/main" xmlns:a16="http://schemas.microsoft.com/office/drawing/2014/main" xmlns="" w="9525">
                   <a:solidFill>
                     <a:srgbClr val="000000"/>
                   </a:solidFill>
@@ -17045,7 +17056,7 @@
             </a:ln>
             <a:extLst>
               <a:ext uri="{91240B29-F687-4f45-9708-019B960494DF}">
-                <a14:hiddenLine xmlns="" xmlns:a16="http://schemas.microsoft.com/office/drawing/2014/main" xmlns:p14="http://schemas.microsoft.com/office/powerpoint/2010/main" xmlns:a14="http://schemas.microsoft.com/office/drawing/2010/main" w="9525">
+                <a14:hiddenLine xmlns:a14="http://schemas.microsoft.com/office/drawing/2010/main" xmlns:p14="http://schemas.microsoft.com/office/powerpoint/2010/main" xmlns:a16="http://schemas.microsoft.com/office/drawing/2014/main" xmlns="" w="9525">
                   <a:solidFill>
                     <a:srgbClr val="000000"/>
                   </a:solidFill>
@@ -17129,7 +17140,7 @@
             </a:ln>
             <a:extLst>
               <a:ext uri="{91240B29-F687-4f45-9708-019B960494DF}">
-                <a14:hiddenLine xmlns="" xmlns:a16="http://schemas.microsoft.com/office/drawing/2014/main" xmlns:p14="http://schemas.microsoft.com/office/powerpoint/2010/main" xmlns:a14="http://schemas.microsoft.com/office/drawing/2010/main" w="9525">
+                <a14:hiddenLine xmlns:a14="http://schemas.microsoft.com/office/drawing/2010/main" xmlns:p14="http://schemas.microsoft.com/office/powerpoint/2010/main" xmlns:a16="http://schemas.microsoft.com/office/drawing/2014/main" xmlns="" w="9525">
                   <a:solidFill>
                     <a:srgbClr val="000000"/>
                   </a:solidFill>
@@ -17241,7 +17252,7 @@
             </a:ln>
             <a:extLst>
               <a:ext uri="{91240B29-F687-4f45-9708-019B960494DF}">
-                <a14:hiddenLine xmlns="" xmlns:a16="http://schemas.microsoft.com/office/drawing/2014/main" xmlns:p14="http://schemas.microsoft.com/office/powerpoint/2010/main" xmlns:a14="http://schemas.microsoft.com/office/drawing/2010/main" w="9525">
+                <a14:hiddenLine xmlns:a14="http://schemas.microsoft.com/office/drawing/2010/main" xmlns:p14="http://schemas.microsoft.com/office/powerpoint/2010/main" xmlns:a16="http://schemas.microsoft.com/office/drawing/2014/main" xmlns="" w="9525">
                   <a:solidFill>
                     <a:srgbClr val="000000"/>
                   </a:solidFill>
@@ -17353,7 +17364,7 @@
             </a:ln>
             <a:extLst>
               <a:ext uri="{91240B29-F687-4f45-9708-019B960494DF}">
-                <a14:hiddenLine xmlns="" xmlns:a16="http://schemas.microsoft.com/office/drawing/2014/main" xmlns:p14="http://schemas.microsoft.com/office/powerpoint/2010/main" xmlns:a14="http://schemas.microsoft.com/office/drawing/2010/main" w="9525">
+                <a14:hiddenLine xmlns:a14="http://schemas.microsoft.com/office/drawing/2010/main" xmlns:p14="http://schemas.microsoft.com/office/powerpoint/2010/main" xmlns:a16="http://schemas.microsoft.com/office/drawing/2014/main" xmlns="" w="9525">
                   <a:solidFill>
                     <a:srgbClr val="000000"/>
                   </a:solidFill>
@@ -17437,7 +17448,7 @@
             </a:ln>
             <a:extLst>
               <a:ext uri="{91240B29-F687-4f45-9708-019B960494DF}">
-                <a14:hiddenLine xmlns="" xmlns:a16="http://schemas.microsoft.com/office/drawing/2014/main" xmlns:p14="http://schemas.microsoft.com/office/powerpoint/2010/main" xmlns:a14="http://schemas.microsoft.com/office/drawing/2010/main" w="9525">
+                <a14:hiddenLine xmlns:a14="http://schemas.microsoft.com/office/drawing/2010/main" xmlns:p14="http://schemas.microsoft.com/office/powerpoint/2010/main" xmlns:a16="http://schemas.microsoft.com/office/drawing/2014/main" xmlns="" w="9525">
                   <a:solidFill>
                     <a:srgbClr val="000000"/>
                   </a:solidFill>
@@ -17579,7 +17590,7 @@
             </a:ln>
             <a:extLst>
               <a:ext uri="{91240B29-F687-4f45-9708-019B960494DF}">
-                <a14:hiddenLine xmlns="" xmlns:a16="http://schemas.microsoft.com/office/drawing/2014/main" xmlns:p14="http://schemas.microsoft.com/office/powerpoint/2010/main" xmlns:a14="http://schemas.microsoft.com/office/drawing/2010/main" w="9525">
+                <a14:hiddenLine xmlns:a14="http://schemas.microsoft.com/office/drawing/2010/main" xmlns:p14="http://schemas.microsoft.com/office/powerpoint/2010/main" xmlns:a16="http://schemas.microsoft.com/office/drawing/2014/main" xmlns="" w="9525">
                   <a:solidFill>
                     <a:srgbClr val="000000"/>
                   </a:solidFill>
@@ -17669,7 +17680,7 @@
             </a:ln>
             <a:extLst>
               <a:ext uri="{91240B29-F687-4f45-9708-019B960494DF}">
-                <a14:hiddenLine xmlns="" xmlns:a16="http://schemas.microsoft.com/office/drawing/2014/main" xmlns:p14="http://schemas.microsoft.com/office/powerpoint/2010/main" xmlns:a14="http://schemas.microsoft.com/office/drawing/2010/main" w="9525">
+                <a14:hiddenLine xmlns:a14="http://schemas.microsoft.com/office/drawing/2010/main" xmlns:p14="http://schemas.microsoft.com/office/powerpoint/2010/main" xmlns:a16="http://schemas.microsoft.com/office/drawing/2014/main" xmlns="" w="9525">
                   <a:solidFill>
                     <a:srgbClr val="000000"/>
                   </a:solidFill>
@@ -17781,7 +17792,7 @@
             </a:ln>
             <a:extLst>
               <a:ext uri="{91240B29-F687-4f45-9708-019B960494DF}">
-                <a14:hiddenLine xmlns="" xmlns:a16="http://schemas.microsoft.com/office/drawing/2014/main" xmlns:p14="http://schemas.microsoft.com/office/powerpoint/2010/main" xmlns:a14="http://schemas.microsoft.com/office/drawing/2010/main" w="9525">
+                <a14:hiddenLine xmlns:a14="http://schemas.microsoft.com/office/drawing/2010/main" xmlns:p14="http://schemas.microsoft.com/office/powerpoint/2010/main" xmlns:a16="http://schemas.microsoft.com/office/drawing/2014/main" xmlns="" w="9525">
                   <a:solidFill>
                     <a:srgbClr val="000000"/>
                   </a:solidFill>
@@ -17856,7 +17867,7 @@
           <a:noFill/>
           <a:extLst>
             <a:ext uri="{909E8E84-426E-40dd-AFC4-6F175D3DCCD1}">
-              <a14:hiddenFill xmlns="" xmlns:a16="http://schemas.microsoft.com/office/drawing/2014/main" xmlns:p14="http://schemas.microsoft.com/office/powerpoint/2010/main" xmlns:a14="http://schemas.microsoft.com/office/drawing/2010/main">
+              <a14:hiddenFill xmlns:a14="http://schemas.microsoft.com/office/drawing/2010/main" xmlns:p14="http://schemas.microsoft.com/office/powerpoint/2010/main" xmlns:a16="http://schemas.microsoft.com/office/drawing/2014/main" xmlns="">
                 <a:solidFill>
                   <a:srgbClr val="FFFFFF"/>
                 </a:solidFill>
@@ -18298,7 +18309,7 @@
         </p:nvSpPr>
         <p:spPr>
           <a:xfrm>
-            <a:off x="1447800" y="828674"/>
+            <a:off x="1205753" y="622486"/>
             <a:ext cx="5181600" cy="523220"/>
           </a:xfrm>
           <a:prstGeom prst="rect">
@@ -18341,8 +18352,8 @@
         </p:nvSpPr>
         <p:spPr>
           <a:xfrm>
-            <a:off x="1524000" y="1351894"/>
-            <a:ext cx="8162925" cy="4308872"/>
+            <a:off x="1205753" y="1145706"/>
+            <a:ext cx="8162925" cy="4924425"/>
           </a:xfrm>
           <a:prstGeom prst="rect">
             <a:avLst/>
@@ -18426,7 +18437,10 @@
               <a:buFont typeface="Wingdings" panose="05000000000000000000" pitchFamily="2" charset="2"/>
               <a:buChar char="Ø"/>
             </a:pPr>
-            <a:endParaRPr lang="en-IN" sz="2000" dirty="0"/>
+            <a:r>
+              <a:rPr lang="en-IN" sz="2000" dirty="0"/>
+              <a:t>Traces outline the activity of the requests and the path they take through an application. They can show a trace for a single operation or a distributed trace of an entire transaction across multiple services.</a:t>
+            </a:r>
           </a:p>
         </p:txBody>
       </p:sp>
@@ -18434,6 +18448,841 @@
     <p:extLst>
       <p:ext uri="{BB962C8B-B14F-4D97-AF65-F5344CB8AC3E}">
         <p14:creationId xmlns:p14="http://schemas.microsoft.com/office/powerpoint/2010/main" val="2575491452"/>
+      </p:ext>
+    </p:extLst>
+  </p:cSld>
+  <p:clrMapOvr>
+    <a:masterClrMapping/>
+  </p:clrMapOvr>
+</p:sld>
+</file>
+
+<file path=ppt/slides/slide4.xml><?xml version="1.0" encoding="utf-8"?>
+<p:sld xmlns:a="http://schemas.openxmlformats.org/drawingml/2006/main" xmlns:r="http://schemas.openxmlformats.org/officeDocument/2006/relationships" xmlns:p="http://schemas.openxmlformats.org/presentationml/2006/main">
+  <p:cSld>
+    <p:spTree>
+      <p:nvGrpSpPr>
+        <p:cNvPr id="1" name=""/>
+        <p:cNvGrpSpPr/>
+        <p:nvPr/>
+      </p:nvGrpSpPr>
+      <p:grpSpPr>
+        <a:xfrm>
+          <a:off x="0" y="0"/>
+          <a:ext cx="0" cy="0"/>
+          <a:chOff x="0" y="0"/>
+          <a:chExt cx="0" cy="0"/>
+        </a:xfrm>
+      </p:grpSpPr>
+      <p:pic>
+        <p:nvPicPr>
+          <p:cNvPr id="9" name="Picture 8" descr="A white and yellow rectangular box with black text&#10;&#10;Description automatically generated">
+            <a:extLst>
+              <a:ext uri="{FF2B5EF4-FFF2-40B4-BE49-F238E27FC236}">
+                <a16:creationId xmlns:a16="http://schemas.microsoft.com/office/drawing/2014/main" id="{85F68A29-8A12-395E-B130-2368EB1F0B2F}"/>
+              </a:ext>
+            </a:extLst>
+          </p:cNvPr>
+          <p:cNvPicPr>
+            <a:picLocks noChangeAspect="1"/>
+          </p:cNvPicPr>
+          <p:nvPr/>
+        </p:nvPicPr>
+        <p:blipFill>
+          <a:blip r:embed="rId2">
+            <a:extLst>
+              <a:ext uri="{28A0092B-C50C-407E-A947-70E740481C1C}">
+                <a14:useLocalDpi xmlns:a14="http://schemas.microsoft.com/office/drawing/2010/main" val="0"/>
+              </a:ext>
+            </a:extLst>
+          </a:blip>
+          <a:stretch>
+            <a:fillRect/>
+          </a:stretch>
+        </p:blipFill>
+        <p:spPr>
+          <a:xfrm>
+            <a:off x="1028056" y="2170209"/>
+            <a:ext cx="10135887" cy="2517582"/>
+          </a:xfrm>
+          <a:prstGeom prst="rect">
+            <a:avLst/>
+          </a:prstGeom>
+        </p:spPr>
+      </p:pic>
+      <p:sp>
+        <p:nvSpPr>
+          <p:cNvPr id="6" name="TextBox 5">
+            <a:extLst>
+              <a:ext uri="{FF2B5EF4-FFF2-40B4-BE49-F238E27FC236}">
+                <a16:creationId xmlns:a16="http://schemas.microsoft.com/office/drawing/2014/main" id="{97F3C902-C550-783A-E2B3-1E574E533F42}"/>
+              </a:ext>
+            </a:extLst>
+          </p:cNvPr>
+          <p:cNvSpPr txBox="1"/>
+          <p:nvPr/>
+        </p:nvSpPr>
+        <p:spPr>
+          <a:xfrm>
+            <a:off x="1028056" y="887194"/>
+            <a:ext cx="5907087" cy="646331"/>
+          </a:xfrm>
+          <a:prstGeom prst="rect">
+            <a:avLst/>
+          </a:prstGeom>
+          <a:noFill/>
+        </p:spPr>
+        <p:txBody>
+          <a:bodyPr wrap="square" rtlCol="0">
+            <a:spAutoFit/>
+          </a:bodyPr>
+          <a:lstStyle/>
+          <a:p>
+            <a:r>
+              <a:rPr lang="en-IN" sz="3600" b="1" dirty="0">
+                <a:effectLst>
+                  <a:outerShdw blurRad="38100" dist="38100" dir="2700000" algn="tl">
+                    <a:srgbClr val="000000">
+                      <a:alpha val="43137"/>
+                    </a:srgbClr>
+                  </a:outerShdw>
+                </a:effectLst>
+              </a:rPr>
+              <a:t>Monitoring VS Observability</a:t>
+            </a:r>
+          </a:p>
+        </p:txBody>
+      </p:sp>
+    </p:spTree>
+    <p:extLst>
+      <p:ext uri="{BB962C8B-B14F-4D97-AF65-F5344CB8AC3E}">
+        <p14:creationId xmlns:p14="http://schemas.microsoft.com/office/powerpoint/2010/main" val="1527693372"/>
+      </p:ext>
+    </p:extLst>
+  </p:cSld>
+  <p:clrMapOvr>
+    <a:masterClrMapping/>
+  </p:clrMapOvr>
+</p:sld>
+</file>
+
+<file path=ppt/slides/slide5.xml><?xml version="1.0" encoding="utf-8"?>
+<p:sld xmlns:a="http://schemas.openxmlformats.org/drawingml/2006/main" xmlns:r="http://schemas.openxmlformats.org/officeDocument/2006/relationships" xmlns:p="http://schemas.openxmlformats.org/presentationml/2006/main">
+  <p:cSld>
+    <p:spTree>
+      <p:nvGrpSpPr>
+        <p:cNvPr id="1" name=""/>
+        <p:cNvGrpSpPr/>
+        <p:nvPr/>
+      </p:nvGrpSpPr>
+      <p:grpSpPr>
+        <a:xfrm>
+          <a:off x="0" y="0"/>
+          <a:ext cx="0" cy="0"/>
+          <a:chOff x="0" y="0"/>
+          <a:chExt cx="0" cy="0"/>
+        </a:xfrm>
+      </p:grpSpPr>
+      <p:sp>
+        <p:nvSpPr>
+          <p:cNvPr id="5" name="Content Placeholder 6">
+            <a:extLst>
+              <a:ext uri="{FF2B5EF4-FFF2-40B4-BE49-F238E27FC236}">
+                <a16:creationId xmlns:a16="http://schemas.microsoft.com/office/drawing/2014/main" id="{26547C85-6B1F-F417-62E7-D9BF522CAC6B}"/>
+              </a:ext>
+            </a:extLst>
+          </p:cNvPr>
+          <p:cNvSpPr>
+            <a:spLocks noGrp="1"/>
+          </p:cNvSpPr>
+          <p:nvPr>
+            <p:ph idx="1"/>
+          </p:nvPr>
+        </p:nvSpPr>
+        <p:spPr>
+          <a:xfrm>
+            <a:off x="1143000" y="1432017"/>
+            <a:ext cx="9905999" cy="4547441"/>
+          </a:xfrm>
+        </p:spPr>
+        <p:txBody>
+          <a:bodyPr>
+            <a:normAutofit/>
+          </a:bodyPr>
+          <a:lstStyle/>
+          <a:p>
+            <a:pPr marL="0" indent="0">
+              <a:buNone/>
+            </a:pPr>
+            <a:r>
+              <a:rPr lang="en-IN" dirty="0"/>
+              <a:t>Prometheus is an open-source technology designed to provide monitoring and alerting functionality for cloud-native environments, including Kubernetes. It can collect and store metrics as time-series data, recording information with a timestamp.</a:t>
+            </a:r>
+          </a:p>
+          <a:p>
+            <a:pPr marL="0" indent="0">
+              <a:buNone/>
+            </a:pPr>
+            <a:r>
+              <a:rPr lang="en-IN" dirty="0"/>
+              <a:t>It is a pull time series database. We can never push metrics to it.</a:t>
+            </a:r>
+          </a:p>
+          <a:p>
+            <a:pPr marL="0" indent="0">
+              <a:buNone/>
+            </a:pPr>
+            <a:r>
+              <a:rPr lang="en-IN" dirty="0"/>
+              <a:t>Monitoring is collecting and visualising data about systems regularly so as to track the system’s health. It’s a part of observability. </a:t>
+            </a:r>
+          </a:p>
+        </p:txBody>
+      </p:sp>
+      <p:sp>
+        <p:nvSpPr>
+          <p:cNvPr id="8" name="TextBox 7">
+            <a:extLst>
+              <a:ext uri="{FF2B5EF4-FFF2-40B4-BE49-F238E27FC236}">
+                <a16:creationId xmlns:a16="http://schemas.microsoft.com/office/drawing/2014/main" id="{2635D161-4B76-A9BB-BB3D-ECAB68F02FE7}"/>
+              </a:ext>
+            </a:extLst>
+          </p:cNvPr>
+          <p:cNvSpPr txBox="1"/>
+          <p:nvPr/>
+        </p:nvSpPr>
+        <p:spPr>
+          <a:xfrm>
+            <a:off x="1141413" y="582706"/>
+            <a:ext cx="8065340" cy="646331"/>
+          </a:xfrm>
+          <a:prstGeom prst="rect">
+            <a:avLst/>
+          </a:prstGeom>
+          <a:noFill/>
+        </p:spPr>
+        <p:txBody>
+          <a:bodyPr wrap="square" rtlCol="0">
+            <a:spAutoFit/>
+          </a:bodyPr>
+          <a:lstStyle/>
+          <a:p>
+            <a:r>
+              <a:rPr lang="en-IN" sz="3600" b="1" dirty="0">
+                <a:effectLst>
+                  <a:outerShdw blurRad="38100" dist="38100" dir="2700000" algn="tl">
+                    <a:srgbClr val="000000">
+                      <a:alpha val="43137"/>
+                    </a:srgbClr>
+                  </a:outerShdw>
+                </a:effectLst>
+              </a:rPr>
+              <a:t>Monitoring With Prometheus</a:t>
+            </a:r>
+          </a:p>
+        </p:txBody>
+      </p:sp>
+    </p:spTree>
+    <p:extLst>
+      <p:ext uri="{BB962C8B-B14F-4D97-AF65-F5344CB8AC3E}">
+        <p14:creationId xmlns:p14="http://schemas.microsoft.com/office/powerpoint/2010/main" val="1094062936"/>
+      </p:ext>
+    </p:extLst>
+  </p:cSld>
+  <p:clrMapOvr>
+    <a:masterClrMapping/>
+  </p:clrMapOvr>
+</p:sld>
+</file>
+
+<file path=ppt/slides/slide6.xml><?xml version="1.0" encoding="utf-8"?>
+<p:sld xmlns:a="http://schemas.openxmlformats.org/drawingml/2006/main" xmlns:r="http://schemas.openxmlformats.org/officeDocument/2006/relationships" xmlns:p="http://schemas.openxmlformats.org/presentationml/2006/main">
+  <p:cSld>
+    <p:spTree>
+      <p:nvGrpSpPr>
+        <p:cNvPr id="1" name="">
+          <a:extLst>
+            <a:ext uri="{FF2B5EF4-FFF2-40B4-BE49-F238E27FC236}">
+              <a16:creationId xmlns:a16="http://schemas.microsoft.com/office/drawing/2014/main" id="{07092FF8-CDB2-A097-CF1C-2E75F2A473B8}"/>
+            </a:ext>
+          </a:extLst>
+        </p:cNvPr>
+        <p:cNvGrpSpPr/>
+        <p:nvPr/>
+      </p:nvGrpSpPr>
+      <p:grpSpPr>
+        <a:xfrm>
+          <a:off x="0" y="0"/>
+          <a:ext cx="0" cy="0"/>
+          <a:chOff x="0" y="0"/>
+          <a:chExt cx="0" cy="0"/>
+        </a:xfrm>
+      </p:grpSpPr>
+      <p:pic>
+        <p:nvPicPr>
+          <p:cNvPr id="6" name="Picture 5" descr="A diagram of a company&#10;&#10;Description automatically generated">
+            <a:extLst>
+              <a:ext uri="{FF2B5EF4-FFF2-40B4-BE49-F238E27FC236}">
+                <a16:creationId xmlns:a16="http://schemas.microsoft.com/office/drawing/2014/main" id="{1A6872F9-C59F-45BA-58E3-39E65535917F}"/>
+              </a:ext>
+            </a:extLst>
+          </p:cNvPr>
+          <p:cNvPicPr>
+            <a:picLocks noChangeAspect="1"/>
+          </p:cNvPicPr>
+          <p:nvPr/>
+        </p:nvPicPr>
+        <p:blipFill>
+          <a:blip r:embed="rId2">
+            <a:extLst>
+              <a:ext uri="{28A0092B-C50C-407E-A947-70E740481C1C}">
+                <a14:useLocalDpi xmlns:a14="http://schemas.microsoft.com/office/drawing/2010/main" val="0"/>
+              </a:ext>
+            </a:extLst>
+          </a:blip>
+          <a:stretch>
+            <a:fillRect/>
+          </a:stretch>
+        </p:blipFill>
+        <p:spPr>
+          <a:xfrm>
+            <a:off x="1311742" y="1425948"/>
+            <a:ext cx="7904951" cy="4150099"/>
+          </a:xfrm>
+          <a:prstGeom prst="rect">
+            <a:avLst/>
+          </a:prstGeom>
+        </p:spPr>
+      </p:pic>
+      <p:sp>
+        <p:nvSpPr>
+          <p:cNvPr id="7" name="TextBox 6">
+            <a:extLst>
+              <a:ext uri="{FF2B5EF4-FFF2-40B4-BE49-F238E27FC236}">
+                <a16:creationId xmlns:a16="http://schemas.microsoft.com/office/drawing/2014/main" id="{24DD4CDF-5508-76AE-2639-D7AFB11984C2}"/>
+              </a:ext>
+            </a:extLst>
+          </p:cNvPr>
+          <p:cNvSpPr txBox="1"/>
+          <p:nvPr/>
+        </p:nvSpPr>
+        <p:spPr>
+          <a:xfrm>
+            <a:off x="1311743" y="555812"/>
+            <a:ext cx="8065340" cy="646331"/>
+          </a:xfrm>
+          <a:prstGeom prst="rect">
+            <a:avLst/>
+          </a:prstGeom>
+          <a:noFill/>
+        </p:spPr>
+        <p:txBody>
+          <a:bodyPr wrap="square" rtlCol="0">
+            <a:spAutoFit/>
+          </a:bodyPr>
+          <a:lstStyle/>
+          <a:p>
+            <a:r>
+              <a:rPr lang="en-IN" sz="3600" b="1" dirty="0">
+                <a:effectLst>
+                  <a:outerShdw blurRad="38100" dist="38100" dir="2700000" algn="tl">
+                    <a:srgbClr val="000000">
+                      <a:alpha val="43137"/>
+                    </a:srgbClr>
+                  </a:outerShdw>
+                </a:effectLst>
+              </a:rPr>
+              <a:t>Working of Prometheus</a:t>
+            </a:r>
+          </a:p>
+        </p:txBody>
+      </p:sp>
+    </p:spTree>
+    <p:extLst>
+      <p:ext uri="{BB962C8B-B14F-4D97-AF65-F5344CB8AC3E}">
+        <p14:creationId xmlns:p14="http://schemas.microsoft.com/office/powerpoint/2010/main" val="1899535957"/>
+      </p:ext>
+    </p:extLst>
+  </p:cSld>
+  <p:clrMapOvr>
+    <a:masterClrMapping/>
+  </p:clrMapOvr>
+</p:sld>
+</file>
+
+<file path=ppt/slides/slide7.xml><?xml version="1.0" encoding="utf-8"?>
+<p:sld xmlns:a="http://schemas.openxmlformats.org/drawingml/2006/main" xmlns:r="http://schemas.openxmlformats.org/officeDocument/2006/relationships" xmlns:p="http://schemas.openxmlformats.org/presentationml/2006/main">
+  <p:cSld>
+    <p:spTree>
+      <p:nvGrpSpPr>
+        <p:cNvPr id="1" name="">
+          <a:extLst>
+            <a:ext uri="{FF2B5EF4-FFF2-40B4-BE49-F238E27FC236}">
+              <a16:creationId xmlns:a16="http://schemas.microsoft.com/office/drawing/2014/main" id="{0BD3CB73-B2DA-377F-7F8E-1F4B092309FF}"/>
+            </a:ext>
+          </a:extLst>
+        </p:cNvPr>
+        <p:cNvGrpSpPr/>
+        <p:nvPr/>
+      </p:nvGrpSpPr>
+      <p:grpSpPr>
+        <a:xfrm>
+          <a:off x="0" y="0"/>
+          <a:ext cx="0" cy="0"/>
+          <a:chOff x="0" y="0"/>
+          <a:chExt cx="0" cy="0"/>
+        </a:xfrm>
+      </p:grpSpPr>
+      <p:sp>
+        <p:nvSpPr>
+          <p:cNvPr id="5" name="Content Placeholder 6">
+            <a:extLst>
+              <a:ext uri="{FF2B5EF4-FFF2-40B4-BE49-F238E27FC236}">
+                <a16:creationId xmlns:a16="http://schemas.microsoft.com/office/drawing/2014/main" id="{836A2EE6-617D-1A38-4130-EC4F5FE4593A}"/>
+              </a:ext>
+            </a:extLst>
+          </p:cNvPr>
+          <p:cNvSpPr>
+            <a:spLocks noGrp="1"/>
+          </p:cNvSpPr>
+          <p:nvPr>
+            <p:ph idx="1"/>
+          </p:nvPr>
+        </p:nvSpPr>
+        <p:spPr>
+          <a:xfrm>
+            <a:off x="1143000" y="1602346"/>
+            <a:ext cx="9905999" cy="4547441"/>
+          </a:xfrm>
+        </p:spPr>
+        <p:txBody>
+          <a:bodyPr>
+            <a:normAutofit/>
+          </a:bodyPr>
+          <a:lstStyle/>
+          <a:p>
+            <a:pPr>
+              <a:buFont typeface="Wingdings" panose="05000000000000000000" pitchFamily="2" charset="2"/>
+              <a:buChar char="v"/>
+            </a:pPr>
+            <a:r>
+              <a:rPr lang="en-IN" dirty="0"/>
+              <a:t>Prometheus Server</a:t>
+            </a:r>
+          </a:p>
+          <a:p>
+            <a:pPr>
+              <a:buFont typeface="Wingdings" panose="05000000000000000000" pitchFamily="2" charset="2"/>
+              <a:buChar char="v"/>
+            </a:pPr>
+            <a:r>
+              <a:rPr lang="en-IN" dirty="0"/>
+              <a:t>Client libraries</a:t>
+            </a:r>
+          </a:p>
+          <a:p>
+            <a:pPr>
+              <a:buFont typeface="Wingdings" panose="05000000000000000000" pitchFamily="2" charset="2"/>
+              <a:buChar char="v"/>
+            </a:pPr>
+            <a:r>
+              <a:rPr lang="en-IN" dirty="0"/>
+              <a:t>Push Gateway</a:t>
+            </a:r>
+          </a:p>
+          <a:p>
+            <a:pPr>
+              <a:buFont typeface="Wingdings" panose="05000000000000000000" pitchFamily="2" charset="2"/>
+              <a:buChar char="v"/>
+            </a:pPr>
+            <a:r>
+              <a:rPr lang="en-IN" dirty="0"/>
+              <a:t>Exporters</a:t>
+            </a:r>
+          </a:p>
+          <a:p>
+            <a:pPr>
+              <a:buFont typeface="Wingdings" panose="05000000000000000000" pitchFamily="2" charset="2"/>
+              <a:buChar char="v"/>
+            </a:pPr>
+            <a:r>
+              <a:rPr lang="en-IN" dirty="0"/>
+              <a:t>Alert Manager</a:t>
+            </a:r>
+          </a:p>
+        </p:txBody>
+      </p:sp>
+      <p:sp>
+        <p:nvSpPr>
+          <p:cNvPr id="8" name="TextBox 7">
+            <a:extLst>
+              <a:ext uri="{FF2B5EF4-FFF2-40B4-BE49-F238E27FC236}">
+                <a16:creationId xmlns:a16="http://schemas.microsoft.com/office/drawing/2014/main" id="{A0CDEFEE-4609-52BA-A06F-9A1FF337207D}"/>
+              </a:ext>
+            </a:extLst>
+          </p:cNvPr>
+          <p:cNvSpPr txBox="1"/>
+          <p:nvPr/>
+        </p:nvSpPr>
+        <p:spPr>
+          <a:xfrm>
+            <a:off x="1141413" y="582706"/>
+            <a:ext cx="8065340" cy="646331"/>
+          </a:xfrm>
+          <a:prstGeom prst="rect">
+            <a:avLst/>
+          </a:prstGeom>
+          <a:noFill/>
+        </p:spPr>
+        <p:txBody>
+          <a:bodyPr wrap="square" rtlCol="0">
+            <a:spAutoFit/>
+          </a:bodyPr>
+          <a:lstStyle/>
+          <a:p>
+            <a:r>
+              <a:rPr lang="en-IN" sz="3600" b="1" dirty="0">
+                <a:effectLst>
+                  <a:outerShdw blurRad="38100" dist="38100" dir="2700000" algn="tl">
+                    <a:srgbClr val="000000">
+                      <a:alpha val="43137"/>
+                    </a:srgbClr>
+                  </a:outerShdw>
+                </a:effectLst>
+              </a:rPr>
+              <a:t>Components of Prometheus</a:t>
+            </a:r>
+          </a:p>
+        </p:txBody>
+      </p:sp>
+    </p:spTree>
+    <p:extLst>
+      <p:ext uri="{BB962C8B-B14F-4D97-AF65-F5344CB8AC3E}">
+        <p14:creationId xmlns:p14="http://schemas.microsoft.com/office/powerpoint/2010/main" val="1677071491"/>
+      </p:ext>
+    </p:extLst>
+  </p:cSld>
+  <p:clrMapOvr>
+    <a:masterClrMapping/>
+  </p:clrMapOvr>
+</p:sld>
+</file>
+
+<file path=ppt/slides/slide8.xml><?xml version="1.0" encoding="utf-8"?>
+<p:sld xmlns:a="http://schemas.openxmlformats.org/drawingml/2006/main" xmlns:r="http://schemas.openxmlformats.org/officeDocument/2006/relationships" xmlns:p="http://schemas.openxmlformats.org/presentationml/2006/main">
+  <p:cSld>
+    <p:spTree>
+      <p:nvGrpSpPr>
+        <p:cNvPr id="1" name="">
+          <a:extLst>
+            <a:ext uri="{FF2B5EF4-FFF2-40B4-BE49-F238E27FC236}">
+              <a16:creationId xmlns:a16="http://schemas.microsoft.com/office/drawing/2014/main" id="{1AD920BF-61D3-2F06-838C-BDA5CBFC5557}"/>
+            </a:ext>
+          </a:extLst>
+        </p:cNvPr>
+        <p:cNvGrpSpPr/>
+        <p:nvPr/>
+      </p:nvGrpSpPr>
+      <p:grpSpPr>
+        <a:xfrm>
+          <a:off x="0" y="0"/>
+          <a:ext cx="0" cy="0"/>
+          <a:chOff x="0" y="0"/>
+          <a:chExt cx="0" cy="0"/>
+        </a:xfrm>
+      </p:grpSpPr>
+      <p:sp>
+        <p:nvSpPr>
+          <p:cNvPr id="5" name="Content Placeholder 6">
+            <a:extLst>
+              <a:ext uri="{FF2B5EF4-FFF2-40B4-BE49-F238E27FC236}">
+                <a16:creationId xmlns:a16="http://schemas.microsoft.com/office/drawing/2014/main" id="{EDA855F4-EB73-0148-0B22-C9A15A04B0F8}"/>
+              </a:ext>
+            </a:extLst>
+          </p:cNvPr>
+          <p:cNvSpPr>
+            <a:spLocks noGrp="1"/>
+          </p:cNvSpPr>
+          <p:nvPr>
+            <p:ph idx="1"/>
+          </p:nvPr>
+        </p:nvSpPr>
+        <p:spPr>
+          <a:xfrm>
+            <a:off x="1143000" y="1432017"/>
+            <a:ext cx="9905999" cy="4547441"/>
+          </a:xfrm>
+        </p:spPr>
+        <p:txBody>
+          <a:bodyPr>
+            <a:normAutofit/>
+          </a:bodyPr>
+          <a:lstStyle/>
+          <a:p>
+            <a:pPr marL="0" indent="0">
+              <a:buNone/>
+            </a:pPr>
+            <a:r>
+              <a:rPr lang="en-IN" dirty="0"/>
+              <a:t>The data in Prometheus is stored as </a:t>
+            </a:r>
+            <a:r>
+              <a:rPr lang="en-IN" b="1" i="1" dirty="0"/>
+              <a:t>time series data</a:t>
+            </a:r>
+            <a:r>
+              <a:rPr lang="en-IN" dirty="0"/>
+              <a:t>, i.e. the data contains a metric attached to a time stamp.</a:t>
+            </a:r>
+          </a:p>
+          <a:p>
+            <a:pPr marL="0" indent="0">
+              <a:buNone/>
+            </a:pPr>
+            <a:endParaRPr lang="en-IN" dirty="0"/>
+          </a:p>
+          <a:p>
+            <a:pPr marL="0" indent="0">
+              <a:buNone/>
+            </a:pPr>
+            <a:r>
+              <a:rPr lang="en-IN" dirty="0"/>
+              <a:t>Format:</a:t>
+            </a:r>
+            <a:br>
+              <a:rPr lang="en-IN" dirty="0"/>
+            </a:br>
+            <a:r>
+              <a:rPr lang="en-IN" dirty="0"/>
+              <a:t>	&lt;</a:t>
+            </a:r>
+            <a:r>
+              <a:rPr lang="en-IN" dirty="0" err="1"/>
+              <a:t>metric_name</a:t>
+            </a:r>
+            <a:r>
+              <a:rPr lang="en-IN" dirty="0"/>
+              <a:t>&gt; {key1=value1, key2=value2, … }</a:t>
+            </a:r>
+          </a:p>
+          <a:p>
+            <a:pPr marL="0" indent="0">
+              <a:buNone/>
+            </a:pPr>
+            <a:r>
+              <a:rPr lang="en-IN" dirty="0"/>
+              <a:t>	Here, the key value pairs are the labels associated with the metric.</a:t>
+            </a:r>
+          </a:p>
+          <a:p>
+            <a:pPr marL="0" indent="0">
+              <a:buNone/>
+            </a:pPr>
+            <a:endParaRPr lang="en-IN" dirty="0"/>
+          </a:p>
+          <a:p>
+            <a:pPr marL="0" indent="0">
+              <a:buNone/>
+            </a:pPr>
+            <a:r>
+              <a:rPr lang="en-IN" dirty="0"/>
+              <a:t>	e.g. </a:t>
+            </a:r>
+            <a:r>
+              <a:rPr lang="en-IN" dirty="0">
+                <a:sym typeface="Wingdings" panose="05000000000000000000" pitchFamily="2" charset="2"/>
+              </a:rPr>
+              <a:t> </a:t>
+            </a:r>
+            <a:r>
+              <a:rPr lang="en-IN" dirty="0" err="1">
+                <a:sym typeface="Wingdings" panose="05000000000000000000" pitchFamily="2" charset="2"/>
+              </a:rPr>
+              <a:t>cpu_usage</a:t>
+            </a:r>
+            <a:r>
+              <a:rPr lang="en-IN" dirty="0">
+                <a:sym typeface="Wingdings" panose="05000000000000000000" pitchFamily="2" charset="2"/>
+              </a:rPr>
+              <a:t> {</a:t>
+            </a:r>
+            <a:r>
+              <a:rPr lang="en-IN" dirty="0" err="1">
+                <a:sym typeface="Wingdings" panose="05000000000000000000" pitchFamily="2" charset="2"/>
+              </a:rPr>
+              <a:t>cpu</a:t>
+            </a:r>
+            <a:r>
+              <a:rPr lang="en-IN" dirty="0">
+                <a:sym typeface="Wingdings" panose="05000000000000000000" pitchFamily="2" charset="2"/>
+              </a:rPr>
+              <a:t>=20, route=“/home”}</a:t>
+            </a:r>
+            <a:endParaRPr lang="en-IN" dirty="0"/>
+          </a:p>
+        </p:txBody>
+      </p:sp>
+      <p:sp>
+        <p:nvSpPr>
+          <p:cNvPr id="8" name="TextBox 7">
+            <a:extLst>
+              <a:ext uri="{FF2B5EF4-FFF2-40B4-BE49-F238E27FC236}">
+                <a16:creationId xmlns:a16="http://schemas.microsoft.com/office/drawing/2014/main" id="{B16D9C72-0831-87AB-D975-AE2BBBB5F880}"/>
+              </a:ext>
+            </a:extLst>
+          </p:cNvPr>
+          <p:cNvSpPr txBox="1"/>
+          <p:nvPr/>
+        </p:nvSpPr>
+        <p:spPr>
+          <a:xfrm>
+            <a:off x="1141413" y="582706"/>
+            <a:ext cx="8065340" cy="646331"/>
+          </a:xfrm>
+          <a:prstGeom prst="rect">
+            <a:avLst/>
+          </a:prstGeom>
+          <a:noFill/>
+        </p:spPr>
+        <p:txBody>
+          <a:bodyPr wrap="square" rtlCol="0">
+            <a:spAutoFit/>
+          </a:bodyPr>
+          <a:lstStyle/>
+          <a:p>
+            <a:r>
+              <a:rPr lang="en-IN" sz="3600" b="1" dirty="0">
+                <a:effectLst>
+                  <a:outerShdw blurRad="38100" dist="38100" dir="2700000" algn="tl">
+                    <a:srgbClr val="000000">
+                      <a:alpha val="43137"/>
+                    </a:srgbClr>
+                  </a:outerShdw>
+                </a:effectLst>
+              </a:rPr>
+              <a:t>Data Model</a:t>
+            </a:r>
+          </a:p>
+        </p:txBody>
+      </p:sp>
+    </p:spTree>
+    <p:extLst>
+      <p:ext uri="{BB962C8B-B14F-4D97-AF65-F5344CB8AC3E}">
+        <p14:creationId xmlns:p14="http://schemas.microsoft.com/office/powerpoint/2010/main" val="1197274294"/>
+      </p:ext>
+    </p:extLst>
+  </p:cSld>
+  <p:clrMapOvr>
+    <a:masterClrMapping/>
+  </p:clrMapOvr>
+</p:sld>
+</file>
+
+<file path=ppt/slides/slide9.xml><?xml version="1.0" encoding="utf-8"?>
+<p:sld xmlns:a="http://schemas.openxmlformats.org/drawingml/2006/main" xmlns:r="http://schemas.openxmlformats.org/officeDocument/2006/relationships" xmlns:p="http://schemas.openxmlformats.org/presentationml/2006/main">
+  <p:cSld>
+    <p:spTree>
+      <p:nvGrpSpPr>
+        <p:cNvPr id="1" name="">
+          <a:extLst>
+            <a:ext uri="{FF2B5EF4-FFF2-40B4-BE49-F238E27FC236}">
+              <a16:creationId xmlns:a16="http://schemas.microsoft.com/office/drawing/2014/main" id="{D393A442-E2AF-AEBD-E819-D15521D0E5DF}"/>
+            </a:ext>
+          </a:extLst>
+        </p:cNvPr>
+        <p:cNvGrpSpPr/>
+        <p:nvPr/>
+      </p:nvGrpSpPr>
+      <p:grpSpPr>
+        <a:xfrm>
+          <a:off x="0" y="0"/>
+          <a:ext cx="0" cy="0"/>
+          <a:chOff x="0" y="0"/>
+          <a:chExt cx="0" cy="0"/>
+        </a:xfrm>
+      </p:grpSpPr>
+      <p:sp>
+        <p:nvSpPr>
+          <p:cNvPr id="5" name="Content Placeholder 6">
+            <a:extLst>
+              <a:ext uri="{FF2B5EF4-FFF2-40B4-BE49-F238E27FC236}">
+                <a16:creationId xmlns:a16="http://schemas.microsoft.com/office/drawing/2014/main" id="{1DE298CE-D31E-D010-A4F5-91AE75098616}"/>
+              </a:ext>
+            </a:extLst>
+          </p:cNvPr>
+          <p:cNvSpPr>
+            <a:spLocks noGrp="1"/>
+          </p:cNvSpPr>
+          <p:nvPr>
+            <p:ph idx="1"/>
+          </p:nvPr>
+        </p:nvSpPr>
+        <p:spPr>
+          <a:xfrm>
+            <a:off x="1143000" y="1432017"/>
+            <a:ext cx="9905999" cy="4547441"/>
+          </a:xfrm>
+        </p:spPr>
+        <p:txBody>
+          <a:bodyPr>
+            <a:normAutofit/>
+          </a:bodyPr>
+          <a:lstStyle/>
+          <a:p>
+            <a:pPr marL="0" indent="0">
+              <a:buNone/>
+            </a:pPr>
+            <a:endParaRPr lang="en-IN" dirty="0"/>
+          </a:p>
+        </p:txBody>
+      </p:sp>
+      <p:sp>
+        <p:nvSpPr>
+          <p:cNvPr id="8" name="TextBox 7">
+            <a:extLst>
+              <a:ext uri="{FF2B5EF4-FFF2-40B4-BE49-F238E27FC236}">
+                <a16:creationId xmlns:a16="http://schemas.microsoft.com/office/drawing/2014/main" id="{D8E5DE82-7168-B7A3-E0ED-B10CB720FFAC}"/>
+              </a:ext>
+            </a:extLst>
+          </p:cNvPr>
+          <p:cNvSpPr txBox="1"/>
+          <p:nvPr/>
+        </p:nvSpPr>
+        <p:spPr>
+          <a:xfrm>
+            <a:off x="1141413" y="582706"/>
+            <a:ext cx="8065340" cy="646331"/>
+          </a:xfrm>
+          <a:prstGeom prst="rect">
+            <a:avLst/>
+          </a:prstGeom>
+          <a:noFill/>
+        </p:spPr>
+        <p:txBody>
+          <a:bodyPr wrap="square" rtlCol="0">
+            <a:spAutoFit/>
+          </a:bodyPr>
+          <a:lstStyle/>
+          <a:p>
+            <a:r>
+              <a:rPr lang="en-IN" sz="3600" b="1" dirty="0">
+                <a:effectLst>
+                  <a:outerShdw blurRad="38100" dist="38100" dir="2700000" algn="tl">
+                    <a:srgbClr val="000000">
+                      <a:alpha val="43137"/>
+                    </a:srgbClr>
+                  </a:outerShdw>
+                </a:effectLst>
+              </a:rPr>
+              <a:t>Data Types</a:t>
+            </a:r>
+          </a:p>
+        </p:txBody>
+      </p:sp>
+    </p:spTree>
+    <p:extLst>
+      <p:ext uri="{BB962C8B-B14F-4D97-AF65-F5344CB8AC3E}">
+        <p14:creationId xmlns:p14="http://schemas.microsoft.com/office/powerpoint/2010/main" val="325008236"/>
       </p:ext>
     </p:extLst>
   </p:cSld>

--- a/Prometheus.pptx
+++ b/Prometheus.pptx
@@ -14,6 +14,10 @@
     <p:sldId id="262" r:id="rId8"/>
     <p:sldId id="263" r:id="rId9"/>
     <p:sldId id="264" r:id="rId10"/>
+    <p:sldId id="265" r:id="rId11"/>
+    <p:sldId id="266" r:id="rId12"/>
+    <p:sldId id="267" r:id="rId13"/>
+    <p:sldId id="268" r:id="rId14"/>
   </p:sldIdLst>
   <p:sldSz cx="12192000" cy="6858000"/>
   <p:notesSz cx="6858000" cy="9144000"/>
@@ -177,7 +181,7 @@
           <a:noFill/>
           <a:extLst>
             <a:ext uri="{909E8E84-426E-40dd-AFC4-6F175D3DCCD1}">
-              <a14:hiddenFill xmlns="" xmlns:a14="http://schemas.microsoft.com/office/drawing/2010/main">
+              <a14:hiddenFill xmlns:a14="http://schemas.microsoft.com/office/drawing/2010/main" xmlns="">
                 <a:solidFill>
                   <a:srgbClr val="FFFFFF"/>
                 </a:solidFill>
@@ -236,7 +240,7 @@
             </a:ln>
             <a:extLst>
               <a:ext uri="{91240B29-F687-4f45-9708-019B960494DF}">
-                <a14:hiddenLine xmlns="" xmlns:a14="http://schemas.microsoft.com/office/drawing/2010/main" w="9525">
+                <a14:hiddenLine xmlns:a14="http://schemas.microsoft.com/office/drawing/2010/main" xmlns="" w="9525">
                   <a:solidFill>
                     <a:srgbClr val="000000"/>
                   </a:solidFill>
@@ -326,7 +330,7 @@
             </a:ln>
             <a:extLst>
               <a:ext uri="{91240B29-F687-4f45-9708-019B960494DF}">
-                <a14:hiddenLine xmlns="" xmlns:a14="http://schemas.microsoft.com/office/drawing/2010/main" w="9525">
+                <a14:hiddenLine xmlns:a14="http://schemas.microsoft.com/office/drawing/2010/main" xmlns="" w="9525">
                   <a:solidFill>
                     <a:srgbClr val="000000"/>
                   </a:solidFill>
@@ -416,7 +420,7 @@
             </a:ln>
             <a:extLst>
               <a:ext uri="{91240B29-F687-4f45-9708-019B960494DF}">
-                <a14:hiddenLine xmlns="" xmlns:a14="http://schemas.microsoft.com/office/drawing/2010/main" w="9525">
+                <a14:hiddenLine xmlns:a14="http://schemas.microsoft.com/office/drawing/2010/main" xmlns="" w="9525">
                   <a:solidFill>
                     <a:srgbClr val="000000"/>
                   </a:solidFill>
@@ -450,7 +454,7 @@
             </a:ln>
             <a:extLst>
               <a:ext uri="{91240B29-F687-4f45-9708-019B960494DF}">
-                <a14:hiddenLine xmlns="" xmlns:a14="http://schemas.microsoft.com/office/drawing/2010/main" w="9525">
+                <a14:hiddenLine xmlns:a14="http://schemas.microsoft.com/office/drawing/2010/main" xmlns="" w="9525">
                   <a:solidFill>
                     <a:srgbClr val="000000"/>
                   </a:solidFill>
@@ -540,7 +544,7 @@
             </a:ln>
             <a:extLst>
               <a:ext uri="{91240B29-F687-4f45-9708-019B960494DF}">
-                <a14:hiddenLine xmlns="" xmlns:a14="http://schemas.microsoft.com/office/drawing/2010/main" w="9525">
+                <a14:hiddenLine xmlns:a14="http://schemas.microsoft.com/office/drawing/2010/main" xmlns="" w="9525">
                   <a:solidFill>
                     <a:srgbClr val="000000"/>
                   </a:solidFill>
@@ -602,7 +606,7 @@
             </a:ln>
             <a:extLst>
               <a:ext uri="{91240B29-F687-4f45-9708-019B960494DF}">
-                <a14:hiddenLine xmlns="" xmlns:a14="http://schemas.microsoft.com/office/drawing/2010/main" w="9525">
+                <a14:hiddenLine xmlns:a14="http://schemas.microsoft.com/office/drawing/2010/main" xmlns="" w="9525">
                   <a:solidFill>
                     <a:srgbClr val="000000"/>
                   </a:solidFill>
@@ -664,7 +668,7 @@
             </a:ln>
             <a:extLst>
               <a:ext uri="{91240B29-F687-4f45-9708-019B960494DF}">
-                <a14:hiddenLine xmlns="" xmlns:a14="http://schemas.microsoft.com/office/drawing/2010/main" w="9525">
+                <a14:hiddenLine xmlns:a14="http://schemas.microsoft.com/office/drawing/2010/main" xmlns="" w="9525">
                   <a:solidFill>
                     <a:srgbClr val="000000"/>
                   </a:solidFill>
@@ -754,7 +758,7 @@
             </a:ln>
             <a:extLst>
               <a:ext uri="{91240B29-F687-4f45-9708-019B960494DF}">
-                <a14:hiddenLine xmlns="" xmlns:a14="http://schemas.microsoft.com/office/drawing/2010/main" w="9525">
+                <a14:hiddenLine xmlns:a14="http://schemas.microsoft.com/office/drawing/2010/main" xmlns="" w="9525">
                   <a:solidFill>
                     <a:srgbClr val="000000"/>
                   </a:solidFill>
@@ -816,7 +820,7 @@
             </a:ln>
             <a:extLst>
               <a:ext uri="{91240B29-F687-4f45-9708-019B960494DF}">
-                <a14:hiddenLine xmlns="" xmlns:a14="http://schemas.microsoft.com/office/drawing/2010/main" w="9525">
+                <a14:hiddenLine xmlns:a14="http://schemas.microsoft.com/office/drawing/2010/main" xmlns="" w="9525">
                   <a:solidFill>
                     <a:srgbClr val="000000"/>
                   </a:solidFill>
@@ -878,7 +882,7 @@
             </a:ln>
             <a:extLst>
               <a:ext uri="{91240B29-F687-4f45-9708-019B960494DF}">
-                <a14:hiddenLine xmlns="" xmlns:a14="http://schemas.microsoft.com/office/drawing/2010/main" w="9525">
+                <a14:hiddenLine xmlns:a14="http://schemas.microsoft.com/office/drawing/2010/main" xmlns="" w="9525">
                   <a:solidFill>
                     <a:srgbClr val="000000"/>
                   </a:solidFill>
@@ -968,7 +972,7 @@
             </a:ln>
             <a:extLst>
               <a:ext uri="{91240B29-F687-4f45-9708-019B960494DF}">
-                <a14:hiddenLine xmlns="" xmlns:a14="http://schemas.microsoft.com/office/drawing/2010/main" w="9525">
+                <a14:hiddenLine xmlns:a14="http://schemas.microsoft.com/office/drawing/2010/main" xmlns="" w="9525">
                   <a:solidFill>
                     <a:srgbClr val="000000"/>
                   </a:solidFill>
@@ -1058,7 +1062,7 @@
             </a:ln>
             <a:extLst>
               <a:ext uri="{91240B29-F687-4f45-9708-019B960494DF}">
-                <a14:hiddenLine xmlns="" xmlns:a14="http://schemas.microsoft.com/office/drawing/2010/main" w="9525">
+                <a14:hiddenLine xmlns:a14="http://schemas.microsoft.com/office/drawing/2010/main" xmlns="" w="9525">
                   <a:solidFill>
                     <a:srgbClr val="000000"/>
                   </a:solidFill>
@@ -1120,7 +1124,7 @@
             </a:ln>
             <a:extLst>
               <a:ext uri="{91240B29-F687-4f45-9708-019B960494DF}">
-                <a14:hiddenLine xmlns="" xmlns:a14="http://schemas.microsoft.com/office/drawing/2010/main" w="9525">
+                <a14:hiddenLine xmlns:a14="http://schemas.microsoft.com/office/drawing/2010/main" xmlns="" w="9525">
                   <a:solidFill>
                     <a:srgbClr val="000000"/>
                   </a:solidFill>
@@ -1230,7 +1234,7 @@
             </a:ln>
             <a:extLst>
               <a:ext uri="{91240B29-F687-4f45-9708-019B960494DF}">
-                <a14:hiddenLine xmlns="" xmlns:a14="http://schemas.microsoft.com/office/drawing/2010/main" w="9525">
+                <a14:hiddenLine xmlns:a14="http://schemas.microsoft.com/office/drawing/2010/main" xmlns="" w="9525">
                   <a:solidFill>
                     <a:srgbClr val="000000"/>
                   </a:solidFill>
@@ -1292,7 +1296,7 @@
             </a:ln>
             <a:extLst>
               <a:ext uri="{91240B29-F687-4f45-9708-019B960494DF}">
-                <a14:hiddenLine xmlns="" xmlns:a14="http://schemas.microsoft.com/office/drawing/2010/main" w="9525">
+                <a14:hiddenLine xmlns:a14="http://schemas.microsoft.com/office/drawing/2010/main" xmlns="" w="9525">
                   <a:solidFill>
                     <a:srgbClr val="000000"/>
                   </a:solidFill>
@@ -1382,7 +1386,7 @@
             </a:ln>
             <a:extLst>
               <a:ext uri="{91240B29-F687-4f45-9708-019B960494DF}">
-                <a14:hiddenLine xmlns="" xmlns:a14="http://schemas.microsoft.com/office/drawing/2010/main" w="9525">
+                <a14:hiddenLine xmlns:a14="http://schemas.microsoft.com/office/drawing/2010/main" xmlns="" w="9525">
                   <a:solidFill>
                     <a:srgbClr val="000000"/>
                   </a:solidFill>
@@ -1472,7 +1476,7 @@
             </a:ln>
             <a:extLst>
               <a:ext uri="{91240B29-F687-4f45-9708-019B960494DF}">
-                <a14:hiddenLine xmlns="" xmlns:a14="http://schemas.microsoft.com/office/drawing/2010/main" w="9525">
+                <a14:hiddenLine xmlns:a14="http://schemas.microsoft.com/office/drawing/2010/main" xmlns="" w="9525">
                   <a:solidFill>
                     <a:srgbClr val="000000"/>
                   </a:solidFill>
@@ -1534,7 +1538,7 @@
             </a:ln>
             <a:extLst>
               <a:ext uri="{91240B29-F687-4f45-9708-019B960494DF}">
-                <a14:hiddenLine xmlns="" xmlns:a14="http://schemas.microsoft.com/office/drawing/2010/main" w="9525">
+                <a14:hiddenLine xmlns:a14="http://schemas.microsoft.com/office/drawing/2010/main" xmlns="" w="9525">
                   <a:solidFill>
                     <a:srgbClr val="000000"/>
                   </a:solidFill>
@@ -1624,7 +1628,7 @@
             </a:ln>
             <a:extLst>
               <a:ext uri="{91240B29-F687-4f45-9708-019B960494DF}">
-                <a14:hiddenLine xmlns="" xmlns:a14="http://schemas.microsoft.com/office/drawing/2010/main" w="9525">
+                <a14:hiddenLine xmlns:a14="http://schemas.microsoft.com/office/drawing/2010/main" xmlns="" w="9525">
                   <a:solidFill>
                     <a:srgbClr val="000000"/>
                   </a:solidFill>
@@ -1714,7 +1718,7 @@
             </a:ln>
             <a:extLst>
               <a:ext uri="{91240B29-F687-4f45-9708-019B960494DF}">
-                <a14:hiddenLine xmlns="" xmlns:a14="http://schemas.microsoft.com/office/drawing/2010/main" w="9525">
+                <a14:hiddenLine xmlns:a14="http://schemas.microsoft.com/office/drawing/2010/main" xmlns="" w="9525">
                   <a:solidFill>
                     <a:srgbClr val="000000"/>
                   </a:solidFill>
@@ -1770,7 +1774,7 @@
             </a:ln>
             <a:extLst>
               <a:ext uri="{91240B29-F687-4f45-9708-019B960494DF}">
-                <a14:hiddenLine xmlns="" xmlns:a14="http://schemas.microsoft.com/office/drawing/2010/main" w="9525">
+                <a14:hiddenLine xmlns:a14="http://schemas.microsoft.com/office/drawing/2010/main" xmlns="" w="9525">
                   <a:solidFill>
                     <a:srgbClr val="000000"/>
                   </a:solidFill>
@@ -1860,7 +1864,7 @@
             </a:ln>
             <a:extLst>
               <a:ext uri="{91240B29-F687-4f45-9708-019B960494DF}">
-                <a14:hiddenLine xmlns="" xmlns:a14="http://schemas.microsoft.com/office/drawing/2010/main" w="9525">
+                <a14:hiddenLine xmlns:a14="http://schemas.microsoft.com/office/drawing/2010/main" xmlns="" w="9525">
                   <a:solidFill>
                     <a:srgbClr val="000000"/>
                   </a:solidFill>
@@ -1916,7 +1920,7 @@
             </a:ln>
             <a:extLst>
               <a:ext uri="{91240B29-F687-4f45-9708-019B960494DF}">
-                <a14:hiddenLine xmlns="" xmlns:a14="http://schemas.microsoft.com/office/drawing/2010/main" w="9525">
+                <a14:hiddenLine xmlns:a14="http://schemas.microsoft.com/office/drawing/2010/main" xmlns="" w="9525">
                   <a:solidFill>
                     <a:srgbClr val="000000"/>
                   </a:solidFill>
@@ -2006,7 +2010,7 @@
             </a:ln>
             <a:extLst>
               <a:ext uri="{91240B29-F687-4f45-9708-019B960494DF}">
-                <a14:hiddenLine xmlns="" xmlns:a14="http://schemas.microsoft.com/office/drawing/2010/main" w="9525">
+                <a14:hiddenLine xmlns:a14="http://schemas.microsoft.com/office/drawing/2010/main" xmlns="" w="9525">
                   <a:solidFill>
                     <a:srgbClr val="000000"/>
                   </a:solidFill>
@@ -2074,7 +2078,7 @@
             </a:ln>
             <a:extLst>
               <a:ext uri="{91240B29-F687-4f45-9708-019B960494DF}">
-                <a14:hiddenLine xmlns="" xmlns:a14="http://schemas.microsoft.com/office/drawing/2010/main" w="9525">
+                <a14:hiddenLine xmlns:a14="http://schemas.microsoft.com/office/drawing/2010/main" xmlns="" w="9525">
                   <a:solidFill>
                     <a:srgbClr val="000000"/>
                   </a:solidFill>
@@ -2164,7 +2168,7 @@
             </a:ln>
             <a:extLst>
               <a:ext uri="{91240B29-F687-4f45-9708-019B960494DF}">
-                <a14:hiddenLine xmlns="" xmlns:a14="http://schemas.microsoft.com/office/drawing/2010/main" w="9525">
+                <a14:hiddenLine xmlns:a14="http://schemas.microsoft.com/office/drawing/2010/main" xmlns="" w="9525">
                   <a:solidFill>
                     <a:srgbClr val="000000"/>
                   </a:solidFill>
@@ -2232,7 +2236,7 @@
             </a:ln>
             <a:extLst>
               <a:ext uri="{91240B29-F687-4f45-9708-019B960494DF}">
-                <a14:hiddenLine xmlns="" xmlns:a14="http://schemas.microsoft.com/office/drawing/2010/main" w="9525">
+                <a14:hiddenLine xmlns:a14="http://schemas.microsoft.com/office/drawing/2010/main" xmlns="" w="9525">
                   <a:solidFill>
                     <a:srgbClr val="000000"/>
                   </a:solidFill>
@@ -2322,7 +2326,7 @@
             </a:ln>
             <a:extLst>
               <a:ext uri="{91240B29-F687-4f45-9708-019B960494DF}">
-                <a14:hiddenLine xmlns="" xmlns:a14="http://schemas.microsoft.com/office/drawing/2010/main" w="9525">
+                <a14:hiddenLine xmlns:a14="http://schemas.microsoft.com/office/drawing/2010/main" xmlns="" w="9525">
                   <a:solidFill>
                     <a:srgbClr val="000000"/>
                   </a:solidFill>
@@ -2356,7 +2360,7 @@
             </a:ln>
             <a:extLst>
               <a:ext uri="{91240B29-F687-4f45-9708-019B960494DF}">
-                <a14:hiddenLine xmlns="" xmlns:a14="http://schemas.microsoft.com/office/drawing/2010/main" w="9525">
+                <a14:hiddenLine xmlns:a14="http://schemas.microsoft.com/office/drawing/2010/main" xmlns="" w="9525">
                   <a:solidFill>
                     <a:srgbClr val="000000"/>
                   </a:solidFill>
@@ -2446,7 +2450,7 @@
             </a:ln>
             <a:extLst>
               <a:ext uri="{91240B29-F687-4f45-9708-019B960494DF}">
-                <a14:hiddenLine xmlns="" xmlns:a14="http://schemas.microsoft.com/office/drawing/2010/main" w="9525">
+                <a14:hiddenLine xmlns:a14="http://schemas.microsoft.com/office/drawing/2010/main" xmlns="" w="9525">
                   <a:solidFill>
                     <a:srgbClr val="000000"/>
                   </a:solidFill>
@@ -2508,7 +2512,7 @@
             </a:ln>
             <a:extLst>
               <a:ext uri="{91240B29-F687-4f45-9708-019B960494DF}">
-                <a14:hiddenLine xmlns="" xmlns:a14="http://schemas.microsoft.com/office/drawing/2010/main" w="9525">
+                <a14:hiddenLine xmlns:a14="http://schemas.microsoft.com/office/drawing/2010/main" xmlns="" w="9525">
                   <a:solidFill>
                     <a:srgbClr val="000000"/>
                   </a:solidFill>
@@ -2570,7 +2574,7 @@
             </a:ln>
             <a:extLst>
               <a:ext uri="{91240B29-F687-4f45-9708-019B960494DF}">
-                <a14:hiddenLine xmlns="" xmlns:a14="http://schemas.microsoft.com/office/drawing/2010/main" w="9525">
+                <a14:hiddenLine xmlns:a14="http://schemas.microsoft.com/office/drawing/2010/main" xmlns="" w="9525">
                   <a:solidFill>
                     <a:srgbClr val="000000"/>
                   </a:solidFill>
@@ -2660,7 +2664,7 @@
             </a:ln>
             <a:extLst>
               <a:ext uri="{91240B29-F687-4f45-9708-019B960494DF}">
-                <a14:hiddenLine xmlns="" xmlns:a14="http://schemas.microsoft.com/office/drawing/2010/main" w="9525">
+                <a14:hiddenLine xmlns:a14="http://schemas.microsoft.com/office/drawing/2010/main" xmlns="" w="9525">
                   <a:solidFill>
                     <a:srgbClr val="000000"/>
                   </a:solidFill>
@@ -2728,7 +2732,7 @@
             </a:ln>
             <a:extLst>
               <a:ext uri="{91240B29-F687-4f45-9708-019B960494DF}">
-                <a14:hiddenLine xmlns="" xmlns:a14="http://schemas.microsoft.com/office/drawing/2010/main" w="9525">
+                <a14:hiddenLine xmlns:a14="http://schemas.microsoft.com/office/drawing/2010/main" xmlns="" w="9525">
                   <a:solidFill>
                     <a:srgbClr val="000000"/>
                   </a:solidFill>
@@ -2790,7 +2794,7 @@
             </a:ln>
             <a:extLst>
               <a:ext uri="{91240B29-F687-4f45-9708-019B960494DF}">
-                <a14:hiddenLine xmlns="" xmlns:a14="http://schemas.microsoft.com/office/drawing/2010/main" w="9525">
+                <a14:hiddenLine xmlns:a14="http://schemas.microsoft.com/office/drawing/2010/main" xmlns="" w="9525">
                   <a:solidFill>
                     <a:srgbClr val="000000"/>
                   </a:solidFill>
@@ -2880,7 +2884,7 @@
             </a:ln>
             <a:extLst>
               <a:ext uri="{91240B29-F687-4f45-9708-019B960494DF}">
-                <a14:hiddenLine xmlns="" xmlns:a14="http://schemas.microsoft.com/office/drawing/2010/main" w="9525">
+                <a14:hiddenLine xmlns:a14="http://schemas.microsoft.com/office/drawing/2010/main" xmlns="" w="9525">
                   <a:solidFill>
                     <a:srgbClr val="000000"/>
                   </a:solidFill>
@@ -2942,7 +2946,7 @@
             </a:ln>
             <a:extLst>
               <a:ext uri="{91240B29-F687-4f45-9708-019B960494DF}">
-                <a14:hiddenLine xmlns="" xmlns:a14="http://schemas.microsoft.com/office/drawing/2010/main" w="9525">
+                <a14:hiddenLine xmlns:a14="http://schemas.microsoft.com/office/drawing/2010/main" xmlns="" w="9525">
                   <a:solidFill>
                     <a:srgbClr val="000000"/>
                   </a:solidFill>
@@ -3032,7 +3036,7 @@
             </a:ln>
             <a:extLst>
               <a:ext uri="{91240B29-F687-4f45-9708-019B960494DF}">
-                <a14:hiddenLine xmlns="" xmlns:a14="http://schemas.microsoft.com/office/drawing/2010/main" w="9525">
+                <a14:hiddenLine xmlns:a14="http://schemas.microsoft.com/office/drawing/2010/main" xmlns="" w="9525">
                   <a:solidFill>
                     <a:srgbClr val="000000"/>
                   </a:solidFill>
@@ -3094,7 +3098,7 @@
             </a:ln>
             <a:extLst>
               <a:ext uri="{91240B29-F687-4f45-9708-019B960494DF}">
-                <a14:hiddenLine xmlns="" xmlns:a14="http://schemas.microsoft.com/office/drawing/2010/main" w="9525">
+                <a14:hiddenLine xmlns:a14="http://schemas.microsoft.com/office/drawing/2010/main" xmlns="" w="9525">
                   <a:solidFill>
                     <a:srgbClr val="000000"/>
                   </a:solidFill>
@@ -3184,7 +3188,7 @@
             </a:ln>
             <a:extLst>
               <a:ext uri="{91240B29-F687-4f45-9708-019B960494DF}">
-                <a14:hiddenLine xmlns="" xmlns:a14="http://schemas.microsoft.com/office/drawing/2010/main" w="9525">
+                <a14:hiddenLine xmlns:a14="http://schemas.microsoft.com/office/drawing/2010/main" xmlns="" w="9525">
                   <a:solidFill>
                     <a:srgbClr val="000000"/>
                   </a:solidFill>
@@ -3218,7 +3222,7 @@
             </a:ln>
             <a:extLst>
               <a:ext uri="{91240B29-F687-4f45-9708-019B960494DF}">
-                <a14:hiddenLine xmlns="" xmlns:a14="http://schemas.microsoft.com/office/drawing/2010/main" w="9525">
+                <a14:hiddenLine xmlns:a14="http://schemas.microsoft.com/office/drawing/2010/main" xmlns="" w="9525">
                   <a:solidFill>
                     <a:srgbClr val="000000"/>
                   </a:solidFill>
@@ -3283,7 +3287,7 @@
             </a:ln>
             <a:extLst>
               <a:ext uri="{91240B29-F687-4f45-9708-019B960494DF}">
-                <a14:hiddenLine xmlns="" xmlns:a14="http://schemas.microsoft.com/office/drawing/2010/main" w="9525">
+                <a14:hiddenLine xmlns:a14="http://schemas.microsoft.com/office/drawing/2010/main" xmlns="" w="9525">
                   <a:solidFill>
                     <a:srgbClr val="000000"/>
                   </a:solidFill>
@@ -3373,7 +3377,7 @@
             </a:ln>
             <a:extLst>
               <a:ext uri="{91240B29-F687-4f45-9708-019B960494DF}">
-                <a14:hiddenLine xmlns="" xmlns:a14="http://schemas.microsoft.com/office/drawing/2010/main" w="9525">
+                <a14:hiddenLine xmlns:a14="http://schemas.microsoft.com/office/drawing/2010/main" xmlns="" w="9525">
                   <a:solidFill>
                     <a:srgbClr val="000000"/>
                   </a:solidFill>
@@ -3435,7 +3439,7 @@
             </a:ln>
             <a:extLst>
               <a:ext uri="{91240B29-F687-4f45-9708-019B960494DF}">
-                <a14:hiddenLine xmlns="" xmlns:a14="http://schemas.microsoft.com/office/drawing/2010/main" w="9525">
+                <a14:hiddenLine xmlns:a14="http://schemas.microsoft.com/office/drawing/2010/main" xmlns="" w="9525">
                   <a:solidFill>
                     <a:srgbClr val="000000"/>
                   </a:solidFill>
@@ -3525,7 +3529,7 @@
             </a:ln>
             <a:extLst>
               <a:ext uri="{91240B29-F687-4f45-9708-019B960494DF}">
-                <a14:hiddenLine xmlns="" xmlns:a14="http://schemas.microsoft.com/office/drawing/2010/main" w="9525">
+                <a14:hiddenLine xmlns:a14="http://schemas.microsoft.com/office/drawing/2010/main" xmlns="" w="9525">
                   <a:solidFill>
                     <a:srgbClr val="000000"/>
                   </a:solidFill>
@@ -3615,7 +3619,7 @@
             </a:ln>
             <a:extLst>
               <a:ext uri="{91240B29-F687-4f45-9708-019B960494DF}">
-                <a14:hiddenLine xmlns="" xmlns:a14="http://schemas.microsoft.com/office/drawing/2010/main" w="9525">
+                <a14:hiddenLine xmlns:a14="http://schemas.microsoft.com/office/drawing/2010/main" xmlns="" w="9525">
                   <a:solidFill>
                     <a:srgbClr val="000000"/>
                   </a:solidFill>
@@ -3680,7 +3684,7 @@
             </a:ln>
             <a:extLst>
               <a:ext uri="{91240B29-F687-4f45-9708-019B960494DF}">
-                <a14:hiddenLine xmlns="" xmlns:a14="http://schemas.microsoft.com/office/drawing/2010/main" w="9525">
+                <a14:hiddenLine xmlns:a14="http://schemas.microsoft.com/office/drawing/2010/main" xmlns="" w="9525">
                   <a:solidFill>
                     <a:srgbClr val="000000"/>
                   </a:solidFill>
@@ -3742,7 +3746,7 @@
             </a:ln>
             <a:extLst>
               <a:ext uri="{91240B29-F687-4f45-9708-019B960494DF}">
-                <a14:hiddenLine xmlns="" xmlns:a14="http://schemas.microsoft.com/office/drawing/2010/main" w="9525">
+                <a14:hiddenLine xmlns:a14="http://schemas.microsoft.com/office/drawing/2010/main" xmlns="" w="9525">
                   <a:solidFill>
                     <a:srgbClr val="000000"/>
                   </a:solidFill>
@@ -3832,7 +3836,7 @@
             </a:ln>
             <a:extLst>
               <a:ext uri="{91240B29-F687-4f45-9708-019B960494DF}">
-                <a14:hiddenLine xmlns="" xmlns:a14="http://schemas.microsoft.com/office/drawing/2010/main" w="9525">
+                <a14:hiddenLine xmlns:a14="http://schemas.microsoft.com/office/drawing/2010/main" xmlns="" w="9525">
                   <a:solidFill>
                     <a:srgbClr val="000000"/>
                   </a:solidFill>
@@ -3922,7 +3926,7 @@
             </a:ln>
             <a:extLst>
               <a:ext uri="{91240B29-F687-4f45-9708-019B960494DF}">
-                <a14:hiddenLine xmlns="" xmlns:a14="http://schemas.microsoft.com/office/drawing/2010/main" w="9525">
+                <a14:hiddenLine xmlns:a14="http://schemas.microsoft.com/office/drawing/2010/main" xmlns="" w="9525">
                   <a:solidFill>
                     <a:srgbClr val="000000"/>
                   </a:solidFill>
@@ -3984,7 +3988,7 @@
             </a:ln>
             <a:extLst>
               <a:ext uri="{91240B29-F687-4f45-9708-019B960494DF}">
-                <a14:hiddenLine xmlns="" xmlns:a14="http://schemas.microsoft.com/office/drawing/2010/main" w="9525">
+                <a14:hiddenLine xmlns:a14="http://schemas.microsoft.com/office/drawing/2010/main" xmlns="" w="9525">
                   <a:solidFill>
                     <a:srgbClr val="000000"/>
                   </a:solidFill>
@@ -4104,7 +4108,7 @@
             </a:ln>
             <a:extLst>
               <a:ext uri="{91240B29-F687-4f45-9708-019B960494DF}">
-                <a14:hiddenLine xmlns="" xmlns:a14="http://schemas.microsoft.com/office/drawing/2010/main" w="9525">
+                <a14:hiddenLine xmlns:a14="http://schemas.microsoft.com/office/drawing/2010/main" xmlns="" w="9525">
                   <a:solidFill>
                     <a:srgbClr val="000000"/>
                   </a:solidFill>
@@ -4172,7 +4176,7 @@
             </a:ln>
             <a:extLst>
               <a:ext uri="{91240B29-F687-4f45-9708-019B960494DF}">
-                <a14:hiddenLine xmlns="" xmlns:a14="http://schemas.microsoft.com/office/drawing/2010/main" w="9525">
+                <a14:hiddenLine xmlns:a14="http://schemas.microsoft.com/office/drawing/2010/main" xmlns="" w="9525">
                   <a:solidFill>
                     <a:srgbClr val="000000"/>
                   </a:solidFill>
@@ -4262,7 +4266,7 @@
             </a:ln>
             <a:extLst>
               <a:ext uri="{91240B29-F687-4f45-9708-019B960494DF}">
-                <a14:hiddenLine xmlns="" xmlns:a14="http://schemas.microsoft.com/office/drawing/2010/main" w="9525">
+                <a14:hiddenLine xmlns:a14="http://schemas.microsoft.com/office/drawing/2010/main" xmlns="" w="9525">
                   <a:solidFill>
                     <a:srgbClr val="000000"/>
                   </a:solidFill>
@@ -9076,7 +9080,7 @@
           <a:noFill/>
           <a:extLst>
             <a:ext uri="{909E8E84-426E-40dd-AFC4-6F175D3DCCD1}">
-              <a14:hiddenFill xmlns="" xmlns:a14="http://schemas.microsoft.com/office/drawing/2010/main">
+              <a14:hiddenFill xmlns:a14="http://schemas.microsoft.com/office/drawing/2010/main" xmlns="">
                 <a:solidFill>
                   <a:srgbClr val="FFFFFF"/>
                 </a:solidFill>
@@ -9150,7 +9154,7 @@
               </a:ln>
               <a:extLst>
                 <a:ext uri="{91240B29-F687-4f45-9708-019B960494DF}">
-                  <a14:hiddenLine xmlns="" xmlns:a14="http://schemas.microsoft.com/office/drawing/2010/main" w="9525">
+                  <a14:hiddenLine xmlns:a14="http://schemas.microsoft.com/office/drawing/2010/main" xmlns="" w="9525">
                     <a:solidFill>
                       <a:srgbClr val="000000"/>
                     </a:solidFill>
@@ -9240,7 +9244,7 @@
               </a:ln>
               <a:extLst>
                 <a:ext uri="{91240B29-F687-4f45-9708-019B960494DF}">
-                  <a14:hiddenLine xmlns="" xmlns:a14="http://schemas.microsoft.com/office/drawing/2010/main" w="9525">
+                  <a14:hiddenLine xmlns:a14="http://schemas.microsoft.com/office/drawing/2010/main" xmlns="" w="9525">
                     <a:solidFill>
                       <a:srgbClr val="000000"/>
                     </a:solidFill>
@@ -9330,7 +9334,7 @@
               </a:ln>
               <a:extLst>
                 <a:ext uri="{91240B29-F687-4f45-9708-019B960494DF}">
-                  <a14:hiddenLine xmlns="" xmlns:a14="http://schemas.microsoft.com/office/drawing/2010/main" w="9525">
+                  <a14:hiddenLine xmlns:a14="http://schemas.microsoft.com/office/drawing/2010/main" xmlns="" w="9525">
                     <a:solidFill>
                       <a:srgbClr val="000000"/>
                     </a:solidFill>
@@ -9392,7 +9396,7 @@
               </a:ln>
               <a:extLst>
                 <a:ext uri="{91240B29-F687-4f45-9708-019B960494DF}">
-                  <a14:hiddenLine xmlns="" xmlns:a14="http://schemas.microsoft.com/office/drawing/2010/main" w="9525">
+                  <a14:hiddenLine xmlns:a14="http://schemas.microsoft.com/office/drawing/2010/main" xmlns="" w="9525">
                     <a:solidFill>
                       <a:srgbClr val="000000"/>
                     </a:solidFill>
@@ -9482,7 +9486,7 @@
               </a:ln>
               <a:extLst>
                 <a:ext uri="{91240B29-F687-4f45-9708-019B960494DF}">
-                  <a14:hiddenLine xmlns="" xmlns:a14="http://schemas.microsoft.com/office/drawing/2010/main" w="9525">
+                  <a14:hiddenLine xmlns:a14="http://schemas.microsoft.com/office/drawing/2010/main" xmlns="" w="9525">
                     <a:solidFill>
                       <a:srgbClr val="000000"/>
                     </a:solidFill>
@@ -9544,7 +9548,7 @@
               </a:ln>
               <a:extLst>
                 <a:ext uri="{91240B29-F687-4f45-9708-019B960494DF}">
-                  <a14:hiddenLine xmlns="" xmlns:a14="http://schemas.microsoft.com/office/drawing/2010/main" w="9525">
+                  <a14:hiddenLine xmlns:a14="http://schemas.microsoft.com/office/drawing/2010/main" xmlns="" w="9525">
                     <a:solidFill>
                       <a:srgbClr val="000000"/>
                     </a:solidFill>
@@ -9606,7 +9610,7 @@
               </a:ln>
               <a:extLst>
                 <a:ext uri="{91240B29-F687-4f45-9708-019B960494DF}">
-                  <a14:hiddenLine xmlns="" xmlns:a14="http://schemas.microsoft.com/office/drawing/2010/main" w="9525">
+                  <a14:hiddenLine xmlns:a14="http://schemas.microsoft.com/office/drawing/2010/main" xmlns="" w="9525">
                     <a:solidFill>
                       <a:srgbClr val="000000"/>
                     </a:solidFill>
@@ -9696,7 +9700,7 @@
               </a:ln>
               <a:extLst>
                 <a:ext uri="{91240B29-F687-4f45-9708-019B960494DF}">
-                  <a14:hiddenLine xmlns="" xmlns:a14="http://schemas.microsoft.com/office/drawing/2010/main" w="9525">
+                  <a14:hiddenLine xmlns:a14="http://schemas.microsoft.com/office/drawing/2010/main" xmlns="" w="9525">
                     <a:solidFill>
                       <a:srgbClr val="000000"/>
                     </a:solidFill>
@@ -9786,7 +9790,7 @@
               </a:ln>
               <a:extLst>
                 <a:ext uri="{91240B29-F687-4f45-9708-019B960494DF}">
-                  <a14:hiddenLine xmlns="" xmlns:a14="http://schemas.microsoft.com/office/drawing/2010/main" w="9525">
+                  <a14:hiddenLine xmlns:a14="http://schemas.microsoft.com/office/drawing/2010/main" xmlns="" w="9525">
                     <a:solidFill>
                       <a:srgbClr val="000000"/>
                     </a:solidFill>
@@ -9848,7 +9852,7 @@
               </a:ln>
               <a:extLst>
                 <a:ext uri="{91240B29-F687-4f45-9708-019B960494DF}">
-                  <a14:hiddenLine xmlns="" xmlns:a14="http://schemas.microsoft.com/office/drawing/2010/main" w="9525">
+                  <a14:hiddenLine xmlns:a14="http://schemas.microsoft.com/office/drawing/2010/main" xmlns="" w="9525">
                     <a:solidFill>
                       <a:srgbClr val="000000"/>
                     </a:solidFill>
@@ -9958,7 +9962,7 @@
               </a:ln>
               <a:extLst>
                 <a:ext uri="{91240B29-F687-4f45-9708-019B960494DF}">
-                  <a14:hiddenLine xmlns="" xmlns:a14="http://schemas.microsoft.com/office/drawing/2010/main" w="9525">
+                  <a14:hiddenLine xmlns:a14="http://schemas.microsoft.com/office/drawing/2010/main" xmlns="" w="9525">
                     <a:solidFill>
                       <a:srgbClr val="000000"/>
                     </a:solidFill>
@@ -10042,7 +10046,7 @@
               </a:ln>
               <a:extLst>
                 <a:ext uri="{91240B29-F687-4f45-9708-019B960494DF}">
-                  <a14:hiddenLine xmlns="" xmlns:a14="http://schemas.microsoft.com/office/drawing/2010/main" w="9525">
+                  <a14:hiddenLine xmlns:a14="http://schemas.microsoft.com/office/drawing/2010/main" xmlns="" w="9525">
                     <a:solidFill>
                       <a:srgbClr val="000000"/>
                     </a:solidFill>
@@ -10104,7 +10108,7 @@
               </a:ln>
               <a:extLst>
                 <a:ext uri="{91240B29-F687-4f45-9708-019B960494DF}">
-                  <a14:hiddenLine xmlns="" xmlns:a14="http://schemas.microsoft.com/office/drawing/2010/main" w="9525">
+                  <a14:hiddenLine xmlns:a14="http://schemas.microsoft.com/office/drawing/2010/main" xmlns="" w="9525">
                     <a:solidFill>
                       <a:srgbClr val="000000"/>
                     </a:solidFill>
@@ -10166,7 +10170,7 @@
               </a:ln>
               <a:extLst>
                 <a:ext uri="{91240B29-F687-4f45-9708-019B960494DF}">
-                  <a14:hiddenLine xmlns="" xmlns:a14="http://schemas.microsoft.com/office/drawing/2010/main" w="9525">
+                  <a14:hiddenLine xmlns:a14="http://schemas.microsoft.com/office/drawing/2010/main" xmlns="" w="9525">
                     <a:solidFill>
                       <a:srgbClr val="000000"/>
                     </a:solidFill>
@@ -10256,7 +10260,7 @@
               </a:ln>
               <a:extLst>
                 <a:ext uri="{91240B29-F687-4f45-9708-019B960494DF}">
-                  <a14:hiddenLine xmlns="" xmlns:a14="http://schemas.microsoft.com/office/drawing/2010/main" w="9525">
+                  <a14:hiddenLine xmlns:a14="http://schemas.microsoft.com/office/drawing/2010/main" xmlns="" w="9525">
                     <a:solidFill>
                       <a:srgbClr val="000000"/>
                     </a:solidFill>
@@ -10290,7 +10294,7 @@
               </a:ln>
               <a:extLst>
                 <a:ext uri="{91240B29-F687-4f45-9708-019B960494DF}">
-                  <a14:hiddenLine xmlns="" xmlns:a14="http://schemas.microsoft.com/office/drawing/2010/main" w="9525">
+                  <a14:hiddenLine xmlns:a14="http://schemas.microsoft.com/office/drawing/2010/main" xmlns="" w="9525">
                     <a:solidFill>
                       <a:srgbClr val="000000"/>
                     </a:solidFill>
@@ -10355,7 +10359,7 @@
               </a:ln>
               <a:extLst>
                 <a:ext uri="{91240B29-F687-4f45-9708-019B960494DF}">
-                  <a14:hiddenLine xmlns="" xmlns:a14="http://schemas.microsoft.com/office/drawing/2010/main" w="9525">
+                  <a14:hiddenLine xmlns:a14="http://schemas.microsoft.com/office/drawing/2010/main" xmlns="" w="9525">
                     <a:solidFill>
                       <a:srgbClr val="000000"/>
                     </a:solidFill>
@@ -10445,7 +10449,7 @@
               </a:ln>
               <a:extLst>
                 <a:ext uri="{91240B29-F687-4f45-9708-019B960494DF}">
-                  <a14:hiddenLine xmlns="" xmlns:a14="http://schemas.microsoft.com/office/drawing/2010/main" w="9525">
+                  <a14:hiddenLine xmlns:a14="http://schemas.microsoft.com/office/drawing/2010/main" xmlns="" w="9525">
                     <a:solidFill>
                       <a:srgbClr val="000000"/>
                     </a:solidFill>
@@ -10507,7 +10511,7 @@
               </a:ln>
               <a:extLst>
                 <a:ext uri="{91240B29-F687-4f45-9708-019B960494DF}">
-                  <a14:hiddenLine xmlns="" xmlns:a14="http://schemas.microsoft.com/office/drawing/2010/main" w="9525">
+                  <a14:hiddenLine xmlns:a14="http://schemas.microsoft.com/office/drawing/2010/main" xmlns="" w="9525">
                     <a:solidFill>
                       <a:srgbClr val="000000"/>
                     </a:solidFill>
@@ -10597,7 +10601,7 @@
               </a:ln>
               <a:extLst>
                 <a:ext uri="{91240B29-F687-4f45-9708-019B960494DF}">
-                  <a14:hiddenLine xmlns="" xmlns:a14="http://schemas.microsoft.com/office/drawing/2010/main" w="9525">
+                  <a14:hiddenLine xmlns:a14="http://schemas.microsoft.com/office/drawing/2010/main" xmlns="" w="9525">
                     <a:solidFill>
                       <a:srgbClr val="000000"/>
                     </a:solidFill>
@@ -10662,7 +10666,7 @@
               </a:ln>
               <a:extLst>
                 <a:ext uri="{91240B29-F687-4f45-9708-019B960494DF}">
-                  <a14:hiddenLine xmlns="" xmlns:a14="http://schemas.microsoft.com/office/drawing/2010/main" w="9525">
+                  <a14:hiddenLine xmlns:a14="http://schemas.microsoft.com/office/drawing/2010/main" xmlns="" w="9525">
                     <a:solidFill>
                       <a:srgbClr val="000000"/>
                     </a:solidFill>
@@ -10724,7 +10728,7 @@
               </a:ln>
               <a:extLst>
                 <a:ext uri="{91240B29-F687-4f45-9708-019B960494DF}">
-                  <a14:hiddenLine xmlns="" xmlns:a14="http://schemas.microsoft.com/office/drawing/2010/main" w="9525">
+                  <a14:hiddenLine xmlns:a14="http://schemas.microsoft.com/office/drawing/2010/main" xmlns="" w="9525">
                     <a:solidFill>
                       <a:srgbClr val="000000"/>
                     </a:solidFill>
@@ -10814,7 +10818,7 @@
               </a:ln>
               <a:extLst>
                 <a:ext uri="{91240B29-F687-4f45-9708-019B960494DF}">
-                  <a14:hiddenLine xmlns="" xmlns:a14="http://schemas.microsoft.com/office/drawing/2010/main" w="9525">
+                  <a14:hiddenLine xmlns:a14="http://schemas.microsoft.com/office/drawing/2010/main" xmlns="" w="9525">
                     <a:solidFill>
                       <a:srgbClr val="000000"/>
                     </a:solidFill>
@@ -10904,7 +10908,7 @@
               </a:ln>
               <a:extLst>
                 <a:ext uri="{91240B29-F687-4f45-9708-019B960494DF}">
-                  <a14:hiddenLine xmlns="" xmlns:a14="http://schemas.microsoft.com/office/drawing/2010/main" w="9525">
+                  <a14:hiddenLine xmlns:a14="http://schemas.microsoft.com/office/drawing/2010/main" xmlns="" w="9525">
                     <a:solidFill>
                       <a:srgbClr val="000000"/>
                     </a:solidFill>
@@ -10969,7 +10973,7 @@
               </a:ln>
               <a:extLst>
                 <a:ext uri="{91240B29-F687-4f45-9708-019B960494DF}">
-                  <a14:hiddenLine xmlns="" xmlns:a14="http://schemas.microsoft.com/office/drawing/2010/main" w="9525">
+                  <a14:hiddenLine xmlns:a14="http://schemas.microsoft.com/office/drawing/2010/main" xmlns="" w="9525">
                     <a:solidFill>
                       <a:srgbClr val="000000"/>
                     </a:solidFill>
@@ -11089,7 +11093,7 @@
               </a:ln>
               <a:extLst>
                 <a:ext uri="{91240B29-F687-4f45-9708-019B960494DF}">
-                  <a14:hiddenLine xmlns="" xmlns:a14="http://schemas.microsoft.com/office/drawing/2010/main" w="9525">
+                  <a14:hiddenLine xmlns:a14="http://schemas.microsoft.com/office/drawing/2010/main" xmlns="" w="9525">
                     <a:solidFill>
                       <a:srgbClr val="000000"/>
                     </a:solidFill>
@@ -11170,7 +11174,7 @@
               </a:ln>
               <a:extLst>
                 <a:ext uri="{91240B29-F687-4f45-9708-019B960494DF}">
-                  <a14:hiddenLine xmlns="" xmlns:a14="http://schemas.microsoft.com/office/drawing/2010/main" w="9525">
+                  <a14:hiddenLine xmlns:a14="http://schemas.microsoft.com/office/drawing/2010/main" xmlns="" w="9525">
                     <a:solidFill>
                       <a:srgbClr val="000000"/>
                     </a:solidFill>
@@ -11285,7 +11289,7 @@
               </a:ln>
               <a:extLst>
                 <a:ext uri="{91240B29-F687-4f45-9708-019B960494DF}">
-                  <a14:hiddenLine xmlns="" xmlns:a14="http://schemas.microsoft.com/office/drawing/2010/main" w="9525">
+                  <a14:hiddenLine xmlns:a14="http://schemas.microsoft.com/office/drawing/2010/main" xmlns="" w="9525">
                     <a:solidFill>
                       <a:srgbClr val="000000"/>
                     </a:solidFill>
@@ -11375,7 +11379,7 @@
               </a:ln>
               <a:extLst>
                 <a:ext uri="{91240B29-F687-4f45-9708-019B960494DF}">
-                  <a14:hiddenLine xmlns="" xmlns:a14="http://schemas.microsoft.com/office/drawing/2010/main" w="9525">
+                  <a14:hiddenLine xmlns:a14="http://schemas.microsoft.com/office/drawing/2010/main" xmlns="" w="9525">
                     <a:solidFill>
                       <a:srgbClr val="000000"/>
                     </a:solidFill>
@@ -11440,7 +11444,7 @@
               </a:ln>
               <a:extLst>
                 <a:ext uri="{91240B29-F687-4f45-9708-019B960494DF}">
-                  <a14:hiddenLine xmlns="" xmlns:a14="http://schemas.microsoft.com/office/drawing/2010/main" w="9525">
+                  <a14:hiddenLine xmlns:a14="http://schemas.microsoft.com/office/drawing/2010/main" xmlns="" w="9525">
                     <a:solidFill>
                       <a:srgbClr val="000000"/>
                     </a:solidFill>
@@ -11530,7 +11534,7 @@
               </a:ln>
               <a:extLst>
                 <a:ext uri="{91240B29-F687-4f45-9708-019B960494DF}">
-                  <a14:hiddenLine xmlns="" xmlns:a14="http://schemas.microsoft.com/office/drawing/2010/main" w="9525">
+                  <a14:hiddenLine xmlns:a14="http://schemas.microsoft.com/office/drawing/2010/main" xmlns="" w="9525">
                     <a:solidFill>
                       <a:srgbClr val="000000"/>
                     </a:solidFill>
@@ -11598,7 +11602,7 @@
               </a:ln>
               <a:extLst>
                 <a:ext uri="{91240B29-F687-4f45-9708-019B960494DF}">
-                  <a14:hiddenLine xmlns="" xmlns:a14="http://schemas.microsoft.com/office/drawing/2010/main" w="9525">
+                  <a14:hiddenLine xmlns:a14="http://schemas.microsoft.com/office/drawing/2010/main" xmlns="" w="9525">
                     <a:solidFill>
                       <a:srgbClr val="000000"/>
                     </a:solidFill>
@@ -11688,7 +11692,7 @@
               </a:ln>
               <a:extLst>
                 <a:ext uri="{91240B29-F687-4f45-9708-019B960494DF}">
-                  <a14:hiddenLine xmlns="" xmlns:a14="http://schemas.microsoft.com/office/drawing/2010/main" w="9525">
+                  <a14:hiddenLine xmlns:a14="http://schemas.microsoft.com/office/drawing/2010/main" xmlns="" w="9525">
                     <a:solidFill>
                       <a:srgbClr val="000000"/>
                     </a:solidFill>
@@ -11756,7 +11760,7 @@
               </a:ln>
               <a:extLst>
                 <a:ext uri="{91240B29-F687-4f45-9708-019B960494DF}">
-                  <a14:hiddenLine xmlns="" xmlns:a14="http://schemas.microsoft.com/office/drawing/2010/main" w="9525">
+                  <a14:hiddenLine xmlns:a14="http://schemas.microsoft.com/office/drawing/2010/main" xmlns="" w="9525">
                     <a:solidFill>
                       <a:srgbClr val="000000"/>
                     </a:solidFill>
@@ -11846,7 +11850,7 @@
               </a:ln>
               <a:extLst>
                 <a:ext uri="{91240B29-F687-4f45-9708-019B960494DF}">
-                  <a14:hiddenLine xmlns="" xmlns:a14="http://schemas.microsoft.com/office/drawing/2010/main" w="9525">
+                  <a14:hiddenLine xmlns:a14="http://schemas.microsoft.com/office/drawing/2010/main" xmlns="" w="9525">
                     <a:solidFill>
                       <a:srgbClr val="000000"/>
                     </a:solidFill>
@@ -11880,7 +11884,7 @@
               </a:ln>
               <a:extLst>
                 <a:ext uri="{91240B29-F687-4f45-9708-019B960494DF}">
-                  <a14:hiddenLine xmlns="" xmlns:a14="http://schemas.microsoft.com/office/drawing/2010/main" w="9525">
+                  <a14:hiddenLine xmlns:a14="http://schemas.microsoft.com/office/drawing/2010/main" xmlns="" w="9525">
                     <a:solidFill>
                       <a:srgbClr val="000000"/>
                     </a:solidFill>
@@ -12600,7 +12604,7 @@
             </a:ln>
             <a:extLst>
               <a:ext uri="{91240B29-F687-4f45-9708-019B960494DF}">
-                <a14:hiddenLine xmlns:a14="http://schemas.microsoft.com/office/drawing/2010/main" xmlns:p14="http://schemas.microsoft.com/office/powerpoint/2010/main" xmlns:a16="http://schemas.microsoft.com/office/drawing/2014/main" xmlns="" w="9525">
+                <a14:hiddenLine xmlns="" xmlns:a16="http://schemas.microsoft.com/office/drawing/2014/main" xmlns:p14="http://schemas.microsoft.com/office/powerpoint/2010/main" xmlns:a14="http://schemas.microsoft.com/office/drawing/2010/main" w="9525">
                   <a:solidFill>
                     <a:srgbClr val="000000"/>
                   </a:solidFill>
@@ -12712,7 +12716,7 @@
             </a:ln>
             <a:extLst>
               <a:ext uri="{91240B29-F687-4f45-9708-019B960494DF}">
-                <a14:hiddenLine xmlns:a14="http://schemas.microsoft.com/office/drawing/2010/main" xmlns:p14="http://schemas.microsoft.com/office/powerpoint/2010/main" xmlns:a16="http://schemas.microsoft.com/office/drawing/2014/main" xmlns="" w="9525">
+                <a14:hiddenLine xmlns="" xmlns:a16="http://schemas.microsoft.com/office/drawing/2014/main" xmlns:p14="http://schemas.microsoft.com/office/powerpoint/2010/main" xmlns:a14="http://schemas.microsoft.com/office/drawing/2010/main" w="9525">
                   <a:solidFill>
                     <a:srgbClr val="000000"/>
                   </a:solidFill>
@@ -12824,7 +12828,7 @@
             </a:ln>
             <a:extLst>
               <a:ext uri="{91240B29-F687-4f45-9708-019B960494DF}">
-                <a14:hiddenLine xmlns:a14="http://schemas.microsoft.com/office/drawing/2010/main" xmlns:p14="http://schemas.microsoft.com/office/powerpoint/2010/main" xmlns:a16="http://schemas.microsoft.com/office/drawing/2014/main" xmlns="" w="9525">
+                <a14:hiddenLine xmlns="" xmlns:a16="http://schemas.microsoft.com/office/drawing/2014/main" xmlns:p14="http://schemas.microsoft.com/office/powerpoint/2010/main" xmlns:a14="http://schemas.microsoft.com/office/drawing/2010/main" w="9525">
                   <a:solidFill>
                     <a:srgbClr val="000000"/>
                   </a:solidFill>
@@ -12880,7 +12884,7 @@
             </a:ln>
             <a:extLst>
               <a:ext uri="{91240B29-F687-4f45-9708-019B960494DF}">
-                <a14:hiddenLine xmlns:a14="http://schemas.microsoft.com/office/drawing/2010/main" xmlns:p14="http://schemas.microsoft.com/office/powerpoint/2010/main" xmlns:a16="http://schemas.microsoft.com/office/drawing/2014/main" xmlns="" w="9525">
+                <a14:hiddenLine xmlns="" xmlns:a16="http://schemas.microsoft.com/office/drawing/2014/main" xmlns:p14="http://schemas.microsoft.com/office/powerpoint/2010/main" xmlns:a14="http://schemas.microsoft.com/office/drawing/2010/main" w="9525">
                   <a:solidFill>
                     <a:srgbClr val="000000"/>
                   </a:solidFill>
@@ -12992,7 +12996,7 @@
             </a:ln>
             <a:extLst>
               <a:ext uri="{91240B29-F687-4f45-9708-019B960494DF}">
-                <a14:hiddenLine xmlns:a14="http://schemas.microsoft.com/office/drawing/2010/main" xmlns:p14="http://schemas.microsoft.com/office/powerpoint/2010/main" xmlns:a16="http://schemas.microsoft.com/office/drawing/2014/main" xmlns="" w="9525">
+                <a14:hiddenLine xmlns="" xmlns:a16="http://schemas.microsoft.com/office/drawing/2014/main" xmlns:p14="http://schemas.microsoft.com/office/powerpoint/2010/main" xmlns:a14="http://schemas.microsoft.com/office/drawing/2010/main" w="9525">
                   <a:solidFill>
                     <a:srgbClr val="000000"/>
                   </a:solidFill>
@@ -13076,7 +13080,7 @@
             </a:ln>
             <a:extLst>
               <a:ext uri="{91240B29-F687-4f45-9708-019B960494DF}">
-                <a14:hiddenLine xmlns:a14="http://schemas.microsoft.com/office/drawing/2010/main" xmlns:p14="http://schemas.microsoft.com/office/powerpoint/2010/main" xmlns:a16="http://schemas.microsoft.com/office/drawing/2014/main" xmlns="" w="9525">
+                <a14:hiddenLine xmlns="" xmlns:a16="http://schemas.microsoft.com/office/drawing/2014/main" xmlns:p14="http://schemas.microsoft.com/office/powerpoint/2010/main" xmlns:a14="http://schemas.microsoft.com/office/drawing/2010/main" w="9525">
                   <a:solidFill>
                     <a:srgbClr val="000000"/>
                   </a:solidFill>
@@ -13160,7 +13164,7 @@
             </a:ln>
             <a:extLst>
               <a:ext uri="{91240B29-F687-4f45-9708-019B960494DF}">
-                <a14:hiddenLine xmlns:a14="http://schemas.microsoft.com/office/drawing/2010/main" xmlns:p14="http://schemas.microsoft.com/office/powerpoint/2010/main" xmlns:a16="http://schemas.microsoft.com/office/drawing/2014/main" xmlns="" w="9525">
+                <a14:hiddenLine xmlns="" xmlns:a16="http://schemas.microsoft.com/office/drawing/2014/main" xmlns:p14="http://schemas.microsoft.com/office/powerpoint/2010/main" xmlns:a14="http://schemas.microsoft.com/office/drawing/2010/main" w="9525">
                   <a:solidFill>
                     <a:srgbClr val="000000"/>
                   </a:solidFill>
@@ -13272,7 +13276,7 @@
             </a:ln>
             <a:extLst>
               <a:ext uri="{91240B29-F687-4f45-9708-019B960494DF}">
-                <a14:hiddenLine xmlns:a14="http://schemas.microsoft.com/office/drawing/2010/main" xmlns:p14="http://schemas.microsoft.com/office/powerpoint/2010/main" xmlns:a16="http://schemas.microsoft.com/office/drawing/2014/main" xmlns="" w="9525">
+                <a14:hiddenLine xmlns="" xmlns:a16="http://schemas.microsoft.com/office/drawing/2014/main" xmlns:p14="http://schemas.microsoft.com/office/powerpoint/2010/main" xmlns:a14="http://schemas.microsoft.com/office/drawing/2010/main" w="9525">
                   <a:solidFill>
                     <a:srgbClr val="000000"/>
                   </a:solidFill>
@@ -13356,7 +13360,7 @@
             </a:ln>
             <a:extLst>
               <a:ext uri="{91240B29-F687-4f45-9708-019B960494DF}">
-                <a14:hiddenLine xmlns:a14="http://schemas.microsoft.com/office/drawing/2010/main" xmlns:p14="http://schemas.microsoft.com/office/powerpoint/2010/main" xmlns:a16="http://schemas.microsoft.com/office/drawing/2014/main" xmlns="" w="9525">
+                <a14:hiddenLine xmlns="" xmlns:a16="http://schemas.microsoft.com/office/drawing/2014/main" xmlns:p14="http://schemas.microsoft.com/office/powerpoint/2010/main" xmlns:a14="http://schemas.microsoft.com/office/drawing/2010/main" w="9525">
                   <a:solidFill>
                     <a:srgbClr val="000000"/>
                   </a:solidFill>
@@ -13440,7 +13444,7 @@
             </a:ln>
             <a:extLst>
               <a:ext uri="{91240B29-F687-4f45-9708-019B960494DF}">
-                <a14:hiddenLine xmlns:a14="http://schemas.microsoft.com/office/drawing/2010/main" xmlns:p14="http://schemas.microsoft.com/office/powerpoint/2010/main" xmlns:a16="http://schemas.microsoft.com/office/drawing/2014/main" xmlns="" w="9525">
+                <a14:hiddenLine xmlns="" xmlns:a16="http://schemas.microsoft.com/office/drawing/2014/main" xmlns:p14="http://schemas.microsoft.com/office/powerpoint/2010/main" xmlns:a14="http://schemas.microsoft.com/office/drawing/2010/main" w="9525">
                   <a:solidFill>
                     <a:srgbClr val="000000"/>
                   </a:solidFill>
@@ -13552,7 +13556,7 @@
             </a:ln>
             <a:extLst>
               <a:ext uri="{91240B29-F687-4f45-9708-019B960494DF}">
-                <a14:hiddenLine xmlns:a14="http://schemas.microsoft.com/office/drawing/2010/main" xmlns:p14="http://schemas.microsoft.com/office/powerpoint/2010/main" xmlns:a16="http://schemas.microsoft.com/office/drawing/2014/main" xmlns="" w="9525">
+                <a14:hiddenLine xmlns="" xmlns:a16="http://schemas.microsoft.com/office/drawing/2014/main" xmlns:p14="http://schemas.microsoft.com/office/powerpoint/2010/main" xmlns:a14="http://schemas.microsoft.com/office/drawing/2010/main" w="9525">
                   <a:solidFill>
                     <a:srgbClr val="000000"/>
                   </a:solidFill>
@@ -13664,7 +13668,7 @@
             </a:ln>
             <a:extLst>
               <a:ext uri="{91240B29-F687-4f45-9708-019B960494DF}">
-                <a14:hiddenLine xmlns:a14="http://schemas.microsoft.com/office/drawing/2010/main" xmlns:p14="http://schemas.microsoft.com/office/powerpoint/2010/main" xmlns:a16="http://schemas.microsoft.com/office/drawing/2014/main" xmlns="" w="9525">
+                <a14:hiddenLine xmlns="" xmlns:a16="http://schemas.microsoft.com/office/drawing/2014/main" xmlns:p14="http://schemas.microsoft.com/office/powerpoint/2010/main" xmlns:a14="http://schemas.microsoft.com/office/drawing/2010/main" w="9525">
                   <a:solidFill>
                     <a:srgbClr val="000000"/>
                   </a:solidFill>
@@ -13748,7 +13752,7 @@
             </a:ln>
             <a:extLst>
               <a:ext uri="{91240B29-F687-4f45-9708-019B960494DF}">
-                <a14:hiddenLine xmlns:a14="http://schemas.microsoft.com/office/drawing/2010/main" xmlns:p14="http://schemas.microsoft.com/office/powerpoint/2010/main" xmlns:a16="http://schemas.microsoft.com/office/drawing/2014/main" xmlns="" w="9525">
+                <a14:hiddenLine xmlns="" xmlns:a16="http://schemas.microsoft.com/office/drawing/2014/main" xmlns:p14="http://schemas.microsoft.com/office/powerpoint/2010/main" xmlns:a14="http://schemas.microsoft.com/office/drawing/2010/main" w="9525">
                   <a:solidFill>
                     <a:srgbClr val="000000"/>
                   </a:solidFill>
@@ -13880,7 +13884,7 @@
             </a:ln>
             <a:extLst>
               <a:ext uri="{91240B29-F687-4f45-9708-019B960494DF}">
-                <a14:hiddenLine xmlns:a14="http://schemas.microsoft.com/office/drawing/2010/main" xmlns:p14="http://schemas.microsoft.com/office/powerpoint/2010/main" xmlns:a16="http://schemas.microsoft.com/office/drawing/2014/main" xmlns="" w="9525">
+                <a14:hiddenLine xmlns="" xmlns:a16="http://schemas.microsoft.com/office/drawing/2014/main" xmlns:p14="http://schemas.microsoft.com/office/powerpoint/2010/main" xmlns:a14="http://schemas.microsoft.com/office/drawing/2010/main" w="9525">
                   <a:solidFill>
                     <a:srgbClr val="000000"/>
                   </a:solidFill>
@@ -13964,7 +13968,7 @@
             </a:ln>
             <a:extLst>
               <a:ext uri="{91240B29-F687-4f45-9708-019B960494DF}">
-                <a14:hiddenLine xmlns:a14="http://schemas.microsoft.com/office/drawing/2010/main" xmlns:p14="http://schemas.microsoft.com/office/powerpoint/2010/main" xmlns:a16="http://schemas.microsoft.com/office/drawing/2014/main" xmlns="" w="9525">
+                <a14:hiddenLine xmlns="" xmlns:a16="http://schemas.microsoft.com/office/drawing/2014/main" xmlns:p14="http://schemas.microsoft.com/office/powerpoint/2010/main" xmlns:a14="http://schemas.microsoft.com/office/drawing/2010/main" w="9525">
                   <a:solidFill>
                     <a:srgbClr val="000000"/>
                   </a:solidFill>
@@ -14076,7 +14080,7 @@
             </a:ln>
             <a:extLst>
               <a:ext uri="{91240B29-F687-4f45-9708-019B960494DF}">
-                <a14:hiddenLine xmlns:a14="http://schemas.microsoft.com/office/drawing/2010/main" xmlns:p14="http://schemas.microsoft.com/office/powerpoint/2010/main" xmlns:a16="http://schemas.microsoft.com/office/drawing/2014/main" xmlns="" w="9525">
+                <a14:hiddenLine xmlns="" xmlns:a16="http://schemas.microsoft.com/office/drawing/2014/main" xmlns:p14="http://schemas.microsoft.com/office/powerpoint/2010/main" xmlns:a14="http://schemas.microsoft.com/office/drawing/2010/main" w="9525">
                   <a:solidFill>
                     <a:srgbClr val="000000"/>
                   </a:solidFill>
@@ -14188,7 +14192,7 @@
             </a:ln>
             <a:extLst>
               <a:ext uri="{91240B29-F687-4f45-9708-019B960494DF}">
-                <a14:hiddenLine xmlns:a14="http://schemas.microsoft.com/office/drawing/2010/main" xmlns:p14="http://schemas.microsoft.com/office/powerpoint/2010/main" xmlns:a16="http://schemas.microsoft.com/office/drawing/2014/main" xmlns="" w="9525">
+                <a14:hiddenLine xmlns="" xmlns:a16="http://schemas.microsoft.com/office/drawing/2014/main" xmlns:p14="http://schemas.microsoft.com/office/powerpoint/2010/main" xmlns:a14="http://schemas.microsoft.com/office/drawing/2010/main" w="9525">
                   <a:solidFill>
                     <a:srgbClr val="000000"/>
                   </a:solidFill>
@@ -14272,7 +14276,7 @@
             </a:ln>
             <a:extLst>
               <a:ext uri="{91240B29-F687-4f45-9708-019B960494DF}">
-                <a14:hiddenLine xmlns:a14="http://schemas.microsoft.com/office/drawing/2010/main" xmlns:p14="http://schemas.microsoft.com/office/powerpoint/2010/main" xmlns:a16="http://schemas.microsoft.com/office/drawing/2014/main" xmlns="" w="9525">
+                <a14:hiddenLine xmlns="" xmlns:a16="http://schemas.microsoft.com/office/drawing/2014/main" xmlns:p14="http://schemas.microsoft.com/office/powerpoint/2010/main" xmlns:a14="http://schemas.microsoft.com/office/drawing/2010/main" w="9525">
                   <a:solidFill>
                     <a:srgbClr val="000000"/>
                   </a:solidFill>
@@ -14384,7 +14388,7 @@
             </a:ln>
             <a:extLst>
               <a:ext uri="{91240B29-F687-4f45-9708-019B960494DF}">
-                <a14:hiddenLine xmlns:a14="http://schemas.microsoft.com/office/drawing/2010/main" xmlns:p14="http://schemas.microsoft.com/office/powerpoint/2010/main" xmlns:a16="http://schemas.microsoft.com/office/drawing/2014/main" xmlns="" w="9525">
+                <a14:hiddenLine xmlns="" xmlns:a16="http://schemas.microsoft.com/office/drawing/2014/main" xmlns:p14="http://schemas.microsoft.com/office/powerpoint/2010/main" xmlns:a14="http://schemas.microsoft.com/office/drawing/2010/main" w="9525">
                   <a:solidFill>
                     <a:srgbClr val="000000"/>
                   </a:solidFill>
@@ -14496,7 +14500,7 @@
             </a:ln>
             <a:extLst>
               <a:ext uri="{91240B29-F687-4f45-9708-019B960494DF}">
-                <a14:hiddenLine xmlns:a14="http://schemas.microsoft.com/office/drawing/2010/main" xmlns:p14="http://schemas.microsoft.com/office/powerpoint/2010/main" xmlns:a16="http://schemas.microsoft.com/office/drawing/2014/main" xmlns="" w="9525">
+                <a14:hiddenLine xmlns="" xmlns:a16="http://schemas.microsoft.com/office/drawing/2014/main" xmlns:p14="http://schemas.microsoft.com/office/powerpoint/2010/main" xmlns:a14="http://schemas.microsoft.com/office/drawing/2010/main" w="9525">
                   <a:solidFill>
                     <a:srgbClr val="000000"/>
                   </a:solidFill>
@@ -14574,7 +14578,7 @@
             </a:ln>
             <a:extLst>
               <a:ext uri="{91240B29-F687-4f45-9708-019B960494DF}">
-                <a14:hiddenLine xmlns:a14="http://schemas.microsoft.com/office/drawing/2010/main" xmlns:p14="http://schemas.microsoft.com/office/powerpoint/2010/main" xmlns:a16="http://schemas.microsoft.com/office/drawing/2014/main" xmlns="" w="9525">
+                <a14:hiddenLine xmlns="" xmlns:a16="http://schemas.microsoft.com/office/drawing/2014/main" xmlns:p14="http://schemas.microsoft.com/office/powerpoint/2010/main" xmlns:a14="http://schemas.microsoft.com/office/drawing/2010/main" w="9525">
                   <a:solidFill>
                     <a:srgbClr val="000000"/>
                   </a:solidFill>
@@ -14686,7 +14690,7 @@
             </a:ln>
             <a:extLst>
               <a:ext uri="{91240B29-F687-4f45-9708-019B960494DF}">
-                <a14:hiddenLine xmlns:a14="http://schemas.microsoft.com/office/drawing/2010/main" xmlns:p14="http://schemas.microsoft.com/office/powerpoint/2010/main" xmlns:a16="http://schemas.microsoft.com/office/drawing/2014/main" xmlns="" w="9525">
+                <a14:hiddenLine xmlns="" xmlns:a16="http://schemas.microsoft.com/office/drawing/2014/main" xmlns:p14="http://schemas.microsoft.com/office/powerpoint/2010/main" xmlns:a14="http://schemas.microsoft.com/office/drawing/2010/main" w="9525">
                   <a:solidFill>
                     <a:srgbClr val="000000"/>
                   </a:solidFill>
@@ -14764,7 +14768,7 @@
             </a:ln>
             <a:extLst>
               <a:ext uri="{91240B29-F687-4f45-9708-019B960494DF}">
-                <a14:hiddenLine xmlns:a14="http://schemas.microsoft.com/office/drawing/2010/main" xmlns:p14="http://schemas.microsoft.com/office/powerpoint/2010/main" xmlns:a16="http://schemas.microsoft.com/office/drawing/2014/main" xmlns="" w="9525">
+                <a14:hiddenLine xmlns="" xmlns:a16="http://schemas.microsoft.com/office/drawing/2014/main" xmlns:p14="http://schemas.microsoft.com/office/powerpoint/2010/main" xmlns:a14="http://schemas.microsoft.com/office/drawing/2010/main" w="9525">
                   <a:solidFill>
                     <a:srgbClr val="000000"/>
                   </a:solidFill>
@@ -14876,7 +14880,7 @@
             </a:ln>
             <a:extLst>
               <a:ext uri="{91240B29-F687-4f45-9708-019B960494DF}">
-                <a14:hiddenLine xmlns:a14="http://schemas.microsoft.com/office/drawing/2010/main" xmlns:p14="http://schemas.microsoft.com/office/powerpoint/2010/main" xmlns:a16="http://schemas.microsoft.com/office/drawing/2014/main" xmlns="" w="9525">
+                <a14:hiddenLine xmlns="" xmlns:a16="http://schemas.microsoft.com/office/drawing/2014/main" xmlns:p14="http://schemas.microsoft.com/office/powerpoint/2010/main" xmlns:a14="http://schemas.microsoft.com/office/drawing/2010/main" w="9525">
                   <a:solidFill>
                     <a:srgbClr val="000000"/>
                   </a:solidFill>
@@ -14966,7 +14970,7 @@
             </a:ln>
             <a:extLst>
               <a:ext uri="{91240B29-F687-4f45-9708-019B960494DF}">
-                <a14:hiddenLine xmlns:a14="http://schemas.microsoft.com/office/drawing/2010/main" xmlns:p14="http://schemas.microsoft.com/office/powerpoint/2010/main" xmlns:a16="http://schemas.microsoft.com/office/drawing/2014/main" xmlns="" w="9525">
+                <a14:hiddenLine xmlns="" xmlns:a16="http://schemas.microsoft.com/office/drawing/2014/main" xmlns:p14="http://schemas.microsoft.com/office/powerpoint/2010/main" xmlns:a14="http://schemas.microsoft.com/office/drawing/2010/main" w="9525">
                   <a:solidFill>
                     <a:srgbClr val="000000"/>
                   </a:solidFill>
@@ -15078,7 +15082,7 @@
             </a:ln>
             <a:extLst>
               <a:ext uri="{91240B29-F687-4f45-9708-019B960494DF}">
-                <a14:hiddenLine xmlns:a14="http://schemas.microsoft.com/office/drawing/2010/main" xmlns:p14="http://schemas.microsoft.com/office/powerpoint/2010/main" xmlns:a16="http://schemas.microsoft.com/office/drawing/2014/main" xmlns="" w="9525">
+                <a14:hiddenLine xmlns="" xmlns:a16="http://schemas.microsoft.com/office/drawing/2014/main" xmlns:p14="http://schemas.microsoft.com/office/powerpoint/2010/main" xmlns:a14="http://schemas.microsoft.com/office/drawing/2010/main" w="9525">
                   <a:solidFill>
                     <a:srgbClr val="000000"/>
                   </a:solidFill>
@@ -15168,7 +15172,7 @@
             </a:ln>
             <a:extLst>
               <a:ext uri="{91240B29-F687-4f45-9708-019B960494DF}">
-                <a14:hiddenLine xmlns:a14="http://schemas.microsoft.com/office/drawing/2010/main" xmlns:p14="http://schemas.microsoft.com/office/powerpoint/2010/main" xmlns:a16="http://schemas.microsoft.com/office/drawing/2014/main" xmlns="" w="9525">
+                <a14:hiddenLine xmlns="" xmlns:a16="http://schemas.microsoft.com/office/drawing/2014/main" xmlns:p14="http://schemas.microsoft.com/office/powerpoint/2010/main" xmlns:a14="http://schemas.microsoft.com/office/drawing/2010/main" w="9525">
                   <a:solidFill>
                     <a:srgbClr val="000000"/>
                   </a:solidFill>
@@ -15280,7 +15284,7 @@
             </a:ln>
             <a:extLst>
               <a:ext uri="{91240B29-F687-4f45-9708-019B960494DF}">
-                <a14:hiddenLine xmlns:a14="http://schemas.microsoft.com/office/drawing/2010/main" xmlns:p14="http://schemas.microsoft.com/office/powerpoint/2010/main" xmlns:a16="http://schemas.microsoft.com/office/drawing/2014/main" xmlns="" w="9525">
+                <a14:hiddenLine xmlns="" xmlns:a16="http://schemas.microsoft.com/office/drawing/2014/main" xmlns:p14="http://schemas.microsoft.com/office/powerpoint/2010/main" xmlns:a14="http://schemas.microsoft.com/office/drawing/2010/main" w="9525">
                   <a:solidFill>
                     <a:srgbClr val="000000"/>
                   </a:solidFill>
@@ -15336,7 +15340,7 @@
             </a:ln>
             <a:extLst>
               <a:ext uri="{91240B29-F687-4f45-9708-019B960494DF}">
-                <a14:hiddenLine xmlns:a14="http://schemas.microsoft.com/office/drawing/2010/main" xmlns:p14="http://schemas.microsoft.com/office/powerpoint/2010/main" xmlns:a16="http://schemas.microsoft.com/office/drawing/2014/main" xmlns="" w="9525">
+                <a14:hiddenLine xmlns="" xmlns:a16="http://schemas.microsoft.com/office/drawing/2014/main" xmlns:p14="http://schemas.microsoft.com/office/powerpoint/2010/main" xmlns:a14="http://schemas.microsoft.com/office/drawing/2010/main" w="9525">
                   <a:solidFill>
                     <a:srgbClr val="000000"/>
                   </a:solidFill>
@@ -15448,7 +15452,7 @@
             </a:ln>
             <a:extLst>
               <a:ext uri="{91240B29-F687-4f45-9708-019B960494DF}">
-                <a14:hiddenLine xmlns:a14="http://schemas.microsoft.com/office/drawing/2010/main" xmlns:p14="http://schemas.microsoft.com/office/powerpoint/2010/main" xmlns:a16="http://schemas.microsoft.com/office/drawing/2014/main" xmlns="" w="9525">
+                <a14:hiddenLine xmlns="" xmlns:a16="http://schemas.microsoft.com/office/drawing/2014/main" xmlns:p14="http://schemas.microsoft.com/office/powerpoint/2010/main" xmlns:a14="http://schemas.microsoft.com/office/drawing/2010/main" w="9525">
                   <a:solidFill>
                     <a:srgbClr val="000000"/>
                   </a:solidFill>
@@ -15532,7 +15536,7 @@
             </a:ln>
             <a:extLst>
               <a:ext uri="{91240B29-F687-4f45-9708-019B960494DF}">
-                <a14:hiddenLine xmlns:a14="http://schemas.microsoft.com/office/drawing/2010/main" xmlns:p14="http://schemas.microsoft.com/office/powerpoint/2010/main" xmlns:a16="http://schemas.microsoft.com/office/drawing/2014/main" xmlns="" w="9525">
+                <a14:hiddenLine xmlns="" xmlns:a16="http://schemas.microsoft.com/office/drawing/2014/main" xmlns:p14="http://schemas.microsoft.com/office/powerpoint/2010/main" xmlns:a14="http://schemas.microsoft.com/office/drawing/2010/main" w="9525">
                   <a:solidFill>
                     <a:srgbClr val="000000"/>
                   </a:solidFill>
@@ -15616,7 +15620,7 @@
             </a:ln>
             <a:extLst>
               <a:ext uri="{91240B29-F687-4f45-9708-019B960494DF}">
-                <a14:hiddenLine xmlns:a14="http://schemas.microsoft.com/office/drawing/2010/main" xmlns:p14="http://schemas.microsoft.com/office/powerpoint/2010/main" xmlns:a16="http://schemas.microsoft.com/office/drawing/2014/main" xmlns="" w="9525">
+                <a14:hiddenLine xmlns="" xmlns:a16="http://schemas.microsoft.com/office/drawing/2014/main" xmlns:p14="http://schemas.microsoft.com/office/powerpoint/2010/main" xmlns:a14="http://schemas.microsoft.com/office/drawing/2010/main" w="9525">
                   <a:solidFill>
                     <a:srgbClr val="000000"/>
                   </a:solidFill>
@@ -15728,7 +15732,7 @@
             </a:ln>
             <a:extLst>
               <a:ext uri="{91240B29-F687-4f45-9708-019B960494DF}">
-                <a14:hiddenLine xmlns:a14="http://schemas.microsoft.com/office/drawing/2010/main" xmlns:p14="http://schemas.microsoft.com/office/powerpoint/2010/main" xmlns:a16="http://schemas.microsoft.com/office/drawing/2014/main" xmlns="" w="9525">
+                <a14:hiddenLine xmlns="" xmlns:a16="http://schemas.microsoft.com/office/drawing/2014/main" xmlns:p14="http://schemas.microsoft.com/office/powerpoint/2010/main" xmlns:a14="http://schemas.microsoft.com/office/drawing/2010/main" w="9525">
                   <a:solidFill>
                     <a:srgbClr val="000000"/>
                   </a:solidFill>
@@ -15818,7 +15822,7 @@
             </a:ln>
             <a:extLst>
               <a:ext uri="{91240B29-F687-4f45-9708-019B960494DF}">
-                <a14:hiddenLine xmlns:a14="http://schemas.microsoft.com/office/drawing/2010/main" xmlns:p14="http://schemas.microsoft.com/office/powerpoint/2010/main" xmlns:a16="http://schemas.microsoft.com/office/drawing/2014/main" xmlns="" w="9525">
+                <a14:hiddenLine xmlns="" xmlns:a16="http://schemas.microsoft.com/office/drawing/2014/main" xmlns:p14="http://schemas.microsoft.com/office/powerpoint/2010/main" xmlns:a14="http://schemas.microsoft.com/office/drawing/2010/main" w="9525">
                   <a:solidFill>
                     <a:srgbClr val="000000"/>
                   </a:solidFill>
@@ -15902,7 +15906,7 @@
             </a:ln>
             <a:extLst>
               <a:ext uri="{91240B29-F687-4f45-9708-019B960494DF}">
-                <a14:hiddenLine xmlns:a14="http://schemas.microsoft.com/office/drawing/2010/main" xmlns:p14="http://schemas.microsoft.com/office/powerpoint/2010/main" xmlns:a16="http://schemas.microsoft.com/office/drawing/2014/main" xmlns="" w="9525">
+                <a14:hiddenLine xmlns="" xmlns:a16="http://schemas.microsoft.com/office/drawing/2014/main" xmlns:p14="http://schemas.microsoft.com/office/powerpoint/2010/main" xmlns:a14="http://schemas.microsoft.com/office/drawing/2010/main" w="9525">
                   <a:solidFill>
                     <a:srgbClr val="000000"/>
                   </a:solidFill>
@@ -16014,7 +16018,7 @@
             </a:ln>
             <a:extLst>
               <a:ext uri="{91240B29-F687-4f45-9708-019B960494DF}">
-                <a14:hiddenLine xmlns:a14="http://schemas.microsoft.com/office/drawing/2010/main" xmlns:p14="http://schemas.microsoft.com/office/powerpoint/2010/main" xmlns:a16="http://schemas.microsoft.com/office/drawing/2014/main" xmlns="" w="9525">
+                <a14:hiddenLine xmlns="" xmlns:a16="http://schemas.microsoft.com/office/drawing/2014/main" xmlns:p14="http://schemas.microsoft.com/office/powerpoint/2010/main" xmlns:a14="http://schemas.microsoft.com/office/drawing/2010/main" w="9525">
                   <a:solidFill>
                     <a:srgbClr val="000000"/>
                   </a:solidFill>
@@ -16098,7 +16102,7 @@
             </a:ln>
             <a:extLst>
               <a:ext uri="{91240B29-F687-4f45-9708-019B960494DF}">
-                <a14:hiddenLine xmlns:a14="http://schemas.microsoft.com/office/drawing/2010/main" xmlns:p14="http://schemas.microsoft.com/office/powerpoint/2010/main" xmlns:a16="http://schemas.microsoft.com/office/drawing/2014/main" xmlns="" w="9525">
+                <a14:hiddenLine xmlns="" xmlns:a16="http://schemas.microsoft.com/office/drawing/2014/main" xmlns:p14="http://schemas.microsoft.com/office/powerpoint/2010/main" xmlns:a14="http://schemas.microsoft.com/office/drawing/2010/main" w="9525">
                   <a:solidFill>
                     <a:srgbClr val="000000"/>
                   </a:solidFill>
@@ -16210,7 +16214,7 @@
             </a:ln>
             <a:extLst>
               <a:ext uri="{91240B29-F687-4f45-9708-019B960494DF}">
-                <a14:hiddenLine xmlns:a14="http://schemas.microsoft.com/office/drawing/2010/main" xmlns:p14="http://schemas.microsoft.com/office/powerpoint/2010/main" xmlns:a16="http://schemas.microsoft.com/office/drawing/2014/main" xmlns="" w="9525">
+                <a14:hiddenLine xmlns="" xmlns:a16="http://schemas.microsoft.com/office/drawing/2014/main" xmlns:p14="http://schemas.microsoft.com/office/powerpoint/2010/main" xmlns:a14="http://schemas.microsoft.com/office/drawing/2010/main" w="9525">
                   <a:solidFill>
                     <a:srgbClr val="000000"/>
                   </a:solidFill>
@@ -16294,7 +16298,7 @@
             </a:ln>
             <a:extLst>
               <a:ext uri="{91240B29-F687-4f45-9708-019B960494DF}">
-                <a14:hiddenLine xmlns:a14="http://schemas.microsoft.com/office/drawing/2010/main" xmlns:p14="http://schemas.microsoft.com/office/powerpoint/2010/main" xmlns:a16="http://schemas.microsoft.com/office/drawing/2014/main" xmlns="" w="9525">
+                <a14:hiddenLine xmlns="" xmlns:a16="http://schemas.microsoft.com/office/drawing/2014/main" xmlns:p14="http://schemas.microsoft.com/office/powerpoint/2010/main" xmlns:a14="http://schemas.microsoft.com/office/drawing/2010/main" w="9525">
                   <a:solidFill>
                     <a:srgbClr val="000000"/>
                   </a:solidFill>
@@ -16406,7 +16410,7 @@
             </a:ln>
             <a:extLst>
               <a:ext uri="{91240B29-F687-4f45-9708-019B960494DF}">
-                <a14:hiddenLine xmlns:a14="http://schemas.microsoft.com/office/drawing/2010/main" xmlns:p14="http://schemas.microsoft.com/office/powerpoint/2010/main" xmlns:a16="http://schemas.microsoft.com/office/drawing/2014/main" xmlns="" w="9525">
+                <a14:hiddenLine xmlns="" xmlns:a16="http://schemas.microsoft.com/office/drawing/2014/main" xmlns:p14="http://schemas.microsoft.com/office/powerpoint/2010/main" xmlns:a14="http://schemas.microsoft.com/office/drawing/2010/main" w="9525">
                   <a:solidFill>
                     <a:srgbClr val="000000"/>
                   </a:solidFill>
@@ -16462,7 +16466,7 @@
             </a:ln>
             <a:extLst>
               <a:ext uri="{91240B29-F687-4f45-9708-019B960494DF}">
-                <a14:hiddenLine xmlns:a14="http://schemas.microsoft.com/office/drawing/2010/main" xmlns:p14="http://schemas.microsoft.com/office/powerpoint/2010/main" xmlns:a16="http://schemas.microsoft.com/office/drawing/2014/main" xmlns="" w="9525">
+                <a14:hiddenLine xmlns="" xmlns:a16="http://schemas.microsoft.com/office/drawing/2014/main" xmlns:p14="http://schemas.microsoft.com/office/powerpoint/2010/main" xmlns:a14="http://schemas.microsoft.com/office/drawing/2010/main" w="9525">
                   <a:solidFill>
                     <a:srgbClr val="000000"/>
                   </a:solidFill>
@@ -16549,7 +16553,7 @@
             </a:ln>
             <a:extLst>
               <a:ext uri="{91240B29-F687-4f45-9708-019B960494DF}">
-                <a14:hiddenLine xmlns:a14="http://schemas.microsoft.com/office/drawing/2010/main" xmlns:p14="http://schemas.microsoft.com/office/powerpoint/2010/main" xmlns:a16="http://schemas.microsoft.com/office/drawing/2014/main" xmlns="" w="9525">
+                <a14:hiddenLine xmlns="" xmlns:a16="http://schemas.microsoft.com/office/drawing/2014/main" xmlns:p14="http://schemas.microsoft.com/office/powerpoint/2010/main" xmlns:a14="http://schemas.microsoft.com/office/drawing/2010/main" w="9525">
                   <a:solidFill>
                     <a:srgbClr val="000000"/>
                   </a:solidFill>
@@ -16661,7 +16665,7 @@
             </a:ln>
             <a:extLst>
               <a:ext uri="{91240B29-F687-4f45-9708-019B960494DF}">
-                <a14:hiddenLine xmlns:a14="http://schemas.microsoft.com/office/drawing/2010/main" xmlns:p14="http://schemas.microsoft.com/office/powerpoint/2010/main" xmlns:a16="http://schemas.microsoft.com/office/drawing/2014/main" xmlns="" w="9525">
+                <a14:hiddenLine xmlns="" xmlns:a16="http://schemas.microsoft.com/office/drawing/2014/main" xmlns:p14="http://schemas.microsoft.com/office/powerpoint/2010/main" xmlns:a14="http://schemas.microsoft.com/office/drawing/2010/main" w="9525">
                   <a:solidFill>
                     <a:srgbClr val="000000"/>
                   </a:solidFill>
@@ -16745,7 +16749,7 @@
             </a:ln>
             <a:extLst>
               <a:ext uri="{91240B29-F687-4f45-9708-019B960494DF}">
-                <a14:hiddenLine xmlns:a14="http://schemas.microsoft.com/office/drawing/2010/main" xmlns:p14="http://schemas.microsoft.com/office/powerpoint/2010/main" xmlns:a16="http://schemas.microsoft.com/office/drawing/2014/main" xmlns="" w="9525">
+                <a14:hiddenLine xmlns="" xmlns:a16="http://schemas.microsoft.com/office/drawing/2014/main" xmlns:p14="http://schemas.microsoft.com/office/powerpoint/2010/main" xmlns:a14="http://schemas.microsoft.com/office/drawing/2010/main" w="9525">
                   <a:solidFill>
                     <a:srgbClr val="000000"/>
                   </a:solidFill>
@@ -16857,7 +16861,7 @@
             </a:ln>
             <a:extLst>
               <a:ext uri="{91240B29-F687-4f45-9708-019B960494DF}">
-                <a14:hiddenLine xmlns:a14="http://schemas.microsoft.com/office/drawing/2010/main" xmlns:p14="http://schemas.microsoft.com/office/powerpoint/2010/main" xmlns:a16="http://schemas.microsoft.com/office/drawing/2014/main" xmlns="" w="9525">
+                <a14:hiddenLine xmlns="" xmlns:a16="http://schemas.microsoft.com/office/drawing/2014/main" xmlns:p14="http://schemas.microsoft.com/office/powerpoint/2010/main" xmlns:a14="http://schemas.microsoft.com/office/drawing/2010/main" w="9525">
                   <a:solidFill>
                     <a:srgbClr val="000000"/>
                   </a:solidFill>
@@ -16969,7 +16973,7 @@
             </a:ln>
             <a:extLst>
               <a:ext uri="{91240B29-F687-4f45-9708-019B960494DF}">
-                <a14:hiddenLine xmlns:a14="http://schemas.microsoft.com/office/drawing/2010/main" xmlns:p14="http://schemas.microsoft.com/office/powerpoint/2010/main" xmlns:a16="http://schemas.microsoft.com/office/drawing/2014/main" xmlns="" w="9525">
+                <a14:hiddenLine xmlns="" xmlns:a16="http://schemas.microsoft.com/office/drawing/2014/main" xmlns:p14="http://schemas.microsoft.com/office/powerpoint/2010/main" xmlns:a14="http://schemas.microsoft.com/office/drawing/2010/main" w="9525">
                   <a:solidFill>
                     <a:srgbClr val="000000"/>
                   </a:solidFill>
@@ -17056,7 +17060,7 @@
             </a:ln>
             <a:extLst>
               <a:ext uri="{91240B29-F687-4f45-9708-019B960494DF}">
-                <a14:hiddenLine xmlns:a14="http://schemas.microsoft.com/office/drawing/2010/main" xmlns:p14="http://schemas.microsoft.com/office/powerpoint/2010/main" xmlns:a16="http://schemas.microsoft.com/office/drawing/2014/main" xmlns="" w="9525">
+                <a14:hiddenLine xmlns="" xmlns:a16="http://schemas.microsoft.com/office/drawing/2014/main" xmlns:p14="http://schemas.microsoft.com/office/powerpoint/2010/main" xmlns:a14="http://schemas.microsoft.com/office/drawing/2010/main" w="9525">
                   <a:solidFill>
                     <a:srgbClr val="000000"/>
                   </a:solidFill>
@@ -17140,7 +17144,7 @@
             </a:ln>
             <a:extLst>
               <a:ext uri="{91240B29-F687-4f45-9708-019B960494DF}">
-                <a14:hiddenLine xmlns:a14="http://schemas.microsoft.com/office/drawing/2010/main" xmlns:p14="http://schemas.microsoft.com/office/powerpoint/2010/main" xmlns:a16="http://schemas.microsoft.com/office/drawing/2014/main" xmlns="" w="9525">
+                <a14:hiddenLine xmlns="" xmlns:a16="http://schemas.microsoft.com/office/drawing/2014/main" xmlns:p14="http://schemas.microsoft.com/office/powerpoint/2010/main" xmlns:a14="http://schemas.microsoft.com/office/drawing/2010/main" w="9525">
                   <a:solidFill>
                     <a:srgbClr val="000000"/>
                   </a:solidFill>
@@ -17252,7 +17256,7 @@
             </a:ln>
             <a:extLst>
               <a:ext uri="{91240B29-F687-4f45-9708-019B960494DF}">
-                <a14:hiddenLine xmlns:a14="http://schemas.microsoft.com/office/drawing/2010/main" xmlns:p14="http://schemas.microsoft.com/office/powerpoint/2010/main" xmlns:a16="http://schemas.microsoft.com/office/drawing/2014/main" xmlns="" w="9525">
+                <a14:hiddenLine xmlns="" xmlns:a16="http://schemas.microsoft.com/office/drawing/2014/main" xmlns:p14="http://schemas.microsoft.com/office/powerpoint/2010/main" xmlns:a14="http://schemas.microsoft.com/office/drawing/2010/main" w="9525">
                   <a:solidFill>
                     <a:srgbClr val="000000"/>
                   </a:solidFill>
@@ -17364,7 +17368,7 @@
             </a:ln>
             <a:extLst>
               <a:ext uri="{91240B29-F687-4f45-9708-019B960494DF}">
-                <a14:hiddenLine xmlns:a14="http://schemas.microsoft.com/office/drawing/2010/main" xmlns:p14="http://schemas.microsoft.com/office/powerpoint/2010/main" xmlns:a16="http://schemas.microsoft.com/office/drawing/2014/main" xmlns="" w="9525">
+                <a14:hiddenLine xmlns="" xmlns:a16="http://schemas.microsoft.com/office/drawing/2014/main" xmlns:p14="http://schemas.microsoft.com/office/powerpoint/2010/main" xmlns:a14="http://schemas.microsoft.com/office/drawing/2010/main" w="9525">
                   <a:solidFill>
                     <a:srgbClr val="000000"/>
                   </a:solidFill>
@@ -17448,7 +17452,7 @@
             </a:ln>
             <a:extLst>
               <a:ext uri="{91240B29-F687-4f45-9708-019B960494DF}">
-                <a14:hiddenLine xmlns:a14="http://schemas.microsoft.com/office/drawing/2010/main" xmlns:p14="http://schemas.microsoft.com/office/powerpoint/2010/main" xmlns:a16="http://schemas.microsoft.com/office/drawing/2014/main" xmlns="" w="9525">
+                <a14:hiddenLine xmlns="" xmlns:a16="http://schemas.microsoft.com/office/drawing/2014/main" xmlns:p14="http://schemas.microsoft.com/office/powerpoint/2010/main" xmlns:a14="http://schemas.microsoft.com/office/drawing/2010/main" w="9525">
                   <a:solidFill>
                     <a:srgbClr val="000000"/>
                   </a:solidFill>
@@ -17590,7 +17594,7 @@
             </a:ln>
             <a:extLst>
               <a:ext uri="{91240B29-F687-4f45-9708-019B960494DF}">
-                <a14:hiddenLine xmlns:a14="http://schemas.microsoft.com/office/drawing/2010/main" xmlns:p14="http://schemas.microsoft.com/office/powerpoint/2010/main" xmlns:a16="http://schemas.microsoft.com/office/drawing/2014/main" xmlns="" w="9525">
+                <a14:hiddenLine xmlns="" xmlns:a16="http://schemas.microsoft.com/office/drawing/2014/main" xmlns:p14="http://schemas.microsoft.com/office/powerpoint/2010/main" xmlns:a14="http://schemas.microsoft.com/office/drawing/2010/main" w="9525">
                   <a:solidFill>
                     <a:srgbClr val="000000"/>
                   </a:solidFill>
@@ -17680,7 +17684,7 @@
             </a:ln>
             <a:extLst>
               <a:ext uri="{91240B29-F687-4f45-9708-019B960494DF}">
-                <a14:hiddenLine xmlns:a14="http://schemas.microsoft.com/office/drawing/2010/main" xmlns:p14="http://schemas.microsoft.com/office/powerpoint/2010/main" xmlns:a16="http://schemas.microsoft.com/office/drawing/2014/main" xmlns="" w="9525">
+                <a14:hiddenLine xmlns="" xmlns:a16="http://schemas.microsoft.com/office/drawing/2014/main" xmlns:p14="http://schemas.microsoft.com/office/powerpoint/2010/main" xmlns:a14="http://schemas.microsoft.com/office/drawing/2010/main" w="9525">
                   <a:solidFill>
                     <a:srgbClr val="000000"/>
                   </a:solidFill>
@@ -17792,7 +17796,7 @@
             </a:ln>
             <a:extLst>
               <a:ext uri="{91240B29-F687-4f45-9708-019B960494DF}">
-                <a14:hiddenLine xmlns:a14="http://schemas.microsoft.com/office/drawing/2010/main" xmlns:p14="http://schemas.microsoft.com/office/powerpoint/2010/main" xmlns:a16="http://schemas.microsoft.com/office/drawing/2014/main" xmlns="" w="9525">
+                <a14:hiddenLine xmlns="" xmlns:a16="http://schemas.microsoft.com/office/drawing/2014/main" xmlns:p14="http://schemas.microsoft.com/office/powerpoint/2010/main" xmlns:a14="http://schemas.microsoft.com/office/drawing/2010/main" w="9525">
                   <a:solidFill>
                     <a:srgbClr val="000000"/>
                   </a:solidFill>
@@ -17867,7 +17871,7 @@
           <a:noFill/>
           <a:extLst>
             <a:ext uri="{909E8E84-426E-40dd-AFC4-6F175D3DCCD1}">
-              <a14:hiddenFill xmlns:a14="http://schemas.microsoft.com/office/drawing/2010/main" xmlns:p14="http://schemas.microsoft.com/office/powerpoint/2010/main" xmlns:a16="http://schemas.microsoft.com/office/drawing/2014/main" xmlns="">
+              <a14:hiddenFill xmlns="" xmlns:a16="http://schemas.microsoft.com/office/drawing/2014/main" xmlns:p14="http://schemas.microsoft.com/office/powerpoint/2010/main" xmlns:a14="http://schemas.microsoft.com/office/drawing/2010/main">
                 <a:solidFill>
                   <a:srgbClr val="FFFFFF"/>
                 </a:solidFill>
@@ -18164,6 +18168,334 @@
       <p:bldP spid="2" grpId="0"/>
     </p:bldLst>
   </p:timing>
+</p:sld>
+</file>
+
+<file path=ppt/slides/slide10.xml><?xml version="1.0" encoding="utf-8"?>
+<p:sld xmlns:a="http://schemas.openxmlformats.org/drawingml/2006/main" xmlns:r="http://schemas.openxmlformats.org/officeDocument/2006/relationships" xmlns:p="http://schemas.openxmlformats.org/presentationml/2006/main">
+  <p:cSld>
+    <p:spTree>
+      <p:nvGrpSpPr>
+        <p:cNvPr id="1" name=""/>
+        <p:cNvGrpSpPr/>
+        <p:nvPr/>
+      </p:nvGrpSpPr>
+      <p:grpSpPr>
+        <a:xfrm>
+          <a:off x="0" y="0"/>
+          <a:ext cx="0" cy="0"/>
+          <a:chOff x="0" y="0"/>
+          <a:chExt cx="0" cy="0"/>
+        </a:xfrm>
+      </p:grpSpPr>
+      <p:pic>
+        <p:nvPicPr>
+          <p:cNvPr id="5" name="Picture 4">
+            <a:extLst>
+              <a:ext uri="{FF2B5EF4-FFF2-40B4-BE49-F238E27FC236}">
+                <a16:creationId xmlns:a16="http://schemas.microsoft.com/office/drawing/2014/main" id="{4975079A-6AC0-74D8-7831-FFE8CEA34F9C}"/>
+              </a:ext>
+            </a:extLst>
+          </p:cNvPr>
+          <p:cNvPicPr>
+            <a:picLocks noChangeAspect="1"/>
+          </p:cNvPicPr>
+          <p:nvPr/>
+        </p:nvPicPr>
+        <p:blipFill>
+          <a:blip r:embed="rId2"/>
+          <a:stretch>
+            <a:fillRect/>
+          </a:stretch>
+        </p:blipFill>
+        <p:spPr>
+          <a:xfrm>
+            <a:off x="1221180" y="1030919"/>
+            <a:ext cx="9749640" cy="4609482"/>
+          </a:xfrm>
+          <a:prstGeom prst="rect">
+            <a:avLst/>
+          </a:prstGeom>
+        </p:spPr>
+      </p:pic>
+    </p:spTree>
+    <p:extLst>
+      <p:ext uri="{BB962C8B-B14F-4D97-AF65-F5344CB8AC3E}">
+        <p14:creationId xmlns:p14="http://schemas.microsoft.com/office/powerpoint/2010/main" val="3428730580"/>
+      </p:ext>
+    </p:extLst>
+  </p:cSld>
+  <p:clrMapOvr>
+    <a:masterClrMapping/>
+  </p:clrMapOvr>
+</p:sld>
+</file>
+
+<file path=ppt/slides/slide11.xml><?xml version="1.0" encoding="utf-8"?>
+<p:sld xmlns:a="http://schemas.openxmlformats.org/drawingml/2006/main" xmlns:r="http://schemas.openxmlformats.org/officeDocument/2006/relationships" xmlns:p="http://schemas.openxmlformats.org/presentationml/2006/main">
+  <p:cSld>
+    <p:spTree>
+      <p:nvGrpSpPr>
+        <p:cNvPr id="1" name=""/>
+        <p:cNvGrpSpPr/>
+        <p:nvPr/>
+      </p:nvGrpSpPr>
+      <p:grpSpPr>
+        <a:xfrm>
+          <a:off x="0" y="0"/>
+          <a:ext cx="0" cy="0"/>
+          <a:chOff x="0" y="0"/>
+          <a:chExt cx="0" cy="0"/>
+        </a:xfrm>
+      </p:grpSpPr>
+      <p:pic>
+        <p:nvPicPr>
+          <p:cNvPr id="5" name="Picture 4">
+            <a:extLst>
+              <a:ext uri="{FF2B5EF4-FFF2-40B4-BE49-F238E27FC236}">
+                <a16:creationId xmlns:a16="http://schemas.microsoft.com/office/drawing/2014/main" id="{EDBDCB87-0E7D-3238-280A-569000E7B553}"/>
+              </a:ext>
+            </a:extLst>
+          </p:cNvPr>
+          <p:cNvPicPr>
+            <a:picLocks noChangeAspect="1"/>
+          </p:cNvPicPr>
+          <p:nvPr/>
+        </p:nvPicPr>
+        <p:blipFill>
+          <a:blip r:embed="rId2"/>
+          <a:stretch>
+            <a:fillRect/>
+          </a:stretch>
+        </p:blipFill>
+        <p:spPr>
+          <a:xfrm>
+            <a:off x="1521636" y="912237"/>
+            <a:ext cx="9148728" cy="4678938"/>
+          </a:xfrm>
+          <a:prstGeom prst="rect">
+            <a:avLst/>
+          </a:prstGeom>
+        </p:spPr>
+      </p:pic>
+    </p:spTree>
+    <p:extLst>
+      <p:ext uri="{BB962C8B-B14F-4D97-AF65-F5344CB8AC3E}">
+        <p14:creationId xmlns:p14="http://schemas.microsoft.com/office/powerpoint/2010/main" val="3666402262"/>
+      </p:ext>
+    </p:extLst>
+  </p:cSld>
+  <p:clrMapOvr>
+    <a:masterClrMapping/>
+  </p:clrMapOvr>
+</p:sld>
+</file>
+
+<file path=ppt/slides/slide12.xml><?xml version="1.0" encoding="utf-8"?>
+<p:sld xmlns:a="http://schemas.openxmlformats.org/drawingml/2006/main" xmlns:r="http://schemas.openxmlformats.org/officeDocument/2006/relationships" xmlns:p="http://schemas.openxmlformats.org/presentationml/2006/main">
+  <p:cSld>
+    <p:spTree>
+      <p:nvGrpSpPr>
+        <p:cNvPr id="1" name=""/>
+        <p:cNvGrpSpPr/>
+        <p:nvPr/>
+      </p:nvGrpSpPr>
+      <p:grpSpPr>
+        <a:xfrm>
+          <a:off x="0" y="0"/>
+          <a:ext cx="0" cy="0"/>
+          <a:chOff x="0" y="0"/>
+          <a:chExt cx="0" cy="0"/>
+        </a:xfrm>
+      </p:grpSpPr>
+      <p:pic>
+        <p:nvPicPr>
+          <p:cNvPr id="3" name="Picture 2">
+            <a:extLst>
+              <a:ext uri="{FF2B5EF4-FFF2-40B4-BE49-F238E27FC236}">
+                <a16:creationId xmlns:a16="http://schemas.microsoft.com/office/drawing/2014/main" id="{A57B19AD-5824-4B4A-923A-F307025CD464}"/>
+              </a:ext>
+            </a:extLst>
+          </p:cNvPr>
+          <p:cNvPicPr>
+            <a:picLocks noChangeAspect="1"/>
+          </p:cNvPicPr>
+          <p:nvPr/>
+        </p:nvPicPr>
+        <p:blipFill>
+          <a:blip r:embed="rId2"/>
+          <a:stretch>
+            <a:fillRect/>
+          </a:stretch>
+        </p:blipFill>
+        <p:spPr>
+          <a:xfrm>
+            <a:off x="1081275" y="1000330"/>
+            <a:ext cx="10029449" cy="4857340"/>
+          </a:xfrm>
+          <a:prstGeom prst="rect">
+            <a:avLst/>
+          </a:prstGeom>
+        </p:spPr>
+      </p:pic>
+    </p:spTree>
+    <p:extLst>
+      <p:ext uri="{BB962C8B-B14F-4D97-AF65-F5344CB8AC3E}">
+        <p14:creationId xmlns:p14="http://schemas.microsoft.com/office/powerpoint/2010/main" val="4017986455"/>
+      </p:ext>
+    </p:extLst>
+  </p:cSld>
+  <p:clrMapOvr>
+    <a:masterClrMapping/>
+  </p:clrMapOvr>
+</p:sld>
+</file>
+
+<file path=ppt/slides/slide13.xml><?xml version="1.0" encoding="utf-8"?>
+<p:sld xmlns:a="http://schemas.openxmlformats.org/drawingml/2006/main" xmlns:r="http://schemas.openxmlformats.org/officeDocument/2006/relationships" xmlns:p="http://schemas.openxmlformats.org/presentationml/2006/main">
+  <p:cSld>
+    <p:spTree>
+      <p:nvGrpSpPr>
+        <p:cNvPr id="1" name="">
+          <a:extLst>
+            <a:ext uri="{FF2B5EF4-FFF2-40B4-BE49-F238E27FC236}">
+              <a16:creationId xmlns:a16="http://schemas.microsoft.com/office/drawing/2014/main" id="{D393A442-E2AF-AEBD-E819-D15521D0E5DF}"/>
+            </a:ext>
+          </a:extLst>
+        </p:cNvPr>
+        <p:cNvGrpSpPr/>
+        <p:nvPr/>
+      </p:nvGrpSpPr>
+      <p:grpSpPr>
+        <a:xfrm>
+          <a:off x="0" y="0"/>
+          <a:ext cx="0" cy="0"/>
+          <a:chOff x="0" y="0"/>
+          <a:chExt cx="0" cy="0"/>
+        </a:xfrm>
+      </p:grpSpPr>
+      <p:sp>
+        <p:nvSpPr>
+          <p:cNvPr id="5" name="Content Placeholder 6">
+            <a:extLst>
+              <a:ext uri="{FF2B5EF4-FFF2-40B4-BE49-F238E27FC236}">
+                <a16:creationId xmlns:a16="http://schemas.microsoft.com/office/drawing/2014/main" id="{1DE298CE-D31E-D010-A4F5-91AE75098616}"/>
+              </a:ext>
+            </a:extLst>
+          </p:cNvPr>
+          <p:cNvSpPr>
+            <a:spLocks noGrp="1"/>
+          </p:cNvSpPr>
+          <p:nvPr>
+            <p:ph idx="1"/>
+          </p:nvPr>
+        </p:nvSpPr>
+        <p:spPr>
+          <a:xfrm>
+            <a:off x="1143000" y="1432017"/>
+            <a:ext cx="9905999" cy="4547441"/>
+          </a:xfrm>
+        </p:spPr>
+        <p:txBody>
+          <a:bodyPr>
+            <a:normAutofit/>
+          </a:bodyPr>
+          <a:lstStyle/>
+          <a:p>
+            <a:pPr marL="0" indent="0">
+              <a:buNone/>
+            </a:pPr>
+            <a:r>
+              <a:rPr lang="en-IN" dirty="0"/>
+              <a:t>The operators apply to every value of the instant vector.</a:t>
+            </a:r>
+          </a:p>
+          <a:p>
+            <a:pPr marL="0" indent="0">
+              <a:buNone/>
+            </a:pPr>
+            <a:endParaRPr lang="en-IN" dirty="0"/>
+          </a:p>
+          <a:p>
+            <a:pPr marL="0" indent="0">
+              <a:buNone/>
+            </a:pPr>
+            <a:r>
+              <a:rPr lang="en-IN" dirty="0"/>
+              <a:t>If we are performing </a:t>
+            </a:r>
+            <a:r>
+              <a:rPr lang="en-IN" dirty="0" err="1"/>
+              <a:t>Instant_Vector</a:t>
+            </a:r>
+            <a:r>
+              <a:rPr lang="en-IN" dirty="0"/>
+              <a:t> + </a:t>
+            </a:r>
+            <a:r>
+              <a:rPr lang="en-IN" dirty="0" err="1"/>
+              <a:t>Instant_Vector</a:t>
+            </a:r>
+            <a:r>
+              <a:rPr lang="en-IN" dirty="0"/>
+              <a:t> then the operators apply to every value of left vector and its matching value in the right vector.</a:t>
+            </a:r>
+          </a:p>
+        </p:txBody>
+      </p:sp>
+      <p:sp>
+        <p:nvSpPr>
+          <p:cNvPr id="8" name="TextBox 7">
+            <a:extLst>
+              <a:ext uri="{FF2B5EF4-FFF2-40B4-BE49-F238E27FC236}">
+                <a16:creationId xmlns:a16="http://schemas.microsoft.com/office/drawing/2014/main" id="{D8E5DE82-7168-B7A3-E0ED-B10CB720FFAC}"/>
+              </a:ext>
+            </a:extLst>
+          </p:cNvPr>
+          <p:cNvSpPr txBox="1"/>
+          <p:nvPr/>
+        </p:nvSpPr>
+        <p:spPr>
+          <a:xfrm>
+            <a:off x="1141413" y="582706"/>
+            <a:ext cx="8065340" cy="646331"/>
+          </a:xfrm>
+          <a:prstGeom prst="rect">
+            <a:avLst/>
+          </a:prstGeom>
+          <a:noFill/>
+        </p:spPr>
+        <p:txBody>
+          <a:bodyPr wrap="square" rtlCol="0">
+            <a:spAutoFit/>
+          </a:bodyPr>
+          <a:lstStyle/>
+          <a:p>
+            <a:r>
+              <a:rPr lang="en-IN" sz="3600" b="1" dirty="0">
+                <a:effectLst>
+                  <a:outerShdw blurRad="38100" dist="38100" dir="2700000" algn="tl">
+                    <a:srgbClr val="000000">
+                      <a:alpha val="43137"/>
+                    </a:srgbClr>
+                  </a:outerShdw>
+                </a:effectLst>
+              </a:rPr>
+              <a:t>Operators</a:t>
+            </a:r>
+          </a:p>
+        </p:txBody>
+      </p:sp>
+    </p:spTree>
+    <p:extLst>
+      <p:ext uri="{BB962C8B-B14F-4D97-AF65-F5344CB8AC3E}">
+        <p14:creationId xmlns:p14="http://schemas.microsoft.com/office/powerpoint/2010/main" val="210603360"/>
+      </p:ext>
+    </p:extLst>
+  </p:cSld>
+  <p:clrMapOvr>
+    <a:masterClrMapping/>
+  </p:clrMapOvr>
 </p:sld>
 </file>
 
@@ -18617,6 +18949,15 @@
             <a:r>
               <a:rPr lang="en-IN" dirty="0"/>
               <a:t>Prometheus is an open-source technology designed to provide monitoring and alerting functionality for cloud-native environments, including Kubernetes. It can collect and store metrics as time-series data, recording information with a timestamp.</a:t>
+            </a:r>
+          </a:p>
+          <a:p>
+            <a:pPr marL="0" indent="0">
+              <a:buNone/>
+            </a:pPr>
+            <a:r>
+              <a:rPr lang="en-IN" dirty="0"/>
+              <a:t>The series that maps a timestamp to recorded data is called a timeseries</a:t>
             </a:r>
           </a:p>
           <a:p>
@@ -19232,7 +19573,94 @@
             <a:pPr marL="0" indent="0">
               <a:buNone/>
             </a:pPr>
-            <a:endParaRPr lang="en-IN" dirty="0"/>
+            <a:r>
+              <a:rPr lang="en-IN" dirty="0"/>
+              <a:t>Scalar Data Type</a:t>
+            </a:r>
+          </a:p>
+          <a:p>
+            <a:pPr lvl="1">
+              <a:buFont typeface="Courier New" panose="02070309020205020404" pitchFamily="49" charset="0"/>
+              <a:buChar char="o"/>
+            </a:pPr>
+            <a:r>
+              <a:rPr lang="en-IN" dirty="0"/>
+              <a:t>Float</a:t>
+            </a:r>
+          </a:p>
+          <a:p>
+            <a:pPr lvl="1">
+              <a:buFont typeface="Courier New" panose="02070309020205020404" pitchFamily="49" charset="0"/>
+              <a:buChar char="o"/>
+            </a:pPr>
+            <a:r>
+              <a:rPr lang="en-IN" dirty="0"/>
+              <a:t>String</a:t>
+            </a:r>
+          </a:p>
+          <a:p>
+            <a:pPr marL="0" indent="0">
+              <a:buNone/>
+            </a:pPr>
+            <a:r>
+              <a:rPr lang="en-IN" dirty="0"/>
+              <a:t>Instant Vectors</a:t>
+            </a:r>
+          </a:p>
+          <a:p>
+            <a:pPr lvl="1">
+              <a:buFont typeface="Wingdings" panose="05000000000000000000" pitchFamily="2" charset="2"/>
+              <a:buChar char="Ø"/>
+            </a:pPr>
+            <a:r>
+              <a:rPr lang="en-IN" dirty="0"/>
+              <a:t> Instant vector selectors are used to select an instant in time for the metrics values, it uses the latest ( or last scrapped ) value for each metric. </a:t>
+            </a:r>
+          </a:p>
+          <a:p>
+            <a:pPr marL="0" indent="0">
+              <a:buNone/>
+            </a:pPr>
+            <a:r>
+              <a:rPr lang="en-IN" dirty="0"/>
+              <a:t>Range Vectors</a:t>
+            </a:r>
+          </a:p>
+          <a:p>
+            <a:pPr lvl="1">
+              <a:buFont typeface="Wingdings" panose="05000000000000000000" pitchFamily="2" charset="2"/>
+              <a:buChar char="Ø"/>
+            </a:pPr>
+            <a:r>
+              <a:rPr lang="en-IN" dirty="0"/>
+              <a:t> These are similar to instant vectors but instead of a single sample we get a range of samples.</a:t>
+            </a:r>
+          </a:p>
+          <a:p>
+            <a:pPr lvl="2">
+              <a:buFont typeface="Wingdings" panose="05000000000000000000" pitchFamily="2" charset="2"/>
+              <a:buChar char="q"/>
+            </a:pPr>
+            <a:r>
+              <a:rPr lang="en-IN" dirty="0"/>
+              <a:t> Syntax: </a:t>
+            </a:r>
+            <a:r>
+              <a:rPr lang="en-IN" dirty="0" err="1"/>
+              <a:t>label_name</a:t>
+            </a:r>
+            <a:r>
+              <a:rPr lang="en-IN" dirty="0"/>
+              <a:t>[</a:t>
+            </a:r>
+            <a:r>
+              <a:rPr lang="en-IN" dirty="0" err="1"/>
+              <a:t>time_spec</a:t>
+            </a:r>
+            <a:r>
+              <a:rPr lang="en-IN" dirty="0"/>
+              <a:t>]</a:t>
+            </a:r>
           </a:p>
         </p:txBody>
       </p:sp>

--- a/Prometheus.pptx
+++ b/Prometheus.pptx
@@ -18,6 +18,9 @@
     <p:sldId id="266" r:id="rId12"/>
     <p:sldId id="267" r:id="rId13"/>
     <p:sldId id="268" r:id="rId14"/>
+    <p:sldId id="269" r:id="rId15"/>
+    <p:sldId id="270" r:id="rId16"/>
+    <p:sldId id="271" r:id="rId17"/>
   </p:sldIdLst>
   <p:sldSz cx="12192000" cy="6858000"/>
   <p:notesSz cx="6858000" cy="9144000"/>
@@ -181,7 +184,7 @@
           <a:noFill/>
           <a:extLst>
             <a:ext uri="{909E8E84-426E-40dd-AFC4-6F175D3DCCD1}">
-              <a14:hiddenFill xmlns:a14="http://schemas.microsoft.com/office/drawing/2010/main" xmlns="">
+              <a14:hiddenFill xmlns="" xmlns:a14="http://schemas.microsoft.com/office/drawing/2010/main">
                 <a:solidFill>
                   <a:srgbClr val="FFFFFF"/>
                 </a:solidFill>
@@ -240,7 +243,7 @@
             </a:ln>
             <a:extLst>
               <a:ext uri="{91240B29-F687-4f45-9708-019B960494DF}">
-                <a14:hiddenLine xmlns:a14="http://schemas.microsoft.com/office/drawing/2010/main" xmlns="" w="9525">
+                <a14:hiddenLine xmlns="" xmlns:a14="http://schemas.microsoft.com/office/drawing/2010/main" w="9525">
                   <a:solidFill>
                     <a:srgbClr val="000000"/>
                   </a:solidFill>
@@ -330,7 +333,7 @@
             </a:ln>
             <a:extLst>
               <a:ext uri="{91240B29-F687-4f45-9708-019B960494DF}">
-                <a14:hiddenLine xmlns:a14="http://schemas.microsoft.com/office/drawing/2010/main" xmlns="" w="9525">
+                <a14:hiddenLine xmlns="" xmlns:a14="http://schemas.microsoft.com/office/drawing/2010/main" w="9525">
                   <a:solidFill>
                     <a:srgbClr val="000000"/>
                   </a:solidFill>
@@ -420,7 +423,7 @@
             </a:ln>
             <a:extLst>
               <a:ext uri="{91240B29-F687-4f45-9708-019B960494DF}">
-                <a14:hiddenLine xmlns:a14="http://schemas.microsoft.com/office/drawing/2010/main" xmlns="" w="9525">
+                <a14:hiddenLine xmlns="" xmlns:a14="http://schemas.microsoft.com/office/drawing/2010/main" w="9525">
                   <a:solidFill>
                     <a:srgbClr val="000000"/>
                   </a:solidFill>
@@ -454,7 +457,7 @@
             </a:ln>
             <a:extLst>
               <a:ext uri="{91240B29-F687-4f45-9708-019B960494DF}">
-                <a14:hiddenLine xmlns:a14="http://schemas.microsoft.com/office/drawing/2010/main" xmlns="" w="9525">
+                <a14:hiddenLine xmlns="" xmlns:a14="http://schemas.microsoft.com/office/drawing/2010/main" w="9525">
                   <a:solidFill>
                     <a:srgbClr val="000000"/>
                   </a:solidFill>
@@ -544,7 +547,7 @@
             </a:ln>
             <a:extLst>
               <a:ext uri="{91240B29-F687-4f45-9708-019B960494DF}">
-                <a14:hiddenLine xmlns:a14="http://schemas.microsoft.com/office/drawing/2010/main" xmlns="" w="9525">
+                <a14:hiddenLine xmlns="" xmlns:a14="http://schemas.microsoft.com/office/drawing/2010/main" w="9525">
                   <a:solidFill>
                     <a:srgbClr val="000000"/>
                   </a:solidFill>
@@ -606,7 +609,7 @@
             </a:ln>
             <a:extLst>
               <a:ext uri="{91240B29-F687-4f45-9708-019B960494DF}">
-                <a14:hiddenLine xmlns:a14="http://schemas.microsoft.com/office/drawing/2010/main" xmlns="" w="9525">
+                <a14:hiddenLine xmlns="" xmlns:a14="http://schemas.microsoft.com/office/drawing/2010/main" w="9525">
                   <a:solidFill>
                     <a:srgbClr val="000000"/>
                   </a:solidFill>
@@ -668,7 +671,7 @@
             </a:ln>
             <a:extLst>
               <a:ext uri="{91240B29-F687-4f45-9708-019B960494DF}">
-                <a14:hiddenLine xmlns:a14="http://schemas.microsoft.com/office/drawing/2010/main" xmlns="" w="9525">
+                <a14:hiddenLine xmlns="" xmlns:a14="http://schemas.microsoft.com/office/drawing/2010/main" w="9525">
                   <a:solidFill>
                     <a:srgbClr val="000000"/>
                   </a:solidFill>
@@ -758,7 +761,7 @@
             </a:ln>
             <a:extLst>
               <a:ext uri="{91240B29-F687-4f45-9708-019B960494DF}">
-                <a14:hiddenLine xmlns:a14="http://schemas.microsoft.com/office/drawing/2010/main" xmlns="" w="9525">
+                <a14:hiddenLine xmlns="" xmlns:a14="http://schemas.microsoft.com/office/drawing/2010/main" w="9525">
                   <a:solidFill>
                     <a:srgbClr val="000000"/>
                   </a:solidFill>
@@ -820,7 +823,7 @@
             </a:ln>
             <a:extLst>
               <a:ext uri="{91240B29-F687-4f45-9708-019B960494DF}">
-                <a14:hiddenLine xmlns:a14="http://schemas.microsoft.com/office/drawing/2010/main" xmlns="" w="9525">
+                <a14:hiddenLine xmlns="" xmlns:a14="http://schemas.microsoft.com/office/drawing/2010/main" w="9525">
                   <a:solidFill>
                     <a:srgbClr val="000000"/>
                   </a:solidFill>
@@ -882,7 +885,7 @@
             </a:ln>
             <a:extLst>
               <a:ext uri="{91240B29-F687-4f45-9708-019B960494DF}">
-                <a14:hiddenLine xmlns:a14="http://schemas.microsoft.com/office/drawing/2010/main" xmlns="" w="9525">
+                <a14:hiddenLine xmlns="" xmlns:a14="http://schemas.microsoft.com/office/drawing/2010/main" w="9525">
                   <a:solidFill>
                     <a:srgbClr val="000000"/>
                   </a:solidFill>
@@ -972,7 +975,7 @@
             </a:ln>
             <a:extLst>
               <a:ext uri="{91240B29-F687-4f45-9708-019B960494DF}">
-                <a14:hiddenLine xmlns:a14="http://schemas.microsoft.com/office/drawing/2010/main" xmlns="" w="9525">
+                <a14:hiddenLine xmlns="" xmlns:a14="http://schemas.microsoft.com/office/drawing/2010/main" w="9525">
                   <a:solidFill>
                     <a:srgbClr val="000000"/>
                   </a:solidFill>
@@ -1062,7 +1065,7 @@
             </a:ln>
             <a:extLst>
               <a:ext uri="{91240B29-F687-4f45-9708-019B960494DF}">
-                <a14:hiddenLine xmlns:a14="http://schemas.microsoft.com/office/drawing/2010/main" xmlns="" w="9525">
+                <a14:hiddenLine xmlns="" xmlns:a14="http://schemas.microsoft.com/office/drawing/2010/main" w="9525">
                   <a:solidFill>
                     <a:srgbClr val="000000"/>
                   </a:solidFill>
@@ -1124,7 +1127,7 @@
             </a:ln>
             <a:extLst>
               <a:ext uri="{91240B29-F687-4f45-9708-019B960494DF}">
-                <a14:hiddenLine xmlns:a14="http://schemas.microsoft.com/office/drawing/2010/main" xmlns="" w="9525">
+                <a14:hiddenLine xmlns="" xmlns:a14="http://schemas.microsoft.com/office/drawing/2010/main" w="9525">
                   <a:solidFill>
                     <a:srgbClr val="000000"/>
                   </a:solidFill>
@@ -1234,7 +1237,7 @@
             </a:ln>
             <a:extLst>
               <a:ext uri="{91240B29-F687-4f45-9708-019B960494DF}">
-                <a14:hiddenLine xmlns:a14="http://schemas.microsoft.com/office/drawing/2010/main" xmlns="" w="9525">
+                <a14:hiddenLine xmlns="" xmlns:a14="http://schemas.microsoft.com/office/drawing/2010/main" w="9525">
                   <a:solidFill>
                     <a:srgbClr val="000000"/>
                   </a:solidFill>
@@ -1296,7 +1299,7 @@
             </a:ln>
             <a:extLst>
               <a:ext uri="{91240B29-F687-4f45-9708-019B960494DF}">
-                <a14:hiddenLine xmlns:a14="http://schemas.microsoft.com/office/drawing/2010/main" xmlns="" w="9525">
+                <a14:hiddenLine xmlns="" xmlns:a14="http://schemas.microsoft.com/office/drawing/2010/main" w="9525">
                   <a:solidFill>
                     <a:srgbClr val="000000"/>
                   </a:solidFill>
@@ -1386,7 +1389,7 @@
             </a:ln>
             <a:extLst>
               <a:ext uri="{91240B29-F687-4f45-9708-019B960494DF}">
-                <a14:hiddenLine xmlns:a14="http://schemas.microsoft.com/office/drawing/2010/main" xmlns="" w="9525">
+                <a14:hiddenLine xmlns="" xmlns:a14="http://schemas.microsoft.com/office/drawing/2010/main" w="9525">
                   <a:solidFill>
                     <a:srgbClr val="000000"/>
                   </a:solidFill>
@@ -1476,7 +1479,7 @@
             </a:ln>
             <a:extLst>
               <a:ext uri="{91240B29-F687-4f45-9708-019B960494DF}">
-                <a14:hiddenLine xmlns:a14="http://schemas.microsoft.com/office/drawing/2010/main" xmlns="" w="9525">
+                <a14:hiddenLine xmlns="" xmlns:a14="http://schemas.microsoft.com/office/drawing/2010/main" w="9525">
                   <a:solidFill>
                     <a:srgbClr val="000000"/>
                   </a:solidFill>
@@ -1538,7 +1541,7 @@
             </a:ln>
             <a:extLst>
               <a:ext uri="{91240B29-F687-4f45-9708-019B960494DF}">
-                <a14:hiddenLine xmlns:a14="http://schemas.microsoft.com/office/drawing/2010/main" xmlns="" w="9525">
+                <a14:hiddenLine xmlns="" xmlns:a14="http://schemas.microsoft.com/office/drawing/2010/main" w="9525">
                   <a:solidFill>
                     <a:srgbClr val="000000"/>
                   </a:solidFill>
@@ -1628,7 +1631,7 @@
             </a:ln>
             <a:extLst>
               <a:ext uri="{91240B29-F687-4f45-9708-019B960494DF}">
-                <a14:hiddenLine xmlns:a14="http://schemas.microsoft.com/office/drawing/2010/main" xmlns="" w="9525">
+                <a14:hiddenLine xmlns="" xmlns:a14="http://schemas.microsoft.com/office/drawing/2010/main" w="9525">
                   <a:solidFill>
                     <a:srgbClr val="000000"/>
                   </a:solidFill>
@@ -1718,7 +1721,7 @@
             </a:ln>
             <a:extLst>
               <a:ext uri="{91240B29-F687-4f45-9708-019B960494DF}">
-                <a14:hiddenLine xmlns:a14="http://schemas.microsoft.com/office/drawing/2010/main" xmlns="" w="9525">
+                <a14:hiddenLine xmlns="" xmlns:a14="http://schemas.microsoft.com/office/drawing/2010/main" w="9525">
                   <a:solidFill>
                     <a:srgbClr val="000000"/>
                   </a:solidFill>
@@ -1774,7 +1777,7 @@
             </a:ln>
             <a:extLst>
               <a:ext uri="{91240B29-F687-4f45-9708-019B960494DF}">
-                <a14:hiddenLine xmlns:a14="http://schemas.microsoft.com/office/drawing/2010/main" xmlns="" w="9525">
+                <a14:hiddenLine xmlns="" xmlns:a14="http://schemas.microsoft.com/office/drawing/2010/main" w="9525">
                   <a:solidFill>
                     <a:srgbClr val="000000"/>
                   </a:solidFill>
@@ -1864,7 +1867,7 @@
             </a:ln>
             <a:extLst>
               <a:ext uri="{91240B29-F687-4f45-9708-019B960494DF}">
-                <a14:hiddenLine xmlns:a14="http://schemas.microsoft.com/office/drawing/2010/main" xmlns="" w="9525">
+                <a14:hiddenLine xmlns="" xmlns:a14="http://schemas.microsoft.com/office/drawing/2010/main" w="9525">
                   <a:solidFill>
                     <a:srgbClr val="000000"/>
                   </a:solidFill>
@@ -1920,7 +1923,7 @@
             </a:ln>
             <a:extLst>
               <a:ext uri="{91240B29-F687-4f45-9708-019B960494DF}">
-                <a14:hiddenLine xmlns:a14="http://schemas.microsoft.com/office/drawing/2010/main" xmlns="" w="9525">
+                <a14:hiddenLine xmlns="" xmlns:a14="http://schemas.microsoft.com/office/drawing/2010/main" w="9525">
                   <a:solidFill>
                     <a:srgbClr val="000000"/>
                   </a:solidFill>
@@ -2010,7 +2013,7 @@
             </a:ln>
             <a:extLst>
               <a:ext uri="{91240B29-F687-4f45-9708-019B960494DF}">
-                <a14:hiddenLine xmlns:a14="http://schemas.microsoft.com/office/drawing/2010/main" xmlns="" w="9525">
+                <a14:hiddenLine xmlns="" xmlns:a14="http://schemas.microsoft.com/office/drawing/2010/main" w="9525">
                   <a:solidFill>
                     <a:srgbClr val="000000"/>
                   </a:solidFill>
@@ -2078,7 +2081,7 @@
             </a:ln>
             <a:extLst>
               <a:ext uri="{91240B29-F687-4f45-9708-019B960494DF}">
-                <a14:hiddenLine xmlns:a14="http://schemas.microsoft.com/office/drawing/2010/main" xmlns="" w="9525">
+                <a14:hiddenLine xmlns="" xmlns:a14="http://schemas.microsoft.com/office/drawing/2010/main" w="9525">
                   <a:solidFill>
                     <a:srgbClr val="000000"/>
                   </a:solidFill>
@@ -2168,7 +2171,7 @@
             </a:ln>
             <a:extLst>
               <a:ext uri="{91240B29-F687-4f45-9708-019B960494DF}">
-                <a14:hiddenLine xmlns:a14="http://schemas.microsoft.com/office/drawing/2010/main" xmlns="" w="9525">
+                <a14:hiddenLine xmlns="" xmlns:a14="http://schemas.microsoft.com/office/drawing/2010/main" w="9525">
                   <a:solidFill>
                     <a:srgbClr val="000000"/>
                   </a:solidFill>
@@ -2236,7 +2239,7 @@
             </a:ln>
             <a:extLst>
               <a:ext uri="{91240B29-F687-4f45-9708-019B960494DF}">
-                <a14:hiddenLine xmlns:a14="http://schemas.microsoft.com/office/drawing/2010/main" xmlns="" w="9525">
+                <a14:hiddenLine xmlns="" xmlns:a14="http://schemas.microsoft.com/office/drawing/2010/main" w="9525">
                   <a:solidFill>
                     <a:srgbClr val="000000"/>
                   </a:solidFill>
@@ -2326,7 +2329,7 @@
             </a:ln>
             <a:extLst>
               <a:ext uri="{91240B29-F687-4f45-9708-019B960494DF}">
-                <a14:hiddenLine xmlns:a14="http://schemas.microsoft.com/office/drawing/2010/main" xmlns="" w="9525">
+                <a14:hiddenLine xmlns="" xmlns:a14="http://schemas.microsoft.com/office/drawing/2010/main" w="9525">
                   <a:solidFill>
                     <a:srgbClr val="000000"/>
                   </a:solidFill>
@@ -2360,7 +2363,7 @@
             </a:ln>
             <a:extLst>
               <a:ext uri="{91240B29-F687-4f45-9708-019B960494DF}">
-                <a14:hiddenLine xmlns:a14="http://schemas.microsoft.com/office/drawing/2010/main" xmlns="" w="9525">
+                <a14:hiddenLine xmlns="" xmlns:a14="http://schemas.microsoft.com/office/drawing/2010/main" w="9525">
                   <a:solidFill>
                     <a:srgbClr val="000000"/>
                   </a:solidFill>
@@ -2450,7 +2453,7 @@
             </a:ln>
             <a:extLst>
               <a:ext uri="{91240B29-F687-4f45-9708-019B960494DF}">
-                <a14:hiddenLine xmlns:a14="http://schemas.microsoft.com/office/drawing/2010/main" xmlns="" w="9525">
+                <a14:hiddenLine xmlns="" xmlns:a14="http://schemas.microsoft.com/office/drawing/2010/main" w="9525">
                   <a:solidFill>
                     <a:srgbClr val="000000"/>
                   </a:solidFill>
@@ -2512,7 +2515,7 @@
             </a:ln>
             <a:extLst>
               <a:ext uri="{91240B29-F687-4f45-9708-019B960494DF}">
-                <a14:hiddenLine xmlns:a14="http://schemas.microsoft.com/office/drawing/2010/main" xmlns="" w="9525">
+                <a14:hiddenLine xmlns="" xmlns:a14="http://schemas.microsoft.com/office/drawing/2010/main" w="9525">
                   <a:solidFill>
                     <a:srgbClr val="000000"/>
                   </a:solidFill>
@@ -2574,7 +2577,7 @@
             </a:ln>
             <a:extLst>
               <a:ext uri="{91240B29-F687-4f45-9708-019B960494DF}">
-                <a14:hiddenLine xmlns:a14="http://schemas.microsoft.com/office/drawing/2010/main" xmlns="" w="9525">
+                <a14:hiddenLine xmlns="" xmlns:a14="http://schemas.microsoft.com/office/drawing/2010/main" w="9525">
                   <a:solidFill>
                     <a:srgbClr val="000000"/>
                   </a:solidFill>
@@ -2664,7 +2667,7 @@
             </a:ln>
             <a:extLst>
               <a:ext uri="{91240B29-F687-4f45-9708-019B960494DF}">
-                <a14:hiddenLine xmlns:a14="http://schemas.microsoft.com/office/drawing/2010/main" xmlns="" w="9525">
+                <a14:hiddenLine xmlns="" xmlns:a14="http://schemas.microsoft.com/office/drawing/2010/main" w="9525">
                   <a:solidFill>
                     <a:srgbClr val="000000"/>
                   </a:solidFill>
@@ -2732,7 +2735,7 @@
             </a:ln>
             <a:extLst>
               <a:ext uri="{91240B29-F687-4f45-9708-019B960494DF}">
-                <a14:hiddenLine xmlns:a14="http://schemas.microsoft.com/office/drawing/2010/main" xmlns="" w="9525">
+                <a14:hiddenLine xmlns="" xmlns:a14="http://schemas.microsoft.com/office/drawing/2010/main" w="9525">
                   <a:solidFill>
                     <a:srgbClr val="000000"/>
                   </a:solidFill>
@@ -2794,7 +2797,7 @@
             </a:ln>
             <a:extLst>
               <a:ext uri="{91240B29-F687-4f45-9708-019B960494DF}">
-                <a14:hiddenLine xmlns:a14="http://schemas.microsoft.com/office/drawing/2010/main" xmlns="" w="9525">
+                <a14:hiddenLine xmlns="" xmlns:a14="http://schemas.microsoft.com/office/drawing/2010/main" w="9525">
                   <a:solidFill>
                     <a:srgbClr val="000000"/>
                   </a:solidFill>
@@ -2884,7 +2887,7 @@
             </a:ln>
             <a:extLst>
               <a:ext uri="{91240B29-F687-4f45-9708-019B960494DF}">
-                <a14:hiddenLine xmlns:a14="http://schemas.microsoft.com/office/drawing/2010/main" xmlns="" w="9525">
+                <a14:hiddenLine xmlns="" xmlns:a14="http://schemas.microsoft.com/office/drawing/2010/main" w="9525">
                   <a:solidFill>
                     <a:srgbClr val="000000"/>
                   </a:solidFill>
@@ -2946,7 +2949,7 @@
             </a:ln>
             <a:extLst>
               <a:ext uri="{91240B29-F687-4f45-9708-019B960494DF}">
-                <a14:hiddenLine xmlns:a14="http://schemas.microsoft.com/office/drawing/2010/main" xmlns="" w="9525">
+                <a14:hiddenLine xmlns="" xmlns:a14="http://schemas.microsoft.com/office/drawing/2010/main" w="9525">
                   <a:solidFill>
                     <a:srgbClr val="000000"/>
                   </a:solidFill>
@@ -3036,7 +3039,7 @@
             </a:ln>
             <a:extLst>
               <a:ext uri="{91240B29-F687-4f45-9708-019B960494DF}">
-                <a14:hiddenLine xmlns:a14="http://schemas.microsoft.com/office/drawing/2010/main" xmlns="" w="9525">
+                <a14:hiddenLine xmlns="" xmlns:a14="http://schemas.microsoft.com/office/drawing/2010/main" w="9525">
                   <a:solidFill>
                     <a:srgbClr val="000000"/>
                   </a:solidFill>
@@ -3098,7 +3101,7 @@
             </a:ln>
             <a:extLst>
               <a:ext uri="{91240B29-F687-4f45-9708-019B960494DF}">
-                <a14:hiddenLine xmlns:a14="http://schemas.microsoft.com/office/drawing/2010/main" xmlns="" w="9525">
+                <a14:hiddenLine xmlns="" xmlns:a14="http://schemas.microsoft.com/office/drawing/2010/main" w="9525">
                   <a:solidFill>
                     <a:srgbClr val="000000"/>
                   </a:solidFill>
@@ -3188,7 +3191,7 @@
             </a:ln>
             <a:extLst>
               <a:ext uri="{91240B29-F687-4f45-9708-019B960494DF}">
-                <a14:hiddenLine xmlns:a14="http://schemas.microsoft.com/office/drawing/2010/main" xmlns="" w="9525">
+                <a14:hiddenLine xmlns="" xmlns:a14="http://schemas.microsoft.com/office/drawing/2010/main" w="9525">
                   <a:solidFill>
                     <a:srgbClr val="000000"/>
                   </a:solidFill>
@@ -3222,7 +3225,7 @@
             </a:ln>
             <a:extLst>
               <a:ext uri="{91240B29-F687-4f45-9708-019B960494DF}">
-                <a14:hiddenLine xmlns:a14="http://schemas.microsoft.com/office/drawing/2010/main" xmlns="" w="9525">
+                <a14:hiddenLine xmlns="" xmlns:a14="http://schemas.microsoft.com/office/drawing/2010/main" w="9525">
                   <a:solidFill>
                     <a:srgbClr val="000000"/>
                   </a:solidFill>
@@ -3287,7 +3290,7 @@
             </a:ln>
             <a:extLst>
               <a:ext uri="{91240B29-F687-4f45-9708-019B960494DF}">
-                <a14:hiddenLine xmlns:a14="http://schemas.microsoft.com/office/drawing/2010/main" xmlns="" w="9525">
+                <a14:hiddenLine xmlns="" xmlns:a14="http://schemas.microsoft.com/office/drawing/2010/main" w="9525">
                   <a:solidFill>
                     <a:srgbClr val="000000"/>
                   </a:solidFill>
@@ -3377,7 +3380,7 @@
             </a:ln>
             <a:extLst>
               <a:ext uri="{91240B29-F687-4f45-9708-019B960494DF}">
-                <a14:hiddenLine xmlns:a14="http://schemas.microsoft.com/office/drawing/2010/main" xmlns="" w="9525">
+                <a14:hiddenLine xmlns="" xmlns:a14="http://schemas.microsoft.com/office/drawing/2010/main" w="9525">
                   <a:solidFill>
                     <a:srgbClr val="000000"/>
                   </a:solidFill>
@@ -3439,7 +3442,7 @@
             </a:ln>
             <a:extLst>
               <a:ext uri="{91240B29-F687-4f45-9708-019B960494DF}">
-                <a14:hiddenLine xmlns:a14="http://schemas.microsoft.com/office/drawing/2010/main" xmlns="" w="9525">
+                <a14:hiddenLine xmlns="" xmlns:a14="http://schemas.microsoft.com/office/drawing/2010/main" w="9525">
                   <a:solidFill>
                     <a:srgbClr val="000000"/>
                   </a:solidFill>
@@ -3529,7 +3532,7 @@
             </a:ln>
             <a:extLst>
               <a:ext uri="{91240B29-F687-4f45-9708-019B960494DF}">
-                <a14:hiddenLine xmlns:a14="http://schemas.microsoft.com/office/drawing/2010/main" xmlns="" w="9525">
+                <a14:hiddenLine xmlns="" xmlns:a14="http://schemas.microsoft.com/office/drawing/2010/main" w="9525">
                   <a:solidFill>
                     <a:srgbClr val="000000"/>
                   </a:solidFill>
@@ -3619,7 +3622,7 @@
             </a:ln>
             <a:extLst>
               <a:ext uri="{91240B29-F687-4f45-9708-019B960494DF}">
-                <a14:hiddenLine xmlns:a14="http://schemas.microsoft.com/office/drawing/2010/main" xmlns="" w="9525">
+                <a14:hiddenLine xmlns="" xmlns:a14="http://schemas.microsoft.com/office/drawing/2010/main" w="9525">
                   <a:solidFill>
                     <a:srgbClr val="000000"/>
                   </a:solidFill>
@@ -3684,7 +3687,7 @@
             </a:ln>
             <a:extLst>
               <a:ext uri="{91240B29-F687-4f45-9708-019B960494DF}">
-                <a14:hiddenLine xmlns:a14="http://schemas.microsoft.com/office/drawing/2010/main" xmlns="" w="9525">
+                <a14:hiddenLine xmlns="" xmlns:a14="http://schemas.microsoft.com/office/drawing/2010/main" w="9525">
                   <a:solidFill>
                     <a:srgbClr val="000000"/>
                   </a:solidFill>
@@ -3746,7 +3749,7 @@
             </a:ln>
             <a:extLst>
               <a:ext uri="{91240B29-F687-4f45-9708-019B960494DF}">
-                <a14:hiddenLine xmlns:a14="http://schemas.microsoft.com/office/drawing/2010/main" xmlns="" w="9525">
+                <a14:hiddenLine xmlns="" xmlns:a14="http://schemas.microsoft.com/office/drawing/2010/main" w="9525">
                   <a:solidFill>
                     <a:srgbClr val="000000"/>
                   </a:solidFill>
@@ -3836,7 +3839,7 @@
             </a:ln>
             <a:extLst>
               <a:ext uri="{91240B29-F687-4f45-9708-019B960494DF}">
-                <a14:hiddenLine xmlns:a14="http://schemas.microsoft.com/office/drawing/2010/main" xmlns="" w="9525">
+                <a14:hiddenLine xmlns="" xmlns:a14="http://schemas.microsoft.com/office/drawing/2010/main" w="9525">
                   <a:solidFill>
                     <a:srgbClr val="000000"/>
                   </a:solidFill>
@@ -3926,7 +3929,7 @@
             </a:ln>
             <a:extLst>
               <a:ext uri="{91240B29-F687-4f45-9708-019B960494DF}">
-                <a14:hiddenLine xmlns:a14="http://schemas.microsoft.com/office/drawing/2010/main" xmlns="" w="9525">
+                <a14:hiddenLine xmlns="" xmlns:a14="http://schemas.microsoft.com/office/drawing/2010/main" w="9525">
                   <a:solidFill>
                     <a:srgbClr val="000000"/>
                   </a:solidFill>
@@ -3988,7 +3991,7 @@
             </a:ln>
             <a:extLst>
               <a:ext uri="{91240B29-F687-4f45-9708-019B960494DF}">
-                <a14:hiddenLine xmlns:a14="http://schemas.microsoft.com/office/drawing/2010/main" xmlns="" w="9525">
+                <a14:hiddenLine xmlns="" xmlns:a14="http://schemas.microsoft.com/office/drawing/2010/main" w="9525">
                   <a:solidFill>
                     <a:srgbClr val="000000"/>
                   </a:solidFill>
@@ -4108,7 +4111,7 @@
             </a:ln>
             <a:extLst>
               <a:ext uri="{91240B29-F687-4f45-9708-019B960494DF}">
-                <a14:hiddenLine xmlns:a14="http://schemas.microsoft.com/office/drawing/2010/main" xmlns="" w="9525">
+                <a14:hiddenLine xmlns="" xmlns:a14="http://schemas.microsoft.com/office/drawing/2010/main" w="9525">
                   <a:solidFill>
                     <a:srgbClr val="000000"/>
                   </a:solidFill>
@@ -4176,7 +4179,7 @@
             </a:ln>
             <a:extLst>
               <a:ext uri="{91240B29-F687-4f45-9708-019B960494DF}">
-                <a14:hiddenLine xmlns:a14="http://schemas.microsoft.com/office/drawing/2010/main" xmlns="" w="9525">
+                <a14:hiddenLine xmlns="" xmlns:a14="http://schemas.microsoft.com/office/drawing/2010/main" w="9525">
                   <a:solidFill>
                     <a:srgbClr val="000000"/>
                   </a:solidFill>
@@ -4266,7 +4269,7 @@
             </a:ln>
             <a:extLst>
               <a:ext uri="{91240B29-F687-4f45-9708-019B960494DF}">
-                <a14:hiddenLine xmlns:a14="http://schemas.microsoft.com/office/drawing/2010/main" xmlns="" w="9525">
+                <a14:hiddenLine xmlns="" xmlns:a14="http://schemas.microsoft.com/office/drawing/2010/main" w="9525">
                   <a:solidFill>
                     <a:srgbClr val="000000"/>
                   </a:solidFill>
@@ -9080,7 +9083,7 @@
           <a:noFill/>
           <a:extLst>
             <a:ext uri="{909E8E84-426E-40dd-AFC4-6F175D3DCCD1}">
-              <a14:hiddenFill xmlns:a14="http://schemas.microsoft.com/office/drawing/2010/main" xmlns="">
+              <a14:hiddenFill xmlns="" xmlns:a14="http://schemas.microsoft.com/office/drawing/2010/main">
                 <a:solidFill>
                   <a:srgbClr val="FFFFFF"/>
                 </a:solidFill>
@@ -9154,7 +9157,7 @@
               </a:ln>
               <a:extLst>
                 <a:ext uri="{91240B29-F687-4f45-9708-019B960494DF}">
-                  <a14:hiddenLine xmlns:a14="http://schemas.microsoft.com/office/drawing/2010/main" xmlns="" w="9525">
+                  <a14:hiddenLine xmlns="" xmlns:a14="http://schemas.microsoft.com/office/drawing/2010/main" w="9525">
                     <a:solidFill>
                       <a:srgbClr val="000000"/>
                     </a:solidFill>
@@ -9244,7 +9247,7 @@
               </a:ln>
               <a:extLst>
                 <a:ext uri="{91240B29-F687-4f45-9708-019B960494DF}">
-                  <a14:hiddenLine xmlns:a14="http://schemas.microsoft.com/office/drawing/2010/main" xmlns="" w="9525">
+                  <a14:hiddenLine xmlns="" xmlns:a14="http://schemas.microsoft.com/office/drawing/2010/main" w="9525">
                     <a:solidFill>
                       <a:srgbClr val="000000"/>
                     </a:solidFill>
@@ -9334,7 +9337,7 @@
               </a:ln>
               <a:extLst>
                 <a:ext uri="{91240B29-F687-4f45-9708-019B960494DF}">
-                  <a14:hiddenLine xmlns:a14="http://schemas.microsoft.com/office/drawing/2010/main" xmlns="" w="9525">
+                  <a14:hiddenLine xmlns="" xmlns:a14="http://schemas.microsoft.com/office/drawing/2010/main" w="9525">
                     <a:solidFill>
                       <a:srgbClr val="000000"/>
                     </a:solidFill>
@@ -9396,7 +9399,7 @@
               </a:ln>
               <a:extLst>
                 <a:ext uri="{91240B29-F687-4f45-9708-019B960494DF}">
-                  <a14:hiddenLine xmlns:a14="http://schemas.microsoft.com/office/drawing/2010/main" xmlns="" w="9525">
+                  <a14:hiddenLine xmlns="" xmlns:a14="http://schemas.microsoft.com/office/drawing/2010/main" w="9525">
                     <a:solidFill>
                       <a:srgbClr val="000000"/>
                     </a:solidFill>
@@ -9486,7 +9489,7 @@
               </a:ln>
               <a:extLst>
                 <a:ext uri="{91240B29-F687-4f45-9708-019B960494DF}">
-                  <a14:hiddenLine xmlns:a14="http://schemas.microsoft.com/office/drawing/2010/main" xmlns="" w="9525">
+                  <a14:hiddenLine xmlns="" xmlns:a14="http://schemas.microsoft.com/office/drawing/2010/main" w="9525">
                     <a:solidFill>
                       <a:srgbClr val="000000"/>
                     </a:solidFill>
@@ -9548,7 +9551,7 @@
               </a:ln>
               <a:extLst>
                 <a:ext uri="{91240B29-F687-4f45-9708-019B960494DF}">
-                  <a14:hiddenLine xmlns:a14="http://schemas.microsoft.com/office/drawing/2010/main" xmlns="" w="9525">
+                  <a14:hiddenLine xmlns="" xmlns:a14="http://schemas.microsoft.com/office/drawing/2010/main" w="9525">
                     <a:solidFill>
                       <a:srgbClr val="000000"/>
                     </a:solidFill>
@@ -9610,7 +9613,7 @@
               </a:ln>
               <a:extLst>
                 <a:ext uri="{91240B29-F687-4f45-9708-019B960494DF}">
-                  <a14:hiddenLine xmlns:a14="http://schemas.microsoft.com/office/drawing/2010/main" xmlns="" w="9525">
+                  <a14:hiddenLine xmlns="" xmlns:a14="http://schemas.microsoft.com/office/drawing/2010/main" w="9525">
                     <a:solidFill>
                       <a:srgbClr val="000000"/>
                     </a:solidFill>
@@ -9700,7 +9703,7 @@
               </a:ln>
               <a:extLst>
                 <a:ext uri="{91240B29-F687-4f45-9708-019B960494DF}">
-                  <a14:hiddenLine xmlns:a14="http://schemas.microsoft.com/office/drawing/2010/main" xmlns="" w="9525">
+                  <a14:hiddenLine xmlns="" xmlns:a14="http://schemas.microsoft.com/office/drawing/2010/main" w="9525">
                     <a:solidFill>
                       <a:srgbClr val="000000"/>
                     </a:solidFill>
@@ -9790,7 +9793,7 @@
               </a:ln>
               <a:extLst>
                 <a:ext uri="{91240B29-F687-4f45-9708-019B960494DF}">
-                  <a14:hiddenLine xmlns:a14="http://schemas.microsoft.com/office/drawing/2010/main" xmlns="" w="9525">
+                  <a14:hiddenLine xmlns="" xmlns:a14="http://schemas.microsoft.com/office/drawing/2010/main" w="9525">
                     <a:solidFill>
                       <a:srgbClr val="000000"/>
                     </a:solidFill>
@@ -9852,7 +9855,7 @@
               </a:ln>
               <a:extLst>
                 <a:ext uri="{91240B29-F687-4f45-9708-019B960494DF}">
-                  <a14:hiddenLine xmlns:a14="http://schemas.microsoft.com/office/drawing/2010/main" xmlns="" w="9525">
+                  <a14:hiddenLine xmlns="" xmlns:a14="http://schemas.microsoft.com/office/drawing/2010/main" w="9525">
                     <a:solidFill>
                       <a:srgbClr val="000000"/>
                     </a:solidFill>
@@ -9962,7 +9965,7 @@
               </a:ln>
               <a:extLst>
                 <a:ext uri="{91240B29-F687-4f45-9708-019B960494DF}">
-                  <a14:hiddenLine xmlns:a14="http://schemas.microsoft.com/office/drawing/2010/main" xmlns="" w="9525">
+                  <a14:hiddenLine xmlns="" xmlns:a14="http://schemas.microsoft.com/office/drawing/2010/main" w="9525">
                     <a:solidFill>
                       <a:srgbClr val="000000"/>
                     </a:solidFill>
@@ -10046,7 +10049,7 @@
               </a:ln>
               <a:extLst>
                 <a:ext uri="{91240B29-F687-4f45-9708-019B960494DF}">
-                  <a14:hiddenLine xmlns:a14="http://schemas.microsoft.com/office/drawing/2010/main" xmlns="" w="9525">
+                  <a14:hiddenLine xmlns="" xmlns:a14="http://schemas.microsoft.com/office/drawing/2010/main" w="9525">
                     <a:solidFill>
                       <a:srgbClr val="000000"/>
                     </a:solidFill>
@@ -10108,7 +10111,7 @@
               </a:ln>
               <a:extLst>
                 <a:ext uri="{91240B29-F687-4f45-9708-019B960494DF}">
-                  <a14:hiddenLine xmlns:a14="http://schemas.microsoft.com/office/drawing/2010/main" xmlns="" w="9525">
+                  <a14:hiddenLine xmlns="" xmlns:a14="http://schemas.microsoft.com/office/drawing/2010/main" w="9525">
                     <a:solidFill>
                       <a:srgbClr val="000000"/>
                     </a:solidFill>
@@ -10170,7 +10173,7 @@
               </a:ln>
               <a:extLst>
                 <a:ext uri="{91240B29-F687-4f45-9708-019B960494DF}">
-                  <a14:hiddenLine xmlns:a14="http://schemas.microsoft.com/office/drawing/2010/main" xmlns="" w="9525">
+                  <a14:hiddenLine xmlns="" xmlns:a14="http://schemas.microsoft.com/office/drawing/2010/main" w="9525">
                     <a:solidFill>
                       <a:srgbClr val="000000"/>
                     </a:solidFill>
@@ -10260,7 +10263,7 @@
               </a:ln>
               <a:extLst>
                 <a:ext uri="{91240B29-F687-4f45-9708-019B960494DF}">
-                  <a14:hiddenLine xmlns:a14="http://schemas.microsoft.com/office/drawing/2010/main" xmlns="" w="9525">
+                  <a14:hiddenLine xmlns="" xmlns:a14="http://schemas.microsoft.com/office/drawing/2010/main" w="9525">
                     <a:solidFill>
                       <a:srgbClr val="000000"/>
                     </a:solidFill>
@@ -10294,7 +10297,7 @@
               </a:ln>
               <a:extLst>
                 <a:ext uri="{91240B29-F687-4f45-9708-019B960494DF}">
-                  <a14:hiddenLine xmlns:a14="http://schemas.microsoft.com/office/drawing/2010/main" xmlns="" w="9525">
+                  <a14:hiddenLine xmlns="" xmlns:a14="http://schemas.microsoft.com/office/drawing/2010/main" w="9525">
                     <a:solidFill>
                       <a:srgbClr val="000000"/>
                     </a:solidFill>
@@ -10359,7 +10362,7 @@
               </a:ln>
               <a:extLst>
                 <a:ext uri="{91240B29-F687-4f45-9708-019B960494DF}">
-                  <a14:hiddenLine xmlns:a14="http://schemas.microsoft.com/office/drawing/2010/main" xmlns="" w="9525">
+                  <a14:hiddenLine xmlns="" xmlns:a14="http://schemas.microsoft.com/office/drawing/2010/main" w="9525">
                     <a:solidFill>
                       <a:srgbClr val="000000"/>
                     </a:solidFill>
@@ -10449,7 +10452,7 @@
               </a:ln>
               <a:extLst>
                 <a:ext uri="{91240B29-F687-4f45-9708-019B960494DF}">
-                  <a14:hiddenLine xmlns:a14="http://schemas.microsoft.com/office/drawing/2010/main" xmlns="" w="9525">
+                  <a14:hiddenLine xmlns="" xmlns:a14="http://schemas.microsoft.com/office/drawing/2010/main" w="9525">
                     <a:solidFill>
                       <a:srgbClr val="000000"/>
                     </a:solidFill>
@@ -10511,7 +10514,7 @@
               </a:ln>
               <a:extLst>
                 <a:ext uri="{91240B29-F687-4f45-9708-019B960494DF}">
-                  <a14:hiddenLine xmlns:a14="http://schemas.microsoft.com/office/drawing/2010/main" xmlns="" w="9525">
+                  <a14:hiddenLine xmlns="" xmlns:a14="http://schemas.microsoft.com/office/drawing/2010/main" w="9525">
                     <a:solidFill>
                       <a:srgbClr val="000000"/>
                     </a:solidFill>
@@ -10601,7 +10604,7 @@
               </a:ln>
               <a:extLst>
                 <a:ext uri="{91240B29-F687-4f45-9708-019B960494DF}">
-                  <a14:hiddenLine xmlns:a14="http://schemas.microsoft.com/office/drawing/2010/main" xmlns="" w="9525">
+                  <a14:hiddenLine xmlns="" xmlns:a14="http://schemas.microsoft.com/office/drawing/2010/main" w="9525">
                     <a:solidFill>
                       <a:srgbClr val="000000"/>
                     </a:solidFill>
@@ -10666,7 +10669,7 @@
               </a:ln>
               <a:extLst>
                 <a:ext uri="{91240B29-F687-4f45-9708-019B960494DF}">
-                  <a14:hiddenLine xmlns:a14="http://schemas.microsoft.com/office/drawing/2010/main" xmlns="" w="9525">
+                  <a14:hiddenLine xmlns="" xmlns:a14="http://schemas.microsoft.com/office/drawing/2010/main" w="9525">
                     <a:solidFill>
                       <a:srgbClr val="000000"/>
                     </a:solidFill>
@@ -10728,7 +10731,7 @@
               </a:ln>
               <a:extLst>
                 <a:ext uri="{91240B29-F687-4f45-9708-019B960494DF}">
-                  <a14:hiddenLine xmlns:a14="http://schemas.microsoft.com/office/drawing/2010/main" xmlns="" w="9525">
+                  <a14:hiddenLine xmlns="" xmlns:a14="http://schemas.microsoft.com/office/drawing/2010/main" w="9525">
                     <a:solidFill>
                       <a:srgbClr val="000000"/>
                     </a:solidFill>
@@ -10818,7 +10821,7 @@
               </a:ln>
               <a:extLst>
                 <a:ext uri="{91240B29-F687-4f45-9708-019B960494DF}">
-                  <a14:hiddenLine xmlns:a14="http://schemas.microsoft.com/office/drawing/2010/main" xmlns="" w="9525">
+                  <a14:hiddenLine xmlns="" xmlns:a14="http://schemas.microsoft.com/office/drawing/2010/main" w="9525">
                     <a:solidFill>
                       <a:srgbClr val="000000"/>
                     </a:solidFill>
@@ -10908,7 +10911,7 @@
               </a:ln>
               <a:extLst>
                 <a:ext uri="{91240B29-F687-4f45-9708-019B960494DF}">
-                  <a14:hiddenLine xmlns:a14="http://schemas.microsoft.com/office/drawing/2010/main" xmlns="" w="9525">
+                  <a14:hiddenLine xmlns="" xmlns:a14="http://schemas.microsoft.com/office/drawing/2010/main" w="9525">
                     <a:solidFill>
                       <a:srgbClr val="000000"/>
                     </a:solidFill>
@@ -10973,7 +10976,7 @@
               </a:ln>
               <a:extLst>
                 <a:ext uri="{91240B29-F687-4f45-9708-019B960494DF}">
-                  <a14:hiddenLine xmlns:a14="http://schemas.microsoft.com/office/drawing/2010/main" xmlns="" w="9525">
+                  <a14:hiddenLine xmlns="" xmlns:a14="http://schemas.microsoft.com/office/drawing/2010/main" w="9525">
                     <a:solidFill>
                       <a:srgbClr val="000000"/>
                     </a:solidFill>
@@ -11093,7 +11096,7 @@
               </a:ln>
               <a:extLst>
                 <a:ext uri="{91240B29-F687-4f45-9708-019B960494DF}">
-                  <a14:hiddenLine xmlns:a14="http://schemas.microsoft.com/office/drawing/2010/main" xmlns="" w="9525">
+                  <a14:hiddenLine xmlns="" xmlns:a14="http://schemas.microsoft.com/office/drawing/2010/main" w="9525">
                     <a:solidFill>
                       <a:srgbClr val="000000"/>
                     </a:solidFill>
@@ -11174,7 +11177,7 @@
               </a:ln>
               <a:extLst>
                 <a:ext uri="{91240B29-F687-4f45-9708-019B960494DF}">
-                  <a14:hiddenLine xmlns:a14="http://schemas.microsoft.com/office/drawing/2010/main" xmlns="" w="9525">
+                  <a14:hiddenLine xmlns="" xmlns:a14="http://schemas.microsoft.com/office/drawing/2010/main" w="9525">
                     <a:solidFill>
                       <a:srgbClr val="000000"/>
                     </a:solidFill>
@@ -11289,7 +11292,7 @@
               </a:ln>
               <a:extLst>
                 <a:ext uri="{91240B29-F687-4f45-9708-019B960494DF}">
-                  <a14:hiddenLine xmlns:a14="http://schemas.microsoft.com/office/drawing/2010/main" xmlns="" w="9525">
+                  <a14:hiddenLine xmlns="" xmlns:a14="http://schemas.microsoft.com/office/drawing/2010/main" w="9525">
                     <a:solidFill>
                       <a:srgbClr val="000000"/>
                     </a:solidFill>
@@ -11379,7 +11382,7 @@
               </a:ln>
               <a:extLst>
                 <a:ext uri="{91240B29-F687-4f45-9708-019B960494DF}">
-                  <a14:hiddenLine xmlns:a14="http://schemas.microsoft.com/office/drawing/2010/main" xmlns="" w="9525">
+                  <a14:hiddenLine xmlns="" xmlns:a14="http://schemas.microsoft.com/office/drawing/2010/main" w="9525">
                     <a:solidFill>
                       <a:srgbClr val="000000"/>
                     </a:solidFill>
@@ -11444,7 +11447,7 @@
               </a:ln>
               <a:extLst>
                 <a:ext uri="{91240B29-F687-4f45-9708-019B960494DF}">
-                  <a14:hiddenLine xmlns:a14="http://schemas.microsoft.com/office/drawing/2010/main" xmlns="" w="9525">
+                  <a14:hiddenLine xmlns="" xmlns:a14="http://schemas.microsoft.com/office/drawing/2010/main" w="9525">
                     <a:solidFill>
                       <a:srgbClr val="000000"/>
                     </a:solidFill>
@@ -11534,7 +11537,7 @@
               </a:ln>
               <a:extLst>
                 <a:ext uri="{91240B29-F687-4f45-9708-019B960494DF}">
-                  <a14:hiddenLine xmlns:a14="http://schemas.microsoft.com/office/drawing/2010/main" xmlns="" w="9525">
+                  <a14:hiddenLine xmlns="" xmlns:a14="http://schemas.microsoft.com/office/drawing/2010/main" w="9525">
                     <a:solidFill>
                       <a:srgbClr val="000000"/>
                     </a:solidFill>
@@ -11602,7 +11605,7 @@
               </a:ln>
               <a:extLst>
                 <a:ext uri="{91240B29-F687-4f45-9708-019B960494DF}">
-                  <a14:hiddenLine xmlns:a14="http://schemas.microsoft.com/office/drawing/2010/main" xmlns="" w="9525">
+                  <a14:hiddenLine xmlns="" xmlns:a14="http://schemas.microsoft.com/office/drawing/2010/main" w="9525">
                     <a:solidFill>
                       <a:srgbClr val="000000"/>
                     </a:solidFill>
@@ -11692,7 +11695,7 @@
               </a:ln>
               <a:extLst>
                 <a:ext uri="{91240B29-F687-4f45-9708-019B960494DF}">
-                  <a14:hiddenLine xmlns:a14="http://schemas.microsoft.com/office/drawing/2010/main" xmlns="" w="9525">
+                  <a14:hiddenLine xmlns="" xmlns:a14="http://schemas.microsoft.com/office/drawing/2010/main" w="9525">
                     <a:solidFill>
                       <a:srgbClr val="000000"/>
                     </a:solidFill>
@@ -11760,7 +11763,7 @@
               </a:ln>
               <a:extLst>
                 <a:ext uri="{91240B29-F687-4f45-9708-019B960494DF}">
-                  <a14:hiddenLine xmlns:a14="http://schemas.microsoft.com/office/drawing/2010/main" xmlns="" w="9525">
+                  <a14:hiddenLine xmlns="" xmlns:a14="http://schemas.microsoft.com/office/drawing/2010/main" w="9525">
                     <a:solidFill>
                       <a:srgbClr val="000000"/>
                     </a:solidFill>
@@ -11850,7 +11853,7 @@
               </a:ln>
               <a:extLst>
                 <a:ext uri="{91240B29-F687-4f45-9708-019B960494DF}">
-                  <a14:hiddenLine xmlns:a14="http://schemas.microsoft.com/office/drawing/2010/main" xmlns="" w="9525">
+                  <a14:hiddenLine xmlns="" xmlns:a14="http://schemas.microsoft.com/office/drawing/2010/main" w="9525">
                     <a:solidFill>
                       <a:srgbClr val="000000"/>
                     </a:solidFill>
@@ -11884,7 +11887,7 @@
               </a:ln>
               <a:extLst>
                 <a:ext uri="{91240B29-F687-4f45-9708-019B960494DF}">
-                  <a14:hiddenLine xmlns:a14="http://schemas.microsoft.com/office/drawing/2010/main" xmlns="" w="9525">
+                  <a14:hiddenLine xmlns="" xmlns:a14="http://schemas.microsoft.com/office/drawing/2010/main" w="9525">
                     <a:solidFill>
                       <a:srgbClr val="000000"/>
                     </a:solidFill>
@@ -12604,7 +12607,7 @@
             </a:ln>
             <a:extLst>
               <a:ext uri="{91240B29-F687-4f45-9708-019B960494DF}">
-                <a14:hiddenLine xmlns="" xmlns:a16="http://schemas.microsoft.com/office/drawing/2014/main" xmlns:p14="http://schemas.microsoft.com/office/powerpoint/2010/main" xmlns:a14="http://schemas.microsoft.com/office/drawing/2010/main" w="9525">
+                <a14:hiddenLine xmlns:a14="http://schemas.microsoft.com/office/drawing/2010/main" xmlns:p14="http://schemas.microsoft.com/office/powerpoint/2010/main" xmlns:a16="http://schemas.microsoft.com/office/drawing/2014/main" xmlns="" w="9525">
                   <a:solidFill>
                     <a:srgbClr val="000000"/>
                   </a:solidFill>
@@ -12716,7 +12719,7 @@
             </a:ln>
             <a:extLst>
               <a:ext uri="{91240B29-F687-4f45-9708-019B960494DF}">
-                <a14:hiddenLine xmlns="" xmlns:a16="http://schemas.microsoft.com/office/drawing/2014/main" xmlns:p14="http://schemas.microsoft.com/office/powerpoint/2010/main" xmlns:a14="http://schemas.microsoft.com/office/drawing/2010/main" w="9525">
+                <a14:hiddenLine xmlns:a14="http://schemas.microsoft.com/office/drawing/2010/main" xmlns:p14="http://schemas.microsoft.com/office/powerpoint/2010/main" xmlns:a16="http://schemas.microsoft.com/office/drawing/2014/main" xmlns="" w="9525">
                   <a:solidFill>
                     <a:srgbClr val="000000"/>
                   </a:solidFill>
@@ -12828,7 +12831,7 @@
             </a:ln>
             <a:extLst>
               <a:ext uri="{91240B29-F687-4f45-9708-019B960494DF}">
-                <a14:hiddenLine xmlns="" xmlns:a16="http://schemas.microsoft.com/office/drawing/2014/main" xmlns:p14="http://schemas.microsoft.com/office/powerpoint/2010/main" xmlns:a14="http://schemas.microsoft.com/office/drawing/2010/main" w="9525">
+                <a14:hiddenLine xmlns:a14="http://schemas.microsoft.com/office/drawing/2010/main" xmlns:p14="http://schemas.microsoft.com/office/powerpoint/2010/main" xmlns:a16="http://schemas.microsoft.com/office/drawing/2014/main" xmlns="" w="9525">
                   <a:solidFill>
                     <a:srgbClr val="000000"/>
                   </a:solidFill>
@@ -12884,7 +12887,7 @@
             </a:ln>
             <a:extLst>
               <a:ext uri="{91240B29-F687-4f45-9708-019B960494DF}">
-                <a14:hiddenLine xmlns="" xmlns:a16="http://schemas.microsoft.com/office/drawing/2014/main" xmlns:p14="http://schemas.microsoft.com/office/powerpoint/2010/main" xmlns:a14="http://schemas.microsoft.com/office/drawing/2010/main" w="9525">
+                <a14:hiddenLine xmlns:a14="http://schemas.microsoft.com/office/drawing/2010/main" xmlns:p14="http://schemas.microsoft.com/office/powerpoint/2010/main" xmlns:a16="http://schemas.microsoft.com/office/drawing/2014/main" xmlns="" w="9525">
                   <a:solidFill>
                     <a:srgbClr val="000000"/>
                   </a:solidFill>
@@ -12996,7 +12999,7 @@
             </a:ln>
             <a:extLst>
               <a:ext uri="{91240B29-F687-4f45-9708-019B960494DF}">
-                <a14:hiddenLine xmlns="" xmlns:a16="http://schemas.microsoft.com/office/drawing/2014/main" xmlns:p14="http://schemas.microsoft.com/office/powerpoint/2010/main" xmlns:a14="http://schemas.microsoft.com/office/drawing/2010/main" w="9525">
+                <a14:hiddenLine xmlns:a14="http://schemas.microsoft.com/office/drawing/2010/main" xmlns:p14="http://schemas.microsoft.com/office/powerpoint/2010/main" xmlns:a16="http://schemas.microsoft.com/office/drawing/2014/main" xmlns="" w="9525">
                   <a:solidFill>
                     <a:srgbClr val="000000"/>
                   </a:solidFill>
@@ -13080,7 +13083,7 @@
             </a:ln>
             <a:extLst>
               <a:ext uri="{91240B29-F687-4f45-9708-019B960494DF}">
-                <a14:hiddenLine xmlns="" xmlns:a16="http://schemas.microsoft.com/office/drawing/2014/main" xmlns:p14="http://schemas.microsoft.com/office/powerpoint/2010/main" xmlns:a14="http://schemas.microsoft.com/office/drawing/2010/main" w="9525">
+                <a14:hiddenLine xmlns:a14="http://schemas.microsoft.com/office/drawing/2010/main" xmlns:p14="http://schemas.microsoft.com/office/powerpoint/2010/main" xmlns:a16="http://schemas.microsoft.com/office/drawing/2014/main" xmlns="" w="9525">
                   <a:solidFill>
                     <a:srgbClr val="000000"/>
                   </a:solidFill>
@@ -13164,7 +13167,7 @@
             </a:ln>
             <a:extLst>
               <a:ext uri="{91240B29-F687-4f45-9708-019B960494DF}">
-                <a14:hiddenLine xmlns="" xmlns:a16="http://schemas.microsoft.com/office/drawing/2014/main" xmlns:p14="http://schemas.microsoft.com/office/powerpoint/2010/main" xmlns:a14="http://schemas.microsoft.com/office/drawing/2010/main" w="9525">
+                <a14:hiddenLine xmlns:a14="http://schemas.microsoft.com/office/drawing/2010/main" xmlns:p14="http://schemas.microsoft.com/office/powerpoint/2010/main" xmlns:a16="http://schemas.microsoft.com/office/drawing/2014/main" xmlns="" w="9525">
                   <a:solidFill>
                     <a:srgbClr val="000000"/>
                   </a:solidFill>
@@ -13276,7 +13279,7 @@
             </a:ln>
             <a:extLst>
               <a:ext uri="{91240B29-F687-4f45-9708-019B960494DF}">
-                <a14:hiddenLine xmlns="" xmlns:a16="http://schemas.microsoft.com/office/drawing/2014/main" xmlns:p14="http://schemas.microsoft.com/office/powerpoint/2010/main" xmlns:a14="http://schemas.microsoft.com/office/drawing/2010/main" w="9525">
+                <a14:hiddenLine xmlns:a14="http://schemas.microsoft.com/office/drawing/2010/main" xmlns:p14="http://schemas.microsoft.com/office/powerpoint/2010/main" xmlns:a16="http://schemas.microsoft.com/office/drawing/2014/main" xmlns="" w="9525">
                   <a:solidFill>
                     <a:srgbClr val="000000"/>
                   </a:solidFill>
@@ -13360,7 +13363,7 @@
             </a:ln>
             <a:extLst>
               <a:ext uri="{91240B29-F687-4f45-9708-019B960494DF}">
-                <a14:hiddenLine xmlns="" xmlns:a16="http://schemas.microsoft.com/office/drawing/2014/main" xmlns:p14="http://schemas.microsoft.com/office/powerpoint/2010/main" xmlns:a14="http://schemas.microsoft.com/office/drawing/2010/main" w="9525">
+                <a14:hiddenLine xmlns:a14="http://schemas.microsoft.com/office/drawing/2010/main" xmlns:p14="http://schemas.microsoft.com/office/powerpoint/2010/main" xmlns:a16="http://schemas.microsoft.com/office/drawing/2014/main" xmlns="" w="9525">
                   <a:solidFill>
                     <a:srgbClr val="000000"/>
                   </a:solidFill>
@@ -13444,7 +13447,7 @@
             </a:ln>
             <a:extLst>
               <a:ext uri="{91240B29-F687-4f45-9708-019B960494DF}">
-                <a14:hiddenLine xmlns="" xmlns:a16="http://schemas.microsoft.com/office/drawing/2014/main" xmlns:p14="http://schemas.microsoft.com/office/powerpoint/2010/main" xmlns:a14="http://schemas.microsoft.com/office/drawing/2010/main" w="9525">
+                <a14:hiddenLine xmlns:a14="http://schemas.microsoft.com/office/drawing/2010/main" xmlns:p14="http://schemas.microsoft.com/office/powerpoint/2010/main" xmlns:a16="http://schemas.microsoft.com/office/drawing/2014/main" xmlns="" w="9525">
                   <a:solidFill>
                     <a:srgbClr val="000000"/>
                   </a:solidFill>
@@ -13556,7 +13559,7 @@
             </a:ln>
             <a:extLst>
               <a:ext uri="{91240B29-F687-4f45-9708-019B960494DF}">
-                <a14:hiddenLine xmlns="" xmlns:a16="http://schemas.microsoft.com/office/drawing/2014/main" xmlns:p14="http://schemas.microsoft.com/office/powerpoint/2010/main" xmlns:a14="http://schemas.microsoft.com/office/drawing/2010/main" w="9525">
+                <a14:hiddenLine xmlns:a14="http://schemas.microsoft.com/office/drawing/2010/main" xmlns:p14="http://schemas.microsoft.com/office/powerpoint/2010/main" xmlns:a16="http://schemas.microsoft.com/office/drawing/2014/main" xmlns="" w="9525">
                   <a:solidFill>
                     <a:srgbClr val="000000"/>
                   </a:solidFill>
@@ -13668,7 +13671,7 @@
             </a:ln>
             <a:extLst>
               <a:ext uri="{91240B29-F687-4f45-9708-019B960494DF}">
-                <a14:hiddenLine xmlns="" xmlns:a16="http://schemas.microsoft.com/office/drawing/2014/main" xmlns:p14="http://schemas.microsoft.com/office/powerpoint/2010/main" xmlns:a14="http://schemas.microsoft.com/office/drawing/2010/main" w="9525">
+                <a14:hiddenLine xmlns:a14="http://schemas.microsoft.com/office/drawing/2010/main" xmlns:p14="http://schemas.microsoft.com/office/powerpoint/2010/main" xmlns:a16="http://schemas.microsoft.com/office/drawing/2014/main" xmlns="" w="9525">
                   <a:solidFill>
                     <a:srgbClr val="000000"/>
                   </a:solidFill>
@@ -13752,7 +13755,7 @@
             </a:ln>
             <a:extLst>
               <a:ext uri="{91240B29-F687-4f45-9708-019B960494DF}">
-                <a14:hiddenLine xmlns="" xmlns:a16="http://schemas.microsoft.com/office/drawing/2014/main" xmlns:p14="http://schemas.microsoft.com/office/powerpoint/2010/main" xmlns:a14="http://schemas.microsoft.com/office/drawing/2010/main" w="9525">
+                <a14:hiddenLine xmlns:a14="http://schemas.microsoft.com/office/drawing/2010/main" xmlns:p14="http://schemas.microsoft.com/office/powerpoint/2010/main" xmlns:a16="http://schemas.microsoft.com/office/drawing/2014/main" xmlns="" w="9525">
                   <a:solidFill>
                     <a:srgbClr val="000000"/>
                   </a:solidFill>
@@ -13884,7 +13887,7 @@
             </a:ln>
             <a:extLst>
               <a:ext uri="{91240B29-F687-4f45-9708-019B960494DF}">
-                <a14:hiddenLine xmlns="" xmlns:a16="http://schemas.microsoft.com/office/drawing/2014/main" xmlns:p14="http://schemas.microsoft.com/office/powerpoint/2010/main" xmlns:a14="http://schemas.microsoft.com/office/drawing/2010/main" w="9525">
+                <a14:hiddenLine xmlns:a14="http://schemas.microsoft.com/office/drawing/2010/main" xmlns:p14="http://schemas.microsoft.com/office/powerpoint/2010/main" xmlns:a16="http://schemas.microsoft.com/office/drawing/2014/main" xmlns="" w="9525">
                   <a:solidFill>
                     <a:srgbClr val="000000"/>
                   </a:solidFill>
@@ -13968,7 +13971,7 @@
             </a:ln>
             <a:extLst>
               <a:ext uri="{91240B29-F687-4f45-9708-019B960494DF}">
-                <a14:hiddenLine xmlns="" xmlns:a16="http://schemas.microsoft.com/office/drawing/2014/main" xmlns:p14="http://schemas.microsoft.com/office/powerpoint/2010/main" xmlns:a14="http://schemas.microsoft.com/office/drawing/2010/main" w="9525">
+                <a14:hiddenLine xmlns:a14="http://schemas.microsoft.com/office/drawing/2010/main" xmlns:p14="http://schemas.microsoft.com/office/powerpoint/2010/main" xmlns:a16="http://schemas.microsoft.com/office/drawing/2014/main" xmlns="" w="9525">
                   <a:solidFill>
                     <a:srgbClr val="000000"/>
                   </a:solidFill>
@@ -14080,7 +14083,7 @@
             </a:ln>
             <a:extLst>
               <a:ext uri="{91240B29-F687-4f45-9708-019B960494DF}">
-                <a14:hiddenLine xmlns="" xmlns:a16="http://schemas.microsoft.com/office/drawing/2014/main" xmlns:p14="http://schemas.microsoft.com/office/powerpoint/2010/main" xmlns:a14="http://schemas.microsoft.com/office/drawing/2010/main" w="9525">
+                <a14:hiddenLine xmlns:a14="http://schemas.microsoft.com/office/drawing/2010/main" xmlns:p14="http://schemas.microsoft.com/office/powerpoint/2010/main" xmlns:a16="http://schemas.microsoft.com/office/drawing/2014/main" xmlns="" w="9525">
                   <a:solidFill>
                     <a:srgbClr val="000000"/>
                   </a:solidFill>
@@ -14192,7 +14195,7 @@
             </a:ln>
             <a:extLst>
               <a:ext uri="{91240B29-F687-4f45-9708-019B960494DF}">
-                <a14:hiddenLine xmlns="" xmlns:a16="http://schemas.microsoft.com/office/drawing/2014/main" xmlns:p14="http://schemas.microsoft.com/office/powerpoint/2010/main" xmlns:a14="http://schemas.microsoft.com/office/drawing/2010/main" w="9525">
+                <a14:hiddenLine xmlns:a14="http://schemas.microsoft.com/office/drawing/2010/main" xmlns:p14="http://schemas.microsoft.com/office/powerpoint/2010/main" xmlns:a16="http://schemas.microsoft.com/office/drawing/2014/main" xmlns="" w="9525">
                   <a:solidFill>
                     <a:srgbClr val="000000"/>
                   </a:solidFill>
@@ -14276,7 +14279,7 @@
             </a:ln>
             <a:extLst>
               <a:ext uri="{91240B29-F687-4f45-9708-019B960494DF}">
-                <a14:hiddenLine xmlns="" xmlns:a16="http://schemas.microsoft.com/office/drawing/2014/main" xmlns:p14="http://schemas.microsoft.com/office/powerpoint/2010/main" xmlns:a14="http://schemas.microsoft.com/office/drawing/2010/main" w="9525">
+                <a14:hiddenLine xmlns:a14="http://schemas.microsoft.com/office/drawing/2010/main" xmlns:p14="http://schemas.microsoft.com/office/powerpoint/2010/main" xmlns:a16="http://schemas.microsoft.com/office/drawing/2014/main" xmlns="" w="9525">
                   <a:solidFill>
                     <a:srgbClr val="000000"/>
                   </a:solidFill>
@@ -14388,7 +14391,7 @@
             </a:ln>
             <a:extLst>
               <a:ext uri="{91240B29-F687-4f45-9708-019B960494DF}">
-                <a14:hiddenLine xmlns="" xmlns:a16="http://schemas.microsoft.com/office/drawing/2014/main" xmlns:p14="http://schemas.microsoft.com/office/powerpoint/2010/main" xmlns:a14="http://schemas.microsoft.com/office/drawing/2010/main" w="9525">
+                <a14:hiddenLine xmlns:a14="http://schemas.microsoft.com/office/drawing/2010/main" xmlns:p14="http://schemas.microsoft.com/office/powerpoint/2010/main" xmlns:a16="http://schemas.microsoft.com/office/drawing/2014/main" xmlns="" w="9525">
                   <a:solidFill>
                     <a:srgbClr val="000000"/>
                   </a:solidFill>
@@ -14500,7 +14503,7 @@
             </a:ln>
             <a:extLst>
               <a:ext uri="{91240B29-F687-4f45-9708-019B960494DF}">
-                <a14:hiddenLine xmlns="" xmlns:a16="http://schemas.microsoft.com/office/drawing/2014/main" xmlns:p14="http://schemas.microsoft.com/office/powerpoint/2010/main" xmlns:a14="http://schemas.microsoft.com/office/drawing/2010/main" w="9525">
+                <a14:hiddenLine xmlns:a14="http://schemas.microsoft.com/office/drawing/2010/main" xmlns:p14="http://schemas.microsoft.com/office/powerpoint/2010/main" xmlns:a16="http://schemas.microsoft.com/office/drawing/2014/main" xmlns="" w="9525">
                   <a:solidFill>
                     <a:srgbClr val="000000"/>
                   </a:solidFill>
@@ -14578,7 +14581,7 @@
             </a:ln>
             <a:extLst>
               <a:ext uri="{91240B29-F687-4f45-9708-019B960494DF}">
-                <a14:hiddenLine xmlns="" xmlns:a16="http://schemas.microsoft.com/office/drawing/2014/main" xmlns:p14="http://schemas.microsoft.com/office/powerpoint/2010/main" xmlns:a14="http://schemas.microsoft.com/office/drawing/2010/main" w="9525">
+                <a14:hiddenLine xmlns:a14="http://schemas.microsoft.com/office/drawing/2010/main" xmlns:p14="http://schemas.microsoft.com/office/powerpoint/2010/main" xmlns:a16="http://schemas.microsoft.com/office/drawing/2014/main" xmlns="" w="9525">
                   <a:solidFill>
                     <a:srgbClr val="000000"/>
                   </a:solidFill>
@@ -14690,7 +14693,7 @@
             </a:ln>
             <a:extLst>
               <a:ext uri="{91240B29-F687-4f45-9708-019B960494DF}">
-                <a14:hiddenLine xmlns="" xmlns:a16="http://schemas.microsoft.com/office/drawing/2014/main" xmlns:p14="http://schemas.microsoft.com/office/powerpoint/2010/main" xmlns:a14="http://schemas.microsoft.com/office/drawing/2010/main" w="9525">
+                <a14:hiddenLine xmlns:a14="http://schemas.microsoft.com/office/drawing/2010/main" xmlns:p14="http://schemas.microsoft.com/office/powerpoint/2010/main" xmlns:a16="http://schemas.microsoft.com/office/drawing/2014/main" xmlns="" w="9525">
                   <a:solidFill>
                     <a:srgbClr val="000000"/>
                   </a:solidFill>
@@ -14768,7 +14771,7 @@
             </a:ln>
             <a:extLst>
               <a:ext uri="{91240B29-F687-4f45-9708-019B960494DF}">
-                <a14:hiddenLine xmlns="" xmlns:a16="http://schemas.microsoft.com/office/drawing/2014/main" xmlns:p14="http://schemas.microsoft.com/office/powerpoint/2010/main" xmlns:a14="http://schemas.microsoft.com/office/drawing/2010/main" w="9525">
+                <a14:hiddenLine xmlns:a14="http://schemas.microsoft.com/office/drawing/2010/main" xmlns:p14="http://schemas.microsoft.com/office/powerpoint/2010/main" xmlns:a16="http://schemas.microsoft.com/office/drawing/2014/main" xmlns="" w="9525">
                   <a:solidFill>
                     <a:srgbClr val="000000"/>
                   </a:solidFill>
@@ -14880,7 +14883,7 @@
             </a:ln>
             <a:extLst>
               <a:ext uri="{91240B29-F687-4f45-9708-019B960494DF}">
-                <a14:hiddenLine xmlns="" xmlns:a16="http://schemas.microsoft.com/office/drawing/2014/main" xmlns:p14="http://schemas.microsoft.com/office/powerpoint/2010/main" xmlns:a14="http://schemas.microsoft.com/office/drawing/2010/main" w="9525">
+                <a14:hiddenLine xmlns:a14="http://schemas.microsoft.com/office/drawing/2010/main" xmlns:p14="http://schemas.microsoft.com/office/powerpoint/2010/main" xmlns:a16="http://schemas.microsoft.com/office/drawing/2014/main" xmlns="" w="9525">
                   <a:solidFill>
                     <a:srgbClr val="000000"/>
                   </a:solidFill>
@@ -14970,7 +14973,7 @@
             </a:ln>
             <a:extLst>
               <a:ext uri="{91240B29-F687-4f45-9708-019B960494DF}">
-                <a14:hiddenLine xmlns="" xmlns:a16="http://schemas.microsoft.com/office/drawing/2014/main" xmlns:p14="http://schemas.microsoft.com/office/powerpoint/2010/main" xmlns:a14="http://schemas.microsoft.com/office/drawing/2010/main" w="9525">
+                <a14:hiddenLine xmlns:a14="http://schemas.microsoft.com/office/drawing/2010/main" xmlns:p14="http://schemas.microsoft.com/office/powerpoint/2010/main" xmlns:a16="http://schemas.microsoft.com/office/drawing/2014/main" xmlns="" w="9525">
                   <a:solidFill>
                     <a:srgbClr val="000000"/>
                   </a:solidFill>
@@ -15082,7 +15085,7 @@
             </a:ln>
             <a:extLst>
               <a:ext uri="{91240B29-F687-4f45-9708-019B960494DF}">
-                <a14:hiddenLine xmlns="" xmlns:a16="http://schemas.microsoft.com/office/drawing/2014/main" xmlns:p14="http://schemas.microsoft.com/office/powerpoint/2010/main" xmlns:a14="http://schemas.microsoft.com/office/drawing/2010/main" w="9525">
+                <a14:hiddenLine xmlns:a14="http://schemas.microsoft.com/office/drawing/2010/main" xmlns:p14="http://schemas.microsoft.com/office/powerpoint/2010/main" xmlns:a16="http://schemas.microsoft.com/office/drawing/2014/main" xmlns="" w="9525">
                   <a:solidFill>
                     <a:srgbClr val="000000"/>
                   </a:solidFill>
@@ -15172,7 +15175,7 @@
             </a:ln>
             <a:extLst>
               <a:ext uri="{91240B29-F687-4f45-9708-019B960494DF}">
-                <a14:hiddenLine xmlns="" xmlns:a16="http://schemas.microsoft.com/office/drawing/2014/main" xmlns:p14="http://schemas.microsoft.com/office/powerpoint/2010/main" xmlns:a14="http://schemas.microsoft.com/office/drawing/2010/main" w="9525">
+                <a14:hiddenLine xmlns:a14="http://schemas.microsoft.com/office/drawing/2010/main" xmlns:p14="http://schemas.microsoft.com/office/powerpoint/2010/main" xmlns:a16="http://schemas.microsoft.com/office/drawing/2014/main" xmlns="" w="9525">
                   <a:solidFill>
                     <a:srgbClr val="000000"/>
                   </a:solidFill>
@@ -15284,7 +15287,7 @@
             </a:ln>
             <a:extLst>
               <a:ext uri="{91240B29-F687-4f45-9708-019B960494DF}">
-                <a14:hiddenLine xmlns="" xmlns:a16="http://schemas.microsoft.com/office/drawing/2014/main" xmlns:p14="http://schemas.microsoft.com/office/powerpoint/2010/main" xmlns:a14="http://schemas.microsoft.com/office/drawing/2010/main" w="9525">
+                <a14:hiddenLine xmlns:a14="http://schemas.microsoft.com/office/drawing/2010/main" xmlns:p14="http://schemas.microsoft.com/office/powerpoint/2010/main" xmlns:a16="http://schemas.microsoft.com/office/drawing/2014/main" xmlns="" w="9525">
                   <a:solidFill>
                     <a:srgbClr val="000000"/>
                   </a:solidFill>
@@ -15340,7 +15343,7 @@
             </a:ln>
             <a:extLst>
               <a:ext uri="{91240B29-F687-4f45-9708-019B960494DF}">
-                <a14:hiddenLine xmlns="" xmlns:a16="http://schemas.microsoft.com/office/drawing/2014/main" xmlns:p14="http://schemas.microsoft.com/office/powerpoint/2010/main" xmlns:a14="http://schemas.microsoft.com/office/drawing/2010/main" w="9525">
+                <a14:hiddenLine xmlns:a14="http://schemas.microsoft.com/office/drawing/2010/main" xmlns:p14="http://schemas.microsoft.com/office/powerpoint/2010/main" xmlns:a16="http://schemas.microsoft.com/office/drawing/2014/main" xmlns="" w="9525">
                   <a:solidFill>
                     <a:srgbClr val="000000"/>
                   </a:solidFill>
@@ -15452,7 +15455,7 @@
             </a:ln>
             <a:extLst>
               <a:ext uri="{91240B29-F687-4f45-9708-019B960494DF}">
-                <a14:hiddenLine xmlns="" xmlns:a16="http://schemas.microsoft.com/office/drawing/2014/main" xmlns:p14="http://schemas.microsoft.com/office/powerpoint/2010/main" xmlns:a14="http://schemas.microsoft.com/office/drawing/2010/main" w="9525">
+                <a14:hiddenLine xmlns:a14="http://schemas.microsoft.com/office/drawing/2010/main" xmlns:p14="http://schemas.microsoft.com/office/powerpoint/2010/main" xmlns:a16="http://schemas.microsoft.com/office/drawing/2014/main" xmlns="" w="9525">
                   <a:solidFill>
                     <a:srgbClr val="000000"/>
                   </a:solidFill>
@@ -15536,7 +15539,7 @@
             </a:ln>
             <a:extLst>
               <a:ext uri="{91240B29-F687-4f45-9708-019B960494DF}">
-                <a14:hiddenLine xmlns="" xmlns:a16="http://schemas.microsoft.com/office/drawing/2014/main" xmlns:p14="http://schemas.microsoft.com/office/powerpoint/2010/main" xmlns:a14="http://schemas.microsoft.com/office/drawing/2010/main" w="9525">
+                <a14:hiddenLine xmlns:a14="http://schemas.microsoft.com/office/drawing/2010/main" xmlns:p14="http://schemas.microsoft.com/office/powerpoint/2010/main" xmlns:a16="http://schemas.microsoft.com/office/drawing/2014/main" xmlns="" w="9525">
                   <a:solidFill>
                     <a:srgbClr val="000000"/>
                   </a:solidFill>
@@ -15620,7 +15623,7 @@
             </a:ln>
             <a:extLst>
               <a:ext uri="{91240B29-F687-4f45-9708-019B960494DF}">
-                <a14:hiddenLine xmlns="" xmlns:a16="http://schemas.microsoft.com/office/drawing/2014/main" xmlns:p14="http://schemas.microsoft.com/office/powerpoint/2010/main" xmlns:a14="http://schemas.microsoft.com/office/drawing/2010/main" w="9525">
+                <a14:hiddenLine xmlns:a14="http://schemas.microsoft.com/office/drawing/2010/main" xmlns:p14="http://schemas.microsoft.com/office/powerpoint/2010/main" xmlns:a16="http://schemas.microsoft.com/office/drawing/2014/main" xmlns="" w="9525">
                   <a:solidFill>
                     <a:srgbClr val="000000"/>
                   </a:solidFill>
@@ -15732,7 +15735,7 @@
             </a:ln>
             <a:extLst>
               <a:ext uri="{91240B29-F687-4f45-9708-019B960494DF}">
-                <a14:hiddenLine xmlns="" xmlns:a16="http://schemas.microsoft.com/office/drawing/2014/main" xmlns:p14="http://schemas.microsoft.com/office/powerpoint/2010/main" xmlns:a14="http://schemas.microsoft.com/office/drawing/2010/main" w="9525">
+                <a14:hiddenLine xmlns:a14="http://schemas.microsoft.com/office/drawing/2010/main" xmlns:p14="http://schemas.microsoft.com/office/powerpoint/2010/main" xmlns:a16="http://schemas.microsoft.com/office/drawing/2014/main" xmlns="" w="9525">
                   <a:solidFill>
                     <a:srgbClr val="000000"/>
                   </a:solidFill>
@@ -15822,7 +15825,7 @@
             </a:ln>
             <a:extLst>
               <a:ext uri="{91240B29-F687-4f45-9708-019B960494DF}">
-                <a14:hiddenLine xmlns="" xmlns:a16="http://schemas.microsoft.com/office/drawing/2014/main" xmlns:p14="http://schemas.microsoft.com/office/powerpoint/2010/main" xmlns:a14="http://schemas.microsoft.com/office/drawing/2010/main" w="9525">
+                <a14:hiddenLine xmlns:a14="http://schemas.microsoft.com/office/drawing/2010/main" xmlns:p14="http://schemas.microsoft.com/office/powerpoint/2010/main" xmlns:a16="http://schemas.microsoft.com/office/drawing/2014/main" xmlns="" w="9525">
                   <a:solidFill>
                     <a:srgbClr val="000000"/>
                   </a:solidFill>
@@ -15906,7 +15909,7 @@
             </a:ln>
             <a:extLst>
               <a:ext uri="{91240B29-F687-4f45-9708-019B960494DF}">
-                <a14:hiddenLine xmlns="" xmlns:a16="http://schemas.microsoft.com/office/drawing/2014/main" xmlns:p14="http://schemas.microsoft.com/office/powerpoint/2010/main" xmlns:a14="http://schemas.microsoft.com/office/drawing/2010/main" w="9525">
+                <a14:hiddenLine xmlns:a14="http://schemas.microsoft.com/office/drawing/2010/main" xmlns:p14="http://schemas.microsoft.com/office/powerpoint/2010/main" xmlns:a16="http://schemas.microsoft.com/office/drawing/2014/main" xmlns="" w="9525">
                   <a:solidFill>
                     <a:srgbClr val="000000"/>
                   </a:solidFill>
@@ -16018,7 +16021,7 @@
             </a:ln>
             <a:extLst>
               <a:ext uri="{91240B29-F687-4f45-9708-019B960494DF}">
-                <a14:hiddenLine xmlns="" xmlns:a16="http://schemas.microsoft.com/office/drawing/2014/main" xmlns:p14="http://schemas.microsoft.com/office/powerpoint/2010/main" xmlns:a14="http://schemas.microsoft.com/office/drawing/2010/main" w="9525">
+                <a14:hiddenLine xmlns:a14="http://schemas.microsoft.com/office/drawing/2010/main" xmlns:p14="http://schemas.microsoft.com/office/powerpoint/2010/main" xmlns:a16="http://schemas.microsoft.com/office/drawing/2014/main" xmlns="" w="9525">
                   <a:solidFill>
                     <a:srgbClr val="000000"/>
                   </a:solidFill>
@@ -16102,7 +16105,7 @@
             </a:ln>
             <a:extLst>
               <a:ext uri="{91240B29-F687-4f45-9708-019B960494DF}">
-                <a14:hiddenLine xmlns="" xmlns:a16="http://schemas.microsoft.com/office/drawing/2014/main" xmlns:p14="http://schemas.microsoft.com/office/powerpoint/2010/main" xmlns:a14="http://schemas.microsoft.com/office/drawing/2010/main" w="9525">
+                <a14:hiddenLine xmlns:a14="http://schemas.microsoft.com/office/drawing/2010/main" xmlns:p14="http://schemas.microsoft.com/office/powerpoint/2010/main" xmlns:a16="http://schemas.microsoft.com/office/drawing/2014/main" xmlns="" w="9525">
                   <a:solidFill>
                     <a:srgbClr val="000000"/>
                   </a:solidFill>
@@ -16214,7 +16217,7 @@
             </a:ln>
             <a:extLst>
               <a:ext uri="{91240B29-F687-4f45-9708-019B960494DF}">
-                <a14:hiddenLine xmlns="" xmlns:a16="http://schemas.microsoft.com/office/drawing/2014/main" xmlns:p14="http://schemas.microsoft.com/office/powerpoint/2010/main" xmlns:a14="http://schemas.microsoft.com/office/drawing/2010/main" w="9525">
+                <a14:hiddenLine xmlns:a14="http://schemas.microsoft.com/office/drawing/2010/main" xmlns:p14="http://schemas.microsoft.com/office/powerpoint/2010/main" xmlns:a16="http://schemas.microsoft.com/office/drawing/2014/main" xmlns="" w="9525">
                   <a:solidFill>
                     <a:srgbClr val="000000"/>
                   </a:solidFill>
@@ -16298,7 +16301,7 @@
             </a:ln>
             <a:extLst>
               <a:ext uri="{91240B29-F687-4f45-9708-019B960494DF}">
-                <a14:hiddenLine xmlns="" xmlns:a16="http://schemas.microsoft.com/office/drawing/2014/main" xmlns:p14="http://schemas.microsoft.com/office/powerpoint/2010/main" xmlns:a14="http://schemas.microsoft.com/office/drawing/2010/main" w="9525">
+                <a14:hiddenLine xmlns:a14="http://schemas.microsoft.com/office/drawing/2010/main" xmlns:p14="http://schemas.microsoft.com/office/powerpoint/2010/main" xmlns:a16="http://schemas.microsoft.com/office/drawing/2014/main" xmlns="" w="9525">
                   <a:solidFill>
                     <a:srgbClr val="000000"/>
                   </a:solidFill>
@@ -16410,7 +16413,7 @@
             </a:ln>
             <a:extLst>
               <a:ext uri="{91240B29-F687-4f45-9708-019B960494DF}">
-                <a14:hiddenLine xmlns="" xmlns:a16="http://schemas.microsoft.com/office/drawing/2014/main" xmlns:p14="http://schemas.microsoft.com/office/powerpoint/2010/main" xmlns:a14="http://schemas.microsoft.com/office/drawing/2010/main" w="9525">
+                <a14:hiddenLine xmlns:a14="http://schemas.microsoft.com/office/drawing/2010/main" xmlns:p14="http://schemas.microsoft.com/office/powerpoint/2010/main" xmlns:a16="http://schemas.microsoft.com/office/drawing/2014/main" xmlns="" w="9525">
                   <a:solidFill>
                     <a:srgbClr val="000000"/>
                   </a:solidFill>
@@ -16466,7 +16469,7 @@
             </a:ln>
             <a:extLst>
               <a:ext uri="{91240B29-F687-4f45-9708-019B960494DF}">
-                <a14:hiddenLine xmlns="" xmlns:a16="http://schemas.microsoft.com/office/drawing/2014/main" xmlns:p14="http://schemas.microsoft.com/office/powerpoint/2010/main" xmlns:a14="http://schemas.microsoft.com/office/drawing/2010/main" w="9525">
+                <a14:hiddenLine xmlns:a14="http://schemas.microsoft.com/office/drawing/2010/main" xmlns:p14="http://schemas.microsoft.com/office/powerpoint/2010/main" xmlns:a16="http://schemas.microsoft.com/office/drawing/2014/main" xmlns="" w="9525">
                   <a:solidFill>
                     <a:srgbClr val="000000"/>
                   </a:solidFill>
@@ -16553,7 +16556,7 @@
             </a:ln>
             <a:extLst>
               <a:ext uri="{91240B29-F687-4f45-9708-019B960494DF}">
-                <a14:hiddenLine xmlns="" xmlns:a16="http://schemas.microsoft.com/office/drawing/2014/main" xmlns:p14="http://schemas.microsoft.com/office/powerpoint/2010/main" xmlns:a14="http://schemas.microsoft.com/office/drawing/2010/main" w="9525">
+                <a14:hiddenLine xmlns:a14="http://schemas.microsoft.com/office/drawing/2010/main" xmlns:p14="http://schemas.microsoft.com/office/powerpoint/2010/main" xmlns:a16="http://schemas.microsoft.com/office/drawing/2014/main" xmlns="" w="9525">
                   <a:solidFill>
                     <a:srgbClr val="000000"/>
                   </a:solidFill>
@@ -16665,7 +16668,7 @@
             </a:ln>
             <a:extLst>
               <a:ext uri="{91240B29-F687-4f45-9708-019B960494DF}">
-                <a14:hiddenLine xmlns="" xmlns:a16="http://schemas.microsoft.com/office/drawing/2014/main" xmlns:p14="http://schemas.microsoft.com/office/powerpoint/2010/main" xmlns:a14="http://schemas.microsoft.com/office/drawing/2010/main" w="9525">
+                <a14:hiddenLine xmlns:a14="http://schemas.microsoft.com/office/drawing/2010/main" xmlns:p14="http://schemas.microsoft.com/office/powerpoint/2010/main" xmlns:a16="http://schemas.microsoft.com/office/drawing/2014/main" xmlns="" w="9525">
                   <a:solidFill>
                     <a:srgbClr val="000000"/>
                   </a:solidFill>
@@ -16749,7 +16752,7 @@
             </a:ln>
             <a:extLst>
               <a:ext uri="{91240B29-F687-4f45-9708-019B960494DF}">
-                <a14:hiddenLine xmlns="" xmlns:a16="http://schemas.microsoft.com/office/drawing/2014/main" xmlns:p14="http://schemas.microsoft.com/office/powerpoint/2010/main" xmlns:a14="http://schemas.microsoft.com/office/drawing/2010/main" w="9525">
+                <a14:hiddenLine xmlns:a14="http://schemas.microsoft.com/office/drawing/2010/main" xmlns:p14="http://schemas.microsoft.com/office/powerpoint/2010/main" xmlns:a16="http://schemas.microsoft.com/office/drawing/2014/main" xmlns="" w="9525">
                   <a:solidFill>
                     <a:srgbClr val="000000"/>
                   </a:solidFill>
@@ -16861,7 +16864,7 @@
             </a:ln>
             <a:extLst>
               <a:ext uri="{91240B29-F687-4f45-9708-019B960494DF}">
-                <a14:hiddenLine xmlns="" xmlns:a16="http://schemas.microsoft.com/office/drawing/2014/main" xmlns:p14="http://schemas.microsoft.com/office/powerpoint/2010/main" xmlns:a14="http://schemas.microsoft.com/office/drawing/2010/main" w="9525">
+                <a14:hiddenLine xmlns:a14="http://schemas.microsoft.com/office/drawing/2010/main" xmlns:p14="http://schemas.microsoft.com/office/powerpoint/2010/main" xmlns:a16="http://schemas.microsoft.com/office/drawing/2014/main" xmlns="" w="9525">
                   <a:solidFill>
                     <a:srgbClr val="000000"/>
                   </a:solidFill>
@@ -16973,7 +16976,7 @@
             </a:ln>
             <a:extLst>
               <a:ext uri="{91240B29-F687-4f45-9708-019B960494DF}">
-                <a14:hiddenLine xmlns="" xmlns:a16="http://schemas.microsoft.com/office/drawing/2014/main" xmlns:p14="http://schemas.microsoft.com/office/powerpoint/2010/main" xmlns:a14="http://schemas.microsoft.com/office/drawing/2010/main" w="9525">
+                <a14:hiddenLine xmlns:a14="http://schemas.microsoft.com/office/drawing/2010/main" xmlns:p14="http://schemas.microsoft.com/office/powerpoint/2010/main" xmlns:a16="http://schemas.microsoft.com/office/drawing/2014/main" xmlns="" w="9525">
                   <a:solidFill>
                     <a:srgbClr val="000000"/>
                   </a:solidFill>
@@ -17060,7 +17063,7 @@
             </a:ln>
             <a:extLst>
               <a:ext uri="{91240B29-F687-4f45-9708-019B960494DF}">
-                <a14:hiddenLine xmlns="" xmlns:a16="http://schemas.microsoft.com/office/drawing/2014/main" xmlns:p14="http://schemas.microsoft.com/office/powerpoint/2010/main" xmlns:a14="http://schemas.microsoft.com/office/drawing/2010/main" w="9525">
+                <a14:hiddenLine xmlns:a14="http://schemas.microsoft.com/office/drawing/2010/main" xmlns:p14="http://schemas.microsoft.com/office/powerpoint/2010/main" xmlns:a16="http://schemas.microsoft.com/office/drawing/2014/main" xmlns="" w="9525">
                   <a:solidFill>
                     <a:srgbClr val="000000"/>
                   </a:solidFill>
@@ -17144,7 +17147,7 @@
             </a:ln>
             <a:extLst>
               <a:ext uri="{91240B29-F687-4f45-9708-019B960494DF}">
-                <a14:hiddenLine xmlns="" xmlns:a16="http://schemas.microsoft.com/office/drawing/2014/main" xmlns:p14="http://schemas.microsoft.com/office/powerpoint/2010/main" xmlns:a14="http://schemas.microsoft.com/office/drawing/2010/main" w="9525">
+                <a14:hiddenLine xmlns:a14="http://schemas.microsoft.com/office/drawing/2010/main" xmlns:p14="http://schemas.microsoft.com/office/powerpoint/2010/main" xmlns:a16="http://schemas.microsoft.com/office/drawing/2014/main" xmlns="" w="9525">
                   <a:solidFill>
                     <a:srgbClr val="000000"/>
                   </a:solidFill>
@@ -17256,7 +17259,7 @@
             </a:ln>
             <a:extLst>
               <a:ext uri="{91240B29-F687-4f45-9708-019B960494DF}">
-                <a14:hiddenLine xmlns="" xmlns:a16="http://schemas.microsoft.com/office/drawing/2014/main" xmlns:p14="http://schemas.microsoft.com/office/powerpoint/2010/main" xmlns:a14="http://schemas.microsoft.com/office/drawing/2010/main" w="9525">
+                <a14:hiddenLine xmlns:a14="http://schemas.microsoft.com/office/drawing/2010/main" xmlns:p14="http://schemas.microsoft.com/office/powerpoint/2010/main" xmlns:a16="http://schemas.microsoft.com/office/drawing/2014/main" xmlns="" w="9525">
                   <a:solidFill>
                     <a:srgbClr val="000000"/>
                   </a:solidFill>
@@ -17368,7 +17371,7 @@
             </a:ln>
             <a:extLst>
               <a:ext uri="{91240B29-F687-4f45-9708-019B960494DF}">
-                <a14:hiddenLine xmlns="" xmlns:a16="http://schemas.microsoft.com/office/drawing/2014/main" xmlns:p14="http://schemas.microsoft.com/office/powerpoint/2010/main" xmlns:a14="http://schemas.microsoft.com/office/drawing/2010/main" w="9525">
+                <a14:hiddenLine xmlns:a14="http://schemas.microsoft.com/office/drawing/2010/main" xmlns:p14="http://schemas.microsoft.com/office/powerpoint/2010/main" xmlns:a16="http://schemas.microsoft.com/office/drawing/2014/main" xmlns="" w="9525">
                   <a:solidFill>
                     <a:srgbClr val="000000"/>
                   </a:solidFill>
@@ -17452,7 +17455,7 @@
             </a:ln>
             <a:extLst>
               <a:ext uri="{91240B29-F687-4f45-9708-019B960494DF}">
-                <a14:hiddenLine xmlns="" xmlns:a16="http://schemas.microsoft.com/office/drawing/2014/main" xmlns:p14="http://schemas.microsoft.com/office/powerpoint/2010/main" xmlns:a14="http://schemas.microsoft.com/office/drawing/2010/main" w="9525">
+                <a14:hiddenLine xmlns:a14="http://schemas.microsoft.com/office/drawing/2010/main" xmlns:p14="http://schemas.microsoft.com/office/powerpoint/2010/main" xmlns:a16="http://schemas.microsoft.com/office/drawing/2014/main" xmlns="" w="9525">
                   <a:solidFill>
                     <a:srgbClr val="000000"/>
                   </a:solidFill>
@@ -17594,7 +17597,7 @@
             </a:ln>
             <a:extLst>
               <a:ext uri="{91240B29-F687-4f45-9708-019B960494DF}">
-                <a14:hiddenLine xmlns="" xmlns:a16="http://schemas.microsoft.com/office/drawing/2014/main" xmlns:p14="http://schemas.microsoft.com/office/powerpoint/2010/main" xmlns:a14="http://schemas.microsoft.com/office/drawing/2010/main" w="9525">
+                <a14:hiddenLine xmlns:a14="http://schemas.microsoft.com/office/drawing/2010/main" xmlns:p14="http://schemas.microsoft.com/office/powerpoint/2010/main" xmlns:a16="http://schemas.microsoft.com/office/drawing/2014/main" xmlns="" w="9525">
                   <a:solidFill>
                     <a:srgbClr val="000000"/>
                   </a:solidFill>
@@ -17684,7 +17687,7 @@
             </a:ln>
             <a:extLst>
               <a:ext uri="{91240B29-F687-4f45-9708-019B960494DF}">
-                <a14:hiddenLine xmlns="" xmlns:a16="http://schemas.microsoft.com/office/drawing/2014/main" xmlns:p14="http://schemas.microsoft.com/office/powerpoint/2010/main" xmlns:a14="http://schemas.microsoft.com/office/drawing/2010/main" w="9525">
+                <a14:hiddenLine xmlns:a14="http://schemas.microsoft.com/office/drawing/2010/main" xmlns:p14="http://schemas.microsoft.com/office/powerpoint/2010/main" xmlns:a16="http://schemas.microsoft.com/office/drawing/2014/main" xmlns="" w="9525">
                   <a:solidFill>
                     <a:srgbClr val="000000"/>
                   </a:solidFill>
@@ -17796,7 +17799,7 @@
             </a:ln>
             <a:extLst>
               <a:ext uri="{91240B29-F687-4f45-9708-019B960494DF}">
-                <a14:hiddenLine xmlns="" xmlns:a16="http://schemas.microsoft.com/office/drawing/2014/main" xmlns:p14="http://schemas.microsoft.com/office/powerpoint/2010/main" xmlns:a14="http://schemas.microsoft.com/office/drawing/2010/main" w="9525">
+                <a14:hiddenLine xmlns:a14="http://schemas.microsoft.com/office/drawing/2010/main" xmlns:p14="http://schemas.microsoft.com/office/powerpoint/2010/main" xmlns:a16="http://schemas.microsoft.com/office/drawing/2014/main" xmlns="" w="9525">
                   <a:solidFill>
                     <a:srgbClr val="000000"/>
                   </a:solidFill>
@@ -17871,7 +17874,7 @@
           <a:noFill/>
           <a:extLst>
             <a:ext uri="{909E8E84-426E-40dd-AFC4-6F175D3DCCD1}">
-              <a14:hiddenFill xmlns="" xmlns:a16="http://schemas.microsoft.com/office/drawing/2014/main" xmlns:p14="http://schemas.microsoft.com/office/powerpoint/2010/main" xmlns:a14="http://schemas.microsoft.com/office/drawing/2010/main">
+              <a14:hiddenFill xmlns:a14="http://schemas.microsoft.com/office/drawing/2010/main" xmlns:p14="http://schemas.microsoft.com/office/powerpoint/2010/main" xmlns:a16="http://schemas.microsoft.com/office/drawing/2014/main" xmlns="">
                 <a:solidFill>
                   <a:srgbClr val="FFFFFF"/>
                 </a:solidFill>
@@ -18393,7 +18396,7 @@
         <p:spPr>
           <a:xfrm>
             <a:off x="1143000" y="1432017"/>
-            <a:ext cx="9905999" cy="4547441"/>
+            <a:ext cx="9905999" cy="672145"/>
           </a:xfrm>
         </p:spPr>
         <p:txBody>
@@ -18408,37 +18411,6 @@
             <a:r>
               <a:rPr lang="en-IN" dirty="0"/>
               <a:t>The operators apply to every value of the instant vector.</a:t>
-            </a:r>
-          </a:p>
-          <a:p>
-            <a:pPr marL="0" indent="0">
-              <a:buNone/>
-            </a:pPr>
-            <a:endParaRPr lang="en-IN" dirty="0"/>
-          </a:p>
-          <a:p>
-            <a:pPr marL="0" indent="0">
-              <a:buNone/>
-            </a:pPr>
-            <a:r>
-              <a:rPr lang="en-IN" dirty="0"/>
-              <a:t>If we are performing </a:t>
-            </a:r>
-            <a:r>
-              <a:rPr lang="en-IN" dirty="0" err="1"/>
-              <a:t>Instant_Vector</a:t>
-            </a:r>
-            <a:r>
-              <a:rPr lang="en-IN" dirty="0"/>
-              <a:t> + </a:t>
-            </a:r>
-            <a:r>
-              <a:rPr lang="en-IN" dirty="0" err="1"/>
-              <a:t>Instant_Vector</a:t>
-            </a:r>
-            <a:r>
-              <a:rPr lang="en-IN" dirty="0"/>
-              <a:t> then the operators apply to every value of left vector and its matching value in the right vector.</a:t>
             </a:r>
           </a:p>
         </p:txBody>
@@ -18486,10 +18458,668 @@
           </a:p>
         </p:txBody>
       </p:sp>
+      <p:pic>
+        <p:nvPicPr>
+          <p:cNvPr id="3" name="Picture 2" descr="A screenshot of a cell phone&#10;&#10;Description automatically generated">
+            <a:extLst>
+              <a:ext uri="{FF2B5EF4-FFF2-40B4-BE49-F238E27FC236}">
+                <a16:creationId xmlns:a16="http://schemas.microsoft.com/office/drawing/2014/main" id="{682485B5-3F22-41AA-FAA0-3E9762486140}"/>
+              </a:ext>
+            </a:extLst>
+          </p:cNvPr>
+          <p:cNvPicPr>
+            <a:picLocks noChangeAspect="1"/>
+          </p:cNvPicPr>
+          <p:nvPr/>
+        </p:nvPicPr>
+        <p:blipFill>
+          <a:blip r:embed="rId2">
+            <a:extLst>
+              <a:ext uri="{28A0092B-C50C-407E-A947-70E740481C1C}">
+                <a14:useLocalDpi xmlns:a14="http://schemas.microsoft.com/office/drawing/2010/main" val="0"/>
+              </a:ext>
+            </a:extLst>
+          </a:blip>
+          <a:stretch>
+            <a:fillRect/>
+          </a:stretch>
+        </p:blipFill>
+        <p:spPr>
+          <a:xfrm>
+            <a:off x="1141413" y="2229668"/>
+            <a:ext cx="3300693" cy="3804774"/>
+          </a:xfrm>
+          <a:prstGeom prst="rect">
+            <a:avLst/>
+          </a:prstGeom>
+        </p:spPr>
+      </p:pic>
+      <p:sp>
+        <p:nvSpPr>
+          <p:cNvPr id="4" name="TextBox 3">
+            <a:extLst>
+              <a:ext uri="{FF2B5EF4-FFF2-40B4-BE49-F238E27FC236}">
+                <a16:creationId xmlns:a16="http://schemas.microsoft.com/office/drawing/2014/main" id="{0E3964FB-AB85-E88F-7A5A-023719E52D48}"/>
+              </a:ext>
+            </a:extLst>
+          </p:cNvPr>
+          <p:cNvSpPr txBox="1"/>
+          <p:nvPr/>
+        </p:nvSpPr>
+        <p:spPr>
+          <a:xfrm>
+            <a:off x="5174083" y="2229668"/>
+            <a:ext cx="5874916" cy="2308324"/>
+          </a:xfrm>
+          <a:prstGeom prst="rect">
+            <a:avLst/>
+          </a:prstGeom>
+          <a:noFill/>
+        </p:spPr>
+        <p:txBody>
+          <a:bodyPr wrap="square" rtlCol="0">
+            <a:spAutoFit/>
+          </a:bodyPr>
+          <a:lstStyle/>
+          <a:p>
+            <a:r>
+              <a:rPr lang="en-IN" sz="2400" dirty="0"/>
+              <a:t>If we are performing,</a:t>
+            </a:r>
+          </a:p>
+          <a:p>
+            <a:r>
+              <a:rPr lang="en-IN" sz="2400" dirty="0"/>
+              <a:t> 	</a:t>
+            </a:r>
+            <a:r>
+              <a:rPr lang="en-IN" sz="2400" dirty="0" err="1"/>
+              <a:t>Instant_Vector</a:t>
+            </a:r>
+            <a:r>
+              <a:rPr lang="en-IN" sz="2400" dirty="0"/>
+              <a:t> + </a:t>
+            </a:r>
+            <a:r>
+              <a:rPr lang="en-IN" sz="2400" dirty="0" err="1"/>
+              <a:t>Instant_Vector</a:t>
+            </a:r>
+            <a:r>
+              <a:rPr lang="en-IN" sz="2400" dirty="0"/>
+              <a:t> </a:t>
+            </a:r>
+          </a:p>
+          <a:p>
+            <a:r>
+              <a:rPr lang="en-IN" sz="2400" dirty="0"/>
+              <a:t>						then the operators apply to every value of left vector and its matching value in the right vector.</a:t>
+            </a:r>
+          </a:p>
+          <a:p>
+            <a:endParaRPr lang="en-IN" sz="2400" dirty="0"/>
+          </a:p>
+        </p:txBody>
+      </p:sp>
     </p:spTree>
     <p:extLst>
       <p:ext uri="{BB962C8B-B14F-4D97-AF65-F5344CB8AC3E}">
         <p14:creationId xmlns:p14="http://schemas.microsoft.com/office/powerpoint/2010/main" val="210603360"/>
+      </p:ext>
+    </p:extLst>
+  </p:cSld>
+  <p:clrMapOvr>
+    <a:masterClrMapping/>
+  </p:clrMapOvr>
+</p:sld>
+</file>
+
+<file path=ppt/slides/slide14.xml><?xml version="1.0" encoding="utf-8"?>
+<p:sld xmlns:a="http://schemas.openxmlformats.org/drawingml/2006/main" xmlns:r="http://schemas.openxmlformats.org/officeDocument/2006/relationships" xmlns:p="http://schemas.openxmlformats.org/presentationml/2006/main">
+  <p:cSld>
+    <p:spTree>
+      <p:nvGrpSpPr>
+        <p:cNvPr id="1" name="">
+          <a:extLst>
+            <a:ext uri="{FF2B5EF4-FFF2-40B4-BE49-F238E27FC236}">
+              <a16:creationId xmlns:a16="http://schemas.microsoft.com/office/drawing/2014/main" id="{D393A442-E2AF-AEBD-E819-D15521D0E5DF}"/>
+            </a:ext>
+          </a:extLst>
+        </p:cNvPr>
+        <p:cNvGrpSpPr/>
+        <p:nvPr/>
+      </p:nvGrpSpPr>
+      <p:grpSpPr>
+        <a:xfrm>
+          <a:off x="0" y="0"/>
+          <a:ext cx="0" cy="0"/>
+          <a:chOff x="0" y="0"/>
+          <a:chExt cx="0" cy="0"/>
+        </a:xfrm>
+      </p:grpSpPr>
+      <p:sp>
+        <p:nvSpPr>
+          <p:cNvPr id="5" name="Content Placeholder 6">
+            <a:extLst>
+              <a:ext uri="{FF2B5EF4-FFF2-40B4-BE49-F238E27FC236}">
+                <a16:creationId xmlns:a16="http://schemas.microsoft.com/office/drawing/2014/main" id="{1DE298CE-D31E-D010-A4F5-91AE75098616}"/>
+              </a:ext>
+            </a:extLst>
+          </p:cNvPr>
+          <p:cNvSpPr>
+            <a:spLocks noGrp="1"/>
+          </p:cNvSpPr>
+          <p:nvPr>
+            <p:ph idx="1"/>
+          </p:nvPr>
+        </p:nvSpPr>
+        <p:spPr>
+          <a:xfrm>
+            <a:off x="1143000" y="1432017"/>
+            <a:ext cx="9905999" cy="672145"/>
+          </a:xfrm>
+        </p:spPr>
+        <p:txBody>
+          <a:bodyPr>
+            <a:normAutofit/>
+          </a:bodyPr>
+          <a:lstStyle/>
+          <a:p>
+            <a:pPr marL="0" indent="0">
+              <a:buNone/>
+            </a:pPr>
+            <a:r>
+              <a:rPr lang="en-IN" dirty="0"/>
+              <a:t>These operators are used to write queries in </a:t>
+            </a:r>
+            <a:r>
+              <a:rPr lang="en-IN" dirty="0" err="1"/>
+              <a:t>prometheus</a:t>
+            </a:r>
+            <a:r>
+              <a:rPr lang="en-IN" dirty="0"/>
+              <a:t>.</a:t>
+            </a:r>
+          </a:p>
+        </p:txBody>
+      </p:sp>
+      <p:sp>
+        <p:nvSpPr>
+          <p:cNvPr id="8" name="TextBox 7">
+            <a:extLst>
+              <a:ext uri="{FF2B5EF4-FFF2-40B4-BE49-F238E27FC236}">
+                <a16:creationId xmlns:a16="http://schemas.microsoft.com/office/drawing/2014/main" id="{D8E5DE82-7168-B7A3-E0ED-B10CB720FFAC}"/>
+              </a:ext>
+            </a:extLst>
+          </p:cNvPr>
+          <p:cNvSpPr txBox="1"/>
+          <p:nvPr/>
+        </p:nvSpPr>
+        <p:spPr>
+          <a:xfrm>
+            <a:off x="1141413" y="582706"/>
+            <a:ext cx="8065340" cy="646331"/>
+          </a:xfrm>
+          <a:prstGeom prst="rect">
+            <a:avLst/>
+          </a:prstGeom>
+          <a:noFill/>
+        </p:spPr>
+        <p:txBody>
+          <a:bodyPr wrap="square" rtlCol="0">
+            <a:spAutoFit/>
+          </a:bodyPr>
+          <a:lstStyle/>
+          <a:p>
+            <a:r>
+              <a:rPr lang="en-IN" sz="3600" b="1" dirty="0">
+                <a:effectLst>
+                  <a:outerShdw blurRad="38100" dist="38100" dir="2700000" algn="tl">
+                    <a:srgbClr val="000000">
+                      <a:alpha val="43137"/>
+                    </a:srgbClr>
+                  </a:outerShdw>
+                </a:effectLst>
+              </a:rPr>
+              <a:t>Binary/ Comparison Operators </a:t>
+            </a:r>
+          </a:p>
+        </p:txBody>
+      </p:sp>
+      <p:pic>
+        <p:nvPicPr>
+          <p:cNvPr id="6" name="Picture 5" descr="A table with text on it&#10;&#10;Description automatically generated">
+            <a:extLst>
+              <a:ext uri="{FF2B5EF4-FFF2-40B4-BE49-F238E27FC236}">
+                <a16:creationId xmlns:a16="http://schemas.microsoft.com/office/drawing/2014/main" id="{3E07A54B-EC83-71C6-E515-608377D51374}"/>
+              </a:ext>
+            </a:extLst>
+          </p:cNvPr>
+          <p:cNvPicPr>
+            <a:picLocks noChangeAspect="1"/>
+          </p:cNvPicPr>
+          <p:nvPr/>
+        </p:nvPicPr>
+        <p:blipFill>
+          <a:blip r:embed="rId2">
+            <a:extLst>
+              <a:ext uri="{28A0092B-C50C-407E-A947-70E740481C1C}">
+                <a14:useLocalDpi xmlns:a14="http://schemas.microsoft.com/office/drawing/2010/main" val="0"/>
+              </a:ext>
+            </a:extLst>
+          </a:blip>
+          <a:stretch>
+            <a:fillRect/>
+          </a:stretch>
+        </p:blipFill>
+        <p:spPr>
+          <a:xfrm>
+            <a:off x="1141413" y="2300722"/>
+            <a:ext cx="4219481" cy="3390261"/>
+          </a:xfrm>
+          <a:prstGeom prst="rect">
+            <a:avLst/>
+          </a:prstGeom>
+        </p:spPr>
+      </p:pic>
+    </p:spTree>
+    <p:extLst>
+      <p:ext uri="{BB962C8B-B14F-4D97-AF65-F5344CB8AC3E}">
+        <p14:creationId xmlns:p14="http://schemas.microsoft.com/office/powerpoint/2010/main" val="34853046"/>
+      </p:ext>
+    </p:extLst>
+  </p:cSld>
+  <p:clrMapOvr>
+    <a:masterClrMapping/>
+  </p:clrMapOvr>
+</p:sld>
+</file>
+
+<file path=ppt/slides/slide15.xml><?xml version="1.0" encoding="utf-8"?>
+<p:sld xmlns:a="http://schemas.openxmlformats.org/drawingml/2006/main" xmlns:r="http://schemas.openxmlformats.org/officeDocument/2006/relationships" xmlns:p="http://schemas.openxmlformats.org/presentationml/2006/main">
+  <p:cSld>
+    <p:spTree>
+      <p:nvGrpSpPr>
+        <p:cNvPr id="1" name="">
+          <a:extLst>
+            <a:ext uri="{FF2B5EF4-FFF2-40B4-BE49-F238E27FC236}">
+              <a16:creationId xmlns:a16="http://schemas.microsoft.com/office/drawing/2014/main" id="{D393A442-E2AF-AEBD-E819-D15521D0E5DF}"/>
+            </a:ext>
+          </a:extLst>
+        </p:cNvPr>
+        <p:cNvGrpSpPr/>
+        <p:nvPr/>
+      </p:nvGrpSpPr>
+      <p:grpSpPr>
+        <a:xfrm>
+          <a:off x="0" y="0"/>
+          <a:ext cx="0" cy="0"/>
+          <a:chOff x="0" y="0"/>
+          <a:chExt cx="0" cy="0"/>
+        </a:xfrm>
+      </p:grpSpPr>
+      <p:sp>
+        <p:nvSpPr>
+          <p:cNvPr id="5" name="Content Placeholder 6">
+            <a:extLst>
+              <a:ext uri="{FF2B5EF4-FFF2-40B4-BE49-F238E27FC236}">
+                <a16:creationId xmlns:a16="http://schemas.microsoft.com/office/drawing/2014/main" id="{1DE298CE-D31E-D010-A4F5-91AE75098616}"/>
+              </a:ext>
+            </a:extLst>
+          </p:cNvPr>
+          <p:cNvSpPr>
+            <a:spLocks noGrp="1"/>
+          </p:cNvSpPr>
+          <p:nvPr>
+            <p:ph idx="1"/>
+          </p:nvPr>
+        </p:nvSpPr>
+        <p:spPr>
+          <a:xfrm>
+            <a:off x="1143000" y="1432017"/>
+            <a:ext cx="9905999" cy="4287465"/>
+          </a:xfrm>
+        </p:spPr>
+        <p:txBody>
+          <a:bodyPr>
+            <a:normAutofit/>
+          </a:bodyPr>
+          <a:lstStyle/>
+          <a:p>
+            <a:pPr marL="0" indent="0">
+              <a:buNone/>
+            </a:pPr>
+            <a:r>
+              <a:rPr lang="en-IN" dirty="0"/>
+              <a:t>These vectors can be applied on Instant Vectors only.</a:t>
+            </a:r>
+          </a:p>
+          <a:p>
+            <a:pPr marL="0" indent="0">
+              <a:buNone/>
+            </a:pPr>
+            <a:r>
+              <a:rPr lang="en-IN" dirty="0"/>
+              <a:t>They are: </a:t>
+            </a:r>
+          </a:p>
+          <a:p>
+            <a:pPr lvl="1"/>
+            <a:r>
+              <a:rPr lang="en-IN" dirty="0"/>
+              <a:t>and</a:t>
+            </a:r>
+          </a:p>
+          <a:p>
+            <a:pPr lvl="1"/>
+            <a:r>
+              <a:rPr lang="en-IN" dirty="0"/>
+              <a:t>or</a:t>
+            </a:r>
+          </a:p>
+          <a:p>
+            <a:pPr lvl="1"/>
+            <a:r>
+              <a:rPr lang="en-IN" dirty="0"/>
+              <a:t>unless</a:t>
+            </a:r>
+          </a:p>
+          <a:p>
+            <a:pPr marL="0" indent="0">
+              <a:buNone/>
+            </a:pPr>
+            <a:endParaRPr lang="en-IN" dirty="0"/>
+          </a:p>
+          <a:p>
+            <a:pPr marL="0" indent="0">
+              <a:buNone/>
+            </a:pPr>
+            <a:r>
+              <a:rPr lang="en-IN" dirty="0"/>
+              <a:t>! unless </a:t>
+            </a:r>
+            <a:r>
+              <a:rPr lang="en-IN" dirty="0">
+                <a:sym typeface="Wingdings" panose="05000000000000000000" pitchFamily="2" charset="2"/>
+              </a:rPr>
+              <a:t> Gives the items in the left instant vector of the operator that doesn’t exist in the right instant vector.</a:t>
+            </a:r>
+            <a:endParaRPr lang="en-IN" dirty="0"/>
+          </a:p>
+        </p:txBody>
+      </p:sp>
+      <p:sp>
+        <p:nvSpPr>
+          <p:cNvPr id="8" name="TextBox 7">
+            <a:extLst>
+              <a:ext uri="{FF2B5EF4-FFF2-40B4-BE49-F238E27FC236}">
+                <a16:creationId xmlns:a16="http://schemas.microsoft.com/office/drawing/2014/main" id="{D8E5DE82-7168-B7A3-E0ED-B10CB720FFAC}"/>
+              </a:ext>
+            </a:extLst>
+          </p:cNvPr>
+          <p:cNvSpPr txBox="1"/>
+          <p:nvPr/>
+        </p:nvSpPr>
+        <p:spPr>
+          <a:xfrm>
+            <a:off x="1141413" y="582706"/>
+            <a:ext cx="8065340" cy="646331"/>
+          </a:xfrm>
+          <a:prstGeom prst="rect">
+            <a:avLst/>
+          </a:prstGeom>
+          <a:noFill/>
+        </p:spPr>
+        <p:txBody>
+          <a:bodyPr wrap="square" rtlCol="0">
+            <a:spAutoFit/>
+          </a:bodyPr>
+          <a:lstStyle/>
+          <a:p>
+            <a:r>
+              <a:rPr lang="en-IN" sz="3600" b="1" dirty="0">
+                <a:effectLst>
+                  <a:outerShdw blurRad="38100" dist="38100" dir="2700000" algn="tl">
+                    <a:srgbClr val="000000">
+                      <a:alpha val="43137"/>
+                    </a:srgbClr>
+                  </a:outerShdw>
+                </a:effectLst>
+              </a:rPr>
+              <a:t>Set Binary Operators </a:t>
+            </a:r>
+          </a:p>
+        </p:txBody>
+      </p:sp>
+    </p:spTree>
+    <p:extLst>
+      <p:ext uri="{BB962C8B-B14F-4D97-AF65-F5344CB8AC3E}">
+        <p14:creationId xmlns:p14="http://schemas.microsoft.com/office/powerpoint/2010/main" val="4151241813"/>
+      </p:ext>
+    </p:extLst>
+  </p:cSld>
+  <p:clrMapOvr>
+    <a:masterClrMapping/>
+  </p:clrMapOvr>
+</p:sld>
+</file>
+
+<file path=ppt/slides/slide16.xml><?xml version="1.0" encoding="utf-8"?>
+<p:sld xmlns:a="http://schemas.openxmlformats.org/drawingml/2006/main" xmlns:r="http://schemas.openxmlformats.org/officeDocument/2006/relationships" xmlns:p="http://schemas.openxmlformats.org/presentationml/2006/main">
+  <p:cSld>
+    <p:spTree>
+      <p:nvGrpSpPr>
+        <p:cNvPr id="1" name="">
+          <a:extLst>
+            <a:ext uri="{FF2B5EF4-FFF2-40B4-BE49-F238E27FC236}">
+              <a16:creationId xmlns:a16="http://schemas.microsoft.com/office/drawing/2014/main" id="{D393A442-E2AF-AEBD-E819-D15521D0E5DF}"/>
+            </a:ext>
+          </a:extLst>
+        </p:cNvPr>
+        <p:cNvGrpSpPr/>
+        <p:nvPr/>
+      </p:nvGrpSpPr>
+      <p:grpSpPr>
+        <a:xfrm>
+          <a:off x="0" y="0"/>
+          <a:ext cx="0" cy="0"/>
+          <a:chOff x="0" y="0"/>
+          <a:chExt cx="0" cy="0"/>
+        </a:xfrm>
+      </p:grpSpPr>
+      <p:sp>
+        <p:nvSpPr>
+          <p:cNvPr id="5" name="Content Placeholder 6">
+            <a:extLst>
+              <a:ext uri="{FF2B5EF4-FFF2-40B4-BE49-F238E27FC236}">
+                <a16:creationId xmlns:a16="http://schemas.microsoft.com/office/drawing/2014/main" id="{1DE298CE-D31E-D010-A4F5-91AE75098616}"/>
+              </a:ext>
+            </a:extLst>
+          </p:cNvPr>
+          <p:cNvSpPr>
+            <a:spLocks noGrp="1"/>
+          </p:cNvSpPr>
+          <p:nvPr>
+            <p:ph idx="1"/>
+          </p:nvPr>
+        </p:nvSpPr>
+        <p:spPr>
+          <a:xfrm>
+            <a:off x="1143000" y="1432017"/>
+            <a:ext cx="9905999" cy="4287465"/>
+          </a:xfrm>
+        </p:spPr>
+        <p:txBody>
+          <a:bodyPr>
+            <a:normAutofit/>
+          </a:bodyPr>
+          <a:lstStyle/>
+          <a:p>
+            <a:pPr marL="0" indent="0">
+              <a:buNone/>
+            </a:pPr>
+            <a:r>
+              <a:rPr lang="en-IN" dirty="0"/>
+              <a:t>Query </a:t>
+            </a:r>
+            <a:r>
+              <a:rPr lang="en-IN" dirty="0">
+                <a:sym typeface="Wingdings" panose="05000000000000000000" pitchFamily="2" charset="2"/>
+              </a:rPr>
+              <a:t> &lt;</a:t>
+            </a:r>
+            <a:r>
+              <a:rPr lang="en-IN" dirty="0" err="1">
+                <a:sym typeface="Wingdings" panose="05000000000000000000" pitchFamily="2" charset="2"/>
+              </a:rPr>
+              <a:t>metric_name</a:t>
+            </a:r>
+            <a:r>
+              <a:rPr lang="en-IN" dirty="0">
+                <a:sym typeface="Wingdings" panose="05000000000000000000" pitchFamily="2" charset="2"/>
+              </a:rPr>
+              <a:t>&gt; {</a:t>
+            </a:r>
+            <a:r>
+              <a:rPr lang="en-IN" dirty="0" err="1">
+                <a:sym typeface="Wingdings" panose="05000000000000000000" pitchFamily="2" charset="2"/>
+              </a:rPr>
+              <a:t>filter_key</a:t>
+            </a:r>
+            <a:r>
+              <a:rPr lang="en-IN" dirty="0">
+                <a:sym typeface="Wingdings" panose="05000000000000000000" pitchFamily="2" charset="2"/>
+              </a:rPr>
+              <a:t>=value, </a:t>
+            </a:r>
+            <a:r>
+              <a:rPr lang="en-IN" dirty="0" err="1">
+                <a:sym typeface="Wingdings" panose="05000000000000000000" pitchFamily="2" charset="2"/>
+              </a:rPr>
+              <a:t>filter_key</a:t>
+            </a:r>
+            <a:r>
+              <a:rPr lang="en-IN" dirty="0">
+                <a:sym typeface="Wingdings" panose="05000000000000000000" pitchFamily="2" charset="2"/>
+              </a:rPr>
+              <a:t>=value, … }</a:t>
+            </a:r>
+          </a:p>
+          <a:p>
+            <a:pPr marL="0" indent="0">
+              <a:buNone/>
+            </a:pPr>
+            <a:r>
+              <a:rPr lang="en-IN" dirty="0">
+                <a:sym typeface="Wingdings" panose="05000000000000000000" pitchFamily="2" charset="2"/>
+              </a:rPr>
+              <a:t>Here the coma(,) works as and ‘=‘ works as a equals condition.</a:t>
+            </a:r>
+          </a:p>
+          <a:p>
+            <a:pPr marL="0" indent="0">
+              <a:buNone/>
+            </a:pPr>
+            <a:endParaRPr lang="en-IN" dirty="0">
+              <a:sym typeface="Wingdings" panose="05000000000000000000" pitchFamily="2" charset="2"/>
+            </a:endParaRPr>
+          </a:p>
+          <a:p>
+            <a:pPr lvl="1">
+              <a:buFont typeface="Wingdings" panose="05000000000000000000" pitchFamily="2" charset="2"/>
+              <a:buChar char="Ø"/>
+            </a:pPr>
+            <a:r>
+              <a:rPr lang="en-IN" dirty="0">
+                <a:sym typeface="Wingdings" panose="05000000000000000000" pitchFamily="2" charset="2"/>
+              </a:rPr>
+              <a:t> =  Two values must be equal</a:t>
+            </a:r>
+          </a:p>
+          <a:p>
+            <a:pPr lvl="1">
+              <a:buFont typeface="Wingdings" panose="05000000000000000000" pitchFamily="2" charset="2"/>
+              <a:buChar char="Ø"/>
+            </a:pPr>
+            <a:r>
+              <a:rPr lang="en-IN" dirty="0">
+                <a:sym typeface="Wingdings" panose="05000000000000000000" pitchFamily="2" charset="2"/>
+              </a:rPr>
+              <a:t> !=  Two values must not be equal</a:t>
+            </a:r>
+          </a:p>
+          <a:p>
+            <a:pPr lvl="1">
+              <a:buFont typeface="Wingdings" panose="05000000000000000000" pitchFamily="2" charset="2"/>
+              <a:buChar char="Ø"/>
+            </a:pPr>
+            <a:r>
+              <a:rPr lang="en-IN" dirty="0">
+                <a:sym typeface="Wingdings" panose="05000000000000000000" pitchFamily="2" charset="2"/>
+              </a:rPr>
+              <a:t> =~  To match with the given Regular Expression ( regex )</a:t>
+            </a:r>
+          </a:p>
+          <a:p>
+            <a:pPr lvl="1">
+              <a:buFont typeface="Wingdings" panose="05000000000000000000" pitchFamily="2" charset="2"/>
+              <a:buChar char="Ø"/>
+            </a:pPr>
+            <a:r>
+              <a:rPr lang="en-IN" dirty="0">
+                <a:sym typeface="Wingdings" panose="05000000000000000000" pitchFamily="2" charset="2"/>
+              </a:rPr>
+              <a:t> !~   The value must not match with the given regex</a:t>
+            </a:r>
+          </a:p>
+        </p:txBody>
+      </p:sp>
+      <p:sp>
+        <p:nvSpPr>
+          <p:cNvPr id="8" name="TextBox 7">
+            <a:extLst>
+              <a:ext uri="{FF2B5EF4-FFF2-40B4-BE49-F238E27FC236}">
+                <a16:creationId xmlns:a16="http://schemas.microsoft.com/office/drawing/2014/main" id="{D8E5DE82-7168-B7A3-E0ED-B10CB720FFAC}"/>
+              </a:ext>
+            </a:extLst>
+          </p:cNvPr>
+          <p:cNvSpPr txBox="1"/>
+          <p:nvPr/>
+        </p:nvSpPr>
+        <p:spPr>
+          <a:xfrm>
+            <a:off x="1141413" y="582706"/>
+            <a:ext cx="8065340" cy="646331"/>
+          </a:xfrm>
+          <a:prstGeom prst="rect">
+            <a:avLst/>
+          </a:prstGeom>
+          <a:noFill/>
+        </p:spPr>
+        <p:txBody>
+          <a:bodyPr wrap="square" rtlCol="0">
+            <a:spAutoFit/>
+          </a:bodyPr>
+          <a:lstStyle/>
+          <a:p>
+            <a:r>
+              <a:rPr lang="en-IN" sz="3600" b="1" dirty="0">
+                <a:effectLst>
+                  <a:outerShdw blurRad="38100" dist="38100" dir="2700000" algn="tl">
+                    <a:srgbClr val="000000">
+                      <a:alpha val="43137"/>
+                    </a:srgbClr>
+                  </a:outerShdw>
+                </a:effectLst>
+              </a:rPr>
+              <a:t>Filter Matchers/ Selectors</a:t>
+            </a:r>
+          </a:p>
+        </p:txBody>
+      </p:sp>
+    </p:spTree>
+    <p:extLst>
+      <p:ext uri="{BB962C8B-B14F-4D97-AF65-F5344CB8AC3E}">
+        <p14:creationId xmlns:p14="http://schemas.microsoft.com/office/powerpoint/2010/main" val="3955305247"/>
       </p:ext>
     </p:extLst>
   </p:cSld>

--- a/Prometheus.pptx
+++ b/Prometheus.pptx
@@ -21,6 +21,9 @@
     <p:sldId id="269" r:id="rId15"/>
     <p:sldId id="270" r:id="rId16"/>
     <p:sldId id="271" r:id="rId17"/>
+    <p:sldId id="272" r:id="rId18"/>
+    <p:sldId id="273" r:id="rId19"/>
+    <p:sldId id="274" r:id="rId20"/>
   </p:sldIdLst>
   <p:sldSz cx="12192000" cy="6858000"/>
   <p:notesSz cx="6858000" cy="9144000"/>
@@ -184,7 +187,7 @@
           <a:noFill/>
           <a:extLst>
             <a:ext uri="{909E8E84-426E-40dd-AFC4-6F175D3DCCD1}">
-              <a14:hiddenFill xmlns="" xmlns:a14="http://schemas.microsoft.com/office/drawing/2010/main">
+              <a14:hiddenFill xmlns:a14="http://schemas.microsoft.com/office/drawing/2010/main" xmlns="">
                 <a:solidFill>
                   <a:srgbClr val="FFFFFF"/>
                 </a:solidFill>
@@ -243,7 +246,7 @@
             </a:ln>
             <a:extLst>
               <a:ext uri="{91240B29-F687-4f45-9708-019B960494DF}">
-                <a14:hiddenLine xmlns="" xmlns:a14="http://schemas.microsoft.com/office/drawing/2010/main" w="9525">
+                <a14:hiddenLine xmlns:a14="http://schemas.microsoft.com/office/drawing/2010/main" xmlns="" w="9525">
                   <a:solidFill>
                     <a:srgbClr val="000000"/>
                   </a:solidFill>
@@ -333,7 +336,7 @@
             </a:ln>
             <a:extLst>
               <a:ext uri="{91240B29-F687-4f45-9708-019B960494DF}">
-                <a14:hiddenLine xmlns="" xmlns:a14="http://schemas.microsoft.com/office/drawing/2010/main" w="9525">
+                <a14:hiddenLine xmlns:a14="http://schemas.microsoft.com/office/drawing/2010/main" xmlns="" w="9525">
                   <a:solidFill>
                     <a:srgbClr val="000000"/>
                   </a:solidFill>
@@ -423,7 +426,7 @@
             </a:ln>
             <a:extLst>
               <a:ext uri="{91240B29-F687-4f45-9708-019B960494DF}">
-                <a14:hiddenLine xmlns="" xmlns:a14="http://schemas.microsoft.com/office/drawing/2010/main" w="9525">
+                <a14:hiddenLine xmlns:a14="http://schemas.microsoft.com/office/drawing/2010/main" xmlns="" w="9525">
                   <a:solidFill>
                     <a:srgbClr val="000000"/>
                   </a:solidFill>
@@ -457,7 +460,7 @@
             </a:ln>
             <a:extLst>
               <a:ext uri="{91240B29-F687-4f45-9708-019B960494DF}">
-                <a14:hiddenLine xmlns="" xmlns:a14="http://schemas.microsoft.com/office/drawing/2010/main" w="9525">
+                <a14:hiddenLine xmlns:a14="http://schemas.microsoft.com/office/drawing/2010/main" xmlns="" w="9525">
                   <a:solidFill>
                     <a:srgbClr val="000000"/>
                   </a:solidFill>
@@ -547,7 +550,7 @@
             </a:ln>
             <a:extLst>
               <a:ext uri="{91240B29-F687-4f45-9708-019B960494DF}">
-                <a14:hiddenLine xmlns="" xmlns:a14="http://schemas.microsoft.com/office/drawing/2010/main" w="9525">
+                <a14:hiddenLine xmlns:a14="http://schemas.microsoft.com/office/drawing/2010/main" xmlns="" w="9525">
                   <a:solidFill>
                     <a:srgbClr val="000000"/>
                   </a:solidFill>
@@ -609,7 +612,7 @@
             </a:ln>
             <a:extLst>
               <a:ext uri="{91240B29-F687-4f45-9708-019B960494DF}">
-                <a14:hiddenLine xmlns="" xmlns:a14="http://schemas.microsoft.com/office/drawing/2010/main" w="9525">
+                <a14:hiddenLine xmlns:a14="http://schemas.microsoft.com/office/drawing/2010/main" xmlns="" w="9525">
                   <a:solidFill>
                     <a:srgbClr val="000000"/>
                   </a:solidFill>
@@ -671,7 +674,7 @@
             </a:ln>
             <a:extLst>
               <a:ext uri="{91240B29-F687-4f45-9708-019B960494DF}">
-                <a14:hiddenLine xmlns="" xmlns:a14="http://schemas.microsoft.com/office/drawing/2010/main" w="9525">
+                <a14:hiddenLine xmlns:a14="http://schemas.microsoft.com/office/drawing/2010/main" xmlns="" w="9525">
                   <a:solidFill>
                     <a:srgbClr val="000000"/>
                   </a:solidFill>
@@ -761,7 +764,7 @@
             </a:ln>
             <a:extLst>
               <a:ext uri="{91240B29-F687-4f45-9708-019B960494DF}">
-                <a14:hiddenLine xmlns="" xmlns:a14="http://schemas.microsoft.com/office/drawing/2010/main" w="9525">
+                <a14:hiddenLine xmlns:a14="http://schemas.microsoft.com/office/drawing/2010/main" xmlns="" w="9525">
                   <a:solidFill>
                     <a:srgbClr val="000000"/>
                   </a:solidFill>
@@ -823,7 +826,7 @@
             </a:ln>
             <a:extLst>
               <a:ext uri="{91240B29-F687-4f45-9708-019B960494DF}">
-                <a14:hiddenLine xmlns="" xmlns:a14="http://schemas.microsoft.com/office/drawing/2010/main" w="9525">
+                <a14:hiddenLine xmlns:a14="http://schemas.microsoft.com/office/drawing/2010/main" xmlns="" w="9525">
                   <a:solidFill>
                     <a:srgbClr val="000000"/>
                   </a:solidFill>
@@ -885,7 +888,7 @@
             </a:ln>
             <a:extLst>
               <a:ext uri="{91240B29-F687-4f45-9708-019B960494DF}">
-                <a14:hiddenLine xmlns="" xmlns:a14="http://schemas.microsoft.com/office/drawing/2010/main" w="9525">
+                <a14:hiddenLine xmlns:a14="http://schemas.microsoft.com/office/drawing/2010/main" xmlns="" w="9525">
                   <a:solidFill>
                     <a:srgbClr val="000000"/>
                   </a:solidFill>
@@ -975,7 +978,7 @@
             </a:ln>
             <a:extLst>
               <a:ext uri="{91240B29-F687-4f45-9708-019B960494DF}">
-                <a14:hiddenLine xmlns="" xmlns:a14="http://schemas.microsoft.com/office/drawing/2010/main" w="9525">
+                <a14:hiddenLine xmlns:a14="http://schemas.microsoft.com/office/drawing/2010/main" xmlns="" w="9525">
                   <a:solidFill>
                     <a:srgbClr val="000000"/>
                   </a:solidFill>
@@ -1065,7 +1068,7 @@
             </a:ln>
             <a:extLst>
               <a:ext uri="{91240B29-F687-4f45-9708-019B960494DF}">
-                <a14:hiddenLine xmlns="" xmlns:a14="http://schemas.microsoft.com/office/drawing/2010/main" w="9525">
+                <a14:hiddenLine xmlns:a14="http://schemas.microsoft.com/office/drawing/2010/main" xmlns="" w="9525">
                   <a:solidFill>
                     <a:srgbClr val="000000"/>
                   </a:solidFill>
@@ -1127,7 +1130,7 @@
             </a:ln>
             <a:extLst>
               <a:ext uri="{91240B29-F687-4f45-9708-019B960494DF}">
-                <a14:hiddenLine xmlns="" xmlns:a14="http://schemas.microsoft.com/office/drawing/2010/main" w="9525">
+                <a14:hiddenLine xmlns:a14="http://schemas.microsoft.com/office/drawing/2010/main" xmlns="" w="9525">
                   <a:solidFill>
                     <a:srgbClr val="000000"/>
                   </a:solidFill>
@@ -1237,7 +1240,7 @@
             </a:ln>
             <a:extLst>
               <a:ext uri="{91240B29-F687-4f45-9708-019B960494DF}">
-                <a14:hiddenLine xmlns="" xmlns:a14="http://schemas.microsoft.com/office/drawing/2010/main" w="9525">
+                <a14:hiddenLine xmlns:a14="http://schemas.microsoft.com/office/drawing/2010/main" xmlns="" w="9525">
                   <a:solidFill>
                     <a:srgbClr val="000000"/>
                   </a:solidFill>
@@ -1299,7 +1302,7 @@
             </a:ln>
             <a:extLst>
               <a:ext uri="{91240B29-F687-4f45-9708-019B960494DF}">
-                <a14:hiddenLine xmlns="" xmlns:a14="http://schemas.microsoft.com/office/drawing/2010/main" w="9525">
+                <a14:hiddenLine xmlns:a14="http://schemas.microsoft.com/office/drawing/2010/main" xmlns="" w="9525">
                   <a:solidFill>
                     <a:srgbClr val="000000"/>
                   </a:solidFill>
@@ -1389,7 +1392,7 @@
             </a:ln>
             <a:extLst>
               <a:ext uri="{91240B29-F687-4f45-9708-019B960494DF}">
-                <a14:hiddenLine xmlns="" xmlns:a14="http://schemas.microsoft.com/office/drawing/2010/main" w="9525">
+                <a14:hiddenLine xmlns:a14="http://schemas.microsoft.com/office/drawing/2010/main" xmlns="" w="9525">
                   <a:solidFill>
                     <a:srgbClr val="000000"/>
                   </a:solidFill>
@@ -1479,7 +1482,7 @@
             </a:ln>
             <a:extLst>
               <a:ext uri="{91240B29-F687-4f45-9708-019B960494DF}">
-                <a14:hiddenLine xmlns="" xmlns:a14="http://schemas.microsoft.com/office/drawing/2010/main" w="9525">
+                <a14:hiddenLine xmlns:a14="http://schemas.microsoft.com/office/drawing/2010/main" xmlns="" w="9525">
                   <a:solidFill>
                     <a:srgbClr val="000000"/>
                   </a:solidFill>
@@ -1541,7 +1544,7 @@
             </a:ln>
             <a:extLst>
               <a:ext uri="{91240B29-F687-4f45-9708-019B960494DF}">
-                <a14:hiddenLine xmlns="" xmlns:a14="http://schemas.microsoft.com/office/drawing/2010/main" w="9525">
+                <a14:hiddenLine xmlns:a14="http://schemas.microsoft.com/office/drawing/2010/main" xmlns="" w="9525">
                   <a:solidFill>
                     <a:srgbClr val="000000"/>
                   </a:solidFill>
@@ -1631,7 +1634,7 @@
             </a:ln>
             <a:extLst>
               <a:ext uri="{91240B29-F687-4f45-9708-019B960494DF}">
-                <a14:hiddenLine xmlns="" xmlns:a14="http://schemas.microsoft.com/office/drawing/2010/main" w="9525">
+                <a14:hiddenLine xmlns:a14="http://schemas.microsoft.com/office/drawing/2010/main" xmlns="" w="9525">
                   <a:solidFill>
                     <a:srgbClr val="000000"/>
                   </a:solidFill>
@@ -1721,7 +1724,7 @@
             </a:ln>
             <a:extLst>
               <a:ext uri="{91240B29-F687-4f45-9708-019B960494DF}">
-                <a14:hiddenLine xmlns="" xmlns:a14="http://schemas.microsoft.com/office/drawing/2010/main" w="9525">
+                <a14:hiddenLine xmlns:a14="http://schemas.microsoft.com/office/drawing/2010/main" xmlns="" w="9525">
                   <a:solidFill>
                     <a:srgbClr val="000000"/>
                   </a:solidFill>
@@ -1777,7 +1780,7 @@
             </a:ln>
             <a:extLst>
               <a:ext uri="{91240B29-F687-4f45-9708-019B960494DF}">
-                <a14:hiddenLine xmlns="" xmlns:a14="http://schemas.microsoft.com/office/drawing/2010/main" w="9525">
+                <a14:hiddenLine xmlns:a14="http://schemas.microsoft.com/office/drawing/2010/main" xmlns="" w="9525">
                   <a:solidFill>
                     <a:srgbClr val="000000"/>
                   </a:solidFill>
@@ -1867,7 +1870,7 @@
             </a:ln>
             <a:extLst>
               <a:ext uri="{91240B29-F687-4f45-9708-019B960494DF}">
-                <a14:hiddenLine xmlns="" xmlns:a14="http://schemas.microsoft.com/office/drawing/2010/main" w="9525">
+                <a14:hiddenLine xmlns:a14="http://schemas.microsoft.com/office/drawing/2010/main" xmlns="" w="9525">
                   <a:solidFill>
                     <a:srgbClr val="000000"/>
                   </a:solidFill>
@@ -1923,7 +1926,7 @@
             </a:ln>
             <a:extLst>
               <a:ext uri="{91240B29-F687-4f45-9708-019B960494DF}">
-                <a14:hiddenLine xmlns="" xmlns:a14="http://schemas.microsoft.com/office/drawing/2010/main" w="9525">
+                <a14:hiddenLine xmlns:a14="http://schemas.microsoft.com/office/drawing/2010/main" xmlns="" w="9525">
                   <a:solidFill>
                     <a:srgbClr val="000000"/>
                   </a:solidFill>
@@ -2013,7 +2016,7 @@
             </a:ln>
             <a:extLst>
               <a:ext uri="{91240B29-F687-4f45-9708-019B960494DF}">
-                <a14:hiddenLine xmlns="" xmlns:a14="http://schemas.microsoft.com/office/drawing/2010/main" w="9525">
+                <a14:hiddenLine xmlns:a14="http://schemas.microsoft.com/office/drawing/2010/main" xmlns="" w="9525">
                   <a:solidFill>
                     <a:srgbClr val="000000"/>
                   </a:solidFill>
@@ -2081,7 +2084,7 @@
             </a:ln>
             <a:extLst>
               <a:ext uri="{91240B29-F687-4f45-9708-019B960494DF}">
-                <a14:hiddenLine xmlns="" xmlns:a14="http://schemas.microsoft.com/office/drawing/2010/main" w="9525">
+                <a14:hiddenLine xmlns:a14="http://schemas.microsoft.com/office/drawing/2010/main" xmlns="" w="9525">
                   <a:solidFill>
                     <a:srgbClr val="000000"/>
                   </a:solidFill>
@@ -2171,7 +2174,7 @@
             </a:ln>
             <a:extLst>
               <a:ext uri="{91240B29-F687-4f45-9708-019B960494DF}">
-                <a14:hiddenLine xmlns="" xmlns:a14="http://schemas.microsoft.com/office/drawing/2010/main" w="9525">
+                <a14:hiddenLine xmlns:a14="http://schemas.microsoft.com/office/drawing/2010/main" xmlns="" w="9525">
                   <a:solidFill>
                     <a:srgbClr val="000000"/>
                   </a:solidFill>
@@ -2239,7 +2242,7 @@
             </a:ln>
             <a:extLst>
               <a:ext uri="{91240B29-F687-4f45-9708-019B960494DF}">
-                <a14:hiddenLine xmlns="" xmlns:a14="http://schemas.microsoft.com/office/drawing/2010/main" w="9525">
+                <a14:hiddenLine xmlns:a14="http://schemas.microsoft.com/office/drawing/2010/main" xmlns="" w="9525">
                   <a:solidFill>
                     <a:srgbClr val="000000"/>
                   </a:solidFill>
@@ -2329,7 +2332,7 @@
             </a:ln>
             <a:extLst>
               <a:ext uri="{91240B29-F687-4f45-9708-019B960494DF}">
-                <a14:hiddenLine xmlns="" xmlns:a14="http://schemas.microsoft.com/office/drawing/2010/main" w="9525">
+                <a14:hiddenLine xmlns:a14="http://schemas.microsoft.com/office/drawing/2010/main" xmlns="" w="9525">
                   <a:solidFill>
                     <a:srgbClr val="000000"/>
                   </a:solidFill>
@@ -2363,7 +2366,7 @@
             </a:ln>
             <a:extLst>
               <a:ext uri="{91240B29-F687-4f45-9708-019B960494DF}">
-                <a14:hiddenLine xmlns="" xmlns:a14="http://schemas.microsoft.com/office/drawing/2010/main" w="9525">
+                <a14:hiddenLine xmlns:a14="http://schemas.microsoft.com/office/drawing/2010/main" xmlns="" w="9525">
                   <a:solidFill>
                     <a:srgbClr val="000000"/>
                   </a:solidFill>
@@ -2453,7 +2456,7 @@
             </a:ln>
             <a:extLst>
               <a:ext uri="{91240B29-F687-4f45-9708-019B960494DF}">
-                <a14:hiddenLine xmlns="" xmlns:a14="http://schemas.microsoft.com/office/drawing/2010/main" w="9525">
+                <a14:hiddenLine xmlns:a14="http://schemas.microsoft.com/office/drawing/2010/main" xmlns="" w="9525">
                   <a:solidFill>
                     <a:srgbClr val="000000"/>
                   </a:solidFill>
@@ -2515,7 +2518,7 @@
             </a:ln>
             <a:extLst>
               <a:ext uri="{91240B29-F687-4f45-9708-019B960494DF}">
-                <a14:hiddenLine xmlns="" xmlns:a14="http://schemas.microsoft.com/office/drawing/2010/main" w="9525">
+                <a14:hiddenLine xmlns:a14="http://schemas.microsoft.com/office/drawing/2010/main" xmlns="" w="9525">
                   <a:solidFill>
                     <a:srgbClr val="000000"/>
                   </a:solidFill>
@@ -2577,7 +2580,7 @@
             </a:ln>
             <a:extLst>
               <a:ext uri="{91240B29-F687-4f45-9708-019B960494DF}">
-                <a14:hiddenLine xmlns="" xmlns:a14="http://schemas.microsoft.com/office/drawing/2010/main" w="9525">
+                <a14:hiddenLine xmlns:a14="http://schemas.microsoft.com/office/drawing/2010/main" xmlns="" w="9525">
                   <a:solidFill>
                     <a:srgbClr val="000000"/>
                   </a:solidFill>
@@ -2667,7 +2670,7 @@
             </a:ln>
             <a:extLst>
               <a:ext uri="{91240B29-F687-4f45-9708-019B960494DF}">
-                <a14:hiddenLine xmlns="" xmlns:a14="http://schemas.microsoft.com/office/drawing/2010/main" w="9525">
+                <a14:hiddenLine xmlns:a14="http://schemas.microsoft.com/office/drawing/2010/main" xmlns="" w="9525">
                   <a:solidFill>
                     <a:srgbClr val="000000"/>
                   </a:solidFill>
@@ -2735,7 +2738,7 @@
             </a:ln>
             <a:extLst>
               <a:ext uri="{91240B29-F687-4f45-9708-019B960494DF}">
-                <a14:hiddenLine xmlns="" xmlns:a14="http://schemas.microsoft.com/office/drawing/2010/main" w="9525">
+                <a14:hiddenLine xmlns:a14="http://schemas.microsoft.com/office/drawing/2010/main" xmlns="" w="9525">
                   <a:solidFill>
                     <a:srgbClr val="000000"/>
                   </a:solidFill>
@@ -2797,7 +2800,7 @@
             </a:ln>
             <a:extLst>
               <a:ext uri="{91240B29-F687-4f45-9708-019B960494DF}">
-                <a14:hiddenLine xmlns="" xmlns:a14="http://schemas.microsoft.com/office/drawing/2010/main" w="9525">
+                <a14:hiddenLine xmlns:a14="http://schemas.microsoft.com/office/drawing/2010/main" xmlns="" w="9525">
                   <a:solidFill>
                     <a:srgbClr val="000000"/>
                   </a:solidFill>
@@ -2887,7 +2890,7 @@
             </a:ln>
             <a:extLst>
               <a:ext uri="{91240B29-F687-4f45-9708-019B960494DF}">
-                <a14:hiddenLine xmlns="" xmlns:a14="http://schemas.microsoft.com/office/drawing/2010/main" w="9525">
+                <a14:hiddenLine xmlns:a14="http://schemas.microsoft.com/office/drawing/2010/main" xmlns="" w="9525">
                   <a:solidFill>
                     <a:srgbClr val="000000"/>
                   </a:solidFill>
@@ -2949,7 +2952,7 @@
             </a:ln>
             <a:extLst>
               <a:ext uri="{91240B29-F687-4f45-9708-019B960494DF}">
-                <a14:hiddenLine xmlns="" xmlns:a14="http://schemas.microsoft.com/office/drawing/2010/main" w="9525">
+                <a14:hiddenLine xmlns:a14="http://schemas.microsoft.com/office/drawing/2010/main" xmlns="" w="9525">
                   <a:solidFill>
                     <a:srgbClr val="000000"/>
                   </a:solidFill>
@@ -3039,7 +3042,7 @@
             </a:ln>
             <a:extLst>
               <a:ext uri="{91240B29-F687-4f45-9708-019B960494DF}">
-                <a14:hiddenLine xmlns="" xmlns:a14="http://schemas.microsoft.com/office/drawing/2010/main" w="9525">
+                <a14:hiddenLine xmlns:a14="http://schemas.microsoft.com/office/drawing/2010/main" xmlns="" w="9525">
                   <a:solidFill>
                     <a:srgbClr val="000000"/>
                   </a:solidFill>
@@ -3101,7 +3104,7 @@
             </a:ln>
             <a:extLst>
               <a:ext uri="{91240B29-F687-4f45-9708-019B960494DF}">
-                <a14:hiddenLine xmlns="" xmlns:a14="http://schemas.microsoft.com/office/drawing/2010/main" w="9525">
+                <a14:hiddenLine xmlns:a14="http://schemas.microsoft.com/office/drawing/2010/main" xmlns="" w="9525">
                   <a:solidFill>
                     <a:srgbClr val="000000"/>
                   </a:solidFill>
@@ -3191,7 +3194,7 @@
             </a:ln>
             <a:extLst>
               <a:ext uri="{91240B29-F687-4f45-9708-019B960494DF}">
-                <a14:hiddenLine xmlns="" xmlns:a14="http://schemas.microsoft.com/office/drawing/2010/main" w="9525">
+                <a14:hiddenLine xmlns:a14="http://schemas.microsoft.com/office/drawing/2010/main" xmlns="" w="9525">
                   <a:solidFill>
                     <a:srgbClr val="000000"/>
                   </a:solidFill>
@@ -3225,7 +3228,7 @@
             </a:ln>
             <a:extLst>
               <a:ext uri="{91240B29-F687-4f45-9708-019B960494DF}">
-                <a14:hiddenLine xmlns="" xmlns:a14="http://schemas.microsoft.com/office/drawing/2010/main" w="9525">
+                <a14:hiddenLine xmlns:a14="http://schemas.microsoft.com/office/drawing/2010/main" xmlns="" w="9525">
                   <a:solidFill>
                     <a:srgbClr val="000000"/>
                   </a:solidFill>
@@ -3290,7 +3293,7 @@
             </a:ln>
             <a:extLst>
               <a:ext uri="{91240B29-F687-4f45-9708-019B960494DF}">
-                <a14:hiddenLine xmlns="" xmlns:a14="http://schemas.microsoft.com/office/drawing/2010/main" w="9525">
+                <a14:hiddenLine xmlns:a14="http://schemas.microsoft.com/office/drawing/2010/main" xmlns="" w="9525">
                   <a:solidFill>
                     <a:srgbClr val="000000"/>
                   </a:solidFill>
@@ -3380,7 +3383,7 @@
             </a:ln>
             <a:extLst>
               <a:ext uri="{91240B29-F687-4f45-9708-019B960494DF}">
-                <a14:hiddenLine xmlns="" xmlns:a14="http://schemas.microsoft.com/office/drawing/2010/main" w="9525">
+                <a14:hiddenLine xmlns:a14="http://schemas.microsoft.com/office/drawing/2010/main" xmlns="" w="9525">
                   <a:solidFill>
                     <a:srgbClr val="000000"/>
                   </a:solidFill>
@@ -3442,7 +3445,7 @@
             </a:ln>
             <a:extLst>
               <a:ext uri="{91240B29-F687-4f45-9708-019B960494DF}">
-                <a14:hiddenLine xmlns="" xmlns:a14="http://schemas.microsoft.com/office/drawing/2010/main" w="9525">
+                <a14:hiddenLine xmlns:a14="http://schemas.microsoft.com/office/drawing/2010/main" xmlns="" w="9525">
                   <a:solidFill>
                     <a:srgbClr val="000000"/>
                   </a:solidFill>
@@ -3532,7 +3535,7 @@
             </a:ln>
             <a:extLst>
               <a:ext uri="{91240B29-F687-4f45-9708-019B960494DF}">
-                <a14:hiddenLine xmlns="" xmlns:a14="http://schemas.microsoft.com/office/drawing/2010/main" w="9525">
+                <a14:hiddenLine xmlns:a14="http://schemas.microsoft.com/office/drawing/2010/main" xmlns="" w="9525">
                   <a:solidFill>
                     <a:srgbClr val="000000"/>
                   </a:solidFill>
@@ -3622,7 +3625,7 @@
             </a:ln>
             <a:extLst>
               <a:ext uri="{91240B29-F687-4f45-9708-019B960494DF}">
-                <a14:hiddenLine xmlns="" xmlns:a14="http://schemas.microsoft.com/office/drawing/2010/main" w="9525">
+                <a14:hiddenLine xmlns:a14="http://schemas.microsoft.com/office/drawing/2010/main" xmlns="" w="9525">
                   <a:solidFill>
                     <a:srgbClr val="000000"/>
                   </a:solidFill>
@@ -3687,7 +3690,7 @@
             </a:ln>
             <a:extLst>
               <a:ext uri="{91240B29-F687-4f45-9708-019B960494DF}">
-                <a14:hiddenLine xmlns="" xmlns:a14="http://schemas.microsoft.com/office/drawing/2010/main" w="9525">
+                <a14:hiddenLine xmlns:a14="http://schemas.microsoft.com/office/drawing/2010/main" xmlns="" w="9525">
                   <a:solidFill>
                     <a:srgbClr val="000000"/>
                   </a:solidFill>
@@ -3749,7 +3752,7 @@
             </a:ln>
             <a:extLst>
               <a:ext uri="{91240B29-F687-4f45-9708-019B960494DF}">
-                <a14:hiddenLine xmlns="" xmlns:a14="http://schemas.microsoft.com/office/drawing/2010/main" w="9525">
+                <a14:hiddenLine xmlns:a14="http://schemas.microsoft.com/office/drawing/2010/main" xmlns="" w="9525">
                   <a:solidFill>
                     <a:srgbClr val="000000"/>
                   </a:solidFill>
@@ -3839,7 +3842,7 @@
             </a:ln>
             <a:extLst>
               <a:ext uri="{91240B29-F687-4f45-9708-019B960494DF}">
-                <a14:hiddenLine xmlns="" xmlns:a14="http://schemas.microsoft.com/office/drawing/2010/main" w="9525">
+                <a14:hiddenLine xmlns:a14="http://schemas.microsoft.com/office/drawing/2010/main" xmlns="" w="9525">
                   <a:solidFill>
                     <a:srgbClr val="000000"/>
                   </a:solidFill>
@@ -3929,7 +3932,7 @@
             </a:ln>
             <a:extLst>
               <a:ext uri="{91240B29-F687-4f45-9708-019B960494DF}">
-                <a14:hiddenLine xmlns="" xmlns:a14="http://schemas.microsoft.com/office/drawing/2010/main" w="9525">
+                <a14:hiddenLine xmlns:a14="http://schemas.microsoft.com/office/drawing/2010/main" xmlns="" w="9525">
                   <a:solidFill>
                     <a:srgbClr val="000000"/>
                   </a:solidFill>
@@ -3991,7 +3994,7 @@
             </a:ln>
             <a:extLst>
               <a:ext uri="{91240B29-F687-4f45-9708-019B960494DF}">
-                <a14:hiddenLine xmlns="" xmlns:a14="http://schemas.microsoft.com/office/drawing/2010/main" w="9525">
+                <a14:hiddenLine xmlns:a14="http://schemas.microsoft.com/office/drawing/2010/main" xmlns="" w="9525">
                   <a:solidFill>
                     <a:srgbClr val="000000"/>
                   </a:solidFill>
@@ -4111,7 +4114,7 @@
             </a:ln>
             <a:extLst>
               <a:ext uri="{91240B29-F687-4f45-9708-019B960494DF}">
-                <a14:hiddenLine xmlns="" xmlns:a14="http://schemas.microsoft.com/office/drawing/2010/main" w="9525">
+                <a14:hiddenLine xmlns:a14="http://schemas.microsoft.com/office/drawing/2010/main" xmlns="" w="9525">
                   <a:solidFill>
                     <a:srgbClr val="000000"/>
                   </a:solidFill>
@@ -4179,7 +4182,7 @@
             </a:ln>
             <a:extLst>
               <a:ext uri="{91240B29-F687-4f45-9708-019B960494DF}">
-                <a14:hiddenLine xmlns="" xmlns:a14="http://schemas.microsoft.com/office/drawing/2010/main" w="9525">
+                <a14:hiddenLine xmlns:a14="http://schemas.microsoft.com/office/drawing/2010/main" xmlns="" w="9525">
                   <a:solidFill>
                     <a:srgbClr val="000000"/>
                   </a:solidFill>
@@ -4269,7 +4272,7 @@
             </a:ln>
             <a:extLst>
               <a:ext uri="{91240B29-F687-4f45-9708-019B960494DF}">
-                <a14:hiddenLine xmlns="" xmlns:a14="http://schemas.microsoft.com/office/drawing/2010/main" w="9525">
+                <a14:hiddenLine xmlns:a14="http://schemas.microsoft.com/office/drawing/2010/main" xmlns="" w="9525">
                   <a:solidFill>
                     <a:srgbClr val="000000"/>
                   </a:solidFill>
@@ -4409,7 +4412,7 @@
           <a:p>
             <a:fld id="{72345051-2045-45DA-935E-2E3CA1A69ADC}" type="datetimeFigureOut">
               <a:rPr lang="en-US" smtClean="0"/>
-              <a:t>2/26/2024</a:t>
+              <a:t>2/27/2024</a:t>
             </a:fld>
             <a:endParaRPr lang="en-US" dirty="0"/>
           </a:p>
@@ -4676,7 +4679,7 @@
           <a:p>
             <a:fld id="{72345051-2045-45DA-935E-2E3CA1A69ADC}" type="datetimeFigureOut">
               <a:rPr lang="en-US" smtClean="0"/>
-              <a:t>2/26/2024</a:t>
+              <a:t>2/27/2024</a:t>
             </a:fld>
             <a:endParaRPr lang="en-US" dirty="0"/>
           </a:p>
@@ -4872,7 +4875,7 @@
           <a:p>
             <a:fld id="{72345051-2045-45DA-935E-2E3CA1A69ADC}" type="datetimeFigureOut">
               <a:rPr lang="en-US" smtClean="0"/>
-              <a:t>2/26/2024</a:t>
+              <a:t>2/27/2024</a:t>
             </a:fld>
             <a:endParaRPr lang="en-US" dirty="0"/>
           </a:p>
@@ -5135,7 +5138,7 @@
           <a:p>
             <a:fld id="{72345051-2045-45DA-935E-2E3CA1A69ADC}" type="datetimeFigureOut">
               <a:rPr lang="en-US" smtClean="0"/>
-              <a:t>2/26/2024</a:t>
+              <a:t>2/27/2024</a:t>
             </a:fld>
             <a:endParaRPr lang="en-US" dirty="0"/>
           </a:p>
@@ -5569,7 +5572,7 @@
           <a:p>
             <a:fld id="{72345051-2045-45DA-935E-2E3CA1A69ADC}" type="datetimeFigureOut">
               <a:rPr lang="en-US" smtClean="0"/>
-              <a:t>2/26/2024</a:t>
+              <a:t>2/27/2024</a:t>
             </a:fld>
             <a:endParaRPr lang="en-US" dirty="0"/>
           </a:p>
@@ -6115,7 +6118,7 @@
           <a:p>
             <a:fld id="{72345051-2045-45DA-935E-2E3CA1A69ADC}" type="datetimeFigureOut">
               <a:rPr lang="en-US" smtClean="0"/>
-              <a:t>2/26/2024</a:t>
+              <a:t>2/27/2024</a:t>
             </a:fld>
             <a:endParaRPr lang="en-US" dirty="0"/>
           </a:p>
@@ -6835,7 +6838,7 @@
           <a:p>
             <a:fld id="{72345051-2045-45DA-935E-2E3CA1A69ADC}" type="datetimeFigureOut">
               <a:rPr lang="en-US" smtClean="0"/>
-              <a:t>2/26/2024</a:t>
+              <a:t>2/27/2024</a:t>
             </a:fld>
             <a:endParaRPr lang="en-US" dirty="0"/>
           </a:p>
@@ -7005,7 +7008,7 @@
           <a:p>
             <a:fld id="{72345051-2045-45DA-935E-2E3CA1A69ADC}" type="datetimeFigureOut">
               <a:rPr lang="en-US" smtClean="0"/>
-              <a:t>2/26/2024</a:t>
+              <a:t>2/27/2024</a:t>
             </a:fld>
             <a:endParaRPr lang="en-US"/>
           </a:p>
@@ -7185,7 +7188,7 @@
           <a:p>
             <a:fld id="{72345051-2045-45DA-935E-2E3CA1A69ADC}" type="datetimeFigureOut">
               <a:rPr lang="en-US" smtClean="0"/>
-              <a:t>2/26/2024</a:t>
+              <a:t>2/27/2024</a:t>
             </a:fld>
             <a:endParaRPr lang="en-US"/>
           </a:p>
@@ -7355,7 +7358,7 @@
           <a:p>
             <a:fld id="{72345051-2045-45DA-935E-2E3CA1A69ADC}" type="datetimeFigureOut">
               <a:rPr lang="en-US" smtClean="0"/>
-              <a:t>2/26/2024</a:t>
+              <a:t>2/27/2024</a:t>
             </a:fld>
             <a:endParaRPr lang="en-US"/>
           </a:p>
@@ -7605,7 +7608,7 @@
           <a:p>
             <a:fld id="{72345051-2045-45DA-935E-2E3CA1A69ADC}" type="datetimeFigureOut">
               <a:rPr lang="en-US" smtClean="0"/>
-              <a:t>2/26/2024</a:t>
+              <a:t>2/27/2024</a:t>
             </a:fld>
             <a:endParaRPr lang="en-US"/>
           </a:p>
@@ -7837,7 +7840,7 @@
           <a:p>
             <a:fld id="{72345051-2045-45DA-935E-2E3CA1A69ADC}" type="datetimeFigureOut">
               <a:rPr lang="en-US" smtClean="0"/>
-              <a:t>2/26/2024</a:t>
+              <a:t>2/27/2024</a:t>
             </a:fld>
             <a:endParaRPr lang="en-US"/>
           </a:p>
@@ -8218,7 +8221,7 @@
           <a:p>
             <a:fld id="{72345051-2045-45DA-935E-2E3CA1A69ADC}" type="datetimeFigureOut">
               <a:rPr lang="en-US" smtClean="0"/>
-              <a:t>2/26/2024</a:t>
+              <a:t>2/27/2024</a:t>
             </a:fld>
             <a:endParaRPr lang="en-US"/>
           </a:p>
@@ -8336,7 +8339,7 @@
           <a:p>
             <a:fld id="{72345051-2045-45DA-935E-2E3CA1A69ADC}" type="datetimeFigureOut">
               <a:rPr lang="en-US" smtClean="0"/>
-              <a:t>2/26/2024</a:t>
+              <a:t>2/27/2024</a:t>
             </a:fld>
             <a:endParaRPr lang="en-US"/>
           </a:p>
@@ -8431,7 +8434,7 @@
           <a:p>
             <a:fld id="{72345051-2045-45DA-935E-2E3CA1A69ADC}" type="datetimeFigureOut">
               <a:rPr lang="en-US" smtClean="0"/>
-              <a:t>2/26/2024</a:t>
+              <a:t>2/27/2024</a:t>
             </a:fld>
             <a:endParaRPr lang="en-US"/>
           </a:p>
@@ -8680,7 +8683,7 @@
           <a:p>
             <a:fld id="{72345051-2045-45DA-935E-2E3CA1A69ADC}" type="datetimeFigureOut">
               <a:rPr lang="en-US" smtClean="0"/>
-              <a:t>2/26/2024</a:t>
+              <a:t>2/27/2024</a:t>
             </a:fld>
             <a:endParaRPr lang="en-US"/>
           </a:p>
@@ -8960,7 +8963,7 @@
           <a:p>
             <a:fld id="{72345051-2045-45DA-935E-2E3CA1A69ADC}" type="datetimeFigureOut">
               <a:rPr lang="en-US" smtClean="0"/>
-              <a:t>2/26/2024</a:t>
+              <a:t>2/27/2024</a:t>
             </a:fld>
             <a:endParaRPr lang="en-US"/>
           </a:p>
@@ -9083,7 +9086,7 @@
           <a:noFill/>
           <a:extLst>
             <a:ext uri="{909E8E84-426E-40dd-AFC4-6F175D3DCCD1}">
-              <a14:hiddenFill xmlns="" xmlns:a14="http://schemas.microsoft.com/office/drawing/2010/main">
+              <a14:hiddenFill xmlns:a14="http://schemas.microsoft.com/office/drawing/2010/main" xmlns="">
                 <a:solidFill>
                   <a:srgbClr val="FFFFFF"/>
                 </a:solidFill>
@@ -9157,7 +9160,7 @@
               </a:ln>
               <a:extLst>
                 <a:ext uri="{91240B29-F687-4f45-9708-019B960494DF}">
-                  <a14:hiddenLine xmlns="" xmlns:a14="http://schemas.microsoft.com/office/drawing/2010/main" w="9525">
+                  <a14:hiddenLine xmlns:a14="http://schemas.microsoft.com/office/drawing/2010/main" xmlns="" w="9525">
                     <a:solidFill>
                       <a:srgbClr val="000000"/>
                     </a:solidFill>
@@ -9247,7 +9250,7 @@
               </a:ln>
               <a:extLst>
                 <a:ext uri="{91240B29-F687-4f45-9708-019B960494DF}">
-                  <a14:hiddenLine xmlns="" xmlns:a14="http://schemas.microsoft.com/office/drawing/2010/main" w="9525">
+                  <a14:hiddenLine xmlns:a14="http://schemas.microsoft.com/office/drawing/2010/main" xmlns="" w="9525">
                     <a:solidFill>
                       <a:srgbClr val="000000"/>
                     </a:solidFill>
@@ -9337,7 +9340,7 @@
               </a:ln>
               <a:extLst>
                 <a:ext uri="{91240B29-F687-4f45-9708-019B960494DF}">
-                  <a14:hiddenLine xmlns="" xmlns:a14="http://schemas.microsoft.com/office/drawing/2010/main" w="9525">
+                  <a14:hiddenLine xmlns:a14="http://schemas.microsoft.com/office/drawing/2010/main" xmlns="" w="9525">
                     <a:solidFill>
                       <a:srgbClr val="000000"/>
                     </a:solidFill>
@@ -9399,7 +9402,7 @@
               </a:ln>
               <a:extLst>
                 <a:ext uri="{91240B29-F687-4f45-9708-019B960494DF}">
-                  <a14:hiddenLine xmlns="" xmlns:a14="http://schemas.microsoft.com/office/drawing/2010/main" w="9525">
+                  <a14:hiddenLine xmlns:a14="http://schemas.microsoft.com/office/drawing/2010/main" xmlns="" w="9525">
                     <a:solidFill>
                       <a:srgbClr val="000000"/>
                     </a:solidFill>
@@ -9489,7 +9492,7 @@
               </a:ln>
               <a:extLst>
                 <a:ext uri="{91240B29-F687-4f45-9708-019B960494DF}">
-                  <a14:hiddenLine xmlns="" xmlns:a14="http://schemas.microsoft.com/office/drawing/2010/main" w="9525">
+                  <a14:hiddenLine xmlns:a14="http://schemas.microsoft.com/office/drawing/2010/main" xmlns="" w="9525">
                     <a:solidFill>
                       <a:srgbClr val="000000"/>
                     </a:solidFill>
@@ -9551,7 +9554,7 @@
               </a:ln>
               <a:extLst>
                 <a:ext uri="{91240B29-F687-4f45-9708-019B960494DF}">
-                  <a14:hiddenLine xmlns="" xmlns:a14="http://schemas.microsoft.com/office/drawing/2010/main" w="9525">
+                  <a14:hiddenLine xmlns:a14="http://schemas.microsoft.com/office/drawing/2010/main" xmlns="" w="9525">
                     <a:solidFill>
                       <a:srgbClr val="000000"/>
                     </a:solidFill>
@@ -9613,7 +9616,7 @@
               </a:ln>
               <a:extLst>
                 <a:ext uri="{91240B29-F687-4f45-9708-019B960494DF}">
-                  <a14:hiddenLine xmlns="" xmlns:a14="http://schemas.microsoft.com/office/drawing/2010/main" w="9525">
+                  <a14:hiddenLine xmlns:a14="http://schemas.microsoft.com/office/drawing/2010/main" xmlns="" w="9525">
                     <a:solidFill>
                       <a:srgbClr val="000000"/>
                     </a:solidFill>
@@ -9703,7 +9706,7 @@
               </a:ln>
               <a:extLst>
                 <a:ext uri="{91240B29-F687-4f45-9708-019B960494DF}">
-                  <a14:hiddenLine xmlns="" xmlns:a14="http://schemas.microsoft.com/office/drawing/2010/main" w="9525">
+                  <a14:hiddenLine xmlns:a14="http://schemas.microsoft.com/office/drawing/2010/main" xmlns="" w="9525">
                     <a:solidFill>
                       <a:srgbClr val="000000"/>
                     </a:solidFill>
@@ -9793,7 +9796,7 @@
               </a:ln>
               <a:extLst>
                 <a:ext uri="{91240B29-F687-4f45-9708-019B960494DF}">
-                  <a14:hiddenLine xmlns="" xmlns:a14="http://schemas.microsoft.com/office/drawing/2010/main" w="9525">
+                  <a14:hiddenLine xmlns:a14="http://schemas.microsoft.com/office/drawing/2010/main" xmlns="" w="9525">
                     <a:solidFill>
                       <a:srgbClr val="000000"/>
                     </a:solidFill>
@@ -9855,7 +9858,7 @@
               </a:ln>
               <a:extLst>
                 <a:ext uri="{91240B29-F687-4f45-9708-019B960494DF}">
-                  <a14:hiddenLine xmlns="" xmlns:a14="http://schemas.microsoft.com/office/drawing/2010/main" w="9525">
+                  <a14:hiddenLine xmlns:a14="http://schemas.microsoft.com/office/drawing/2010/main" xmlns="" w="9525">
                     <a:solidFill>
                       <a:srgbClr val="000000"/>
                     </a:solidFill>
@@ -9965,7 +9968,7 @@
               </a:ln>
               <a:extLst>
                 <a:ext uri="{91240B29-F687-4f45-9708-019B960494DF}">
-                  <a14:hiddenLine xmlns="" xmlns:a14="http://schemas.microsoft.com/office/drawing/2010/main" w="9525">
+                  <a14:hiddenLine xmlns:a14="http://schemas.microsoft.com/office/drawing/2010/main" xmlns="" w="9525">
                     <a:solidFill>
                       <a:srgbClr val="000000"/>
                     </a:solidFill>
@@ -10049,7 +10052,7 @@
               </a:ln>
               <a:extLst>
                 <a:ext uri="{91240B29-F687-4f45-9708-019B960494DF}">
-                  <a14:hiddenLine xmlns="" xmlns:a14="http://schemas.microsoft.com/office/drawing/2010/main" w="9525">
+                  <a14:hiddenLine xmlns:a14="http://schemas.microsoft.com/office/drawing/2010/main" xmlns="" w="9525">
                     <a:solidFill>
                       <a:srgbClr val="000000"/>
                     </a:solidFill>
@@ -10111,7 +10114,7 @@
               </a:ln>
               <a:extLst>
                 <a:ext uri="{91240B29-F687-4f45-9708-019B960494DF}">
-                  <a14:hiddenLine xmlns="" xmlns:a14="http://schemas.microsoft.com/office/drawing/2010/main" w="9525">
+                  <a14:hiddenLine xmlns:a14="http://schemas.microsoft.com/office/drawing/2010/main" xmlns="" w="9525">
                     <a:solidFill>
                       <a:srgbClr val="000000"/>
                     </a:solidFill>
@@ -10173,7 +10176,7 @@
               </a:ln>
               <a:extLst>
                 <a:ext uri="{91240B29-F687-4f45-9708-019B960494DF}">
-                  <a14:hiddenLine xmlns="" xmlns:a14="http://schemas.microsoft.com/office/drawing/2010/main" w="9525">
+                  <a14:hiddenLine xmlns:a14="http://schemas.microsoft.com/office/drawing/2010/main" xmlns="" w="9525">
                     <a:solidFill>
                       <a:srgbClr val="000000"/>
                     </a:solidFill>
@@ -10263,7 +10266,7 @@
               </a:ln>
               <a:extLst>
                 <a:ext uri="{91240B29-F687-4f45-9708-019B960494DF}">
-                  <a14:hiddenLine xmlns="" xmlns:a14="http://schemas.microsoft.com/office/drawing/2010/main" w="9525">
+                  <a14:hiddenLine xmlns:a14="http://schemas.microsoft.com/office/drawing/2010/main" xmlns="" w="9525">
                     <a:solidFill>
                       <a:srgbClr val="000000"/>
                     </a:solidFill>
@@ -10297,7 +10300,7 @@
               </a:ln>
               <a:extLst>
                 <a:ext uri="{91240B29-F687-4f45-9708-019B960494DF}">
-                  <a14:hiddenLine xmlns="" xmlns:a14="http://schemas.microsoft.com/office/drawing/2010/main" w="9525">
+                  <a14:hiddenLine xmlns:a14="http://schemas.microsoft.com/office/drawing/2010/main" xmlns="" w="9525">
                     <a:solidFill>
                       <a:srgbClr val="000000"/>
                     </a:solidFill>
@@ -10362,7 +10365,7 @@
               </a:ln>
               <a:extLst>
                 <a:ext uri="{91240B29-F687-4f45-9708-019B960494DF}">
-                  <a14:hiddenLine xmlns="" xmlns:a14="http://schemas.microsoft.com/office/drawing/2010/main" w="9525">
+                  <a14:hiddenLine xmlns:a14="http://schemas.microsoft.com/office/drawing/2010/main" xmlns="" w="9525">
                     <a:solidFill>
                       <a:srgbClr val="000000"/>
                     </a:solidFill>
@@ -10452,7 +10455,7 @@
               </a:ln>
               <a:extLst>
                 <a:ext uri="{91240B29-F687-4f45-9708-019B960494DF}">
-                  <a14:hiddenLine xmlns="" xmlns:a14="http://schemas.microsoft.com/office/drawing/2010/main" w="9525">
+                  <a14:hiddenLine xmlns:a14="http://schemas.microsoft.com/office/drawing/2010/main" xmlns="" w="9525">
                     <a:solidFill>
                       <a:srgbClr val="000000"/>
                     </a:solidFill>
@@ -10514,7 +10517,7 @@
               </a:ln>
               <a:extLst>
                 <a:ext uri="{91240B29-F687-4f45-9708-019B960494DF}">
-                  <a14:hiddenLine xmlns="" xmlns:a14="http://schemas.microsoft.com/office/drawing/2010/main" w="9525">
+                  <a14:hiddenLine xmlns:a14="http://schemas.microsoft.com/office/drawing/2010/main" xmlns="" w="9525">
                     <a:solidFill>
                       <a:srgbClr val="000000"/>
                     </a:solidFill>
@@ -10604,7 +10607,7 @@
               </a:ln>
               <a:extLst>
                 <a:ext uri="{91240B29-F687-4f45-9708-019B960494DF}">
-                  <a14:hiddenLine xmlns="" xmlns:a14="http://schemas.microsoft.com/office/drawing/2010/main" w="9525">
+                  <a14:hiddenLine xmlns:a14="http://schemas.microsoft.com/office/drawing/2010/main" xmlns="" w="9525">
                     <a:solidFill>
                       <a:srgbClr val="000000"/>
                     </a:solidFill>
@@ -10669,7 +10672,7 @@
               </a:ln>
               <a:extLst>
                 <a:ext uri="{91240B29-F687-4f45-9708-019B960494DF}">
-                  <a14:hiddenLine xmlns="" xmlns:a14="http://schemas.microsoft.com/office/drawing/2010/main" w="9525">
+                  <a14:hiddenLine xmlns:a14="http://schemas.microsoft.com/office/drawing/2010/main" xmlns="" w="9525">
                     <a:solidFill>
                       <a:srgbClr val="000000"/>
                     </a:solidFill>
@@ -10731,7 +10734,7 @@
               </a:ln>
               <a:extLst>
                 <a:ext uri="{91240B29-F687-4f45-9708-019B960494DF}">
-                  <a14:hiddenLine xmlns="" xmlns:a14="http://schemas.microsoft.com/office/drawing/2010/main" w="9525">
+                  <a14:hiddenLine xmlns:a14="http://schemas.microsoft.com/office/drawing/2010/main" xmlns="" w="9525">
                     <a:solidFill>
                       <a:srgbClr val="000000"/>
                     </a:solidFill>
@@ -10821,7 +10824,7 @@
               </a:ln>
               <a:extLst>
                 <a:ext uri="{91240B29-F687-4f45-9708-019B960494DF}">
-                  <a14:hiddenLine xmlns="" xmlns:a14="http://schemas.microsoft.com/office/drawing/2010/main" w="9525">
+                  <a14:hiddenLine xmlns:a14="http://schemas.microsoft.com/office/drawing/2010/main" xmlns="" w="9525">
                     <a:solidFill>
                       <a:srgbClr val="000000"/>
                     </a:solidFill>
@@ -10911,7 +10914,7 @@
               </a:ln>
               <a:extLst>
                 <a:ext uri="{91240B29-F687-4f45-9708-019B960494DF}">
-                  <a14:hiddenLine xmlns="" xmlns:a14="http://schemas.microsoft.com/office/drawing/2010/main" w="9525">
+                  <a14:hiddenLine xmlns:a14="http://schemas.microsoft.com/office/drawing/2010/main" xmlns="" w="9525">
                     <a:solidFill>
                       <a:srgbClr val="000000"/>
                     </a:solidFill>
@@ -10976,7 +10979,7 @@
               </a:ln>
               <a:extLst>
                 <a:ext uri="{91240B29-F687-4f45-9708-019B960494DF}">
-                  <a14:hiddenLine xmlns="" xmlns:a14="http://schemas.microsoft.com/office/drawing/2010/main" w="9525">
+                  <a14:hiddenLine xmlns:a14="http://schemas.microsoft.com/office/drawing/2010/main" xmlns="" w="9525">
                     <a:solidFill>
                       <a:srgbClr val="000000"/>
                     </a:solidFill>
@@ -11096,7 +11099,7 @@
               </a:ln>
               <a:extLst>
                 <a:ext uri="{91240B29-F687-4f45-9708-019B960494DF}">
-                  <a14:hiddenLine xmlns="" xmlns:a14="http://schemas.microsoft.com/office/drawing/2010/main" w="9525">
+                  <a14:hiddenLine xmlns:a14="http://schemas.microsoft.com/office/drawing/2010/main" xmlns="" w="9525">
                     <a:solidFill>
                       <a:srgbClr val="000000"/>
                     </a:solidFill>
@@ -11177,7 +11180,7 @@
               </a:ln>
               <a:extLst>
                 <a:ext uri="{91240B29-F687-4f45-9708-019B960494DF}">
-                  <a14:hiddenLine xmlns="" xmlns:a14="http://schemas.microsoft.com/office/drawing/2010/main" w="9525">
+                  <a14:hiddenLine xmlns:a14="http://schemas.microsoft.com/office/drawing/2010/main" xmlns="" w="9525">
                     <a:solidFill>
                       <a:srgbClr val="000000"/>
                     </a:solidFill>
@@ -11292,7 +11295,7 @@
               </a:ln>
               <a:extLst>
                 <a:ext uri="{91240B29-F687-4f45-9708-019B960494DF}">
-                  <a14:hiddenLine xmlns="" xmlns:a14="http://schemas.microsoft.com/office/drawing/2010/main" w="9525">
+                  <a14:hiddenLine xmlns:a14="http://schemas.microsoft.com/office/drawing/2010/main" xmlns="" w="9525">
                     <a:solidFill>
                       <a:srgbClr val="000000"/>
                     </a:solidFill>
@@ -11382,7 +11385,7 @@
               </a:ln>
               <a:extLst>
                 <a:ext uri="{91240B29-F687-4f45-9708-019B960494DF}">
-                  <a14:hiddenLine xmlns="" xmlns:a14="http://schemas.microsoft.com/office/drawing/2010/main" w="9525">
+                  <a14:hiddenLine xmlns:a14="http://schemas.microsoft.com/office/drawing/2010/main" xmlns="" w="9525">
                     <a:solidFill>
                       <a:srgbClr val="000000"/>
                     </a:solidFill>
@@ -11447,7 +11450,7 @@
               </a:ln>
               <a:extLst>
                 <a:ext uri="{91240B29-F687-4f45-9708-019B960494DF}">
-                  <a14:hiddenLine xmlns="" xmlns:a14="http://schemas.microsoft.com/office/drawing/2010/main" w="9525">
+                  <a14:hiddenLine xmlns:a14="http://schemas.microsoft.com/office/drawing/2010/main" xmlns="" w="9525">
                     <a:solidFill>
                       <a:srgbClr val="000000"/>
                     </a:solidFill>
@@ -11537,7 +11540,7 @@
               </a:ln>
               <a:extLst>
                 <a:ext uri="{91240B29-F687-4f45-9708-019B960494DF}">
-                  <a14:hiddenLine xmlns="" xmlns:a14="http://schemas.microsoft.com/office/drawing/2010/main" w="9525">
+                  <a14:hiddenLine xmlns:a14="http://schemas.microsoft.com/office/drawing/2010/main" xmlns="" w="9525">
                     <a:solidFill>
                       <a:srgbClr val="000000"/>
                     </a:solidFill>
@@ -11605,7 +11608,7 @@
               </a:ln>
               <a:extLst>
                 <a:ext uri="{91240B29-F687-4f45-9708-019B960494DF}">
-                  <a14:hiddenLine xmlns="" xmlns:a14="http://schemas.microsoft.com/office/drawing/2010/main" w="9525">
+                  <a14:hiddenLine xmlns:a14="http://schemas.microsoft.com/office/drawing/2010/main" xmlns="" w="9525">
                     <a:solidFill>
                       <a:srgbClr val="000000"/>
                     </a:solidFill>
@@ -11695,7 +11698,7 @@
               </a:ln>
               <a:extLst>
                 <a:ext uri="{91240B29-F687-4f45-9708-019B960494DF}">
-                  <a14:hiddenLine xmlns="" xmlns:a14="http://schemas.microsoft.com/office/drawing/2010/main" w="9525">
+                  <a14:hiddenLine xmlns:a14="http://schemas.microsoft.com/office/drawing/2010/main" xmlns="" w="9525">
                     <a:solidFill>
                       <a:srgbClr val="000000"/>
                     </a:solidFill>
@@ -11763,7 +11766,7 @@
               </a:ln>
               <a:extLst>
                 <a:ext uri="{91240B29-F687-4f45-9708-019B960494DF}">
-                  <a14:hiddenLine xmlns="" xmlns:a14="http://schemas.microsoft.com/office/drawing/2010/main" w="9525">
+                  <a14:hiddenLine xmlns:a14="http://schemas.microsoft.com/office/drawing/2010/main" xmlns="" w="9525">
                     <a:solidFill>
                       <a:srgbClr val="000000"/>
                     </a:solidFill>
@@ -11853,7 +11856,7 @@
               </a:ln>
               <a:extLst>
                 <a:ext uri="{91240B29-F687-4f45-9708-019B960494DF}">
-                  <a14:hiddenLine xmlns="" xmlns:a14="http://schemas.microsoft.com/office/drawing/2010/main" w="9525">
+                  <a14:hiddenLine xmlns:a14="http://schemas.microsoft.com/office/drawing/2010/main" xmlns="" w="9525">
                     <a:solidFill>
                       <a:srgbClr val="000000"/>
                     </a:solidFill>
@@ -11887,7 +11890,7 @@
               </a:ln>
               <a:extLst>
                 <a:ext uri="{91240B29-F687-4f45-9708-019B960494DF}">
-                  <a14:hiddenLine xmlns="" xmlns:a14="http://schemas.microsoft.com/office/drawing/2010/main" w="9525">
+                  <a14:hiddenLine xmlns:a14="http://schemas.microsoft.com/office/drawing/2010/main" xmlns="" w="9525">
                     <a:solidFill>
                       <a:srgbClr val="000000"/>
                     </a:solidFill>
@@ -12027,7 +12030,7 @@
           <a:p>
             <a:fld id="{72345051-2045-45DA-935E-2E3CA1A69ADC}" type="datetimeFigureOut">
               <a:rPr lang="en-US" smtClean="0"/>
-              <a:t>2/26/2024</a:t>
+              <a:t>2/27/2024</a:t>
             </a:fld>
             <a:endParaRPr lang="en-US" dirty="0"/>
           </a:p>
@@ -12607,7 +12610,7 @@
             </a:ln>
             <a:extLst>
               <a:ext uri="{91240B29-F687-4f45-9708-019B960494DF}">
-                <a14:hiddenLine xmlns:a14="http://schemas.microsoft.com/office/drawing/2010/main" xmlns:p14="http://schemas.microsoft.com/office/powerpoint/2010/main" xmlns:a16="http://schemas.microsoft.com/office/drawing/2014/main" xmlns="" w="9525">
+                <a14:hiddenLine xmlns="" xmlns:a16="http://schemas.microsoft.com/office/drawing/2014/main" xmlns:p14="http://schemas.microsoft.com/office/powerpoint/2010/main" xmlns:a14="http://schemas.microsoft.com/office/drawing/2010/main" w="9525">
                   <a:solidFill>
                     <a:srgbClr val="000000"/>
                   </a:solidFill>
@@ -12719,7 +12722,7 @@
             </a:ln>
             <a:extLst>
               <a:ext uri="{91240B29-F687-4f45-9708-019B960494DF}">
-                <a14:hiddenLine xmlns:a14="http://schemas.microsoft.com/office/drawing/2010/main" xmlns:p14="http://schemas.microsoft.com/office/powerpoint/2010/main" xmlns:a16="http://schemas.microsoft.com/office/drawing/2014/main" xmlns="" w="9525">
+                <a14:hiddenLine xmlns="" xmlns:a16="http://schemas.microsoft.com/office/drawing/2014/main" xmlns:p14="http://schemas.microsoft.com/office/powerpoint/2010/main" xmlns:a14="http://schemas.microsoft.com/office/drawing/2010/main" w="9525">
                   <a:solidFill>
                     <a:srgbClr val="000000"/>
                   </a:solidFill>
@@ -12831,7 +12834,7 @@
             </a:ln>
             <a:extLst>
               <a:ext uri="{91240B29-F687-4f45-9708-019B960494DF}">
-                <a14:hiddenLine xmlns:a14="http://schemas.microsoft.com/office/drawing/2010/main" xmlns:p14="http://schemas.microsoft.com/office/powerpoint/2010/main" xmlns:a16="http://schemas.microsoft.com/office/drawing/2014/main" xmlns="" w="9525">
+                <a14:hiddenLine xmlns="" xmlns:a16="http://schemas.microsoft.com/office/drawing/2014/main" xmlns:p14="http://schemas.microsoft.com/office/powerpoint/2010/main" xmlns:a14="http://schemas.microsoft.com/office/drawing/2010/main" w="9525">
                   <a:solidFill>
                     <a:srgbClr val="000000"/>
                   </a:solidFill>
@@ -12887,7 +12890,7 @@
             </a:ln>
             <a:extLst>
               <a:ext uri="{91240B29-F687-4f45-9708-019B960494DF}">
-                <a14:hiddenLine xmlns:a14="http://schemas.microsoft.com/office/drawing/2010/main" xmlns:p14="http://schemas.microsoft.com/office/powerpoint/2010/main" xmlns:a16="http://schemas.microsoft.com/office/drawing/2014/main" xmlns="" w="9525">
+                <a14:hiddenLine xmlns="" xmlns:a16="http://schemas.microsoft.com/office/drawing/2014/main" xmlns:p14="http://schemas.microsoft.com/office/powerpoint/2010/main" xmlns:a14="http://schemas.microsoft.com/office/drawing/2010/main" w="9525">
                   <a:solidFill>
                     <a:srgbClr val="000000"/>
                   </a:solidFill>
@@ -12999,7 +13002,7 @@
             </a:ln>
             <a:extLst>
               <a:ext uri="{91240B29-F687-4f45-9708-019B960494DF}">
-                <a14:hiddenLine xmlns:a14="http://schemas.microsoft.com/office/drawing/2010/main" xmlns:p14="http://schemas.microsoft.com/office/powerpoint/2010/main" xmlns:a16="http://schemas.microsoft.com/office/drawing/2014/main" xmlns="" w="9525">
+                <a14:hiddenLine xmlns="" xmlns:a16="http://schemas.microsoft.com/office/drawing/2014/main" xmlns:p14="http://schemas.microsoft.com/office/powerpoint/2010/main" xmlns:a14="http://schemas.microsoft.com/office/drawing/2010/main" w="9525">
                   <a:solidFill>
                     <a:srgbClr val="000000"/>
                   </a:solidFill>
@@ -13083,7 +13086,7 @@
             </a:ln>
             <a:extLst>
               <a:ext uri="{91240B29-F687-4f45-9708-019B960494DF}">
-                <a14:hiddenLine xmlns:a14="http://schemas.microsoft.com/office/drawing/2010/main" xmlns:p14="http://schemas.microsoft.com/office/powerpoint/2010/main" xmlns:a16="http://schemas.microsoft.com/office/drawing/2014/main" xmlns="" w="9525">
+                <a14:hiddenLine xmlns="" xmlns:a16="http://schemas.microsoft.com/office/drawing/2014/main" xmlns:p14="http://schemas.microsoft.com/office/powerpoint/2010/main" xmlns:a14="http://schemas.microsoft.com/office/drawing/2010/main" w="9525">
                   <a:solidFill>
                     <a:srgbClr val="000000"/>
                   </a:solidFill>
@@ -13167,7 +13170,7 @@
             </a:ln>
             <a:extLst>
               <a:ext uri="{91240B29-F687-4f45-9708-019B960494DF}">
-                <a14:hiddenLine xmlns:a14="http://schemas.microsoft.com/office/drawing/2010/main" xmlns:p14="http://schemas.microsoft.com/office/powerpoint/2010/main" xmlns:a16="http://schemas.microsoft.com/office/drawing/2014/main" xmlns="" w="9525">
+                <a14:hiddenLine xmlns="" xmlns:a16="http://schemas.microsoft.com/office/drawing/2014/main" xmlns:p14="http://schemas.microsoft.com/office/powerpoint/2010/main" xmlns:a14="http://schemas.microsoft.com/office/drawing/2010/main" w="9525">
                   <a:solidFill>
                     <a:srgbClr val="000000"/>
                   </a:solidFill>
@@ -13279,7 +13282,7 @@
             </a:ln>
             <a:extLst>
               <a:ext uri="{91240B29-F687-4f45-9708-019B960494DF}">
-                <a14:hiddenLine xmlns:a14="http://schemas.microsoft.com/office/drawing/2010/main" xmlns:p14="http://schemas.microsoft.com/office/powerpoint/2010/main" xmlns:a16="http://schemas.microsoft.com/office/drawing/2014/main" xmlns="" w="9525">
+                <a14:hiddenLine xmlns="" xmlns:a16="http://schemas.microsoft.com/office/drawing/2014/main" xmlns:p14="http://schemas.microsoft.com/office/powerpoint/2010/main" xmlns:a14="http://schemas.microsoft.com/office/drawing/2010/main" w="9525">
                   <a:solidFill>
                     <a:srgbClr val="000000"/>
                   </a:solidFill>
@@ -13363,7 +13366,7 @@
             </a:ln>
             <a:extLst>
               <a:ext uri="{91240B29-F687-4f45-9708-019B960494DF}">
-                <a14:hiddenLine xmlns:a14="http://schemas.microsoft.com/office/drawing/2010/main" xmlns:p14="http://schemas.microsoft.com/office/powerpoint/2010/main" xmlns:a16="http://schemas.microsoft.com/office/drawing/2014/main" xmlns="" w="9525">
+                <a14:hiddenLine xmlns="" xmlns:a16="http://schemas.microsoft.com/office/drawing/2014/main" xmlns:p14="http://schemas.microsoft.com/office/powerpoint/2010/main" xmlns:a14="http://schemas.microsoft.com/office/drawing/2010/main" w="9525">
                   <a:solidFill>
                     <a:srgbClr val="000000"/>
                   </a:solidFill>
@@ -13447,7 +13450,7 @@
             </a:ln>
             <a:extLst>
               <a:ext uri="{91240B29-F687-4f45-9708-019B960494DF}">
-                <a14:hiddenLine xmlns:a14="http://schemas.microsoft.com/office/drawing/2010/main" xmlns:p14="http://schemas.microsoft.com/office/powerpoint/2010/main" xmlns:a16="http://schemas.microsoft.com/office/drawing/2014/main" xmlns="" w="9525">
+                <a14:hiddenLine xmlns="" xmlns:a16="http://schemas.microsoft.com/office/drawing/2014/main" xmlns:p14="http://schemas.microsoft.com/office/powerpoint/2010/main" xmlns:a14="http://schemas.microsoft.com/office/drawing/2010/main" w="9525">
                   <a:solidFill>
                     <a:srgbClr val="000000"/>
                   </a:solidFill>
@@ -13559,7 +13562,7 @@
             </a:ln>
             <a:extLst>
               <a:ext uri="{91240B29-F687-4f45-9708-019B960494DF}">
-                <a14:hiddenLine xmlns:a14="http://schemas.microsoft.com/office/drawing/2010/main" xmlns:p14="http://schemas.microsoft.com/office/powerpoint/2010/main" xmlns:a16="http://schemas.microsoft.com/office/drawing/2014/main" xmlns="" w="9525">
+                <a14:hiddenLine xmlns="" xmlns:a16="http://schemas.microsoft.com/office/drawing/2014/main" xmlns:p14="http://schemas.microsoft.com/office/powerpoint/2010/main" xmlns:a14="http://schemas.microsoft.com/office/drawing/2010/main" w="9525">
                   <a:solidFill>
                     <a:srgbClr val="000000"/>
                   </a:solidFill>
@@ -13671,7 +13674,7 @@
             </a:ln>
             <a:extLst>
               <a:ext uri="{91240B29-F687-4f45-9708-019B960494DF}">
-                <a14:hiddenLine xmlns:a14="http://schemas.microsoft.com/office/drawing/2010/main" xmlns:p14="http://schemas.microsoft.com/office/powerpoint/2010/main" xmlns:a16="http://schemas.microsoft.com/office/drawing/2014/main" xmlns="" w="9525">
+                <a14:hiddenLine xmlns="" xmlns:a16="http://schemas.microsoft.com/office/drawing/2014/main" xmlns:p14="http://schemas.microsoft.com/office/powerpoint/2010/main" xmlns:a14="http://schemas.microsoft.com/office/drawing/2010/main" w="9525">
                   <a:solidFill>
                     <a:srgbClr val="000000"/>
                   </a:solidFill>
@@ -13755,7 +13758,7 @@
             </a:ln>
             <a:extLst>
               <a:ext uri="{91240B29-F687-4f45-9708-019B960494DF}">
-                <a14:hiddenLine xmlns:a14="http://schemas.microsoft.com/office/drawing/2010/main" xmlns:p14="http://schemas.microsoft.com/office/powerpoint/2010/main" xmlns:a16="http://schemas.microsoft.com/office/drawing/2014/main" xmlns="" w="9525">
+                <a14:hiddenLine xmlns="" xmlns:a16="http://schemas.microsoft.com/office/drawing/2014/main" xmlns:p14="http://schemas.microsoft.com/office/powerpoint/2010/main" xmlns:a14="http://schemas.microsoft.com/office/drawing/2010/main" w="9525">
                   <a:solidFill>
                     <a:srgbClr val="000000"/>
                   </a:solidFill>
@@ -13887,7 +13890,7 @@
             </a:ln>
             <a:extLst>
               <a:ext uri="{91240B29-F687-4f45-9708-019B960494DF}">
-                <a14:hiddenLine xmlns:a14="http://schemas.microsoft.com/office/drawing/2010/main" xmlns:p14="http://schemas.microsoft.com/office/powerpoint/2010/main" xmlns:a16="http://schemas.microsoft.com/office/drawing/2014/main" xmlns="" w="9525">
+                <a14:hiddenLine xmlns="" xmlns:a16="http://schemas.microsoft.com/office/drawing/2014/main" xmlns:p14="http://schemas.microsoft.com/office/powerpoint/2010/main" xmlns:a14="http://schemas.microsoft.com/office/drawing/2010/main" w="9525">
                   <a:solidFill>
                     <a:srgbClr val="000000"/>
                   </a:solidFill>
@@ -13971,7 +13974,7 @@
             </a:ln>
             <a:extLst>
               <a:ext uri="{91240B29-F687-4f45-9708-019B960494DF}">
-                <a14:hiddenLine xmlns:a14="http://schemas.microsoft.com/office/drawing/2010/main" xmlns:p14="http://schemas.microsoft.com/office/powerpoint/2010/main" xmlns:a16="http://schemas.microsoft.com/office/drawing/2014/main" xmlns="" w="9525">
+                <a14:hiddenLine xmlns="" xmlns:a16="http://schemas.microsoft.com/office/drawing/2014/main" xmlns:p14="http://schemas.microsoft.com/office/powerpoint/2010/main" xmlns:a14="http://schemas.microsoft.com/office/drawing/2010/main" w="9525">
                   <a:solidFill>
                     <a:srgbClr val="000000"/>
                   </a:solidFill>
@@ -14083,7 +14086,7 @@
             </a:ln>
             <a:extLst>
               <a:ext uri="{91240B29-F687-4f45-9708-019B960494DF}">
-                <a14:hiddenLine xmlns:a14="http://schemas.microsoft.com/office/drawing/2010/main" xmlns:p14="http://schemas.microsoft.com/office/powerpoint/2010/main" xmlns:a16="http://schemas.microsoft.com/office/drawing/2014/main" xmlns="" w="9525">
+                <a14:hiddenLine xmlns="" xmlns:a16="http://schemas.microsoft.com/office/drawing/2014/main" xmlns:p14="http://schemas.microsoft.com/office/powerpoint/2010/main" xmlns:a14="http://schemas.microsoft.com/office/drawing/2010/main" w="9525">
                   <a:solidFill>
                     <a:srgbClr val="000000"/>
                   </a:solidFill>
@@ -14195,7 +14198,7 @@
             </a:ln>
             <a:extLst>
               <a:ext uri="{91240B29-F687-4f45-9708-019B960494DF}">
-                <a14:hiddenLine xmlns:a14="http://schemas.microsoft.com/office/drawing/2010/main" xmlns:p14="http://schemas.microsoft.com/office/powerpoint/2010/main" xmlns:a16="http://schemas.microsoft.com/office/drawing/2014/main" xmlns="" w="9525">
+                <a14:hiddenLine xmlns="" xmlns:a16="http://schemas.microsoft.com/office/drawing/2014/main" xmlns:p14="http://schemas.microsoft.com/office/powerpoint/2010/main" xmlns:a14="http://schemas.microsoft.com/office/drawing/2010/main" w="9525">
                   <a:solidFill>
                     <a:srgbClr val="000000"/>
                   </a:solidFill>
@@ -14279,7 +14282,7 @@
             </a:ln>
             <a:extLst>
               <a:ext uri="{91240B29-F687-4f45-9708-019B960494DF}">
-                <a14:hiddenLine xmlns:a14="http://schemas.microsoft.com/office/drawing/2010/main" xmlns:p14="http://schemas.microsoft.com/office/powerpoint/2010/main" xmlns:a16="http://schemas.microsoft.com/office/drawing/2014/main" xmlns="" w="9525">
+                <a14:hiddenLine xmlns="" xmlns:a16="http://schemas.microsoft.com/office/drawing/2014/main" xmlns:p14="http://schemas.microsoft.com/office/powerpoint/2010/main" xmlns:a14="http://schemas.microsoft.com/office/drawing/2010/main" w="9525">
                   <a:solidFill>
                     <a:srgbClr val="000000"/>
                   </a:solidFill>
@@ -14391,7 +14394,7 @@
             </a:ln>
             <a:extLst>
               <a:ext uri="{91240B29-F687-4f45-9708-019B960494DF}">
-                <a14:hiddenLine xmlns:a14="http://schemas.microsoft.com/office/drawing/2010/main" xmlns:p14="http://schemas.microsoft.com/office/powerpoint/2010/main" xmlns:a16="http://schemas.microsoft.com/office/drawing/2014/main" xmlns="" w="9525">
+                <a14:hiddenLine xmlns="" xmlns:a16="http://schemas.microsoft.com/office/drawing/2014/main" xmlns:p14="http://schemas.microsoft.com/office/powerpoint/2010/main" xmlns:a14="http://schemas.microsoft.com/office/drawing/2010/main" w="9525">
                   <a:solidFill>
                     <a:srgbClr val="000000"/>
                   </a:solidFill>
@@ -14503,7 +14506,7 @@
             </a:ln>
             <a:extLst>
               <a:ext uri="{91240B29-F687-4f45-9708-019B960494DF}">
-                <a14:hiddenLine xmlns:a14="http://schemas.microsoft.com/office/drawing/2010/main" xmlns:p14="http://schemas.microsoft.com/office/powerpoint/2010/main" xmlns:a16="http://schemas.microsoft.com/office/drawing/2014/main" xmlns="" w="9525">
+                <a14:hiddenLine xmlns="" xmlns:a16="http://schemas.microsoft.com/office/drawing/2014/main" xmlns:p14="http://schemas.microsoft.com/office/powerpoint/2010/main" xmlns:a14="http://schemas.microsoft.com/office/drawing/2010/main" w="9525">
                   <a:solidFill>
                     <a:srgbClr val="000000"/>
                   </a:solidFill>
@@ -14581,7 +14584,7 @@
             </a:ln>
             <a:extLst>
               <a:ext uri="{91240B29-F687-4f45-9708-019B960494DF}">
-                <a14:hiddenLine xmlns:a14="http://schemas.microsoft.com/office/drawing/2010/main" xmlns:p14="http://schemas.microsoft.com/office/powerpoint/2010/main" xmlns:a16="http://schemas.microsoft.com/office/drawing/2014/main" xmlns="" w="9525">
+                <a14:hiddenLine xmlns="" xmlns:a16="http://schemas.microsoft.com/office/drawing/2014/main" xmlns:p14="http://schemas.microsoft.com/office/powerpoint/2010/main" xmlns:a14="http://schemas.microsoft.com/office/drawing/2010/main" w="9525">
                   <a:solidFill>
                     <a:srgbClr val="000000"/>
                   </a:solidFill>
@@ -14693,7 +14696,7 @@
             </a:ln>
             <a:extLst>
               <a:ext uri="{91240B29-F687-4f45-9708-019B960494DF}">
-                <a14:hiddenLine xmlns:a14="http://schemas.microsoft.com/office/drawing/2010/main" xmlns:p14="http://schemas.microsoft.com/office/powerpoint/2010/main" xmlns:a16="http://schemas.microsoft.com/office/drawing/2014/main" xmlns="" w="9525">
+                <a14:hiddenLine xmlns="" xmlns:a16="http://schemas.microsoft.com/office/drawing/2014/main" xmlns:p14="http://schemas.microsoft.com/office/powerpoint/2010/main" xmlns:a14="http://schemas.microsoft.com/office/drawing/2010/main" w="9525">
                   <a:solidFill>
                     <a:srgbClr val="000000"/>
                   </a:solidFill>
@@ -14771,7 +14774,7 @@
             </a:ln>
             <a:extLst>
               <a:ext uri="{91240B29-F687-4f45-9708-019B960494DF}">
-                <a14:hiddenLine xmlns:a14="http://schemas.microsoft.com/office/drawing/2010/main" xmlns:p14="http://schemas.microsoft.com/office/powerpoint/2010/main" xmlns:a16="http://schemas.microsoft.com/office/drawing/2014/main" xmlns="" w="9525">
+                <a14:hiddenLine xmlns="" xmlns:a16="http://schemas.microsoft.com/office/drawing/2014/main" xmlns:p14="http://schemas.microsoft.com/office/powerpoint/2010/main" xmlns:a14="http://schemas.microsoft.com/office/drawing/2010/main" w="9525">
                   <a:solidFill>
                     <a:srgbClr val="000000"/>
                   </a:solidFill>
@@ -14883,7 +14886,7 @@
             </a:ln>
             <a:extLst>
               <a:ext uri="{91240B29-F687-4f45-9708-019B960494DF}">
-                <a14:hiddenLine xmlns:a14="http://schemas.microsoft.com/office/drawing/2010/main" xmlns:p14="http://schemas.microsoft.com/office/powerpoint/2010/main" xmlns:a16="http://schemas.microsoft.com/office/drawing/2014/main" xmlns="" w="9525">
+                <a14:hiddenLine xmlns="" xmlns:a16="http://schemas.microsoft.com/office/drawing/2014/main" xmlns:p14="http://schemas.microsoft.com/office/powerpoint/2010/main" xmlns:a14="http://schemas.microsoft.com/office/drawing/2010/main" w="9525">
                   <a:solidFill>
                     <a:srgbClr val="000000"/>
                   </a:solidFill>
@@ -14973,7 +14976,7 @@
             </a:ln>
             <a:extLst>
               <a:ext uri="{91240B29-F687-4f45-9708-019B960494DF}">
-                <a14:hiddenLine xmlns:a14="http://schemas.microsoft.com/office/drawing/2010/main" xmlns:p14="http://schemas.microsoft.com/office/powerpoint/2010/main" xmlns:a16="http://schemas.microsoft.com/office/drawing/2014/main" xmlns="" w="9525">
+                <a14:hiddenLine xmlns="" xmlns:a16="http://schemas.microsoft.com/office/drawing/2014/main" xmlns:p14="http://schemas.microsoft.com/office/powerpoint/2010/main" xmlns:a14="http://schemas.microsoft.com/office/drawing/2010/main" w="9525">
                   <a:solidFill>
                     <a:srgbClr val="000000"/>
                   </a:solidFill>
@@ -15085,7 +15088,7 @@
             </a:ln>
             <a:extLst>
               <a:ext uri="{91240B29-F687-4f45-9708-019B960494DF}">
-                <a14:hiddenLine xmlns:a14="http://schemas.microsoft.com/office/drawing/2010/main" xmlns:p14="http://schemas.microsoft.com/office/powerpoint/2010/main" xmlns:a16="http://schemas.microsoft.com/office/drawing/2014/main" xmlns="" w="9525">
+                <a14:hiddenLine xmlns="" xmlns:a16="http://schemas.microsoft.com/office/drawing/2014/main" xmlns:p14="http://schemas.microsoft.com/office/powerpoint/2010/main" xmlns:a14="http://schemas.microsoft.com/office/drawing/2010/main" w="9525">
                   <a:solidFill>
                     <a:srgbClr val="000000"/>
                   </a:solidFill>
@@ -15175,7 +15178,7 @@
             </a:ln>
             <a:extLst>
               <a:ext uri="{91240B29-F687-4f45-9708-019B960494DF}">
-                <a14:hiddenLine xmlns:a14="http://schemas.microsoft.com/office/drawing/2010/main" xmlns:p14="http://schemas.microsoft.com/office/powerpoint/2010/main" xmlns:a16="http://schemas.microsoft.com/office/drawing/2014/main" xmlns="" w="9525">
+                <a14:hiddenLine xmlns="" xmlns:a16="http://schemas.microsoft.com/office/drawing/2014/main" xmlns:p14="http://schemas.microsoft.com/office/powerpoint/2010/main" xmlns:a14="http://schemas.microsoft.com/office/drawing/2010/main" w="9525">
                   <a:solidFill>
                     <a:srgbClr val="000000"/>
                   </a:solidFill>
@@ -15287,7 +15290,7 @@
             </a:ln>
             <a:extLst>
               <a:ext uri="{91240B29-F687-4f45-9708-019B960494DF}">
-                <a14:hiddenLine xmlns:a14="http://schemas.microsoft.com/office/drawing/2010/main" xmlns:p14="http://schemas.microsoft.com/office/powerpoint/2010/main" xmlns:a16="http://schemas.microsoft.com/office/drawing/2014/main" xmlns="" w="9525">
+                <a14:hiddenLine xmlns="" xmlns:a16="http://schemas.microsoft.com/office/drawing/2014/main" xmlns:p14="http://schemas.microsoft.com/office/powerpoint/2010/main" xmlns:a14="http://schemas.microsoft.com/office/drawing/2010/main" w="9525">
                   <a:solidFill>
                     <a:srgbClr val="000000"/>
                   </a:solidFill>
@@ -15343,7 +15346,7 @@
             </a:ln>
             <a:extLst>
               <a:ext uri="{91240B29-F687-4f45-9708-019B960494DF}">
-                <a14:hiddenLine xmlns:a14="http://schemas.microsoft.com/office/drawing/2010/main" xmlns:p14="http://schemas.microsoft.com/office/powerpoint/2010/main" xmlns:a16="http://schemas.microsoft.com/office/drawing/2014/main" xmlns="" w="9525">
+                <a14:hiddenLine xmlns="" xmlns:a16="http://schemas.microsoft.com/office/drawing/2014/main" xmlns:p14="http://schemas.microsoft.com/office/powerpoint/2010/main" xmlns:a14="http://schemas.microsoft.com/office/drawing/2010/main" w="9525">
                   <a:solidFill>
                     <a:srgbClr val="000000"/>
                   </a:solidFill>
@@ -15455,7 +15458,7 @@
             </a:ln>
             <a:extLst>
               <a:ext uri="{91240B29-F687-4f45-9708-019B960494DF}">
-                <a14:hiddenLine xmlns:a14="http://schemas.microsoft.com/office/drawing/2010/main" xmlns:p14="http://schemas.microsoft.com/office/powerpoint/2010/main" xmlns:a16="http://schemas.microsoft.com/office/drawing/2014/main" xmlns="" w="9525">
+                <a14:hiddenLine xmlns="" xmlns:a16="http://schemas.microsoft.com/office/drawing/2014/main" xmlns:p14="http://schemas.microsoft.com/office/powerpoint/2010/main" xmlns:a14="http://schemas.microsoft.com/office/drawing/2010/main" w="9525">
                   <a:solidFill>
                     <a:srgbClr val="000000"/>
                   </a:solidFill>
@@ -15539,7 +15542,7 @@
             </a:ln>
             <a:extLst>
               <a:ext uri="{91240B29-F687-4f45-9708-019B960494DF}">
-                <a14:hiddenLine xmlns:a14="http://schemas.microsoft.com/office/drawing/2010/main" xmlns:p14="http://schemas.microsoft.com/office/powerpoint/2010/main" xmlns:a16="http://schemas.microsoft.com/office/drawing/2014/main" xmlns="" w="9525">
+                <a14:hiddenLine xmlns="" xmlns:a16="http://schemas.microsoft.com/office/drawing/2014/main" xmlns:p14="http://schemas.microsoft.com/office/powerpoint/2010/main" xmlns:a14="http://schemas.microsoft.com/office/drawing/2010/main" w="9525">
                   <a:solidFill>
                     <a:srgbClr val="000000"/>
                   </a:solidFill>
@@ -15623,7 +15626,7 @@
             </a:ln>
             <a:extLst>
               <a:ext uri="{91240B29-F687-4f45-9708-019B960494DF}">
-                <a14:hiddenLine xmlns:a14="http://schemas.microsoft.com/office/drawing/2010/main" xmlns:p14="http://schemas.microsoft.com/office/powerpoint/2010/main" xmlns:a16="http://schemas.microsoft.com/office/drawing/2014/main" xmlns="" w="9525">
+                <a14:hiddenLine xmlns="" xmlns:a16="http://schemas.microsoft.com/office/drawing/2014/main" xmlns:p14="http://schemas.microsoft.com/office/powerpoint/2010/main" xmlns:a14="http://schemas.microsoft.com/office/drawing/2010/main" w="9525">
                   <a:solidFill>
                     <a:srgbClr val="000000"/>
                   </a:solidFill>
@@ -15735,7 +15738,7 @@
             </a:ln>
             <a:extLst>
               <a:ext uri="{91240B29-F687-4f45-9708-019B960494DF}">
-                <a14:hiddenLine xmlns:a14="http://schemas.microsoft.com/office/drawing/2010/main" xmlns:p14="http://schemas.microsoft.com/office/powerpoint/2010/main" xmlns:a16="http://schemas.microsoft.com/office/drawing/2014/main" xmlns="" w="9525">
+                <a14:hiddenLine xmlns="" xmlns:a16="http://schemas.microsoft.com/office/drawing/2014/main" xmlns:p14="http://schemas.microsoft.com/office/powerpoint/2010/main" xmlns:a14="http://schemas.microsoft.com/office/drawing/2010/main" w="9525">
                   <a:solidFill>
                     <a:srgbClr val="000000"/>
                   </a:solidFill>
@@ -15825,7 +15828,7 @@
             </a:ln>
             <a:extLst>
               <a:ext uri="{91240B29-F687-4f45-9708-019B960494DF}">
-                <a14:hiddenLine xmlns:a14="http://schemas.microsoft.com/office/drawing/2010/main" xmlns:p14="http://schemas.microsoft.com/office/powerpoint/2010/main" xmlns:a16="http://schemas.microsoft.com/office/drawing/2014/main" xmlns="" w="9525">
+                <a14:hiddenLine xmlns="" xmlns:a16="http://schemas.microsoft.com/office/drawing/2014/main" xmlns:p14="http://schemas.microsoft.com/office/powerpoint/2010/main" xmlns:a14="http://schemas.microsoft.com/office/drawing/2010/main" w="9525">
                   <a:solidFill>
                     <a:srgbClr val="000000"/>
                   </a:solidFill>
@@ -15909,7 +15912,7 @@
             </a:ln>
             <a:extLst>
               <a:ext uri="{91240B29-F687-4f45-9708-019B960494DF}">
-                <a14:hiddenLine xmlns:a14="http://schemas.microsoft.com/office/drawing/2010/main" xmlns:p14="http://schemas.microsoft.com/office/powerpoint/2010/main" xmlns:a16="http://schemas.microsoft.com/office/drawing/2014/main" xmlns="" w="9525">
+                <a14:hiddenLine xmlns="" xmlns:a16="http://schemas.microsoft.com/office/drawing/2014/main" xmlns:p14="http://schemas.microsoft.com/office/powerpoint/2010/main" xmlns:a14="http://schemas.microsoft.com/office/drawing/2010/main" w="9525">
                   <a:solidFill>
                     <a:srgbClr val="000000"/>
                   </a:solidFill>
@@ -16021,7 +16024,7 @@
             </a:ln>
             <a:extLst>
               <a:ext uri="{91240B29-F687-4f45-9708-019B960494DF}">
-                <a14:hiddenLine xmlns:a14="http://schemas.microsoft.com/office/drawing/2010/main" xmlns:p14="http://schemas.microsoft.com/office/powerpoint/2010/main" xmlns:a16="http://schemas.microsoft.com/office/drawing/2014/main" xmlns="" w="9525">
+                <a14:hiddenLine xmlns="" xmlns:a16="http://schemas.microsoft.com/office/drawing/2014/main" xmlns:p14="http://schemas.microsoft.com/office/powerpoint/2010/main" xmlns:a14="http://schemas.microsoft.com/office/drawing/2010/main" w="9525">
                   <a:solidFill>
                     <a:srgbClr val="000000"/>
                   </a:solidFill>
@@ -16105,7 +16108,7 @@
             </a:ln>
             <a:extLst>
               <a:ext uri="{91240B29-F687-4f45-9708-019B960494DF}">
-                <a14:hiddenLine xmlns:a14="http://schemas.microsoft.com/office/drawing/2010/main" xmlns:p14="http://schemas.microsoft.com/office/powerpoint/2010/main" xmlns:a16="http://schemas.microsoft.com/office/drawing/2014/main" xmlns="" w="9525">
+                <a14:hiddenLine xmlns="" xmlns:a16="http://schemas.microsoft.com/office/drawing/2014/main" xmlns:p14="http://schemas.microsoft.com/office/powerpoint/2010/main" xmlns:a14="http://schemas.microsoft.com/office/drawing/2010/main" w="9525">
                   <a:solidFill>
                     <a:srgbClr val="000000"/>
                   </a:solidFill>
@@ -16217,7 +16220,7 @@
             </a:ln>
             <a:extLst>
               <a:ext uri="{91240B29-F687-4f45-9708-019B960494DF}">
-                <a14:hiddenLine xmlns:a14="http://schemas.microsoft.com/office/drawing/2010/main" xmlns:p14="http://schemas.microsoft.com/office/powerpoint/2010/main" xmlns:a16="http://schemas.microsoft.com/office/drawing/2014/main" xmlns="" w="9525">
+                <a14:hiddenLine xmlns="" xmlns:a16="http://schemas.microsoft.com/office/drawing/2014/main" xmlns:p14="http://schemas.microsoft.com/office/powerpoint/2010/main" xmlns:a14="http://schemas.microsoft.com/office/drawing/2010/main" w="9525">
                   <a:solidFill>
                     <a:srgbClr val="000000"/>
                   </a:solidFill>
@@ -16301,7 +16304,7 @@
             </a:ln>
             <a:extLst>
               <a:ext uri="{91240B29-F687-4f45-9708-019B960494DF}">
-                <a14:hiddenLine xmlns:a14="http://schemas.microsoft.com/office/drawing/2010/main" xmlns:p14="http://schemas.microsoft.com/office/powerpoint/2010/main" xmlns:a16="http://schemas.microsoft.com/office/drawing/2014/main" xmlns="" w="9525">
+                <a14:hiddenLine xmlns="" xmlns:a16="http://schemas.microsoft.com/office/drawing/2014/main" xmlns:p14="http://schemas.microsoft.com/office/powerpoint/2010/main" xmlns:a14="http://schemas.microsoft.com/office/drawing/2010/main" w="9525">
                   <a:solidFill>
                     <a:srgbClr val="000000"/>
                   </a:solidFill>
@@ -16413,7 +16416,7 @@
             </a:ln>
             <a:extLst>
               <a:ext uri="{91240B29-F687-4f45-9708-019B960494DF}">
-                <a14:hiddenLine xmlns:a14="http://schemas.microsoft.com/office/drawing/2010/main" xmlns:p14="http://schemas.microsoft.com/office/powerpoint/2010/main" xmlns:a16="http://schemas.microsoft.com/office/drawing/2014/main" xmlns="" w="9525">
+                <a14:hiddenLine xmlns="" xmlns:a16="http://schemas.microsoft.com/office/drawing/2014/main" xmlns:p14="http://schemas.microsoft.com/office/powerpoint/2010/main" xmlns:a14="http://schemas.microsoft.com/office/drawing/2010/main" w="9525">
                   <a:solidFill>
                     <a:srgbClr val="000000"/>
                   </a:solidFill>
@@ -16469,7 +16472,7 @@
             </a:ln>
             <a:extLst>
               <a:ext uri="{91240B29-F687-4f45-9708-019B960494DF}">
-                <a14:hiddenLine xmlns:a14="http://schemas.microsoft.com/office/drawing/2010/main" xmlns:p14="http://schemas.microsoft.com/office/powerpoint/2010/main" xmlns:a16="http://schemas.microsoft.com/office/drawing/2014/main" xmlns="" w="9525">
+                <a14:hiddenLine xmlns="" xmlns:a16="http://schemas.microsoft.com/office/drawing/2014/main" xmlns:p14="http://schemas.microsoft.com/office/powerpoint/2010/main" xmlns:a14="http://schemas.microsoft.com/office/drawing/2010/main" w="9525">
                   <a:solidFill>
                     <a:srgbClr val="000000"/>
                   </a:solidFill>
@@ -16556,7 +16559,7 @@
             </a:ln>
             <a:extLst>
               <a:ext uri="{91240B29-F687-4f45-9708-019B960494DF}">
-                <a14:hiddenLine xmlns:a14="http://schemas.microsoft.com/office/drawing/2010/main" xmlns:p14="http://schemas.microsoft.com/office/powerpoint/2010/main" xmlns:a16="http://schemas.microsoft.com/office/drawing/2014/main" xmlns="" w="9525">
+                <a14:hiddenLine xmlns="" xmlns:a16="http://schemas.microsoft.com/office/drawing/2014/main" xmlns:p14="http://schemas.microsoft.com/office/powerpoint/2010/main" xmlns:a14="http://schemas.microsoft.com/office/drawing/2010/main" w="9525">
                   <a:solidFill>
                     <a:srgbClr val="000000"/>
                   </a:solidFill>
@@ -16668,7 +16671,7 @@
             </a:ln>
             <a:extLst>
               <a:ext uri="{91240B29-F687-4f45-9708-019B960494DF}">
-                <a14:hiddenLine xmlns:a14="http://schemas.microsoft.com/office/drawing/2010/main" xmlns:p14="http://schemas.microsoft.com/office/powerpoint/2010/main" xmlns:a16="http://schemas.microsoft.com/office/drawing/2014/main" xmlns="" w="9525">
+                <a14:hiddenLine xmlns="" xmlns:a16="http://schemas.microsoft.com/office/drawing/2014/main" xmlns:p14="http://schemas.microsoft.com/office/powerpoint/2010/main" xmlns:a14="http://schemas.microsoft.com/office/drawing/2010/main" w="9525">
                   <a:solidFill>
                     <a:srgbClr val="000000"/>
                   </a:solidFill>
@@ -16752,7 +16755,7 @@
             </a:ln>
             <a:extLst>
               <a:ext uri="{91240B29-F687-4f45-9708-019B960494DF}">
-                <a14:hiddenLine xmlns:a14="http://schemas.microsoft.com/office/drawing/2010/main" xmlns:p14="http://schemas.microsoft.com/office/powerpoint/2010/main" xmlns:a16="http://schemas.microsoft.com/office/drawing/2014/main" xmlns="" w="9525">
+                <a14:hiddenLine xmlns="" xmlns:a16="http://schemas.microsoft.com/office/drawing/2014/main" xmlns:p14="http://schemas.microsoft.com/office/powerpoint/2010/main" xmlns:a14="http://schemas.microsoft.com/office/drawing/2010/main" w="9525">
                   <a:solidFill>
                     <a:srgbClr val="000000"/>
                   </a:solidFill>
@@ -16864,7 +16867,7 @@
             </a:ln>
             <a:extLst>
               <a:ext uri="{91240B29-F687-4f45-9708-019B960494DF}">
-                <a14:hiddenLine xmlns:a14="http://schemas.microsoft.com/office/drawing/2010/main" xmlns:p14="http://schemas.microsoft.com/office/powerpoint/2010/main" xmlns:a16="http://schemas.microsoft.com/office/drawing/2014/main" xmlns="" w="9525">
+                <a14:hiddenLine xmlns="" xmlns:a16="http://schemas.microsoft.com/office/drawing/2014/main" xmlns:p14="http://schemas.microsoft.com/office/powerpoint/2010/main" xmlns:a14="http://schemas.microsoft.com/office/drawing/2010/main" w="9525">
                   <a:solidFill>
                     <a:srgbClr val="000000"/>
                   </a:solidFill>
@@ -16976,7 +16979,7 @@
             </a:ln>
             <a:extLst>
               <a:ext uri="{91240B29-F687-4f45-9708-019B960494DF}">
-                <a14:hiddenLine xmlns:a14="http://schemas.microsoft.com/office/drawing/2010/main" xmlns:p14="http://schemas.microsoft.com/office/powerpoint/2010/main" xmlns:a16="http://schemas.microsoft.com/office/drawing/2014/main" xmlns="" w="9525">
+                <a14:hiddenLine xmlns="" xmlns:a16="http://schemas.microsoft.com/office/drawing/2014/main" xmlns:p14="http://schemas.microsoft.com/office/powerpoint/2010/main" xmlns:a14="http://schemas.microsoft.com/office/drawing/2010/main" w="9525">
                   <a:solidFill>
                     <a:srgbClr val="000000"/>
                   </a:solidFill>
@@ -17063,7 +17066,7 @@
             </a:ln>
             <a:extLst>
               <a:ext uri="{91240B29-F687-4f45-9708-019B960494DF}">
-                <a14:hiddenLine xmlns:a14="http://schemas.microsoft.com/office/drawing/2010/main" xmlns:p14="http://schemas.microsoft.com/office/powerpoint/2010/main" xmlns:a16="http://schemas.microsoft.com/office/drawing/2014/main" xmlns="" w="9525">
+                <a14:hiddenLine xmlns="" xmlns:a16="http://schemas.microsoft.com/office/drawing/2014/main" xmlns:p14="http://schemas.microsoft.com/office/powerpoint/2010/main" xmlns:a14="http://schemas.microsoft.com/office/drawing/2010/main" w="9525">
                   <a:solidFill>
                     <a:srgbClr val="000000"/>
                   </a:solidFill>
@@ -17147,7 +17150,7 @@
             </a:ln>
             <a:extLst>
               <a:ext uri="{91240B29-F687-4f45-9708-019B960494DF}">
-                <a14:hiddenLine xmlns:a14="http://schemas.microsoft.com/office/drawing/2010/main" xmlns:p14="http://schemas.microsoft.com/office/powerpoint/2010/main" xmlns:a16="http://schemas.microsoft.com/office/drawing/2014/main" xmlns="" w="9525">
+                <a14:hiddenLine xmlns="" xmlns:a16="http://schemas.microsoft.com/office/drawing/2014/main" xmlns:p14="http://schemas.microsoft.com/office/powerpoint/2010/main" xmlns:a14="http://schemas.microsoft.com/office/drawing/2010/main" w="9525">
                   <a:solidFill>
                     <a:srgbClr val="000000"/>
                   </a:solidFill>
@@ -17259,7 +17262,7 @@
             </a:ln>
             <a:extLst>
               <a:ext uri="{91240B29-F687-4f45-9708-019B960494DF}">
-                <a14:hiddenLine xmlns:a14="http://schemas.microsoft.com/office/drawing/2010/main" xmlns:p14="http://schemas.microsoft.com/office/powerpoint/2010/main" xmlns:a16="http://schemas.microsoft.com/office/drawing/2014/main" xmlns="" w="9525">
+                <a14:hiddenLine xmlns="" xmlns:a16="http://schemas.microsoft.com/office/drawing/2014/main" xmlns:p14="http://schemas.microsoft.com/office/powerpoint/2010/main" xmlns:a14="http://schemas.microsoft.com/office/drawing/2010/main" w="9525">
                   <a:solidFill>
                     <a:srgbClr val="000000"/>
                   </a:solidFill>
@@ -17371,7 +17374,7 @@
             </a:ln>
             <a:extLst>
               <a:ext uri="{91240B29-F687-4f45-9708-019B960494DF}">
-                <a14:hiddenLine xmlns:a14="http://schemas.microsoft.com/office/drawing/2010/main" xmlns:p14="http://schemas.microsoft.com/office/powerpoint/2010/main" xmlns:a16="http://schemas.microsoft.com/office/drawing/2014/main" xmlns="" w="9525">
+                <a14:hiddenLine xmlns="" xmlns:a16="http://schemas.microsoft.com/office/drawing/2014/main" xmlns:p14="http://schemas.microsoft.com/office/powerpoint/2010/main" xmlns:a14="http://schemas.microsoft.com/office/drawing/2010/main" w="9525">
                   <a:solidFill>
                     <a:srgbClr val="000000"/>
                   </a:solidFill>
@@ -17455,7 +17458,7 @@
             </a:ln>
             <a:extLst>
               <a:ext uri="{91240B29-F687-4f45-9708-019B960494DF}">
-                <a14:hiddenLine xmlns:a14="http://schemas.microsoft.com/office/drawing/2010/main" xmlns:p14="http://schemas.microsoft.com/office/powerpoint/2010/main" xmlns:a16="http://schemas.microsoft.com/office/drawing/2014/main" xmlns="" w="9525">
+                <a14:hiddenLine xmlns="" xmlns:a16="http://schemas.microsoft.com/office/drawing/2014/main" xmlns:p14="http://schemas.microsoft.com/office/powerpoint/2010/main" xmlns:a14="http://schemas.microsoft.com/office/drawing/2010/main" w="9525">
                   <a:solidFill>
                     <a:srgbClr val="000000"/>
                   </a:solidFill>
@@ -17597,7 +17600,7 @@
             </a:ln>
             <a:extLst>
               <a:ext uri="{91240B29-F687-4f45-9708-019B960494DF}">
-                <a14:hiddenLine xmlns:a14="http://schemas.microsoft.com/office/drawing/2010/main" xmlns:p14="http://schemas.microsoft.com/office/powerpoint/2010/main" xmlns:a16="http://schemas.microsoft.com/office/drawing/2014/main" xmlns="" w="9525">
+                <a14:hiddenLine xmlns="" xmlns:a16="http://schemas.microsoft.com/office/drawing/2014/main" xmlns:p14="http://schemas.microsoft.com/office/powerpoint/2010/main" xmlns:a14="http://schemas.microsoft.com/office/drawing/2010/main" w="9525">
                   <a:solidFill>
                     <a:srgbClr val="000000"/>
                   </a:solidFill>
@@ -17687,7 +17690,7 @@
             </a:ln>
             <a:extLst>
               <a:ext uri="{91240B29-F687-4f45-9708-019B960494DF}">
-                <a14:hiddenLine xmlns:a14="http://schemas.microsoft.com/office/drawing/2010/main" xmlns:p14="http://schemas.microsoft.com/office/powerpoint/2010/main" xmlns:a16="http://schemas.microsoft.com/office/drawing/2014/main" xmlns="" w="9525">
+                <a14:hiddenLine xmlns="" xmlns:a16="http://schemas.microsoft.com/office/drawing/2014/main" xmlns:p14="http://schemas.microsoft.com/office/powerpoint/2010/main" xmlns:a14="http://schemas.microsoft.com/office/drawing/2010/main" w="9525">
                   <a:solidFill>
                     <a:srgbClr val="000000"/>
                   </a:solidFill>
@@ -17799,7 +17802,7 @@
             </a:ln>
             <a:extLst>
               <a:ext uri="{91240B29-F687-4f45-9708-019B960494DF}">
-                <a14:hiddenLine xmlns:a14="http://schemas.microsoft.com/office/drawing/2010/main" xmlns:p14="http://schemas.microsoft.com/office/powerpoint/2010/main" xmlns:a16="http://schemas.microsoft.com/office/drawing/2014/main" xmlns="" w="9525">
+                <a14:hiddenLine xmlns="" xmlns:a16="http://schemas.microsoft.com/office/drawing/2014/main" xmlns:p14="http://schemas.microsoft.com/office/powerpoint/2010/main" xmlns:a14="http://schemas.microsoft.com/office/drawing/2010/main" w="9525">
                   <a:solidFill>
                     <a:srgbClr val="000000"/>
                   </a:solidFill>
@@ -17874,7 +17877,7 @@
           <a:noFill/>
           <a:extLst>
             <a:ext uri="{909E8E84-426E-40dd-AFC4-6F175D3DCCD1}">
-              <a14:hiddenFill xmlns:a14="http://schemas.microsoft.com/office/drawing/2010/main" xmlns:p14="http://schemas.microsoft.com/office/powerpoint/2010/main" xmlns:a16="http://schemas.microsoft.com/office/drawing/2014/main" xmlns="">
+              <a14:hiddenFill xmlns="" xmlns:a16="http://schemas.microsoft.com/office/drawing/2014/main" xmlns:p14="http://schemas.microsoft.com/office/powerpoint/2010/main" xmlns:a14="http://schemas.microsoft.com/office/drawing/2010/main">
                 <a:solidFill>
                   <a:srgbClr val="FFFFFF"/>
                 </a:solidFill>
@@ -19129,6 +19132,1070 @@
 </p:sld>
 </file>
 
+<file path=ppt/slides/slide17.xml><?xml version="1.0" encoding="utf-8"?>
+<p:sld xmlns:a="http://schemas.openxmlformats.org/drawingml/2006/main" xmlns:r="http://schemas.openxmlformats.org/officeDocument/2006/relationships" xmlns:p="http://schemas.openxmlformats.org/presentationml/2006/main">
+  <p:cSld>
+    <p:spTree>
+      <p:nvGrpSpPr>
+        <p:cNvPr id="1" name="">
+          <a:extLst>
+            <a:ext uri="{FF2B5EF4-FFF2-40B4-BE49-F238E27FC236}">
+              <a16:creationId xmlns:a16="http://schemas.microsoft.com/office/drawing/2014/main" id="{D393A442-E2AF-AEBD-E819-D15521D0E5DF}"/>
+            </a:ext>
+          </a:extLst>
+        </p:cNvPr>
+        <p:cNvGrpSpPr/>
+        <p:nvPr/>
+      </p:nvGrpSpPr>
+      <p:grpSpPr>
+        <a:xfrm>
+          <a:off x="0" y="0"/>
+          <a:ext cx="0" cy="0"/>
+          <a:chOff x="0" y="0"/>
+          <a:chExt cx="0" cy="0"/>
+        </a:xfrm>
+      </p:grpSpPr>
+      <p:sp>
+        <p:nvSpPr>
+          <p:cNvPr id="5" name="Content Placeholder 6">
+            <a:extLst>
+              <a:ext uri="{FF2B5EF4-FFF2-40B4-BE49-F238E27FC236}">
+                <a16:creationId xmlns:a16="http://schemas.microsoft.com/office/drawing/2014/main" id="{1DE298CE-D31E-D010-A4F5-91AE75098616}"/>
+              </a:ext>
+            </a:extLst>
+          </p:cNvPr>
+          <p:cNvSpPr>
+            <a:spLocks noGrp="1"/>
+          </p:cNvSpPr>
+          <p:nvPr>
+            <p:ph idx="1"/>
+          </p:nvPr>
+        </p:nvSpPr>
+        <p:spPr>
+          <a:xfrm>
+            <a:off x="1143000" y="1432018"/>
+            <a:ext cx="9905999" cy="1149818"/>
+          </a:xfrm>
+        </p:spPr>
+        <p:txBody>
+          <a:bodyPr>
+            <a:normAutofit/>
+          </a:bodyPr>
+          <a:lstStyle/>
+          <a:p>
+            <a:pPr marL="0" indent="0">
+              <a:buNone/>
+            </a:pPr>
+            <a:r>
+              <a:rPr lang="en-IN" dirty="0">
+                <a:sym typeface="Wingdings" panose="05000000000000000000" pitchFamily="2" charset="2"/>
+              </a:rPr>
+              <a:t>These aggregate the elements of a single Instant Vector, and results in a new Instant Vector with aggregated values.</a:t>
+            </a:r>
+          </a:p>
+        </p:txBody>
+      </p:sp>
+      <p:sp>
+        <p:nvSpPr>
+          <p:cNvPr id="8" name="TextBox 7">
+            <a:extLst>
+              <a:ext uri="{FF2B5EF4-FFF2-40B4-BE49-F238E27FC236}">
+                <a16:creationId xmlns:a16="http://schemas.microsoft.com/office/drawing/2014/main" id="{D8E5DE82-7168-B7A3-E0ED-B10CB720FFAC}"/>
+              </a:ext>
+            </a:extLst>
+          </p:cNvPr>
+          <p:cNvSpPr txBox="1"/>
+          <p:nvPr/>
+        </p:nvSpPr>
+        <p:spPr>
+          <a:xfrm>
+            <a:off x="1141413" y="582706"/>
+            <a:ext cx="8065340" cy="646331"/>
+          </a:xfrm>
+          <a:prstGeom prst="rect">
+            <a:avLst/>
+          </a:prstGeom>
+          <a:noFill/>
+        </p:spPr>
+        <p:txBody>
+          <a:bodyPr wrap="square" rtlCol="0">
+            <a:spAutoFit/>
+          </a:bodyPr>
+          <a:lstStyle/>
+          <a:p>
+            <a:r>
+              <a:rPr lang="en-IN" sz="3600" b="1" dirty="0">
+                <a:effectLst>
+                  <a:outerShdw blurRad="38100" dist="38100" dir="2700000" algn="tl">
+                    <a:srgbClr val="000000">
+                      <a:alpha val="43137"/>
+                    </a:srgbClr>
+                  </a:outerShdw>
+                </a:effectLst>
+              </a:rPr>
+              <a:t>Aggregate Operators</a:t>
+            </a:r>
+          </a:p>
+        </p:txBody>
+      </p:sp>
+      <p:sp>
+        <p:nvSpPr>
+          <p:cNvPr id="2" name="TextBox 1">
+            <a:extLst>
+              <a:ext uri="{FF2B5EF4-FFF2-40B4-BE49-F238E27FC236}">
+                <a16:creationId xmlns:a16="http://schemas.microsoft.com/office/drawing/2014/main" id="{5036AD71-A0D2-081B-1490-8FABB297CCDC}"/>
+              </a:ext>
+            </a:extLst>
+          </p:cNvPr>
+          <p:cNvSpPr txBox="1"/>
+          <p:nvPr/>
+        </p:nvSpPr>
+        <p:spPr>
+          <a:xfrm>
+            <a:off x="1141414" y="2581836"/>
+            <a:ext cx="2229316" cy="1938992"/>
+          </a:xfrm>
+          <a:prstGeom prst="rect">
+            <a:avLst/>
+          </a:prstGeom>
+          <a:noFill/>
+        </p:spPr>
+        <p:txBody>
+          <a:bodyPr wrap="square" rtlCol="0">
+            <a:spAutoFit/>
+          </a:bodyPr>
+          <a:lstStyle/>
+          <a:p>
+            <a:pPr marL="742950" lvl="1" indent="-285750">
+              <a:buFont typeface="Arial" panose="020B0604020202020204" pitchFamily="34" charset="0"/>
+              <a:buChar char="•"/>
+            </a:pPr>
+            <a:r>
+              <a:rPr lang="en-IN" sz="2400" dirty="0">
+                <a:sym typeface="Wingdings" panose="05000000000000000000" pitchFamily="2" charset="2"/>
+              </a:rPr>
+              <a:t>sum</a:t>
+            </a:r>
+          </a:p>
+          <a:p>
+            <a:pPr marL="742950" lvl="1" indent="-285750">
+              <a:buFont typeface="Arial" panose="020B0604020202020204" pitchFamily="34" charset="0"/>
+              <a:buChar char="•"/>
+            </a:pPr>
+            <a:r>
+              <a:rPr lang="en-IN" sz="2400" dirty="0">
+                <a:sym typeface="Wingdings" panose="05000000000000000000" pitchFamily="2" charset="2"/>
+              </a:rPr>
+              <a:t>min</a:t>
+            </a:r>
+          </a:p>
+          <a:p>
+            <a:pPr marL="742950" lvl="1" indent="-285750">
+              <a:buFont typeface="Arial" panose="020B0604020202020204" pitchFamily="34" charset="0"/>
+              <a:buChar char="•"/>
+            </a:pPr>
+            <a:r>
+              <a:rPr lang="en-IN" sz="2400" dirty="0">
+                <a:sym typeface="Wingdings" panose="05000000000000000000" pitchFamily="2" charset="2"/>
+              </a:rPr>
+              <a:t>max</a:t>
+            </a:r>
+          </a:p>
+          <a:p>
+            <a:pPr marL="742950" lvl="1" indent="-285750">
+              <a:buFont typeface="Arial" panose="020B0604020202020204" pitchFamily="34" charset="0"/>
+              <a:buChar char="•"/>
+            </a:pPr>
+            <a:r>
+              <a:rPr lang="en-IN" sz="2400" dirty="0" err="1">
+                <a:sym typeface="Wingdings" panose="05000000000000000000" pitchFamily="2" charset="2"/>
+              </a:rPr>
+              <a:t>avg</a:t>
+            </a:r>
+            <a:endParaRPr lang="en-IN" sz="2400" dirty="0">
+              <a:sym typeface="Wingdings" panose="05000000000000000000" pitchFamily="2" charset="2"/>
+            </a:endParaRPr>
+          </a:p>
+          <a:p>
+            <a:pPr marL="742950" lvl="1" indent="-285750">
+              <a:buFont typeface="Arial" panose="020B0604020202020204" pitchFamily="34" charset="0"/>
+              <a:buChar char="•"/>
+            </a:pPr>
+            <a:r>
+              <a:rPr lang="en-IN" sz="2400" dirty="0">
+                <a:sym typeface="Wingdings" panose="05000000000000000000" pitchFamily="2" charset="2"/>
+              </a:rPr>
+              <a:t>count </a:t>
+            </a:r>
+          </a:p>
+        </p:txBody>
+      </p:sp>
+      <p:sp>
+        <p:nvSpPr>
+          <p:cNvPr id="3" name="TextBox 2">
+            <a:extLst>
+              <a:ext uri="{FF2B5EF4-FFF2-40B4-BE49-F238E27FC236}">
+                <a16:creationId xmlns:a16="http://schemas.microsoft.com/office/drawing/2014/main" id="{E8EC895D-3088-2A64-899D-F72AC693A51F}"/>
+              </a:ext>
+            </a:extLst>
+          </p:cNvPr>
+          <p:cNvSpPr txBox="1"/>
+          <p:nvPr/>
+        </p:nvSpPr>
+        <p:spPr>
+          <a:xfrm>
+            <a:off x="3370730" y="2581836"/>
+            <a:ext cx="2985246" cy="2308324"/>
+          </a:xfrm>
+          <a:prstGeom prst="rect">
+            <a:avLst/>
+          </a:prstGeom>
+          <a:noFill/>
+        </p:spPr>
+        <p:txBody>
+          <a:bodyPr wrap="square" rtlCol="0">
+            <a:spAutoFit/>
+          </a:bodyPr>
+          <a:lstStyle/>
+          <a:p>
+            <a:pPr marL="742950" lvl="1" indent="-285750">
+              <a:buFont typeface="Arial" panose="020B0604020202020204" pitchFamily="34" charset="0"/>
+              <a:buChar char="•"/>
+            </a:pPr>
+            <a:r>
+              <a:rPr lang="en-IN" sz="2400" dirty="0">
+                <a:sym typeface="Wingdings" panose="05000000000000000000" pitchFamily="2" charset="2"/>
+              </a:rPr>
+              <a:t>group</a:t>
+            </a:r>
+          </a:p>
+          <a:p>
+            <a:pPr marL="742950" lvl="1" indent="-285750">
+              <a:buFont typeface="Arial" panose="020B0604020202020204" pitchFamily="34" charset="0"/>
+              <a:buChar char="•"/>
+            </a:pPr>
+            <a:r>
+              <a:rPr lang="en-IN" sz="2400" dirty="0" err="1">
+                <a:sym typeface="Wingdings" panose="05000000000000000000" pitchFamily="2" charset="2"/>
+              </a:rPr>
+              <a:t>count_values</a:t>
+            </a:r>
+            <a:endParaRPr lang="en-IN" sz="2400" dirty="0">
+              <a:sym typeface="Wingdings" panose="05000000000000000000" pitchFamily="2" charset="2"/>
+            </a:endParaRPr>
+          </a:p>
+          <a:p>
+            <a:pPr marL="742950" lvl="1" indent="-285750">
+              <a:buFont typeface="Arial" panose="020B0604020202020204" pitchFamily="34" charset="0"/>
+              <a:buChar char="•"/>
+            </a:pPr>
+            <a:r>
+              <a:rPr lang="en-IN" sz="2400" dirty="0" err="1">
+                <a:sym typeface="Wingdings" panose="05000000000000000000" pitchFamily="2" charset="2"/>
+              </a:rPr>
+              <a:t>topk</a:t>
+            </a:r>
+            <a:endParaRPr lang="en-IN" sz="2400" dirty="0">
+              <a:sym typeface="Wingdings" panose="05000000000000000000" pitchFamily="2" charset="2"/>
+            </a:endParaRPr>
+          </a:p>
+          <a:p>
+            <a:pPr marL="742950" lvl="1" indent="-285750">
+              <a:buFont typeface="Arial" panose="020B0604020202020204" pitchFamily="34" charset="0"/>
+              <a:buChar char="•"/>
+            </a:pPr>
+            <a:r>
+              <a:rPr lang="en-IN" sz="2400" dirty="0" err="1">
+                <a:sym typeface="Wingdings" panose="05000000000000000000" pitchFamily="2" charset="2"/>
+              </a:rPr>
+              <a:t>bottomk</a:t>
+            </a:r>
+            <a:endParaRPr lang="en-IN" sz="2400" dirty="0">
+              <a:sym typeface="Wingdings" panose="05000000000000000000" pitchFamily="2" charset="2"/>
+            </a:endParaRPr>
+          </a:p>
+          <a:p>
+            <a:pPr marL="742950" lvl="1" indent="-285750">
+              <a:buFont typeface="Arial" panose="020B0604020202020204" pitchFamily="34" charset="0"/>
+              <a:buChar char="•"/>
+            </a:pPr>
+            <a:r>
+              <a:rPr lang="en-IN" sz="2400" dirty="0" err="1">
+                <a:sym typeface="Wingdings" panose="05000000000000000000" pitchFamily="2" charset="2"/>
+              </a:rPr>
+              <a:t>stddev</a:t>
+            </a:r>
+            <a:endParaRPr lang="en-IN" sz="2400" dirty="0">
+              <a:sym typeface="Wingdings" panose="05000000000000000000" pitchFamily="2" charset="2"/>
+            </a:endParaRPr>
+          </a:p>
+          <a:p>
+            <a:pPr marL="742950" lvl="1" indent="-285750">
+              <a:buFont typeface="Arial" panose="020B0604020202020204" pitchFamily="34" charset="0"/>
+              <a:buChar char="•"/>
+            </a:pPr>
+            <a:r>
+              <a:rPr lang="en-IN" sz="2400" dirty="0">
+                <a:sym typeface="Wingdings" panose="05000000000000000000" pitchFamily="2" charset="2"/>
+              </a:rPr>
+              <a:t> </a:t>
+            </a:r>
+            <a:r>
+              <a:rPr lang="en-IN" sz="2400" dirty="0" err="1">
+                <a:sym typeface="Wingdings" panose="05000000000000000000" pitchFamily="2" charset="2"/>
+              </a:rPr>
+              <a:t>stdvar</a:t>
+            </a:r>
+            <a:endParaRPr lang="en-IN" sz="2400" dirty="0">
+              <a:sym typeface="Wingdings" panose="05000000000000000000" pitchFamily="2" charset="2"/>
+            </a:endParaRPr>
+          </a:p>
+        </p:txBody>
+      </p:sp>
+      <p:sp>
+        <p:nvSpPr>
+          <p:cNvPr id="4" name="TextBox 3">
+            <a:extLst>
+              <a:ext uri="{FF2B5EF4-FFF2-40B4-BE49-F238E27FC236}">
+                <a16:creationId xmlns:a16="http://schemas.microsoft.com/office/drawing/2014/main" id="{ACB7E0FD-B73D-F106-2463-D727576D37D7}"/>
+              </a:ext>
+            </a:extLst>
+          </p:cNvPr>
+          <p:cNvSpPr txBox="1"/>
+          <p:nvPr/>
+        </p:nvSpPr>
+        <p:spPr>
+          <a:xfrm>
+            <a:off x="1141414" y="5042681"/>
+            <a:ext cx="7144871" cy="461665"/>
+          </a:xfrm>
+          <a:prstGeom prst="rect">
+            <a:avLst/>
+          </a:prstGeom>
+          <a:noFill/>
+        </p:spPr>
+        <p:txBody>
+          <a:bodyPr wrap="square" rtlCol="0">
+            <a:spAutoFit/>
+          </a:bodyPr>
+          <a:lstStyle/>
+          <a:p>
+            <a:r>
+              <a:rPr lang="en-IN" sz="2400" dirty="0"/>
+              <a:t>Syntax: &lt;Aggregate Operator&gt;(Instant Vector)</a:t>
+            </a:r>
+          </a:p>
+        </p:txBody>
+      </p:sp>
+      <p:sp>
+        <p:nvSpPr>
+          <p:cNvPr id="6" name="TextBox 5">
+            <a:extLst>
+              <a:ext uri="{FF2B5EF4-FFF2-40B4-BE49-F238E27FC236}">
+                <a16:creationId xmlns:a16="http://schemas.microsoft.com/office/drawing/2014/main" id="{B3E42F70-01B4-0599-F729-39559A0EAF55}"/>
+              </a:ext>
+            </a:extLst>
+          </p:cNvPr>
+          <p:cNvSpPr txBox="1"/>
+          <p:nvPr/>
+        </p:nvSpPr>
+        <p:spPr>
+          <a:xfrm>
+            <a:off x="1141413" y="5578313"/>
+            <a:ext cx="8597154" cy="461665"/>
+          </a:xfrm>
+          <a:prstGeom prst="rect">
+            <a:avLst/>
+          </a:prstGeom>
+          <a:noFill/>
+        </p:spPr>
+        <p:txBody>
+          <a:bodyPr wrap="square" rtlCol="0">
+            <a:spAutoFit/>
+          </a:bodyPr>
+          <a:lstStyle/>
+          <a:p>
+            <a:r>
+              <a:rPr lang="en-IN" sz="2400" dirty="0"/>
+              <a:t> 		 &lt;Aggregate Operator&gt;(Instant Vector) by (&lt;label list&gt;) </a:t>
+            </a:r>
+          </a:p>
+        </p:txBody>
+      </p:sp>
+      <p:sp>
+        <p:nvSpPr>
+          <p:cNvPr id="7" name="TextBox 6">
+            <a:extLst>
+              <a:ext uri="{FF2B5EF4-FFF2-40B4-BE49-F238E27FC236}">
+                <a16:creationId xmlns:a16="http://schemas.microsoft.com/office/drawing/2014/main" id="{DD65C689-A1B3-5D90-EBA8-F2CDE7CE495B}"/>
+              </a:ext>
+            </a:extLst>
+          </p:cNvPr>
+          <p:cNvSpPr txBox="1"/>
+          <p:nvPr/>
+        </p:nvSpPr>
+        <p:spPr>
+          <a:xfrm>
+            <a:off x="1141412" y="6113945"/>
+            <a:ext cx="8818375" cy="461665"/>
+          </a:xfrm>
+          <a:prstGeom prst="rect">
+            <a:avLst/>
+          </a:prstGeom>
+          <a:noFill/>
+        </p:spPr>
+        <p:txBody>
+          <a:bodyPr wrap="square" rtlCol="0">
+            <a:spAutoFit/>
+          </a:bodyPr>
+          <a:lstStyle/>
+          <a:p>
+            <a:r>
+              <a:rPr lang="en-IN" sz="2400" dirty="0"/>
+              <a:t> 		 &lt;Aggregate Operator&gt;(Instant Vector) without (&lt;label list&gt;) </a:t>
+            </a:r>
+          </a:p>
+        </p:txBody>
+      </p:sp>
+    </p:spTree>
+    <p:extLst>
+      <p:ext uri="{BB962C8B-B14F-4D97-AF65-F5344CB8AC3E}">
+        <p14:creationId xmlns:p14="http://schemas.microsoft.com/office/powerpoint/2010/main" val="508116353"/>
+      </p:ext>
+    </p:extLst>
+  </p:cSld>
+  <p:clrMapOvr>
+    <a:masterClrMapping/>
+  </p:clrMapOvr>
+</p:sld>
+</file>
+
+<file path=ppt/slides/slide18.xml><?xml version="1.0" encoding="utf-8"?>
+<p:sld xmlns:a="http://schemas.openxmlformats.org/drawingml/2006/main" xmlns:r="http://schemas.openxmlformats.org/officeDocument/2006/relationships" xmlns:p="http://schemas.openxmlformats.org/presentationml/2006/main">
+  <p:cSld>
+    <p:spTree>
+      <p:nvGrpSpPr>
+        <p:cNvPr id="1" name="">
+          <a:extLst>
+            <a:ext uri="{FF2B5EF4-FFF2-40B4-BE49-F238E27FC236}">
+              <a16:creationId xmlns:a16="http://schemas.microsoft.com/office/drawing/2014/main" id="{D393A442-E2AF-AEBD-E819-D15521D0E5DF}"/>
+            </a:ext>
+          </a:extLst>
+        </p:cNvPr>
+        <p:cNvGrpSpPr/>
+        <p:nvPr/>
+      </p:nvGrpSpPr>
+      <p:grpSpPr>
+        <a:xfrm>
+          <a:off x="0" y="0"/>
+          <a:ext cx="0" cy="0"/>
+          <a:chOff x="0" y="0"/>
+          <a:chExt cx="0" cy="0"/>
+        </a:xfrm>
+      </p:grpSpPr>
+      <p:sp>
+        <p:nvSpPr>
+          <p:cNvPr id="5" name="Content Placeholder 6">
+            <a:extLst>
+              <a:ext uri="{FF2B5EF4-FFF2-40B4-BE49-F238E27FC236}">
+                <a16:creationId xmlns:a16="http://schemas.microsoft.com/office/drawing/2014/main" id="{1DE298CE-D31E-D010-A4F5-91AE75098616}"/>
+              </a:ext>
+            </a:extLst>
+          </p:cNvPr>
+          <p:cNvSpPr>
+            <a:spLocks noGrp="1"/>
+          </p:cNvSpPr>
+          <p:nvPr>
+            <p:ph idx="1"/>
+          </p:nvPr>
+        </p:nvSpPr>
+        <p:spPr>
+          <a:xfrm>
+            <a:off x="1143000" y="1432018"/>
+            <a:ext cx="9905999" cy="1149818"/>
+          </a:xfrm>
+        </p:spPr>
+        <p:txBody>
+          <a:bodyPr>
+            <a:normAutofit/>
+          </a:bodyPr>
+          <a:lstStyle/>
+          <a:p>
+            <a:pPr marL="0" indent="0">
+              <a:buNone/>
+            </a:pPr>
+            <a:r>
+              <a:rPr lang="en-IN" dirty="0">
+                <a:sym typeface="Wingdings" panose="05000000000000000000" pitchFamily="2" charset="2"/>
+              </a:rPr>
+              <a:t>The time offset is to work with values of an older time stamp/period.</a:t>
+            </a:r>
+          </a:p>
+          <a:p>
+            <a:pPr marL="0" indent="0">
+              <a:buNone/>
+            </a:pPr>
+            <a:r>
+              <a:rPr lang="en-IN" dirty="0">
+                <a:sym typeface="Wingdings" panose="05000000000000000000" pitchFamily="2" charset="2"/>
+              </a:rPr>
+              <a:t>	 &lt;</a:t>
+            </a:r>
+            <a:r>
+              <a:rPr lang="en-IN" dirty="0" err="1">
+                <a:sym typeface="Wingdings" panose="05000000000000000000" pitchFamily="2" charset="2"/>
+              </a:rPr>
+              <a:t>metric_name</a:t>
+            </a:r>
+            <a:r>
+              <a:rPr lang="en-IN" dirty="0">
+                <a:sym typeface="Wingdings" panose="05000000000000000000" pitchFamily="2" charset="2"/>
+              </a:rPr>
+              <a:t>&gt; offset </a:t>
+            </a:r>
+            <a:r>
+              <a:rPr lang="en-IN" dirty="0" err="1">
+                <a:sym typeface="Wingdings" panose="05000000000000000000" pitchFamily="2" charset="2"/>
+              </a:rPr>
+              <a:t>time_value</a:t>
+            </a:r>
+            <a:endParaRPr lang="en-IN" dirty="0">
+              <a:sym typeface="Wingdings" panose="05000000000000000000" pitchFamily="2" charset="2"/>
+            </a:endParaRPr>
+          </a:p>
+        </p:txBody>
+      </p:sp>
+      <p:sp>
+        <p:nvSpPr>
+          <p:cNvPr id="8" name="TextBox 7">
+            <a:extLst>
+              <a:ext uri="{FF2B5EF4-FFF2-40B4-BE49-F238E27FC236}">
+                <a16:creationId xmlns:a16="http://schemas.microsoft.com/office/drawing/2014/main" id="{D8E5DE82-7168-B7A3-E0ED-B10CB720FFAC}"/>
+              </a:ext>
+            </a:extLst>
+          </p:cNvPr>
+          <p:cNvSpPr txBox="1"/>
+          <p:nvPr/>
+        </p:nvSpPr>
+        <p:spPr>
+          <a:xfrm>
+            <a:off x="1141413" y="582706"/>
+            <a:ext cx="8065340" cy="646331"/>
+          </a:xfrm>
+          <a:prstGeom prst="rect">
+            <a:avLst/>
+          </a:prstGeom>
+          <a:noFill/>
+        </p:spPr>
+        <p:txBody>
+          <a:bodyPr wrap="square" rtlCol="0">
+            <a:spAutoFit/>
+          </a:bodyPr>
+          <a:lstStyle/>
+          <a:p>
+            <a:r>
+              <a:rPr lang="en-IN" sz="3600" b="1" dirty="0">
+                <a:effectLst>
+                  <a:outerShdw blurRad="38100" dist="38100" dir="2700000" algn="tl">
+                    <a:srgbClr val="000000">
+                      <a:alpha val="43137"/>
+                    </a:srgbClr>
+                  </a:outerShdw>
+                </a:effectLst>
+              </a:rPr>
+              <a:t>Time Offset &amp; Functions</a:t>
+            </a:r>
+          </a:p>
+        </p:txBody>
+      </p:sp>
+      <p:sp>
+        <p:nvSpPr>
+          <p:cNvPr id="2" name="TextBox 1">
+            <a:extLst>
+              <a:ext uri="{FF2B5EF4-FFF2-40B4-BE49-F238E27FC236}">
+                <a16:creationId xmlns:a16="http://schemas.microsoft.com/office/drawing/2014/main" id="{5036AD71-A0D2-081B-1490-8FABB297CCDC}"/>
+              </a:ext>
+            </a:extLst>
+          </p:cNvPr>
+          <p:cNvSpPr txBox="1"/>
+          <p:nvPr/>
+        </p:nvSpPr>
+        <p:spPr>
+          <a:xfrm>
+            <a:off x="953154" y="2581836"/>
+            <a:ext cx="5447646" cy="1938992"/>
+          </a:xfrm>
+          <a:prstGeom prst="rect">
+            <a:avLst/>
+          </a:prstGeom>
+          <a:noFill/>
+        </p:spPr>
+        <p:txBody>
+          <a:bodyPr wrap="square" rtlCol="0">
+            <a:spAutoFit/>
+          </a:bodyPr>
+          <a:lstStyle/>
+          <a:p>
+            <a:pPr marL="742950" lvl="1" indent="-285750">
+              <a:buFont typeface="Arial" panose="020B0604020202020204" pitchFamily="34" charset="0"/>
+              <a:buChar char="•"/>
+            </a:pPr>
+            <a:r>
+              <a:rPr lang="en-IN" sz="2400" dirty="0">
+                <a:sym typeface="Wingdings" panose="05000000000000000000" pitchFamily="2" charset="2"/>
+              </a:rPr>
+              <a:t>absent(&lt;instant vector&gt;)</a:t>
+            </a:r>
+          </a:p>
+          <a:p>
+            <a:pPr marL="742950" lvl="1" indent="-285750">
+              <a:buFont typeface="Arial" panose="020B0604020202020204" pitchFamily="34" charset="0"/>
+              <a:buChar char="•"/>
+            </a:pPr>
+            <a:r>
+              <a:rPr lang="en-IN" sz="2400" dirty="0" err="1">
+                <a:sym typeface="Wingdings" panose="05000000000000000000" pitchFamily="2" charset="2"/>
+              </a:rPr>
+              <a:t>absent_over_time</a:t>
+            </a:r>
+            <a:r>
+              <a:rPr lang="en-IN" sz="2400" dirty="0">
+                <a:sym typeface="Wingdings" panose="05000000000000000000" pitchFamily="2" charset="2"/>
+              </a:rPr>
+              <a:t>(&lt;ranged vector&gt;)</a:t>
+            </a:r>
+          </a:p>
+          <a:p>
+            <a:pPr marL="742950" lvl="1" indent="-285750">
+              <a:buFont typeface="Arial" panose="020B0604020202020204" pitchFamily="34" charset="0"/>
+              <a:buChar char="•"/>
+            </a:pPr>
+            <a:r>
+              <a:rPr lang="en-IN" sz="2400" dirty="0">
+                <a:sym typeface="Wingdings" panose="05000000000000000000" pitchFamily="2" charset="2"/>
+              </a:rPr>
+              <a:t>abs(&lt;Instant Vector&gt;)</a:t>
+            </a:r>
+          </a:p>
+          <a:p>
+            <a:pPr marL="742950" lvl="1" indent="-285750">
+              <a:buFont typeface="Arial" panose="020B0604020202020204" pitchFamily="34" charset="0"/>
+              <a:buChar char="•"/>
+            </a:pPr>
+            <a:r>
+              <a:rPr lang="en-IN" sz="2400" dirty="0">
+                <a:sym typeface="Wingdings" panose="05000000000000000000" pitchFamily="2" charset="2"/>
+              </a:rPr>
+              <a:t>ceil(&lt;Instant Vector&gt;)</a:t>
+            </a:r>
+          </a:p>
+          <a:p>
+            <a:pPr marL="742950" lvl="1" indent="-285750">
+              <a:buFont typeface="Arial" panose="020B0604020202020204" pitchFamily="34" charset="0"/>
+              <a:buChar char="•"/>
+            </a:pPr>
+            <a:r>
+              <a:rPr lang="en-IN" sz="2400" dirty="0">
+                <a:sym typeface="Wingdings" panose="05000000000000000000" pitchFamily="2" charset="2"/>
+              </a:rPr>
+              <a:t>floor(&lt;Instant Vector&gt;) </a:t>
+            </a:r>
+          </a:p>
+        </p:txBody>
+      </p:sp>
+      <p:sp>
+        <p:nvSpPr>
+          <p:cNvPr id="11" name="TextBox 10">
+            <a:extLst>
+              <a:ext uri="{FF2B5EF4-FFF2-40B4-BE49-F238E27FC236}">
+                <a16:creationId xmlns:a16="http://schemas.microsoft.com/office/drawing/2014/main" id="{229DF90E-7154-C9B2-A456-8E3C820C040E}"/>
+              </a:ext>
+            </a:extLst>
+          </p:cNvPr>
+          <p:cNvSpPr txBox="1"/>
+          <p:nvPr/>
+        </p:nvSpPr>
+        <p:spPr>
+          <a:xfrm>
+            <a:off x="3068825" y="4673298"/>
+            <a:ext cx="6263434" cy="1200329"/>
+          </a:xfrm>
+          <a:prstGeom prst="rect">
+            <a:avLst/>
+          </a:prstGeom>
+          <a:noFill/>
+        </p:spPr>
+        <p:txBody>
+          <a:bodyPr wrap="square" rtlCol="0">
+            <a:spAutoFit/>
+          </a:bodyPr>
+          <a:lstStyle/>
+          <a:p>
+            <a:pPr marL="742950" lvl="1" indent="-285750">
+              <a:buFont typeface="Arial" panose="020B0604020202020204" pitchFamily="34" charset="0"/>
+              <a:buChar char="•"/>
+            </a:pPr>
+            <a:r>
+              <a:rPr lang="en-IN" sz="2400" dirty="0">
+                <a:sym typeface="Wingdings" panose="05000000000000000000" pitchFamily="2" charset="2"/>
+              </a:rPr>
+              <a:t>clamp(&lt;instant vector&gt;, min, max)</a:t>
+            </a:r>
+          </a:p>
+          <a:p>
+            <a:pPr marL="742950" lvl="1" indent="-285750">
+              <a:buFont typeface="Arial" panose="020B0604020202020204" pitchFamily="34" charset="0"/>
+              <a:buChar char="•"/>
+            </a:pPr>
+            <a:r>
+              <a:rPr lang="en-IN" sz="2400" dirty="0" err="1">
+                <a:sym typeface="Wingdings" panose="05000000000000000000" pitchFamily="2" charset="2"/>
+              </a:rPr>
+              <a:t>clamp_min</a:t>
+            </a:r>
+            <a:r>
+              <a:rPr lang="en-IN" sz="2400" dirty="0">
+                <a:sym typeface="Wingdings" panose="05000000000000000000" pitchFamily="2" charset="2"/>
+              </a:rPr>
+              <a:t>(&lt;instant vector&gt;, min)</a:t>
+            </a:r>
+          </a:p>
+          <a:p>
+            <a:pPr marL="742950" lvl="1" indent="-285750">
+              <a:buFont typeface="Arial" panose="020B0604020202020204" pitchFamily="34" charset="0"/>
+              <a:buChar char="•"/>
+            </a:pPr>
+            <a:r>
+              <a:rPr lang="en-IN" sz="2400" dirty="0" err="1">
+                <a:sym typeface="Wingdings" panose="05000000000000000000" pitchFamily="2" charset="2"/>
+              </a:rPr>
+              <a:t>clamp_max</a:t>
+            </a:r>
+            <a:r>
+              <a:rPr lang="en-IN" sz="2400" dirty="0">
+                <a:sym typeface="Wingdings" panose="05000000000000000000" pitchFamily="2" charset="2"/>
+              </a:rPr>
+              <a:t>(&lt;instant vector&gt;, max)</a:t>
+            </a:r>
+          </a:p>
+        </p:txBody>
+      </p:sp>
+    </p:spTree>
+    <p:extLst>
+      <p:ext uri="{BB962C8B-B14F-4D97-AF65-F5344CB8AC3E}">
+        <p14:creationId xmlns:p14="http://schemas.microsoft.com/office/powerpoint/2010/main" val="51759367"/>
+      </p:ext>
+    </p:extLst>
+  </p:cSld>
+  <p:clrMapOvr>
+    <a:masterClrMapping/>
+  </p:clrMapOvr>
+</p:sld>
+</file>
+
+<file path=ppt/slides/slide19.xml><?xml version="1.0" encoding="utf-8"?>
+<p:sld xmlns:a="http://schemas.openxmlformats.org/drawingml/2006/main" xmlns:r="http://schemas.openxmlformats.org/officeDocument/2006/relationships" xmlns:p="http://schemas.openxmlformats.org/presentationml/2006/main">
+  <p:cSld>
+    <p:spTree>
+      <p:nvGrpSpPr>
+        <p:cNvPr id="1" name="">
+          <a:extLst>
+            <a:ext uri="{FF2B5EF4-FFF2-40B4-BE49-F238E27FC236}">
+              <a16:creationId xmlns:a16="http://schemas.microsoft.com/office/drawing/2014/main" id="{D393A442-E2AF-AEBD-E819-D15521D0E5DF}"/>
+            </a:ext>
+          </a:extLst>
+        </p:cNvPr>
+        <p:cNvGrpSpPr/>
+        <p:nvPr/>
+      </p:nvGrpSpPr>
+      <p:grpSpPr>
+        <a:xfrm>
+          <a:off x="0" y="0"/>
+          <a:ext cx="0" cy="0"/>
+          <a:chOff x="0" y="0"/>
+          <a:chExt cx="0" cy="0"/>
+        </a:xfrm>
+      </p:grpSpPr>
+      <p:sp>
+        <p:nvSpPr>
+          <p:cNvPr id="2" name="TextBox 1">
+            <a:extLst>
+              <a:ext uri="{FF2B5EF4-FFF2-40B4-BE49-F238E27FC236}">
+                <a16:creationId xmlns:a16="http://schemas.microsoft.com/office/drawing/2014/main" id="{5036AD71-A0D2-081B-1490-8FABB297CCDC}"/>
+              </a:ext>
+            </a:extLst>
+          </p:cNvPr>
+          <p:cNvSpPr txBox="1"/>
+          <p:nvPr/>
+        </p:nvSpPr>
+        <p:spPr>
+          <a:xfrm>
+            <a:off x="791789" y="869577"/>
+            <a:ext cx="5447646" cy="1938992"/>
+          </a:xfrm>
+          <a:prstGeom prst="rect">
+            <a:avLst/>
+          </a:prstGeom>
+          <a:noFill/>
+        </p:spPr>
+        <p:txBody>
+          <a:bodyPr wrap="square" rtlCol="0">
+            <a:spAutoFit/>
+          </a:bodyPr>
+          <a:lstStyle/>
+          <a:p>
+            <a:pPr marL="742950" lvl="1" indent="-285750">
+              <a:buFont typeface="Arial" panose="020B0604020202020204" pitchFamily="34" charset="0"/>
+              <a:buChar char="•"/>
+            </a:pPr>
+            <a:r>
+              <a:rPr lang="en-IN" sz="2400" dirty="0">
+                <a:sym typeface="Wingdings" panose="05000000000000000000" pitchFamily="2" charset="2"/>
+              </a:rPr>
+              <a:t>log2(&lt;instant vector&gt;)</a:t>
+            </a:r>
+          </a:p>
+          <a:p>
+            <a:pPr marL="742950" lvl="1" indent="-285750">
+              <a:buFont typeface="Arial" panose="020B0604020202020204" pitchFamily="34" charset="0"/>
+              <a:buChar char="•"/>
+            </a:pPr>
+            <a:r>
+              <a:rPr lang="en-IN" sz="2400" dirty="0">
+                <a:sym typeface="Wingdings" panose="05000000000000000000" pitchFamily="2" charset="2"/>
+              </a:rPr>
+              <a:t>log10(&lt;ranged vector&gt;)</a:t>
+            </a:r>
+          </a:p>
+          <a:p>
+            <a:pPr marL="742950" lvl="1" indent="-285750">
+              <a:buFont typeface="Arial" panose="020B0604020202020204" pitchFamily="34" charset="0"/>
+              <a:buChar char="•"/>
+            </a:pPr>
+            <a:r>
+              <a:rPr lang="en-IN" sz="2400" dirty="0">
+                <a:sym typeface="Wingdings" panose="05000000000000000000" pitchFamily="2" charset="2"/>
+              </a:rPr>
+              <a:t>ln(&lt;Instant Vector&gt;)</a:t>
+            </a:r>
+          </a:p>
+          <a:p>
+            <a:pPr marL="742950" lvl="1" indent="-285750">
+              <a:buFont typeface="Arial" panose="020B0604020202020204" pitchFamily="34" charset="0"/>
+              <a:buChar char="•"/>
+            </a:pPr>
+            <a:r>
+              <a:rPr lang="en-IN" sz="2400" dirty="0">
+                <a:sym typeface="Wingdings" panose="05000000000000000000" pitchFamily="2" charset="2"/>
+              </a:rPr>
+              <a:t>sort(&lt;Instant Vector&gt;)</a:t>
+            </a:r>
+          </a:p>
+          <a:p>
+            <a:pPr marL="742950" lvl="1" indent="-285750">
+              <a:buFont typeface="Arial" panose="020B0604020202020204" pitchFamily="34" charset="0"/>
+              <a:buChar char="•"/>
+            </a:pPr>
+            <a:r>
+              <a:rPr lang="en-IN" sz="2400" dirty="0" err="1">
+                <a:sym typeface="Wingdings" panose="05000000000000000000" pitchFamily="2" charset="2"/>
+              </a:rPr>
+              <a:t>sort_desc</a:t>
+            </a:r>
+            <a:r>
+              <a:rPr lang="en-IN" sz="2400" dirty="0">
+                <a:sym typeface="Wingdings" panose="05000000000000000000" pitchFamily="2" charset="2"/>
+              </a:rPr>
+              <a:t>(&lt;Instant Vector&gt;) </a:t>
+            </a:r>
+          </a:p>
+        </p:txBody>
+      </p:sp>
+      <p:sp>
+        <p:nvSpPr>
+          <p:cNvPr id="11" name="TextBox 10">
+            <a:extLst>
+              <a:ext uri="{FF2B5EF4-FFF2-40B4-BE49-F238E27FC236}">
+                <a16:creationId xmlns:a16="http://schemas.microsoft.com/office/drawing/2014/main" id="{229DF90E-7154-C9B2-A456-8E3C820C040E}"/>
+              </a:ext>
+            </a:extLst>
+          </p:cNvPr>
+          <p:cNvSpPr txBox="1"/>
+          <p:nvPr/>
+        </p:nvSpPr>
+        <p:spPr>
+          <a:xfrm>
+            <a:off x="791789" y="2996898"/>
+            <a:ext cx="6263434" cy="830997"/>
+          </a:xfrm>
+          <a:prstGeom prst="rect">
+            <a:avLst/>
+          </a:prstGeom>
+          <a:noFill/>
+        </p:spPr>
+        <p:txBody>
+          <a:bodyPr wrap="square" rtlCol="0">
+            <a:spAutoFit/>
+          </a:bodyPr>
+          <a:lstStyle/>
+          <a:p>
+            <a:pPr marL="742950" lvl="1" indent="-285750">
+              <a:buFont typeface="Arial" panose="020B0604020202020204" pitchFamily="34" charset="0"/>
+              <a:buChar char="•"/>
+            </a:pPr>
+            <a:r>
+              <a:rPr lang="en-IN" sz="2400" dirty="0">
+                <a:sym typeface="Wingdings" panose="05000000000000000000" pitchFamily="2" charset="2"/>
+              </a:rPr>
+              <a:t>time()</a:t>
+            </a:r>
+          </a:p>
+          <a:p>
+            <a:pPr marL="742950" lvl="1" indent="-285750">
+              <a:buFont typeface="Arial" panose="020B0604020202020204" pitchFamily="34" charset="0"/>
+              <a:buChar char="•"/>
+            </a:pPr>
+            <a:r>
+              <a:rPr lang="en-IN" sz="2400" dirty="0">
+                <a:sym typeface="Wingdings" panose="05000000000000000000" pitchFamily="2" charset="2"/>
+              </a:rPr>
+              <a:t>timestamp(&lt;Instant Vector&gt;)</a:t>
+            </a:r>
+          </a:p>
+        </p:txBody>
+      </p:sp>
+      <p:sp>
+        <p:nvSpPr>
+          <p:cNvPr id="6" name="TextBox 5">
+            <a:extLst>
+              <a:ext uri="{FF2B5EF4-FFF2-40B4-BE49-F238E27FC236}">
+                <a16:creationId xmlns:a16="http://schemas.microsoft.com/office/drawing/2014/main" id="{9754B62A-3A92-CD79-D702-DFAB53DFD6AD}"/>
+              </a:ext>
+            </a:extLst>
+          </p:cNvPr>
+          <p:cNvSpPr txBox="1"/>
+          <p:nvPr/>
+        </p:nvSpPr>
+        <p:spPr>
+          <a:xfrm>
+            <a:off x="791789" y="4016224"/>
+            <a:ext cx="6792352" cy="1938992"/>
+          </a:xfrm>
+          <a:prstGeom prst="rect">
+            <a:avLst/>
+          </a:prstGeom>
+          <a:noFill/>
+        </p:spPr>
+        <p:txBody>
+          <a:bodyPr wrap="square" rtlCol="0">
+            <a:spAutoFit/>
+          </a:bodyPr>
+          <a:lstStyle/>
+          <a:p>
+            <a:pPr marL="742950" lvl="1" indent="-285750">
+              <a:buFont typeface="Arial" panose="020B0604020202020204" pitchFamily="34" charset="0"/>
+              <a:buChar char="•"/>
+            </a:pPr>
+            <a:r>
+              <a:rPr lang="en-IN" sz="2400" dirty="0" err="1">
+                <a:sym typeface="Wingdings" panose="05000000000000000000" pitchFamily="2" charset="2"/>
+              </a:rPr>
+              <a:t>sum_over_time</a:t>
+            </a:r>
+            <a:r>
+              <a:rPr lang="en-IN" sz="2400" dirty="0">
+                <a:sym typeface="Wingdings" panose="05000000000000000000" pitchFamily="2" charset="2"/>
+              </a:rPr>
+              <a:t>(&lt;Range Vector&gt;)</a:t>
+            </a:r>
+          </a:p>
+          <a:p>
+            <a:pPr marL="742950" lvl="1" indent="-285750">
+              <a:buFont typeface="Arial" panose="020B0604020202020204" pitchFamily="34" charset="0"/>
+              <a:buChar char="•"/>
+            </a:pPr>
+            <a:r>
+              <a:rPr lang="en-IN" sz="2400" dirty="0" err="1">
+                <a:sym typeface="Wingdings" panose="05000000000000000000" pitchFamily="2" charset="2"/>
+              </a:rPr>
+              <a:t>min_over_time</a:t>
+            </a:r>
+            <a:r>
+              <a:rPr lang="en-IN" sz="2400" dirty="0">
+                <a:sym typeface="Wingdings" panose="05000000000000000000" pitchFamily="2" charset="2"/>
+              </a:rPr>
+              <a:t>(&lt;Range Vector&gt;)</a:t>
+            </a:r>
+          </a:p>
+          <a:p>
+            <a:pPr marL="742950" lvl="1" indent="-285750">
+              <a:buFont typeface="Arial" panose="020B0604020202020204" pitchFamily="34" charset="0"/>
+              <a:buChar char="•"/>
+            </a:pPr>
+            <a:r>
+              <a:rPr lang="en-IN" sz="2400" dirty="0" err="1">
+                <a:sym typeface="Wingdings" panose="05000000000000000000" pitchFamily="2" charset="2"/>
+              </a:rPr>
+              <a:t>max_over_time</a:t>
+            </a:r>
+            <a:r>
+              <a:rPr lang="en-IN" sz="2400" dirty="0">
+                <a:sym typeface="Wingdings" panose="05000000000000000000" pitchFamily="2" charset="2"/>
+              </a:rPr>
+              <a:t>(&lt;Range Vector&gt;)</a:t>
+            </a:r>
+          </a:p>
+          <a:p>
+            <a:pPr marL="742950" lvl="1" indent="-285750">
+              <a:buFont typeface="Arial" panose="020B0604020202020204" pitchFamily="34" charset="0"/>
+              <a:buChar char="•"/>
+            </a:pPr>
+            <a:r>
+              <a:rPr lang="en-IN" sz="2400" dirty="0" err="1">
+                <a:sym typeface="Wingdings" panose="05000000000000000000" pitchFamily="2" charset="2"/>
+              </a:rPr>
+              <a:t>avg_over_time</a:t>
+            </a:r>
+            <a:r>
+              <a:rPr lang="en-IN" sz="2400" dirty="0">
+                <a:sym typeface="Wingdings" panose="05000000000000000000" pitchFamily="2" charset="2"/>
+              </a:rPr>
+              <a:t>(&lt;Range Vector&gt;)</a:t>
+            </a:r>
+          </a:p>
+          <a:p>
+            <a:pPr marL="742950" lvl="1" indent="-285750">
+              <a:buFont typeface="Arial" panose="020B0604020202020204" pitchFamily="34" charset="0"/>
+              <a:buChar char="•"/>
+            </a:pPr>
+            <a:r>
+              <a:rPr lang="en-IN" sz="2400" dirty="0" err="1">
+                <a:sym typeface="Wingdings" panose="05000000000000000000" pitchFamily="2" charset="2"/>
+              </a:rPr>
+              <a:t>count_over_time</a:t>
+            </a:r>
+            <a:r>
+              <a:rPr lang="en-IN" sz="2400" dirty="0">
+                <a:sym typeface="Wingdings" panose="05000000000000000000" pitchFamily="2" charset="2"/>
+              </a:rPr>
+              <a:t>(&lt;Range Vector&gt;) </a:t>
+            </a:r>
+          </a:p>
+        </p:txBody>
+      </p:sp>
+    </p:spTree>
+    <p:extLst>
+      <p:ext uri="{BB962C8B-B14F-4D97-AF65-F5344CB8AC3E}">
+        <p14:creationId xmlns:p14="http://schemas.microsoft.com/office/powerpoint/2010/main" val="2099083050"/>
+      </p:ext>
+    </p:extLst>
+  </p:cSld>
+  <p:clrMapOvr>
+    <a:masterClrMapping/>
+  </p:clrMapOvr>
+</p:sld>
+</file>
+
 <file path=ppt/slides/slide2.xml><?xml version="1.0" encoding="utf-8"?>
 <p:sld xmlns:a="http://schemas.openxmlformats.org/drawingml/2006/main" xmlns:r="http://schemas.openxmlformats.org/officeDocument/2006/relationships" xmlns:p="http://schemas.openxmlformats.org/presentationml/2006/main">
   <p:cSld>
@@ -19838,7 +20905,7 @@
             </a:pPr>
             <a:r>
               <a:rPr lang="en-IN" dirty="0"/>
-              <a:t>Prometheus Server</a:t>
+              <a:t> Prometheus Server</a:t>
             </a:r>
           </a:p>
           <a:p>
@@ -19848,7 +20915,7 @@
             </a:pPr>
             <a:r>
               <a:rPr lang="en-IN" dirty="0"/>
-              <a:t>Client libraries</a:t>
+              <a:t> Client libraries</a:t>
             </a:r>
           </a:p>
           <a:p>
@@ -19858,7 +20925,7 @@
             </a:pPr>
             <a:r>
               <a:rPr lang="en-IN" dirty="0"/>
-              <a:t>Push Gateway</a:t>
+              <a:t> Push Gateway</a:t>
             </a:r>
           </a:p>
           <a:p>
@@ -19868,7 +20935,7 @@
             </a:pPr>
             <a:r>
               <a:rPr lang="en-IN" dirty="0"/>
-              <a:t>Exporters</a:t>
+              <a:t> Exporters</a:t>
             </a:r>
           </a:p>
           <a:p>
@@ -19878,7 +20945,7 @@
             </a:pPr>
             <a:r>
               <a:rPr lang="en-IN" dirty="0"/>
-              <a:t>Alert Manager</a:t>
+              <a:t> Alert Manager</a:t>
             </a:r>
           </a:p>
         </p:txBody>
